--- a/CMQA/Presentations/First Semester Presentation.pptx
+++ b/CMQA/Presentations/First Semester Presentation.pptx
@@ -6,7 +6,7 @@
     <p:sldMasterId id="2147483649" r:id="rId2"/>
   </p:sldMasterIdLst>
   <p:notesMasterIdLst>
-    <p:notesMasterId r:id="rId9"/>
+    <p:notesMasterId r:id="rId15"/>
   </p:notesMasterIdLst>
   <p:sldIdLst>
     <p:sldId id="256" r:id="rId3"/>
@@ -15,6 +15,12 @@
     <p:sldId id="261" r:id="rId6"/>
     <p:sldId id="257" r:id="rId7"/>
     <p:sldId id="260" r:id="rId8"/>
+    <p:sldId id="262" r:id="rId9"/>
+    <p:sldId id="264" r:id="rId10"/>
+    <p:sldId id="265" r:id="rId11"/>
+    <p:sldId id="263" r:id="rId12"/>
+    <p:sldId id="266" r:id="rId13"/>
+    <p:sldId id="267" r:id="rId14"/>
   </p:sldIdLst>
   <p:sldSz cx="10075863" cy="7562850"/>
   <p:notesSz cx="7772400" cy="10058400"/>
@@ -10880,6 +10886,927 @@
 </p:sld>
 </file>
 
+<file path=ppt/slides/slide10.xml><?xml version="1.0" encoding="utf-8"?>
+<p:sld xmlns:a="http://schemas.openxmlformats.org/drawingml/2006/main" xmlns:r="http://schemas.openxmlformats.org/officeDocument/2006/relationships" xmlns:p="http://schemas.openxmlformats.org/presentationml/2006/main">
+  <p:cSld>
+    <p:spTree>
+      <p:nvGrpSpPr>
+        <p:cNvPr id="1" name=""/>
+        <p:cNvGrpSpPr/>
+        <p:nvPr/>
+      </p:nvGrpSpPr>
+      <p:grpSpPr>
+        <a:xfrm>
+          <a:off x="0" y="0"/>
+          <a:ext cx="0" cy="0"/>
+          <a:chOff x="0" y="0"/>
+          <a:chExt cx="0" cy="0"/>
+        </a:xfrm>
+      </p:grpSpPr>
+      <p:sp>
+        <p:nvSpPr>
+          <p:cNvPr id="2" name="Title 1"/>
+          <p:cNvSpPr>
+            <a:spLocks noGrp="1"/>
+          </p:cNvSpPr>
+          <p:nvPr>
+            <p:ph type="title"/>
+          </p:nvPr>
+        </p:nvSpPr>
+        <p:spPr/>
+        <p:txBody>
+          <a:bodyPr/>
+          <a:lstStyle/>
+          <a:p>
+            <a:r>
+              <a:rPr lang="en-US" b="1" dirty="0" smtClean="0">
+                <a:solidFill>
+                  <a:schemeClr val="tx1">
+                    <a:lumMod val="85000"/>
+                    <a:lumOff val="15000"/>
+                  </a:schemeClr>
+                </a:solidFill>
+              </a:rPr>
+              <a:t>Key Design Parameters: Cost</a:t>
+            </a:r>
+            <a:endParaRPr lang="en-US" b="1" dirty="0">
+              <a:solidFill>
+                <a:schemeClr val="tx1">
+                  <a:lumMod val="85000"/>
+                  <a:lumOff val="15000"/>
+                </a:schemeClr>
+              </a:solidFill>
+            </a:endParaRPr>
+          </a:p>
+        </p:txBody>
+      </p:sp>
+      <p:sp>
+        <p:nvSpPr>
+          <p:cNvPr id="3" name="Content Placeholder 2"/>
+          <p:cNvSpPr>
+            <a:spLocks noGrp="1"/>
+          </p:cNvSpPr>
+          <p:nvPr>
+            <p:ph idx="1"/>
+          </p:nvPr>
+        </p:nvSpPr>
+        <p:spPr>
+          <a:xfrm>
+            <a:off x="4275931" y="1343025"/>
+            <a:ext cx="5553075" cy="5638800"/>
+          </a:xfrm>
+        </p:spPr>
+        <p:txBody>
+          <a:bodyPr/>
+          <a:lstStyle/>
+          <a:p>
+            <a:pPr>
+              <a:buFont typeface="Arial" pitchFamily="34" charset="0"/>
+              <a:buChar char="•"/>
+            </a:pPr>
+            <a:r>
+              <a:rPr lang="en-US" sz="2000" dirty="0" smtClean="0">
+                <a:solidFill>
+                  <a:schemeClr val="tx1">
+                    <a:lumMod val="85000"/>
+                    <a:lumOff val="15000"/>
+                  </a:schemeClr>
+                </a:solidFill>
+              </a:rPr>
+              <a:t>One of the greatest limits on the scope and success of any spacecraft mission is cost, specifically, the cost of getting a spacecraft to orbit.</a:t>
+            </a:r>
+            <a:endParaRPr lang="en-US" sz="2000" dirty="0" smtClean="0">
+              <a:solidFill>
+                <a:schemeClr val="tx1">
+                  <a:lumMod val="85000"/>
+                  <a:lumOff val="15000"/>
+                </a:schemeClr>
+              </a:solidFill>
+            </a:endParaRPr>
+          </a:p>
+          <a:p>
+            <a:pPr lvl="1">
+              <a:buFont typeface="Arial" pitchFamily="34" charset="0"/>
+              <a:buChar char="•"/>
+            </a:pPr>
+            <a:r>
+              <a:rPr lang="en-US" sz="1800" dirty="0" smtClean="0">
+                <a:solidFill>
+                  <a:schemeClr val="tx1">
+                    <a:lumMod val="85000"/>
+                    <a:lumOff val="15000"/>
+                  </a:schemeClr>
+                </a:solidFill>
+              </a:rPr>
+              <a:t>Launch costs alone can range from $6 million for microsatellites to $500,000 for </a:t>
+            </a:r>
+            <a:r>
+              <a:rPr lang="en-US" sz="1800" dirty="0" err="1" smtClean="0">
+                <a:solidFill>
+                  <a:schemeClr val="tx1">
+                    <a:lumMod val="85000"/>
+                    <a:lumOff val="15000"/>
+                  </a:schemeClr>
+                </a:solidFill>
+              </a:rPr>
+              <a:t>CubeSats</a:t>
+            </a:r>
+            <a:endParaRPr lang="en-US" sz="1800" dirty="0" smtClean="0">
+              <a:solidFill>
+                <a:schemeClr val="tx1">
+                  <a:lumMod val="85000"/>
+                  <a:lumOff val="15000"/>
+                </a:schemeClr>
+              </a:solidFill>
+            </a:endParaRPr>
+          </a:p>
+          <a:p>
+            <a:pPr>
+              <a:buFont typeface="Arial" pitchFamily="34" charset="0"/>
+              <a:buChar char="•"/>
+            </a:pPr>
+            <a:r>
+              <a:rPr lang="en-US" sz="2000" dirty="0" smtClean="0">
+                <a:solidFill>
+                  <a:schemeClr val="tx1">
+                    <a:lumMod val="85000"/>
+                    <a:lumOff val="15000"/>
+                  </a:schemeClr>
+                </a:solidFill>
+              </a:rPr>
+              <a:t>However, for satellites that fall under the CubeSat category, a NASA program exists that finds and subsequently pays for launch spots for said satellites. No such program exists for </a:t>
+            </a:r>
+            <a:r>
+              <a:rPr lang="en-US" sz="2000" dirty="0" smtClean="0">
+                <a:solidFill>
+                  <a:schemeClr val="tx1">
+                    <a:lumMod val="85000"/>
+                    <a:lumOff val="15000"/>
+                  </a:schemeClr>
+                </a:solidFill>
+              </a:rPr>
+              <a:t>microsatellites.</a:t>
+            </a:r>
+          </a:p>
+          <a:p>
+            <a:pPr>
+              <a:buFont typeface="Arial" pitchFamily="34" charset="0"/>
+              <a:buChar char="•"/>
+            </a:pPr>
+            <a:r>
+              <a:rPr lang="en-US" sz="2000" dirty="0" smtClean="0">
+                <a:solidFill>
+                  <a:schemeClr val="tx1">
+                    <a:lumMod val="85000"/>
+                    <a:lumOff val="15000"/>
+                  </a:schemeClr>
+                </a:solidFill>
+              </a:rPr>
+              <a:t>Beyond launch cost, the cost associated with designing, building, and testing a CubeSat (or microsatellite, for that matter) is on the order of thousands of dollars, as opposed to the millions associated with larger, more complicated spacecraft systems.</a:t>
+            </a:r>
+            <a:endParaRPr lang="en-US" sz="2000" dirty="0" smtClean="0">
+              <a:solidFill>
+                <a:schemeClr val="tx1">
+                  <a:lumMod val="85000"/>
+                  <a:lumOff val="15000"/>
+                </a:schemeClr>
+              </a:solidFill>
+            </a:endParaRPr>
+          </a:p>
+          <a:p>
+            <a:endParaRPr lang="en-US" dirty="0" smtClean="0">
+              <a:solidFill>
+                <a:schemeClr val="tx1">
+                  <a:lumMod val="85000"/>
+                  <a:lumOff val="15000"/>
+                </a:schemeClr>
+              </a:solidFill>
+            </a:endParaRPr>
+          </a:p>
+        </p:txBody>
+      </p:sp>
+      <p:sp>
+        <p:nvSpPr>
+          <p:cNvPr id="4" name="Slide Number Placeholder 3"/>
+          <p:cNvSpPr>
+            <a:spLocks noGrp="1"/>
+          </p:cNvSpPr>
+          <p:nvPr>
+            <p:ph type="sldNum" idx="12"/>
+          </p:nvPr>
+        </p:nvSpPr>
+        <p:spPr/>
+        <p:txBody>
+          <a:bodyPr/>
+          <a:lstStyle/>
+          <a:p>
+            <a:pPr>
+              <a:defRPr/>
+            </a:pPr>
+            <a:fld id="{8C6E2802-7AC4-44BB-B0A5-E12803E0614A}" type="slidenum">
+              <a:rPr lang="en-US" altLang="en-US" smtClean="0"/>
+              <a:pPr>
+                <a:defRPr/>
+              </a:pPr>
+              <a:t>10</a:t>
+            </a:fld>
+            <a:endParaRPr lang="en-US" altLang="en-US" dirty="0"/>
+          </a:p>
+        </p:txBody>
+      </p:sp>
+      <p:pic>
+        <p:nvPicPr>
+          <p:cNvPr id="2050" name="Picture 2" descr="http://cdn.physorg.com/newman/gfx/news/hires/2013/1-nasaaimsform.jpg"/>
+          <p:cNvPicPr>
+            <a:picLocks noChangeAspect="1" noChangeArrowheads="1"/>
+          </p:cNvPicPr>
+          <p:nvPr/>
+        </p:nvPicPr>
+        <p:blipFill>
+          <a:blip r:embed="rId2" cstate="print"/>
+          <a:srcRect/>
+          <a:stretch>
+            <a:fillRect/>
+          </a:stretch>
+        </p:blipFill>
+        <p:spPr bwMode="auto">
+          <a:xfrm>
+            <a:off x="237331" y="1495425"/>
+            <a:ext cx="4000499" cy="5334000"/>
+          </a:xfrm>
+          <a:prstGeom prst="rect">
+            <a:avLst/>
+          </a:prstGeom>
+          <a:noFill/>
+        </p:spPr>
+      </p:pic>
+    </p:spTree>
+  </p:cSld>
+  <p:clrMapOvr>
+    <a:masterClrMapping/>
+  </p:clrMapOvr>
+  <p:timing>
+    <p:tnLst>
+      <p:par>
+        <p:cTn id="1" dur="indefinite" restart="never" nodeType="tmRoot"/>
+      </p:par>
+    </p:tnLst>
+  </p:timing>
+</p:sld>
+</file>
+
+<file path=ppt/slides/slide11.xml><?xml version="1.0" encoding="utf-8"?>
+<p:sld xmlns:a="http://schemas.openxmlformats.org/drawingml/2006/main" xmlns:r="http://schemas.openxmlformats.org/officeDocument/2006/relationships" xmlns:p="http://schemas.openxmlformats.org/presentationml/2006/main">
+  <p:cSld>
+    <p:spTree>
+      <p:nvGrpSpPr>
+        <p:cNvPr id="1" name=""/>
+        <p:cNvGrpSpPr/>
+        <p:nvPr/>
+      </p:nvGrpSpPr>
+      <p:grpSpPr>
+        <a:xfrm>
+          <a:off x="0" y="0"/>
+          <a:ext cx="0" cy="0"/>
+          <a:chOff x="0" y="0"/>
+          <a:chExt cx="0" cy="0"/>
+        </a:xfrm>
+      </p:grpSpPr>
+      <p:sp>
+        <p:nvSpPr>
+          <p:cNvPr id="2" name="Title 1"/>
+          <p:cNvSpPr>
+            <a:spLocks noGrp="1"/>
+          </p:cNvSpPr>
+          <p:nvPr>
+            <p:ph type="title"/>
+          </p:nvPr>
+        </p:nvSpPr>
+        <p:spPr/>
+        <p:txBody>
+          <a:bodyPr/>
+          <a:lstStyle/>
+          <a:p>
+            <a:r>
+              <a:rPr lang="en-US" b="1" dirty="0" smtClean="0">
+                <a:solidFill>
+                  <a:schemeClr val="tx1">
+                    <a:lumMod val="85000"/>
+                    <a:lumOff val="15000"/>
+                  </a:schemeClr>
+                </a:solidFill>
+              </a:rPr>
+              <a:t>Key Design Parameters: Volume</a:t>
+            </a:r>
+            <a:endParaRPr lang="en-US" b="1" dirty="0">
+              <a:solidFill>
+                <a:schemeClr val="tx1">
+                  <a:lumMod val="85000"/>
+                  <a:lumOff val="15000"/>
+                </a:schemeClr>
+              </a:solidFill>
+            </a:endParaRPr>
+          </a:p>
+        </p:txBody>
+      </p:sp>
+      <p:sp>
+        <p:nvSpPr>
+          <p:cNvPr id="3" name="Content Placeholder 2"/>
+          <p:cNvSpPr>
+            <a:spLocks noGrp="1"/>
+          </p:cNvSpPr>
+          <p:nvPr>
+            <p:ph idx="1"/>
+          </p:nvPr>
+        </p:nvSpPr>
+        <p:spPr>
+          <a:xfrm>
+            <a:off x="618331" y="1343025"/>
+            <a:ext cx="9210675" cy="3124200"/>
+          </a:xfrm>
+        </p:spPr>
+        <p:txBody>
+          <a:bodyPr/>
+          <a:lstStyle/>
+          <a:p>
+            <a:pPr>
+              <a:buFont typeface="Arial" pitchFamily="34" charset="0"/>
+              <a:buChar char="•"/>
+            </a:pPr>
+            <a:r>
+              <a:rPr lang="en-US" sz="2000" dirty="0" smtClean="0">
+                <a:solidFill>
+                  <a:schemeClr val="tx1">
+                    <a:lumMod val="85000"/>
+                    <a:lumOff val="15000"/>
+                  </a:schemeClr>
+                </a:solidFill>
+              </a:rPr>
+              <a:t>As discussed previously, another one of the largest constraints on small spacecraft design is volume.</a:t>
+            </a:r>
+            <a:endParaRPr lang="en-US" sz="2000" dirty="0" smtClean="0">
+              <a:solidFill>
+                <a:schemeClr val="tx1">
+                  <a:lumMod val="85000"/>
+                  <a:lumOff val="15000"/>
+                </a:schemeClr>
+              </a:solidFill>
+            </a:endParaRPr>
+          </a:p>
+          <a:p>
+            <a:pPr lvl="1">
+              <a:buFont typeface="Arial" pitchFamily="34" charset="0"/>
+              <a:buChar char="•"/>
+            </a:pPr>
+            <a:r>
+              <a:rPr lang="en-US" sz="1800" dirty="0" smtClean="0">
+                <a:solidFill>
+                  <a:schemeClr val="tx1">
+                    <a:lumMod val="85000"/>
+                    <a:lumOff val="15000"/>
+                  </a:schemeClr>
+                </a:solidFill>
+              </a:rPr>
+              <a:t>In the case of </a:t>
+            </a:r>
+            <a:r>
+              <a:rPr lang="en-US" sz="1800" dirty="0" err="1" smtClean="0">
+                <a:solidFill>
+                  <a:schemeClr val="tx1">
+                    <a:lumMod val="85000"/>
+                    <a:lumOff val="15000"/>
+                  </a:schemeClr>
+                </a:solidFill>
+              </a:rPr>
+              <a:t>CubeSats</a:t>
+            </a:r>
+            <a:r>
+              <a:rPr lang="en-US" sz="1800" dirty="0" smtClean="0">
+                <a:solidFill>
+                  <a:schemeClr val="tx1">
+                    <a:lumMod val="85000"/>
+                    <a:lumOff val="15000"/>
+                  </a:schemeClr>
+                </a:solidFill>
+              </a:rPr>
+              <a:t>, only a limited number of deployers exist.</a:t>
+            </a:r>
+          </a:p>
+          <a:p>
+            <a:pPr lvl="1">
+              <a:buFont typeface="Arial" pitchFamily="34" charset="0"/>
+              <a:buChar char="•"/>
+            </a:pPr>
+            <a:r>
+              <a:rPr lang="en-US" sz="1800" dirty="0" smtClean="0">
+                <a:solidFill>
+                  <a:schemeClr val="tx1">
+                    <a:lumMod val="85000"/>
+                    <a:lumOff val="15000"/>
+                  </a:schemeClr>
+                </a:solidFill>
+              </a:rPr>
+              <a:t>For each of these deployers, there exists a specific volume that a spacecraft must possess in order to be properly integrated into them.</a:t>
+            </a:r>
+          </a:p>
+          <a:p>
+            <a:pPr lvl="1">
+              <a:buFont typeface="Arial" pitchFamily="34" charset="0"/>
+              <a:buChar char="•"/>
+            </a:pPr>
+            <a:r>
+              <a:rPr lang="en-US" sz="1800" dirty="0" smtClean="0">
+                <a:solidFill>
+                  <a:schemeClr val="tx1">
+                    <a:lumMod val="85000"/>
+                    <a:lumOff val="15000"/>
+                  </a:schemeClr>
+                </a:solidFill>
+              </a:rPr>
+              <a:t>These volumes range from 0.0125 m</a:t>
+            </a:r>
+            <a:r>
+              <a:rPr lang="en-US" sz="1800" baseline="30000" dirty="0" smtClean="0">
+                <a:solidFill>
+                  <a:schemeClr val="tx1">
+                    <a:lumMod val="85000"/>
+                    <a:lumOff val="15000"/>
+                  </a:schemeClr>
+                </a:solidFill>
+              </a:rPr>
+              <a:t>3</a:t>
+            </a:r>
+            <a:r>
+              <a:rPr lang="en-US" sz="1800" dirty="0" smtClean="0">
+                <a:solidFill>
+                  <a:schemeClr val="tx1">
+                    <a:lumMod val="85000"/>
+                    <a:lumOff val="15000"/>
+                  </a:schemeClr>
+                </a:solidFill>
+              </a:rPr>
+              <a:t> for the Wallops 6U deployer to 0.00934 m</a:t>
+            </a:r>
+            <a:r>
+              <a:rPr lang="en-US" sz="1800" baseline="30000" dirty="0" smtClean="0">
+                <a:solidFill>
+                  <a:schemeClr val="tx1">
+                    <a:lumMod val="85000"/>
+                    <a:lumOff val="15000"/>
+                  </a:schemeClr>
+                </a:solidFill>
+              </a:rPr>
+              <a:t>3</a:t>
+            </a:r>
+            <a:r>
+              <a:rPr lang="en-US" sz="1800" dirty="0" smtClean="0">
+                <a:solidFill>
+                  <a:schemeClr val="tx1">
+                    <a:lumMod val="85000"/>
+                    <a:lumOff val="15000"/>
+                  </a:schemeClr>
+                </a:solidFill>
+              </a:rPr>
+              <a:t> for the Planetary Resources deployer.</a:t>
+            </a:r>
+          </a:p>
+          <a:p>
+            <a:pPr>
+              <a:buFont typeface="Arial" pitchFamily="34" charset="0"/>
+              <a:buChar char="•"/>
+            </a:pPr>
+            <a:r>
+              <a:rPr lang="en-US" sz="2000" dirty="0" smtClean="0">
+                <a:solidFill>
+                  <a:schemeClr val="tx1">
+                    <a:lumMod val="85000"/>
+                    <a:lumOff val="15000"/>
+                  </a:schemeClr>
+                </a:solidFill>
+              </a:rPr>
+              <a:t>Thus, any design, associated with meeting the Rascal mission success criteria must have the volume associated with one of these available deployers.</a:t>
+            </a:r>
+            <a:r>
+              <a:rPr lang="en-US" sz="1400" dirty="0" smtClean="0">
+                <a:solidFill>
+                  <a:schemeClr val="tx1">
+                    <a:lumMod val="85000"/>
+                    <a:lumOff val="15000"/>
+                  </a:schemeClr>
+                </a:solidFill>
+              </a:rPr>
+              <a:t> </a:t>
+            </a:r>
+          </a:p>
+          <a:p>
+            <a:pPr lvl="1">
+              <a:buFont typeface="Arial" pitchFamily="34" charset="0"/>
+              <a:buChar char="•"/>
+            </a:pPr>
+            <a:endParaRPr lang="en-US" sz="1800" dirty="0" smtClean="0">
+              <a:solidFill>
+                <a:schemeClr val="tx1">
+                  <a:lumMod val="85000"/>
+                  <a:lumOff val="15000"/>
+                </a:schemeClr>
+              </a:solidFill>
+            </a:endParaRPr>
+          </a:p>
+          <a:p>
+            <a:endParaRPr lang="en-US" dirty="0" smtClean="0">
+              <a:solidFill>
+                <a:schemeClr val="tx1">
+                  <a:lumMod val="85000"/>
+                  <a:lumOff val="15000"/>
+                </a:schemeClr>
+              </a:solidFill>
+            </a:endParaRPr>
+          </a:p>
+        </p:txBody>
+      </p:sp>
+      <p:sp>
+        <p:nvSpPr>
+          <p:cNvPr id="4" name="Slide Number Placeholder 3"/>
+          <p:cNvSpPr>
+            <a:spLocks noGrp="1"/>
+          </p:cNvSpPr>
+          <p:nvPr>
+            <p:ph type="sldNum" idx="12"/>
+          </p:nvPr>
+        </p:nvSpPr>
+        <p:spPr/>
+        <p:txBody>
+          <a:bodyPr/>
+          <a:lstStyle/>
+          <a:p>
+            <a:pPr>
+              <a:defRPr/>
+            </a:pPr>
+            <a:fld id="{8C6E2802-7AC4-44BB-B0A5-E12803E0614A}" type="slidenum">
+              <a:rPr lang="en-US" altLang="en-US" smtClean="0"/>
+              <a:pPr>
+                <a:defRPr/>
+              </a:pPr>
+              <a:t>11</a:t>
+            </a:fld>
+            <a:endParaRPr lang="en-US" altLang="en-US" dirty="0"/>
+          </a:p>
+        </p:txBody>
+      </p:sp>
+      <p:pic>
+        <p:nvPicPr>
+          <p:cNvPr id="40962" name="Picture 2"/>
+          <p:cNvPicPr>
+            <a:picLocks noChangeAspect="1" noChangeArrowheads="1"/>
+          </p:cNvPicPr>
+          <p:nvPr/>
+        </p:nvPicPr>
+        <p:blipFill>
+          <a:blip r:embed="rId2" cstate="print"/>
+          <a:srcRect/>
+          <a:stretch>
+            <a:fillRect/>
+          </a:stretch>
+        </p:blipFill>
+        <p:spPr bwMode="auto">
+          <a:xfrm>
+            <a:off x="2523331" y="4467225"/>
+            <a:ext cx="2178288" cy="2362200"/>
+          </a:xfrm>
+          <a:prstGeom prst="rect">
+            <a:avLst/>
+          </a:prstGeom>
+          <a:solidFill>
+            <a:srgbClr val="FFFFFF"/>
+          </a:solidFill>
+          <a:ln w="9525">
+            <a:noFill/>
+            <a:miter lim="800000"/>
+            <a:headEnd/>
+            <a:tailEnd/>
+          </a:ln>
+        </p:spPr>
+      </p:pic>
+      <p:sp>
+        <p:nvSpPr>
+          <p:cNvPr id="40964" name="AutoShape 4" descr="data:image/jpeg;base64,/9j/4AAQSkZJRgABAQAAAQABAAD/2wCEAAkGBxQSEhUUExQWFRUXFxgZGBUWGBwbHBobHhwYFxsfIRwYHCggHhwmHRcYIjEkJykrLi4uHB8zODMsNygtLisBCgoKDg0OGhAQGywmICQ0LCwsLy8sLCwsLCwsLywsLSwsLCwsLCwsLCwsLCwsLC8sLCwxLDQsLSwsLCwsLDQsLP/AABEIAMoA+QMBIgACEQEDEQH/xAAbAAEAAgMBAQAAAAAAAAAAAAAABQYCAwQHAf/EAEEQAAIBAwMCBQIDBAcIAgMBAAECEQADIQQSMQVBBhMiUWEycUKBsRQjkaEzNFJic7LBJENyg8LR4fCCs2OT8RX/xAAZAQEAAwEBAAAAAAAAAAAAAAAAAQIEAwX/xAAwEQACAQMBBAkEAgMAAAAAAAAAAQIDESExBBJBYSIyUYGRscHh8DNxodETI0NSYv/aAAwDAQACEQMRAD8A9xpSlAKUpQClKUApSlAKwuXAoJJAAyScCozxD1pdLb3GNxB2j3iAfv8AUKpV25qtedwCrZOd5YhVjB7gmMyBgxBY1yqVYw1JSuTnWfGaowt2hkmDcYgKuJk+358cweDK9A60LmltXrrKpfd3iSCRiecCaqQt6XSLtRRfdztJuR+IDCKBOccDgqSSIqN6a15z/slvcqMq+pQYUksxljsEThcnviazR2l5lbHPBbdPVrdwMAQQQeCKzqi6TxHbFyLreTeG4kqCFIHIdW4gEc/cECrF03rJa2GvJ5UmJMbTkgGQTAODn3Amu1PaFLEsP5oQ4tExSvgNfa0FRSlKAUpSgFKUoBSlKAUpSgFKUoBSlKAUpXygPtKUoBSlKAUrn1etS0Jdgo+e/wCXJqlda8YPc9GkGWJUNgkkGTAVpI29x2PIPFJTUdSUrls6r1i3YWWMnJgcwIk/AEiqVrfEmp1bhNIGXcTnjaAYkmIE/PHYSawtdFKlrusuMu7cBaQ7mhjJBIBChtsYzx6prDU+IEtA27RVEgRbThMZ3NtyxJAIzkQfnJKvKbtD2LJWJfxBdVjY84hmtA71G0hmIRsk4UE22MQcA8AE1X9T1t7odFMkQAArFZOIC44zEiD7HiujpPhq9qQr3ybaCGXaVlgVBBABO0zmWk54AFXfp/TrdgEWxEmWY5ZickknJOayVNojF9LpP8FkisdN8HFmR9SwbaBCLOTydxPOYwIq2abTrbUKihVHAAgVtpWCpVlPVljg6l0e1fyygPBAuADcv2J/Q4qpdQ6Ve0iIYGptrcLFWHpWSSCV/DAP1Dj86vlKtTryhjgLIqnTevkXLh3qttVGzT7SWYDLFSD9XaPjjvVm6T1db6g7WRiAdlwbWg8c1EdV8M27u5k/duwIlQNpJ7sIyR8EVW763dO+nGqtm8ELhbm8jkLkEMBmMBhIPBAr09n2pWsvB66cDm4nplKqGg8SeVbZ7twXUV9sKrm4oYwsiJbnmIxMmrRpdWlwSjTHIyCPuDkV6EakZaFWjfSlKuQKUpQClKUApSlAKUpQClKUAr5X2vlQwfaV8qF6z4ltWAZYFuABxPPI9vijaWoJm5cCiSQB7nFVTrnjNLYZbILsPxDgerb3GfYe5981X7uq1fUc2zttg7TPpC9ySc5PBCk4ETk1kLWn0h32wLlwc3SvoBJA9CyMwTET9/fLU2lX3Y6/PAuo9phasX9Wxe7eFu2B9NyCYmWHlzMcwW/IRitx1VnTY06BDEb22+a05OWyBwcxAJxMA8apc1F64LKEvks4OCxgDPCqMnMknMTEWDoPg9LQVrxFy4CTHKCfgiWPyax1ZqP1H3FkV7SaDUa0kqdijaPMLMQ2Cpzy5EDHyZJJmrh0nw3ZsqAUW44Eb2UE8RA9h8VMIgAgAAewxX2sVXaJSxHCJsAIpSlZyRSlKAUpSgFYXrKuCrAMDyCJB/I1nSgKt1bwuwLPpXFtj+HIz3hlysjtx7RUfY6y1u6RfF0XdkbwxUAKcErO1iCckAyDweKvNc+u0SXVKuoIzB7j5B7H5rXT2prEvHiRY5On9cIt2zqPLlzt3Wm3qWzHCjtn4+KnbdwMJBBHuKoN7w9f0rBtJBUcgkltvLAjh/g8jivnSvEIBvEFvOJHogeWWiAJIG3ODuOPevUpbVfmu39r3KOJ6DSozTdXWUS9Fq6wkIWBB+zd6k61xkpK6KClKVYClKUApSlAKUpQCvlfa+VDBSfFfXbgvNYRxbIClTJG4tiJBHvOcYyDUfpujWrThrn726FAXTrJSAAsFmB3gEycQJ4rk8aT+3nE+m3JjjNOn9WOnZoOMkzkRPc8gS386w7SpO9jojd1Hq7m55CIyqAV8q2pKqMR6Fjd3HYCQZ5FdHSPB7vD6phO9mKAeppjlwcCR9IH5136fq9q4Wa0pW+SqttVfUcHliAwj5n2zU5a1sELcXYx9srPA9Xae0gVhnUnBWireZZG/S6RLYOxFWedoifv71upSsLd3dkilKVAFKUoBSlKAUpSgFKE18BpYH2lKUAqK6z0K3qFcRsdgR5iYaeATH1fnUrSrRk4u6BRH6bd0l1Cba37YTy97LPpiSAIZrYJnuV95muzoHX2S3JutqGa6V8ogKwLE7QpLxtUQDEzEwJq31X+reGUdWNn9287oGFJGe30z7jP3rbR2vKvh9v79irRYdJr0clQYccofqHHbuMjIxXXXmzF7F0i/aALoANQcsGAMQ/4iB2kGPsanuieIW22gxbU7hDXLVsjYwE+peykcEmfv29SntCa6Xjw9u8o42LXStWn1Cuu5Tj7QQe4IPBrbWm5UUpSgFKUoBXyvtKhg8s8a/1857Wse+f9OagergeYuYzj59dvFT3jYj9vOMxag+2c/wAqgupkLcA+TBOYO5IwfmKzSXTLomLmm/snb7gcEfkcfcV1aXqjqWDIhLJtNxxub+7BOHE52kj8q577ELg5xmPy4qH0/WVdypkjiCP+3fk/MQM85Ywck3qieRe+m9U2ra2M99nlWAT0qwmWMSbYmR3GMRU9p9arQD6Hz6GjdjmM5HyK84tOZBtORtIMAwR9j3Bzzg9qkLfVmCXlRVW4zb/MeT6jAY7VII9IMFT3+9Z57OpaE3PQKVAaDrP7xLYJvBrPmBlUwIAxu4YnsCd3vM1NafUK67lOPkEEH2IOQfisU6bjqWNtKUqgFKVydTF0pFnaHkZbsO8Yifv/ADqUruwM9XrUtj1MAYJC/iaPZeSftUVrNXqLgi2hSBuIxvjsvMBjk7QeB9Smt9voikE3WNy4wILNwJ4gcQK5ReuWztXaLuwKQ+AxUYZCYDYmVkZ/jXemo8Msg0aG3Z2st9juU53vuEn1Qvsf7sbvivuitl2Js2otRzcld3MbSF3Lx889jWoX7ZV11L3t7YINpwMCMQpRxk5iKaDqF4ubdos6gBQWXOcbsncsdw2D+GK7NPLX5vbuIJLp3UAsBywUqzA3TlCGCMjMcSCwj3HvEnOz1R7rgWrZ2BoNx8CAYMDv3/7VlpOl4/ecAkhQZyTJJaJJJzGB8VJogAAAgAQAOwrPKUL4RJ9pSlcSRSlKA13rCuIZQw9iJqr9Q8LuhD6W4ybc+WDEj+yG9vg4nvVspXSFWUNAUPT9bZPMVkazeJk3WLCWgDcyQfRiMSPgVbrHiBN6oxVtylhct5SBgy2QuZ7n7196p0m1qF23k3DjkgwecjNVjVdM1OjZrli6DZiSCssWkASigbjHdYPGMV6NDauCxyencUa7S/W3DAEEEHgjINZVR+kdesrFpL3l3oDMjlnSST6dzcT8EH78VO9P6wdZb3acgAOUdzypAVjtBHqkMIJx8HivRpVlPg0UasS2o1KpG5gJwJOSfYDufgVwdI6t+0Nc2rtFt9jBj6t21XyB9OGGDnmQIrrs6JVbdlm43MZP5DgfkBXJ0fR27dzUlEC7r25oESTbtEk/Mk12IJSvlfa+VDB5d41J/byO0Wp/jj+dQeuBNwSdv1SOZh0MY94/KpvxtH7eZmYtR/HM/lUF1Zv3qcjOI999v/SazS65dEzqj6fzH61SNCPXd+4/6qu+r+k/cfqKpGgP7y79x/1Vnj9Gfd5o7UPqL5wZKW9U6jBx/wCd3P8AxZ/jUla6irAB+/sDuxn8Pz9gf4iolBJA+a+H8x9sfpXGM8ZNVShGTxhlm0uruoUa252iQyrHBgQRxj3WPipPpfUES2FU+UVuH97dus3pP1Hc+7PEK2PkRVY6SbhDEEEgkfMQCB8xwPaT3Nddx0eQ2GIgnt2gEH/0fE1eUEzC+i7Pgei2eo+raSHAAO9BIEgn1AfSCBIPHPGJ7rN1WAZSCDwQZH8q8+0/Urtr07yEZSvp7HgENyhzjtUz0XqPmBBYDITO/wA5skrj6Yg7u5BU+9Y6mz2yiUy10qO0nWLbts3LuB24YFSw5UEfiHsYP3qRrNKLi7MkVi9sHBAPfNZUqoMfKHsKW7YUQAAPYYrKlTcCqp4l8XHTam1p0W07NsLrcvLbch3CKLat/SPhjEjt71a6qviXwm2pveYlxbYdbaXt1vezIlzzF2NuGxssJg9vaulHc3unoQzf1fxK1izrrgthv2SIG6N820uZxj6478VO6K9vto8RuVWj2kA/61UvEfg/Uai5fFvV+Vp9Tt86z5KsxhQh2uTKyqgVb9PaCKqjhQAPsBAqaihurd19l63CubK13L6qVDMAWMKCYk+w9zWyawuWlaJAMGRI4PuPmuStfJJnXx3ABJMAZJPaoHqnWl0rOWcvuMhDAW3C8SM5gmIJzxFV/Va/Va241q0CFUmSIAVo4ciRGf7xmCIrvDZ5Szw7SLk71jxbatEqpDsCAc4kiRn292OB7ziq+x1OpBe+x09mFLXWIQQNxESATlvge8muXUajS6T03P8Aa9Qvb/do3ME8sc99x+1QfVOo3tS037hYA4QelR+Q/UyfmK20qKXVXe9e5DU6+o/s6C4ulV3ITbc1JZisZgBPpjP1AD7mK9K8D6VU0iOJm9+9ef7TBQYAGBCjFeWII0uojH9GPyk/+a9b8I/1LT/4S/pW7Z8XRznFXvxJeuPQ/Xf/AMUf/VarsmuPQ/Xf/wAQf/VarSVOyvlfaVDB5b41J/bjicWs+3q/14qC6pIcBRzMkdgXQT/E1avFPSbt7XMLaXMom1gPRIzLMcQPiTNVvqugueeLch7i7mOwMQdrIzACJP8A3rNO6lvF0TFrSPdJRBO1QT78wP4waq/UelPaYtbUspXc9vAdCPqx+Je4I9+0VYtL1l7V9Ra2Mr4ae8DcMj/j/lVls6jT6wsAGW4hgN9LCO4KnjMc+9Zo1JU9VdPUnKd1qeXae8rcH7j2rOrZ1/wmIZyIaSwu2l9X2dZAI7yucd5qp6yy9iDch0Jhb1vKE+2YIYe3NP4FUX9Lvyevd2+fI109qX+THPh7Ez4f4f8A4h+grDxZdKWNwidyjIBwcEZ7EYrLw4wKuRkbh+grT4y/q/8A80/Wr7PH++EX2x9DJXfWa5mvRdSK/V3BJ5jsfy7/AH/WTQh4KtBmdskqW5Bxnt+fcVXhWSXCOO38P/H5Vy3+k7mqezKycS5WeuOqMjnaCcEAF4GWjdIae3fNTnTuqMbpt2LbNaFsOHYgIOAUH4ge+RHIwIqh6bqU+lszA9RgzHY98x89+1SWjumRcRjgERORI45gg/P8apOnFxM7upWZ6NpdYtwCDmJ2nkdv/YrorzvR9S9FlT5dlbV4FtlvOwnjkFCSZJE8GrXoepNuuAJcuW0Ii5Alt3q9PZwsxIgyIg81jqUHHQJkzStdi+rruUhge4/n+dbKzkilK06mxvAG5lhlb0mJggwfgxmpQN1YX7yopZjCgSSewrmu6l0a4XVRaVQVbdkn8QIOB8Zqqde8XI6G2EYbwwbcRK8YO0mJ7xJA7GutOjKbXYGy0P1iwAzeYvpmYOcCf9R/GvPhrrvmbLZa4z7jC7iCjZiGOeMnC5IBjNbR0V2t+dqriWLBacghsTACn3zG4yOwzWnWde2qyaFRpxtk3LmXcjhRG6JHH6Ct9KnGF1DN+3RfORU7tP0dVH+1E3bzRcOmtAG40KEAYgwFiBiAMCaius+ILt4eXHkIuPKQxMGIYjmIiBj71E6bqV5HZ9+244Kt5ZMlTtJJZvUT6Rkn4GMVp1CuuXEDmIM/cTXf+K0rt3+cESuZkiR8n3rKtdpuBzj6vf8A81sroWO1MaW+f7RUfwBNeq+FHA0Wmk820A+8V5Sv9Tvf4uP/ANan/U16X0H+q6DH9nt/+K5XShqzlMkBbvDUuxBNrYNsNwcYCzEzJkjiM9qj9D028pUXA7ib8sbv4TculBhgZKunYxt5ECevUWNQCdrMR5vp+mNhVPqyCAG38Sa+3rOoNpgpi4zMwM/Ss+hQSDmAu6fdoPFaCh26Qi1aQOwBhRJb8R7Sxk5+a65qvdVD+Q4uA5ayFmGlg4kiJgH5j7CrDFAceg+q9/if9KVXeu+HnF03rGZO6AYZWyCyzggg5B+eZgdt7qz2L5U6e49u5dI823kW4RSS45C85E8dqsCOGEggg9wZqs4KSsweQ6/e113gtfVgpJ9EQPVIg5IODx8d6jL5K2WUkBtu4qpn6oK5HebbYr2Hq3RLOoB3rDERvXDAdsiqT1joV+wQfSyCT5qj6WyAWQ/B5ms8qTjpoXUu009H8VOrLauAG2qS1wk78Ec8zAZT8ipl9DY1Qa5Ydd30kgAg9yGVhBFUs2QCXXcxY7SZEbQFQieS5KDt8Vlo7l7TlUDm2S8MoPbn/qg1mdJPKwWZ3P059K7g2gttmZgycL8c8AR/7xEeLHD6aVMjeuR96uPSfFdu+SlwAKAAXYiCchpHY7lYVh1LwrbuLvsFdrQSoMo45wRjPvU06u7VjOpqmn9yko3i0igIcVsB9J+4+1dOv6DctM3lTAJPkv8AXHJ2H8cZ4zwYzUfZ1AMjIPdTg/wqs6LV5xzHPdftXDyPQpV4zSjo/mhjrnK23YchGI+4BNWf9jgBkmcHbMdoMYx2/hH2qvU/6G7/AMD/AOU1drX0j7D9K5wk1HBz2vrI4G1Ck7bghhEEZZSeDjOeeIzB+dysTuVj5lq4m1l5Vh33KPzyPtFVzq39cb/hH+VBXXpuoMnv8nn4Eg8x8H/uO84qNs6q/wA8DPCnKUW1wZdundZ8w2CTb04jYRJLEjhVIO2I7MCasOj6luDFx6VMeYFIU5jg5WO5OO8153buI+RCtMzyN3E4waktH1O4jbLjMUJUqskDHKhh7/2TzNZalGLIvqehTUF1rxPasiFO54aB2x+ueMic5EEji6lrbH7KwVjbGB5YME5EgATyJyMDNVpbml0yBr5/abt0K4sr9Ken0h885jPA4GM8qWzp5lf7E3Oy9+064l/SlhlYG4zehVIgzxMDBAAB7nmudOo2NKUt6MftN4zF1+EmFhBAEnt9sk1D9V6vf1WLrBbciLKYUR9P/v6V1eG9Gu5r7fRZBcgclgCV/hH8hWxx3Y9LTsQscnWzc88m+267CiZnBAMCMAZ4HzXGs8k7FmN32yTjMfasuo9UBZrjy1xzMRgLEfmeOePY8iJe9cvHLYiOYAA7fb4rrHCV9TpCm5fY6bvVFtibfY7t/cCMxnBJJMzInmuu5g24/EjEj7FAP1NV7XLCuAQcHI71YbvNn/Cf/MlWTuiakFBqxpuW4yBKkyR7fIrYj+8Z4I7is6wtaRiTsUkRJUSSI7ihTQ69SP8AZQY/3r/ySP8ASvXPCH9S0/8AhJ+leVdV6t5mnt2ggVbakkj8TQc/HNeq+EP6lp/8JP0rps983OcyYri0P13/APFH/wBVqu2oTovUd97VIy7GW9AEglgLVn1Y4BxWk5k3FKUoD5Fcd3QerfbY22PI5RjEAsuJPyCDgZjFdtKA4LWvKwt8BGJ2g/gYxMg9vs0H713GvlxAwIIBB5BqPuWbttt1uGtBf6HvuEAbWJhcdjj7STQHD1nwrbvkspa25MypwT8gjvwYjmqN1HpNywXV7QQR6bmCmfr2ngHH4hPsBzXqWk1a3BIkHupwynuCPvWWosK6lXUMp5UiQfyrnOkpEp2PGfIVAPK3N5ig8YBY7bY92Yh2JIEYHFdfTOt3NP5dpP8AdWgHtRy4TI/iAMH86tfXPCDbg+naEXJs/HcKYxGIHbtFVTT6S1bU7bQQrcXcSpB2rkgKIyxHJ+Z71mlBrEkXuWzR9Ts6xXV127Tt9RGcxIPvxj5HNRXiHwoLijDXAv4ww84L7BmlWAjgifkVVtVa2ILZdXf0lwJ/Eu6OIn0qcVO9K8Q3LWo2XG/2faSBGVAKgEEdsk/aK4pSg96mw0nhlT6z0u7bS6oBu29pXeohgSCAGU5H3iD2Jq3W+B9h+lWC5ptPrrRe3BJBAYSCpjv3qt63S3tKT5k3LfZxkiT3+I/94qJTU8WSfHhf08g2+LuVjq39cb/hH+VK+V86vdH7Tu/C6gK3b6V/1BFJq21xaVN/8+rNmxNbslz9EbJKmQfy/wBDUp0zWSApx24xJ4//AJ/5qKuNOZBwMisUPqt/41v/AC3f+1c49Zx4CtBOnvcST1F1mRySfRsiP73pP8iajw013N/R3v8AlfqKjNNO3Puf1NaE9UZIpXubSamurKNPYt6cCTe9d3OT9Ij3AjH5Vz+HdKLl9d30pLt7enifzj+FcvUNWb153JkFoU/AJH8P+1UfSmo8Fl+n7LMrurM3Gj3gflit7IzL6sACdi+3v3j86xu3trPH1bj6vYZBrVaR3wJOePv+pq3Fo2LqpmGocunlgCOw+cxJ/Op6+hBsyP8AdP8AzZI/1rZoekJb2NeDMSQfKSd5TMtj6BMD+0e2M1t1guM43qQY2qqqQAq8KqjsPialGapNSeDlq0+DmuMly3bWd5hnAyoj+1wP1z8V96X4YVFF7WN5dsAk2yYbERPf/wCIzx9q5upeJ2bZb0i/s9kTKqAGYyIjbwInHPGe1cZS3+jHx4e5TU5PFPlg+XatLbCegwSWJjMicgSMxJnntV78DdWB0iJcG1rbCyFGSxCo3Ak/jz7ROBVR6H4Ov6gByfKWQQXBlveB7fJ79q9J6T0+3ZDrbUKN8+5JKpJJOST7/ArdRhuxOM27hfNu7gwNlCIEEG58+6qP4nPaurSaVLa7UUKPYfqT3PzW6ldiBSlKAUpSgFKUoDn1WjW5BMhh9LKYYfYj9ODXO+puWi3mLut8i4gkj4KCWP3UH7CpClAYWbquAykEHgio7rXQbOqUrdWT/aGGGZ5rovaAfVbPltJJ2jDE5O5eDPvz81t1GoFtdzmBiT8kgfqahq4TtlFE6r4dvWWZlzb2t+8SN6g4yDmQD9Q9u1VQ6dSiG2rkw6By0ACNqjaRJE8s0DHtXr//APp24uGTFvDEqfcjGM5BGKrvW9JpL0bWNu4SrDarQ8njYMNPB71xlR/1LKR5/pnuW3thbkBDtJRgRvVpPBjAeDVw0XilW8wXwqokAuJOcCNoBnPtUXrul3LW8OirbIBVwJBXBMEibZgAHHfvFQl7T3I8tFZ/Mgl8fVLMABORAB3fb7VmnBPEkWuXHWeHbN5C9kI6uD6TBUzwQeVYe4P3qmdT8O3LTqthTJmbLkSIj6XMK09hhs8GJrv0HV7lu9bCO2wBmKKfS0CDjjlD/wCmrToutafVqfORUH4d5EEfB5B+Kqp1KatrHsfz8rI0d1hnmlu+CdplWGCrYIPtWxfqt/41v/Leq89c8LBwzR5sgw0nzVPIIefUPgz+VU+90t7LWpfeDeSAVIZQFuTvBmDLRMn+dTGNKXSg7cn6P9/k6yrylHdku86W/o73/K/zCo2y8g/BIqSb+jvf8r9RWnoWi8y8qQCN25542iC0/cY/OrNpbzfzBziSjt5GigDbd1B+/o4H2EZj5NQYHH5V3de1fnahmH0L6FE4xyft8feuGq0lZXeryXNQ6KT+8chLbOQGP3gkKssw+QI9yK7f2tbcjTpsHHmvBuD32n8IPxn+9U54V6f5gJa35g94GApMgFgRJJ+4g5Far/UNMmoBTSBgwcIhcn1KVAJQAgTJxnjFS53bSVyHJvU1dK0tyzYfU5CkhQTEurGWABwRgffPzW/qPiZne26kbrZBRQIWCpye5MmNsgRPxTTefr9Utm+biITO0CFRQD+A8TkSwnIwJxcdL4G063TcJLr+G0fpH37sPg1eFBy6UtSjaKPY6fq9e5cKXz9bHaig9hOIEcLJq/8AQfB9jTEOR5l0fjbgH+6vA+/NT1iwqKFRVVRgKoAAHwBgVyPq3uEraXEZut9IPsF5Y/wHz2rTCmolXJs6NbrEsqWdoA/Mn4AGSfYDJrm6LrfOVrnlvbBYbRcADEbEIO0Ekc8GDjit2m0IWCxNx+d7ZM/A4UfAiuuK6FRSlKAUpSgFKUoBSlKAUpSgFRvUdUm2953otIAWef8A5HEdoH3qSqM6p0ZNQl1LhbbcH4CVI9O3kGgOPzbDM48y6zMyDhjw7lYO36QxbPGI7Vhr7OmVgLjXAyQUweSQfTC+ozEjNdFvoG0jbfugBlO30kEKWbaSVkrLseZ+az6l0Jb8+ZcciICwpUZBOCsNMCQ0jFAddqHDWyspsX6s7lYMCCCPj+dQHV/CS7ZsDg/0bHB+xP0kdv8ASp5l8oFgCwCou1RkBd0kAc4PAHbFdFjUK4lTMcjgg8wQcgwRzVZQUlZg8kv6NrYdGtrYbccEAGJOVIxDFjPyTya5H0+BbQFyCp3BSDgbmwRMDcM/Br2DX9OtXl23EVsEAkZE+x5B+1U7rPhS5bLOjtcQiCgEOBIPIPrHuIHAwa4SpNZRZSILpPiq6lxkuR5dtLcqFzJmQD7ZH8Ksto6fXIHEqxkc7WkYOO/5e9U79k80YAtlid+5fUGLEgH1fu1WeIP5VosrFxEX1KjM3mqCAZLLInjIEH5EVmcE8rUu1bBiwi3e/wCV+orf0rX27OnvCGN66ds/hVNoH+rfyrQw/d3f+UJ/MfzrV03VC1cRyAdrKRPbnMHBjmryhe9+XkEa9NonLC2qMXP4YM5zMe2ZmrLp+gWdMu/XPBP0WkaSYOZ289uMD3rh1viK557XkJVyhtz+ELOIHBPeT/a+M7ejeHNTrG3uWVcTduhiSMkbQYLD8wBPNRuTm7aefiTfGTDqHie46+Tp18izhUS2IePaV9/Yfxqf8F+F7lm8L98BYTaikgkltpmOxG2PfJqzeH/DdnSqAoD3MzdYDcZ9vYdoFdHVVBfTzGLx5HB8q6B+cxHzWmlRUCkpX0Pmo01zzVZSdq7cSMyx3z7wsRXHe0epDbkd9pdnKMVJEFAqA/2CN7fwFcdu/qCDH7QQZ2g21VgRhpnBwCy8fVHauh79/wAu1/TbmZwPQMDdKG57ekRHu3xXcoSPR7T27e267MxYkG4VLGRMenGDIx7VI1WLPmNb0xvBvMGoT6hkelt2BwJ3Z9qs9AKUpQClKUApSlAKUpQClKUApSlAKUpQClKUArmv6JWYP9LgQHXmPb5Hwa6aUBHrqntj98BA/wB4v0x7sD9PzyK7lYESDIPBFfSK4m6ftYNaOyMFI9DD22ggA/3h880Bq6r0S3fywIcCA4Ofz7H86o3VegXrIbzfXbNxGm3uAO3I3hTIBJM5ir/Z13a6PLaQBJ9LE/2W78HHPxXWygiCAQe1c50oy+5Kk0eNdR0YCGPqJEAD2K9+OAcfFSngzwmmrU3rrHywWQIIkkYaTGB2EZ+RVw6v4Z0927bLhhuMbUIVTCtyIkYkYip3T6dLS7UVUUdgABUQptdZ3G8yB6X4L09lt5BuEGV3nA9scGPczVgv3lRSzGFAkk1xjqG8xZXeMTcmLcTBhhO4iDgd+SK2afQwSzsbjEg+oYWMjavAj8z810SsQavOuXQvlg20OS7r6iPYIeCfdv4e3TpNItudsyxliSSSfkmuilSBSlKAUpSgFKUoBSlKAUpSgFKUoBSlKAUpSgFKUoBSlKAUpSgFKUoDXfsq6lWAKkQQa4/IuWiPLO+3ABRzkROVY5J+GPYQRUhSgKprfFCXGK6ZGv6ixcKtpvSjBjbciS5C7f7wJHPNTGk0ty6k6mAWCk2kJ2qeSCwMvkwZ9JA45nPV2VF6y20btzeqBP0N3qQoD4qgCBgV9pSgFKUoBSlKAUpSgFKUoBSlKAUpSgP/2Q=="/>
+          <p:cNvSpPr>
+            <a:spLocks noChangeAspect="1" noChangeArrowheads="1"/>
+          </p:cNvSpPr>
+          <p:nvPr/>
+        </p:nvSpPr>
+        <p:spPr bwMode="auto">
+          <a:xfrm>
+            <a:off x="155575" y="-144463"/>
+            <a:ext cx="304800" cy="304801"/>
+          </a:xfrm>
+          <a:prstGeom prst="rect">
+            <a:avLst/>
+          </a:prstGeom>
+          <a:noFill/>
+        </p:spPr>
+        <p:txBody>
+          <a:bodyPr vert="horz" wrap="square" lIns="91440" tIns="45720" rIns="91440" bIns="45720" numCol="1" anchor="t" anchorCtr="0" compatLnSpc="1">
+            <a:prstTxWarp prst="textNoShape">
+              <a:avLst/>
+            </a:prstTxWarp>
+          </a:bodyPr>
+          <a:lstStyle/>
+          <a:p>
+            <a:endParaRPr lang="en-US"/>
+          </a:p>
+        </p:txBody>
+      </p:sp>
+      <p:pic>
+        <p:nvPicPr>
+          <p:cNvPr id="40966" name="Picture 6" descr="http://0.static.wix.com/media/1c8e8f_d6b06a66eec426118fe386dbe936e45b.png_256"/>
+          <p:cNvPicPr>
+            <a:picLocks noChangeAspect="1" noChangeArrowheads="1"/>
+          </p:cNvPicPr>
+          <p:nvPr/>
+        </p:nvPicPr>
+        <p:blipFill>
+          <a:blip r:embed="rId3" cstate="print"/>
+          <a:srcRect/>
+          <a:stretch>
+            <a:fillRect/>
+          </a:stretch>
+        </p:blipFill>
+        <p:spPr bwMode="auto">
+          <a:xfrm>
+            <a:off x="5418931" y="4543425"/>
+            <a:ext cx="3000375" cy="2438400"/>
+          </a:xfrm>
+          <a:prstGeom prst="rect">
+            <a:avLst/>
+          </a:prstGeom>
+          <a:noFill/>
+        </p:spPr>
+      </p:pic>
+    </p:spTree>
+  </p:cSld>
+  <p:clrMapOvr>
+    <a:masterClrMapping/>
+  </p:clrMapOvr>
+  <p:timing>
+    <p:tnLst>
+      <p:par>
+        <p:cTn id="1" dur="indefinite" restart="never" nodeType="tmRoot"/>
+      </p:par>
+    </p:tnLst>
+  </p:timing>
+</p:sld>
+</file>
+
+<file path=ppt/slides/slide12.xml><?xml version="1.0" encoding="utf-8"?>
+<p:sld xmlns:a="http://schemas.openxmlformats.org/drawingml/2006/main" xmlns:r="http://schemas.openxmlformats.org/officeDocument/2006/relationships" xmlns:p="http://schemas.openxmlformats.org/presentationml/2006/main">
+  <p:cSld>
+    <p:spTree>
+      <p:nvGrpSpPr>
+        <p:cNvPr id="1" name=""/>
+        <p:cNvGrpSpPr/>
+        <p:nvPr/>
+      </p:nvGrpSpPr>
+      <p:grpSpPr>
+        <a:xfrm>
+          <a:off x="0" y="0"/>
+          <a:ext cx="0" cy="0"/>
+          <a:chOff x="0" y="0"/>
+          <a:chExt cx="0" cy="0"/>
+        </a:xfrm>
+      </p:grpSpPr>
+      <p:sp>
+        <p:nvSpPr>
+          <p:cNvPr id="2" name="Title 1"/>
+          <p:cNvSpPr>
+            <a:spLocks noGrp="1"/>
+          </p:cNvSpPr>
+          <p:nvPr>
+            <p:ph type="title"/>
+          </p:nvPr>
+        </p:nvSpPr>
+        <p:spPr/>
+        <p:txBody>
+          <a:bodyPr/>
+          <a:lstStyle/>
+          <a:p>
+            <a:r>
+              <a:rPr lang="en-US" b="1" dirty="0" smtClean="0">
+                <a:solidFill>
+                  <a:schemeClr val="tx1">
+                    <a:lumMod val="85000"/>
+                    <a:lumOff val="15000"/>
+                  </a:schemeClr>
+                </a:solidFill>
+              </a:rPr>
+              <a:t>Key Design Parameters: Mission Lifetime</a:t>
+            </a:r>
+            <a:endParaRPr lang="en-US" b="1" dirty="0">
+              <a:solidFill>
+                <a:schemeClr val="tx1">
+                  <a:lumMod val="85000"/>
+                  <a:lumOff val="15000"/>
+                </a:schemeClr>
+              </a:solidFill>
+            </a:endParaRPr>
+          </a:p>
+        </p:txBody>
+      </p:sp>
+      <p:sp>
+        <p:nvSpPr>
+          <p:cNvPr id="3" name="Content Placeholder 2"/>
+          <p:cNvSpPr>
+            <a:spLocks noGrp="1"/>
+          </p:cNvSpPr>
+          <p:nvPr>
+            <p:ph idx="1"/>
+          </p:nvPr>
+        </p:nvSpPr>
+        <p:spPr>
+          <a:xfrm>
+            <a:off x="618331" y="1343025"/>
+            <a:ext cx="9210675" cy="3124200"/>
+          </a:xfrm>
+        </p:spPr>
+        <p:txBody>
+          <a:bodyPr/>
+          <a:lstStyle/>
+          <a:p>
+            <a:pPr>
+              <a:buFont typeface="Arial" pitchFamily="34" charset="0"/>
+              <a:buChar char="•"/>
+            </a:pPr>
+            <a:r>
+              <a:rPr lang="en-US" sz="2000" dirty="0" smtClean="0">
+                <a:solidFill>
+                  <a:schemeClr val="tx1">
+                    <a:lumMod val="85000"/>
+                    <a:lumOff val="15000"/>
+                  </a:schemeClr>
+                </a:solidFill>
+              </a:rPr>
+              <a:t>Another parameter that drives small spacecraft design is the amount of time associated with executing each of the mission success criteria.</a:t>
+            </a:r>
+            <a:endParaRPr lang="en-US" sz="2000" dirty="0" smtClean="0">
+              <a:solidFill>
+                <a:schemeClr val="tx1">
+                  <a:lumMod val="85000"/>
+                  <a:lumOff val="15000"/>
+                </a:schemeClr>
+              </a:solidFill>
+            </a:endParaRPr>
+          </a:p>
+          <a:p>
+            <a:pPr lvl="1">
+              <a:buFont typeface="Arial" pitchFamily="34" charset="0"/>
+              <a:buChar char="•"/>
+            </a:pPr>
+            <a:r>
+              <a:rPr lang="en-US" sz="1800" dirty="0" smtClean="0">
+                <a:solidFill>
+                  <a:schemeClr val="tx1">
+                    <a:lumMod val="85000"/>
+                    <a:lumOff val="15000"/>
+                  </a:schemeClr>
+                </a:solidFill>
+              </a:rPr>
+              <a:t>In terms of mission operations, the longer a mission takes to run, the more likely that it is to fail before full mission success can be attained.</a:t>
+            </a:r>
+          </a:p>
+          <a:p>
+            <a:pPr lvl="1">
+              <a:buFont typeface="Arial" pitchFamily="34" charset="0"/>
+              <a:buChar char="•"/>
+            </a:pPr>
+            <a:r>
+              <a:rPr lang="en-US" sz="1800" dirty="0" smtClean="0">
+                <a:solidFill>
+                  <a:schemeClr val="tx1">
+                    <a:lumMod val="85000"/>
+                    <a:lumOff val="15000"/>
+                  </a:schemeClr>
+                </a:solidFill>
+              </a:rPr>
+              <a:t>Thus, it is necessary to impose a limit on the time allotted for executing any given mission, as to minimize the risk associated with prolonging the mission window, as well as to reduce the amount of resources associated with operating a given mission.</a:t>
+            </a:r>
+          </a:p>
+          <a:p>
+            <a:pPr>
+              <a:buFont typeface="Arial" pitchFamily="34" charset="0"/>
+              <a:buChar char="•"/>
+            </a:pPr>
+            <a:r>
+              <a:rPr lang="en-US" sz="2000" dirty="0" smtClean="0">
+                <a:solidFill>
+                  <a:schemeClr val="tx1">
+                    <a:lumMod val="85000"/>
+                    <a:lumOff val="15000"/>
+                  </a:schemeClr>
+                </a:solidFill>
+              </a:rPr>
+              <a:t>In the case of the Rascal mission, a six month mission lifetime will be imposed in order to concentrate design efforts and alleviate these risks.</a:t>
+            </a:r>
+          </a:p>
+          <a:p>
+            <a:pPr lvl="1">
+              <a:buFont typeface="Arial" pitchFamily="34" charset="0"/>
+              <a:buChar char="•"/>
+            </a:pPr>
+            <a:endParaRPr lang="en-US" sz="1800" dirty="0" smtClean="0">
+              <a:solidFill>
+                <a:schemeClr val="tx1">
+                  <a:lumMod val="85000"/>
+                  <a:lumOff val="15000"/>
+                </a:schemeClr>
+              </a:solidFill>
+            </a:endParaRPr>
+          </a:p>
+          <a:p>
+            <a:endParaRPr lang="en-US" dirty="0" smtClean="0">
+              <a:solidFill>
+                <a:schemeClr val="tx1">
+                  <a:lumMod val="85000"/>
+                  <a:lumOff val="15000"/>
+                </a:schemeClr>
+              </a:solidFill>
+            </a:endParaRPr>
+          </a:p>
+        </p:txBody>
+      </p:sp>
+      <p:sp>
+        <p:nvSpPr>
+          <p:cNvPr id="4" name="Slide Number Placeholder 3"/>
+          <p:cNvSpPr>
+            <a:spLocks noGrp="1"/>
+          </p:cNvSpPr>
+          <p:nvPr>
+            <p:ph type="sldNum" idx="12"/>
+          </p:nvPr>
+        </p:nvSpPr>
+        <p:spPr/>
+        <p:txBody>
+          <a:bodyPr/>
+          <a:lstStyle/>
+          <a:p>
+            <a:pPr>
+              <a:defRPr/>
+            </a:pPr>
+            <a:fld id="{8C6E2802-7AC4-44BB-B0A5-E12803E0614A}" type="slidenum">
+              <a:rPr lang="en-US" altLang="en-US" smtClean="0"/>
+              <a:pPr>
+                <a:defRPr/>
+              </a:pPr>
+              <a:t>12</a:t>
+            </a:fld>
+            <a:endParaRPr lang="en-US" altLang="en-US" dirty="0"/>
+          </a:p>
+        </p:txBody>
+      </p:sp>
+      <p:sp>
+        <p:nvSpPr>
+          <p:cNvPr id="40964" name="AutoShape 4" descr="data:image/jpeg;base64,/9j/4AAQSkZJRgABAQAAAQABAAD/2wCEAAkGBxQSEhUUExQWFRUXFxgZGBUWGBwbHBobHhwYFxsfIRwYHCggHhwmHRcYIjEkJykrLi4uHB8zODMsNygtLisBCgoKDg0OGhAQGywmICQ0LCwsLy8sLCwsLCwsLywsLSwsLCwsLCwsLCwsLCwsLC8sLCwxLDQsLSwsLCwsLDQsLP/AABEIAMoA+QMBIgACEQEDEQH/xAAbAAEAAgMBAQAAAAAAAAAAAAAABQYCAwQHAf/EAEEQAAIBAwMCBQIDBAcIAgMBAAECEQADIQQSMQVBBhMiUWEycUKBsRQjkaEzNFJic7LBJENyg8LR4fCCs2OT8RX/xAAZAQEAAwEBAAAAAAAAAAAAAAAAAQIEAwX/xAAwEQACAQMBBAkEAgMAAAAAAAAAAQIDESExBBJBYSIyUYGRscHh8DNxodETI0NSYv/aAAwDAQACEQMRAD8A9xpSlAKUpQClKUApSlAKwuXAoJJAAyScCozxD1pdLb3GNxB2j3iAfv8AUKpV25qtedwCrZOd5YhVjB7gmMyBgxBY1yqVYw1JSuTnWfGaowt2hkmDcYgKuJk+358cweDK9A60LmltXrrKpfd3iSCRiecCaqQt6XSLtRRfdztJuR+IDCKBOccDgqSSIqN6a15z/slvcqMq+pQYUksxljsEThcnviazR2l5lbHPBbdPVrdwMAQQQeCKzqi6TxHbFyLreTeG4kqCFIHIdW4gEc/cECrF03rJa2GvJ5UmJMbTkgGQTAODn3Amu1PaFLEsP5oQ4tExSvgNfa0FRSlKAUpSgFKUoBSlKAUpSgFKUoBSlKAUpXygPtKUoBSlKAUrn1etS0Jdgo+e/wCXJqlda8YPc9GkGWJUNgkkGTAVpI29x2PIPFJTUdSUrls6r1i3YWWMnJgcwIk/AEiqVrfEmp1bhNIGXcTnjaAYkmIE/PHYSawtdFKlrusuMu7cBaQ7mhjJBIBChtsYzx6prDU+IEtA27RVEgRbThMZ3NtyxJAIzkQfnJKvKbtD2LJWJfxBdVjY84hmtA71G0hmIRsk4UE22MQcA8AE1X9T1t7odFMkQAArFZOIC44zEiD7HiujpPhq9qQr3ybaCGXaVlgVBBABO0zmWk54AFXfp/TrdgEWxEmWY5ZickknJOayVNojF9LpP8FkisdN8HFmR9SwbaBCLOTydxPOYwIq2abTrbUKihVHAAgVtpWCpVlPVljg6l0e1fyygPBAuADcv2J/Q4qpdQ6Ve0iIYGptrcLFWHpWSSCV/DAP1Dj86vlKtTryhjgLIqnTevkXLh3qttVGzT7SWYDLFSD9XaPjjvVm6T1db6g7WRiAdlwbWg8c1EdV8M27u5k/duwIlQNpJ7sIyR8EVW763dO+nGqtm8ELhbm8jkLkEMBmMBhIPBAr09n2pWsvB66cDm4nplKqGg8SeVbZ7twXUV9sKrm4oYwsiJbnmIxMmrRpdWlwSjTHIyCPuDkV6EakZaFWjfSlKuQKUpQClKUApSlAKUpQClKUAr5X2vlQwfaV8qF6z4ltWAZYFuABxPPI9vijaWoJm5cCiSQB7nFVTrnjNLYZbILsPxDgerb3GfYe5981X7uq1fUc2zttg7TPpC9ySc5PBCk4ETk1kLWn0h32wLlwc3SvoBJA9CyMwTET9/fLU2lX3Y6/PAuo9phasX9Wxe7eFu2B9NyCYmWHlzMcwW/IRitx1VnTY06BDEb22+a05OWyBwcxAJxMA8apc1F64LKEvks4OCxgDPCqMnMknMTEWDoPg9LQVrxFy4CTHKCfgiWPyax1ZqP1H3FkV7SaDUa0kqdijaPMLMQ2Cpzy5EDHyZJJmrh0nw3ZsqAUW44Eb2UE8RA9h8VMIgAgAAewxX2sVXaJSxHCJsAIpSlZyRSlKAUpSgFYXrKuCrAMDyCJB/I1nSgKt1bwuwLPpXFtj+HIz3hlysjtx7RUfY6y1u6RfF0XdkbwxUAKcErO1iCckAyDweKvNc+u0SXVKuoIzB7j5B7H5rXT2prEvHiRY5On9cIt2zqPLlzt3Wm3qWzHCjtn4+KnbdwMJBBHuKoN7w9f0rBtJBUcgkltvLAjh/g8jivnSvEIBvEFvOJHogeWWiAJIG3ODuOPevUpbVfmu39r3KOJ6DSozTdXWUS9Fq6wkIWBB+zd6k61xkpK6KClKVYClKUApSlAKUpQCvlfa+VDBSfFfXbgvNYRxbIClTJG4tiJBHvOcYyDUfpujWrThrn726FAXTrJSAAsFmB3gEycQJ4rk8aT+3nE+m3JjjNOn9WOnZoOMkzkRPc8gS386w7SpO9jojd1Hq7m55CIyqAV8q2pKqMR6Fjd3HYCQZ5FdHSPB7vD6phO9mKAeppjlwcCR9IH5136fq9q4Wa0pW+SqttVfUcHliAwj5n2zU5a1sELcXYx9srPA9Xae0gVhnUnBWireZZG/S6RLYOxFWedoifv71upSsLd3dkilKVAFKUoBSlKAUpSgFKE18BpYH2lKUAqK6z0K3qFcRsdgR5iYaeATH1fnUrSrRk4u6BRH6bd0l1Cba37YTy97LPpiSAIZrYJnuV95muzoHX2S3JutqGa6V8ogKwLE7QpLxtUQDEzEwJq31X+reGUdWNn9287oGFJGe30z7jP3rbR2vKvh9v79irRYdJr0clQYccofqHHbuMjIxXXXmzF7F0i/aALoANQcsGAMQ/4iB2kGPsanuieIW22gxbU7hDXLVsjYwE+peykcEmfv29SntCa6Xjw9u8o42LXStWn1Cuu5Tj7QQe4IPBrbWm5UUpSgFKUoBXyvtKhg8s8a/1857Wse+f9OagergeYuYzj59dvFT3jYj9vOMxag+2c/wAqgupkLcA+TBOYO5IwfmKzSXTLomLmm/snb7gcEfkcfcV1aXqjqWDIhLJtNxxub+7BOHE52kj8q577ELg5xmPy4qH0/WVdypkjiCP+3fk/MQM85Ywck3qieRe+m9U2ra2M99nlWAT0qwmWMSbYmR3GMRU9p9arQD6Hz6GjdjmM5HyK84tOZBtORtIMAwR9j3Bzzg9qkLfVmCXlRVW4zb/MeT6jAY7VII9IMFT3+9Z57OpaE3PQKVAaDrP7xLYJvBrPmBlUwIAxu4YnsCd3vM1NafUK67lOPkEEH2IOQfisU6bjqWNtKUqgFKVydTF0pFnaHkZbsO8Yifv/ADqUruwM9XrUtj1MAYJC/iaPZeSftUVrNXqLgi2hSBuIxvjsvMBjk7QeB9Smt9voikE3WNy4wILNwJ4gcQK5ReuWztXaLuwKQ+AxUYZCYDYmVkZ/jXemo8Msg0aG3Z2st9juU53vuEn1Qvsf7sbvivuitl2Js2otRzcld3MbSF3Lx889jWoX7ZV11L3t7YINpwMCMQpRxk5iKaDqF4ubdos6gBQWXOcbsncsdw2D+GK7NPLX5vbuIJLp3UAsBywUqzA3TlCGCMjMcSCwj3HvEnOz1R7rgWrZ2BoNx8CAYMDv3/7VlpOl4/ecAkhQZyTJJaJJJzGB8VJogAAAgAQAOwrPKUL4RJ9pSlcSRSlKA13rCuIZQw9iJqr9Q8LuhD6W4ybc+WDEj+yG9vg4nvVspXSFWUNAUPT9bZPMVkazeJk3WLCWgDcyQfRiMSPgVbrHiBN6oxVtylhct5SBgy2QuZ7n7196p0m1qF23k3DjkgwecjNVjVdM1OjZrli6DZiSCssWkASigbjHdYPGMV6NDauCxyencUa7S/W3DAEEEHgjINZVR+kdesrFpL3l3oDMjlnSST6dzcT8EH78VO9P6wdZb3acgAOUdzypAVjtBHqkMIJx8HivRpVlPg0UasS2o1KpG5gJwJOSfYDufgVwdI6t+0Nc2rtFt9jBj6t21XyB9OGGDnmQIrrs6JVbdlm43MZP5DgfkBXJ0fR27dzUlEC7r25oESTbtEk/Mk12IJSvlfa+VDB5d41J/byO0Wp/jj+dQeuBNwSdv1SOZh0MY94/KpvxtH7eZmYtR/HM/lUF1Zv3qcjOI999v/SazS65dEzqj6fzH61SNCPXd+4/6qu+r+k/cfqKpGgP7y79x/1Vnj9Gfd5o7UPqL5wZKW9U6jBx/wCd3P8AxZ/jUla6irAB+/sDuxn8Pz9gf4iolBJA+a+H8x9sfpXGM8ZNVShGTxhlm0uruoUa252iQyrHBgQRxj3WPipPpfUES2FU+UVuH97dus3pP1Hc+7PEK2PkRVY6SbhDEEEgkfMQCB8xwPaT3Nddx0eQ2GIgnt2gEH/0fE1eUEzC+i7Pgei2eo+raSHAAO9BIEgn1AfSCBIPHPGJ7rN1WAZSCDwQZH8q8+0/Urtr07yEZSvp7HgENyhzjtUz0XqPmBBYDITO/wA5skrj6Yg7u5BU+9Y6mz2yiUy10qO0nWLbts3LuB24YFSw5UEfiHsYP3qRrNKLi7MkVi9sHBAPfNZUqoMfKHsKW7YUQAAPYYrKlTcCqp4l8XHTam1p0W07NsLrcvLbch3CKLat/SPhjEjt71a6qviXwm2pveYlxbYdbaXt1vezIlzzF2NuGxssJg9vaulHc3unoQzf1fxK1izrrgthv2SIG6N820uZxj6478VO6K9vto8RuVWj2kA/61UvEfg/Uai5fFvV+Vp9Tt86z5KsxhQh2uTKyqgVb9PaCKqjhQAPsBAqaihurd19l63CubK13L6qVDMAWMKCYk+w9zWyawuWlaJAMGRI4PuPmuStfJJnXx3ABJMAZJPaoHqnWl0rOWcvuMhDAW3C8SM5gmIJzxFV/Va/Va241q0CFUmSIAVo4ciRGf7xmCIrvDZ5Szw7SLk71jxbatEqpDsCAc4kiRn292OB7ziq+x1OpBe+x09mFLXWIQQNxESATlvge8muXUajS6T03P8Aa9Qvb/do3ME8sc99x+1QfVOo3tS037hYA4QelR+Q/UyfmK20qKXVXe9e5DU6+o/s6C4ulV3ITbc1JZisZgBPpjP1AD7mK9K8D6VU0iOJm9+9ef7TBQYAGBCjFeWII0uojH9GPyk/+a9b8I/1LT/4S/pW7Z8XRznFXvxJeuPQ/Xf/AMUf/VarsmuPQ/Xf/wAQf/VarSVOyvlfaVDB5b41J/bjicWs+3q/14qC6pIcBRzMkdgXQT/E1avFPSbt7XMLaXMom1gPRIzLMcQPiTNVvqugueeLch7i7mOwMQdrIzACJP8A3rNO6lvF0TFrSPdJRBO1QT78wP4waq/UelPaYtbUspXc9vAdCPqx+Je4I9+0VYtL1l7V9Ra2Mr4ae8DcMj/j/lVls6jT6wsAGW4hgN9LCO4KnjMc+9Zo1JU9VdPUnKd1qeXae8rcH7j2rOrZ1/wmIZyIaSwu2l9X2dZAI7yucd5qp6yy9iDch0Jhb1vKE+2YIYe3NP4FUX9Lvyevd2+fI109qX+THPh7Ez4f4f8A4h+grDxZdKWNwidyjIBwcEZ7EYrLw4wKuRkbh+grT4y/q/8A80/Wr7PH++EX2x9DJXfWa5mvRdSK/V3BJ5jsfy7/AH/WTQh4KtBmdskqW5Bxnt+fcVXhWSXCOO38P/H5Vy3+k7mqezKycS5WeuOqMjnaCcEAF4GWjdIae3fNTnTuqMbpt2LbNaFsOHYgIOAUH4ge+RHIwIqh6bqU+lszA9RgzHY98x89+1SWjumRcRjgERORI45gg/P8apOnFxM7upWZ6NpdYtwCDmJ2nkdv/YrorzvR9S9FlT5dlbV4FtlvOwnjkFCSZJE8GrXoepNuuAJcuW0Ii5Alt3q9PZwsxIgyIg81jqUHHQJkzStdi+rruUhge4/n+dbKzkilK06mxvAG5lhlb0mJggwfgxmpQN1YX7yopZjCgSSewrmu6l0a4XVRaVQVbdkn8QIOB8Zqqde8XI6G2EYbwwbcRK8YO0mJ7xJA7GutOjKbXYGy0P1iwAzeYvpmYOcCf9R/GvPhrrvmbLZa4z7jC7iCjZiGOeMnC5IBjNbR0V2t+dqriWLBacghsTACn3zG4yOwzWnWde2qyaFRpxtk3LmXcjhRG6JHH6Ct9KnGF1DN+3RfORU7tP0dVH+1E3bzRcOmtAG40KEAYgwFiBiAMCaius+ILt4eXHkIuPKQxMGIYjmIiBj71E6bqV5HZ9+244Kt5ZMlTtJJZvUT6Rkn4GMVp1CuuXEDmIM/cTXf+K0rt3+cESuZkiR8n3rKtdpuBzj6vf8A81sroWO1MaW+f7RUfwBNeq+FHA0Wmk820A+8V5Sv9Tvf4uP/ANan/U16X0H+q6DH9nt/+K5XShqzlMkBbvDUuxBNrYNsNwcYCzEzJkjiM9qj9D028pUXA7ib8sbv4TculBhgZKunYxt5ECevUWNQCdrMR5vp+mNhVPqyCAG38Sa+3rOoNpgpi4zMwM/Ss+hQSDmAu6fdoPFaCh26Qi1aQOwBhRJb8R7Sxk5+a65qvdVD+Q4uA5ayFmGlg4kiJgH5j7CrDFAceg+q9/if9KVXeu+HnF03rGZO6AYZWyCyzggg5B+eZgdt7qz2L5U6e49u5dI823kW4RSS45C85E8dqsCOGEggg9wZqs4KSsweQ6/e113gtfVgpJ9EQPVIg5IODx8d6jL5K2WUkBtu4qpn6oK5HebbYr2Hq3RLOoB3rDERvXDAdsiqT1joV+wQfSyCT5qj6WyAWQ/B5ms8qTjpoXUu009H8VOrLauAG2qS1wk78Ec8zAZT8ipl9DY1Qa5Ydd30kgAg9yGVhBFUs2QCXXcxY7SZEbQFQieS5KDt8Vlo7l7TlUDm2S8MoPbn/qg1mdJPKwWZ3P059K7g2gttmZgycL8c8AR/7xEeLHD6aVMjeuR96uPSfFdu+SlwAKAAXYiCchpHY7lYVh1LwrbuLvsFdrQSoMo45wRjPvU06u7VjOpqmn9yko3i0igIcVsB9J+4+1dOv6DctM3lTAJPkv8AXHJ2H8cZ4zwYzUfZ1AMjIPdTg/wqs6LV5xzHPdftXDyPQpV4zSjo/mhjrnK23YchGI+4BNWf9jgBkmcHbMdoMYx2/hH2qvU/6G7/AMD/AOU1drX0j7D9K5wk1HBz2vrI4G1Ck7bghhEEZZSeDjOeeIzB+dysTuVj5lq4m1l5Vh33KPzyPtFVzq39cb/hH+VBXXpuoMnv8nn4Eg8x8H/uO84qNs6q/wA8DPCnKUW1wZdundZ8w2CTb04jYRJLEjhVIO2I7MCasOj6luDFx6VMeYFIU5jg5WO5OO8153buI+RCtMzyN3E4waktH1O4jbLjMUJUqskDHKhh7/2TzNZalGLIvqehTUF1rxPasiFO54aB2x+ueMic5EEji6lrbH7KwVjbGB5YME5EgATyJyMDNVpbml0yBr5/abt0K4sr9Ken0h885jPA4GM8qWzp5lf7E3Oy9+064l/SlhlYG4zehVIgzxMDBAAB7nmudOo2NKUt6MftN4zF1+EmFhBAEnt9sk1D9V6vf1WLrBbciLKYUR9P/v6V1eG9Gu5r7fRZBcgclgCV/hH8hWxx3Y9LTsQscnWzc88m+267CiZnBAMCMAZ4HzXGs8k7FmN32yTjMfasuo9UBZrjy1xzMRgLEfmeOePY8iJe9cvHLYiOYAA7fb4rrHCV9TpCm5fY6bvVFtibfY7t/cCMxnBJJMzInmuu5g24/EjEj7FAP1NV7XLCuAQcHI71YbvNn/Cf/MlWTuiakFBqxpuW4yBKkyR7fIrYj+8Z4I7is6wtaRiTsUkRJUSSI7ihTQ69SP8AZQY/3r/ySP8ASvXPCH9S0/8AhJ+leVdV6t5mnt2ggVbakkj8TQc/HNeq+EP6lp/8JP0rps983OcyYri0P13/APFH/wBVqu2oTovUd97VIy7GW9AEglgLVn1Y4BxWk5k3FKUoD5Fcd3QerfbY22PI5RjEAsuJPyCDgZjFdtKA4LWvKwt8BGJ2g/gYxMg9vs0H713GvlxAwIIBB5BqPuWbttt1uGtBf6HvuEAbWJhcdjj7STQHD1nwrbvkspa25MypwT8gjvwYjmqN1HpNywXV7QQR6bmCmfr2ngHH4hPsBzXqWk1a3BIkHupwynuCPvWWosK6lXUMp5UiQfyrnOkpEp2PGfIVAPK3N5ig8YBY7bY92Yh2JIEYHFdfTOt3NP5dpP8AdWgHtRy4TI/iAMH86tfXPCDbg+naEXJs/HcKYxGIHbtFVTT6S1bU7bQQrcXcSpB2rkgKIyxHJ+Z71mlBrEkXuWzR9Ts6xXV127Tt9RGcxIPvxj5HNRXiHwoLijDXAv4ww84L7BmlWAjgifkVVtVa2ILZdXf0lwJ/Eu6OIn0qcVO9K8Q3LWo2XG/2faSBGVAKgEEdsk/aK4pSg96mw0nhlT6z0u7bS6oBu29pXeohgSCAGU5H3iD2Jq3W+B9h+lWC5ptPrrRe3BJBAYSCpjv3qt63S3tKT5k3LfZxkiT3+I/94qJTU8WSfHhf08g2+LuVjq39cb/hH+VK+V86vdH7Tu/C6gK3b6V/1BFJq21xaVN/8+rNmxNbslz9EbJKmQfy/wBDUp0zWSApx24xJ4//AJ/5qKuNOZBwMisUPqt/41v/AC3f+1c49Zx4CtBOnvcST1F1mRySfRsiP73pP8iajw013N/R3v8AlfqKjNNO3Puf1NaE9UZIpXubSamurKNPYt6cCTe9d3OT9Ij3AjH5Vz+HdKLl9d30pLt7enifzj+FcvUNWb153JkFoU/AJH8P+1UfSmo8Fl+n7LMrurM3Gj3gflit7IzL6sACdi+3v3j86xu3trPH1bj6vYZBrVaR3wJOePv+pq3Fo2LqpmGocunlgCOw+cxJ/Op6+hBsyP8AdP8AzZI/1rZoekJb2NeDMSQfKSd5TMtj6BMD+0e2M1t1guM43qQY2qqqQAq8KqjsPialGapNSeDlq0+DmuMly3bWd5hnAyoj+1wP1z8V96X4YVFF7WN5dsAk2yYbERPf/wCIzx9q5upeJ2bZb0i/s9kTKqAGYyIjbwInHPGe1cZS3+jHx4e5TU5PFPlg+XatLbCegwSWJjMicgSMxJnntV78DdWB0iJcG1rbCyFGSxCo3Ak/jz7ROBVR6H4Ov6gByfKWQQXBlveB7fJ79q9J6T0+3ZDrbUKN8+5JKpJJOST7/ArdRhuxOM27hfNu7gwNlCIEEG58+6qP4nPaurSaVLa7UUKPYfqT3PzW6ldiBSlKAUpSgFKUoDn1WjW5BMhh9LKYYfYj9ODXO+puWi3mLut8i4gkj4KCWP3UH7CpClAYWbquAykEHgio7rXQbOqUrdWT/aGGGZ5rovaAfVbPltJJ2jDE5O5eDPvz81t1GoFtdzmBiT8kgfqahq4TtlFE6r4dvWWZlzb2t+8SN6g4yDmQD9Q9u1VQ6dSiG2rkw6By0ACNqjaRJE8s0DHtXr//APp24uGTFvDEqfcjGM5BGKrvW9JpL0bWNu4SrDarQ8njYMNPB71xlR/1LKR5/pnuW3thbkBDtJRgRvVpPBjAeDVw0XilW8wXwqokAuJOcCNoBnPtUXrul3LW8OirbIBVwJBXBMEibZgAHHfvFQl7T3I8tFZ/Mgl8fVLMABORAB3fb7VmnBPEkWuXHWeHbN5C9kI6uD6TBUzwQeVYe4P3qmdT8O3LTqthTJmbLkSIj6XMK09hhs8GJrv0HV7lu9bCO2wBmKKfS0CDjjlD/wCmrToutafVqfORUH4d5EEfB5B+Kqp1KatrHsfz8rI0d1hnmlu+CdplWGCrYIPtWxfqt/41v/Leq89c8LBwzR5sgw0nzVPIIefUPgz+VU+90t7LWpfeDeSAVIZQFuTvBmDLRMn+dTGNKXSg7cn6P9/k6yrylHdku86W/o73/K/zCo2y8g/BIqSb+jvf8r9RWnoWi8y8qQCN25542iC0/cY/OrNpbzfzBziSjt5GigDbd1B+/o4H2EZj5NQYHH5V3de1fnahmH0L6FE4xyft8feuGq0lZXeryXNQ6KT+8chLbOQGP3gkKssw+QI9yK7f2tbcjTpsHHmvBuD32n8IPxn+9U54V6f5gJa35g94GApMgFgRJJ+4g5Far/UNMmoBTSBgwcIhcn1KVAJQAgTJxnjFS53bSVyHJvU1dK0tyzYfU5CkhQTEurGWABwRgffPzW/qPiZne26kbrZBRQIWCpye5MmNsgRPxTTefr9Utm+biITO0CFRQD+A8TkSwnIwJxcdL4G063TcJLr+G0fpH37sPg1eFBy6UtSjaKPY6fq9e5cKXz9bHaig9hOIEcLJq/8AQfB9jTEOR5l0fjbgH+6vA+/NT1iwqKFRVVRgKoAAHwBgVyPq3uEraXEZut9IPsF5Y/wHz2rTCmolXJs6NbrEsqWdoA/Mn4AGSfYDJrm6LrfOVrnlvbBYbRcADEbEIO0Ekc8GDjit2m0IWCxNx+d7ZM/A4UfAiuuK6FRSlKAUpSgFKUoBSlKAUpSgFRvUdUm2953otIAWef8A5HEdoH3qSqM6p0ZNQl1LhbbcH4CVI9O3kGgOPzbDM48y6zMyDhjw7lYO36QxbPGI7Vhr7OmVgLjXAyQUweSQfTC+ozEjNdFvoG0jbfugBlO30kEKWbaSVkrLseZ+az6l0Jb8+ZcciICwpUZBOCsNMCQ0jFAddqHDWyspsX6s7lYMCCCPj+dQHV/CS7ZsDg/0bHB+xP0kdv8ASp5l8oFgCwCou1RkBd0kAc4PAHbFdFjUK4lTMcjgg8wQcgwRzVZQUlZg8kv6NrYdGtrYbccEAGJOVIxDFjPyTya5H0+BbQFyCp3BSDgbmwRMDcM/Br2DX9OtXl23EVsEAkZE+x5B+1U7rPhS5bLOjtcQiCgEOBIPIPrHuIHAwa4SpNZRZSILpPiq6lxkuR5dtLcqFzJmQD7ZH8Ksto6fXIHEqxkc7WkYOO/5e9U79k80YAtlid+5fUGLEgH1fu1WeIP5VosrFxEX1KjM3mqCAZLLInjIEH5EVmcE8rUu1bBiwi3e/wCV+orf0rX27OnvCGN66ds/hVNoH+rfyrQw/d3f+UJ/MfzrV03VC1cRyAdrKRPbnMHBjmryhe9+XkEa9NonLC2qMXP4YM5zMe2ZmrLp+gWdMu/XPBP0WkaSYOZ289uMD3rh1viK557XkJVyhtz+ELOIHBPeT/a+M7ejeHNTrG3uWVcTduhiSMkbQYLD8wBPNRuTm7aefiTfGTDqHie46+Tp18izhUS2IePaV9/Yfxqf8F+F7lm8L98BYTaikgkltpmOxG2PfJqzeH/DdnSqAoD3MzdYDcZ9vYdoFdHVVBfTzGLx5HB8q6B+cxHzWmlRUCkpX0Pmo01zzVZSdq7cSMyx3z7wsRXHe0epDbkd9pdnKMVJEFAqA/2CN7fwFcdu/qCDH7QQZ2g21VgRhpnBwCy8fVHauh79/wAu1/TbmZwPQMDdKG57ekRHu3xXcoSPR7T27e267MxYkG4VLGRMenGDIx7VI1WLPmNb0xvBvMGoT6hkelt2BwJ3Z9qs9AKUpQClKUApSlAKUpQClKUApSlAKUpQClKUArmv6JWYP9LgQHXmPb5Hwa6aUBHrqntj98BA/wB4v0x7sD9PzyK7lYESDIPBFfSK4m6ftYNaOyMFI9DD22ggA/3h880Bq6r0S3fywIcCA4Ofz7H86o3VegXrIbzfXbNxGm3uAO3I3hTIBJM5ir/Z13a6PLaQBJ9LE/2W78HHPxXWygiCAQe1c50oy+5Kk0eNdR0YCGPqJEAD2K9+OAcfFSngzwmmrU3rrHywWQIIkkYaTGB2EZ+RVw6v4Z0927bLhhuMbUIVTCtyIkYkYip3T6dLS7UVUUdgABUQptdZ3G8yB6X4L09lt5BuEGV3nA9scGPczVgv3lRSzGFAkk1xjqG8xZXeMTcmLcTBhhO4iDgd+SK2afQwSzsbjEg+oYWMjavAj8z810SsQavOuXQvlg20OS7r6iPYIeCfdv4e3TpNItudsyxliSSSfkmuilSBSlKAUpSgFKUoBSlKAUpSgFKUoBSlKAUpSgFKUoBSlKAUpSgFKUoDXfsq6lWAKkQQa4/IuWiPLO+3ABRzkROVY5J+GPYQRUhSgKprfFCXGK6ZGv6ixcKtpvSjBjbciS5C7f7wJHPNTGk0ty6k6mAWCk2kJ2qeSCwMvkwZ9JA45nPV2VF6y20btzeqBP0N3qQoD4qgCBgV9pSgFKUoBSlKAUpSgFKUoBSlKAUpSgP/2Q=="/>
+          <p:cNvSpPr>
+            <a:spLocks noChangeAspect="1" noChangeArrowheads="1"/>
+          </p:cNvSpPr>
+          <p:nvPr/>
+        </p:nvSpPr>
+        <p:spPr bwMode="auto">
+          <a:xfrm>
+            <a:off x="155575" y="-144463"/>
+            <a:ext cx="304800" cy="304801"/>
+          </a:xfrm>
+          <a:prstGeom prst="rect">
+            <a:avLst/>
+          </a:prstGeom>
+          <a:noFill/>
+        </p:spPr>
+        <p:txBody>
+          <a:bodyPr vert="horz" wrap="square" lIns="91440" tIns="45720" rIns="91440" bIns="45720" numCol="1" anchor="t" anchorCtr="0" compatLnSpc="1">
+            <a:prstTxWarp prst="textNoShape">
+              <a:avLst/>
+            </a:prstTxWarp>
+          </a:bodyPr>
+          <a:lstStyle/>
+          <a:p>
+            <a:endParaRPr lang="en-US"/>
+          </a:p>
+        </p:txBody>
+      </p:sp>
+    </p:spTree>
+  </p:cSld>
+  <p:clrMapOvr>
+    <a:masterClrMapping/>
+  </p:clrMapOvr>
+  <p:timing>
+    <p:tnLst>
+      <p:par>
+        <p:cTn id="1" dur="indefinite" restart="never" nodeType="tmRoot"/>
+      </p:par>
+    </p:tnLst>
+  </p:timing>
+</p:sld>
+</file>
+
 <file path=ppt/slides/slide2.xml><?xml version="1.0" encoding="utf-8"?>
 <p:sld xmlns:a="http://schemas.openxmlformats.org/drawingml/2006/main" xmlns:r="http://schemas.openxmlformats.org/officeDocument/2006/relationships" xmlns:p="http://schemas.openxmlformats.org/presentationml/2006/main">
   <p:cSld>
@@ -11312,6 +12239,24 @@
                       <a:headEnd type="none" w="med" len="med"/>
                       <a:tailEnd type="none" w="med" len="med"/>
                     </a:lnL>
+                    <a:lnR w="12700" cap="flat" cmpd="sng" algn="ctr">
+                      <a:solidFill>
+                        <a:schemeClr val="tx1"/>
+                      </a:solidFill>
+                      <a:prstDash val="solid"/>
+                      <a:round/>
+                      <a:headEnd type="none" w="med" len="med"/>
+                      <a:tailEnd type="none" w="med" len="med"/>
+                    </a:lnR>
+                    <a:lnT w="12700" cap="flat" cmpd="sng" algn="ctr">
+                      <a:solidFill>
+                        <a:schemeClr val="tx1"/>
+                      </a:solidFill>
+                      <a:prstDash val="solid"/>
+                      <a:round/>
+                      <a:headEnd type="none" w="med" len="med"/>
+                      <a:tailEnd type="none" w="med" len="med"/>
+                    </a:lnT>
                     <a:lnB w="12700" cap="flat" cmpd="sng" algn="ctr">
                       <a:solidFill>
                         <a:schemeClr val="tx1"/>
@@ -12348,7 +13293,7 @@
         </p:nvSpPr>
         <p:spPr>
           <a:xfrm>
-            <a:off x="503238" y="301625"/>
+            <a:off x="542131" y="0"/>
             <a:ext cx="9067800" cy="1262063"/>
           </a:xfrm>
         </p:spPr>
@@ -12390,7 +13335,7 @@
                   <a:srgbClr val="000000"/>
                 </a:solidFill>
               </a:rPr>
-              <a:t>Key Mission Definitions</a:t>
+              <a:t>Rascal Mission Definitions</a:t>
             </a:r>
             <a:endParaRPr lang="en-US" altLang="en-US" b="1" dirty="0" smtClean="0">
               <a:solidFill>
@@ -12412,7 +13357,7 @@
         </p:nvSpPr>
         <p:spPr>
           <a:xfrm>
-            <a:off x="465931" y="1266825"/>
+            <a:off x="389731" y="885825"/>
             <a:ext cx="9335293" cy="5041900"/>
           </a:xfrm>
         </p:spPr>
@@ -12494,7 +13439,7 @@
                   <a:srgbClr val="000000"/>
                 </a:solidFill>
               </a:rPr>
-              <a:t>Spacecraft proximity operations consist of orbital maneuvers made relative to a resident space object, such as:</a:t>
+              <a:t>Spacecraft proximity operations consist of orbital maneuvers made relative to a resident space object. Examples or key proximity operation terms are listed below.</a:t>
             </a:r>
           </a:p>
           <a:p>
@@ -12773,7 +13718,7 @@
                   <a:srgbClr val="000000"/>
                 </a:solidFill>
               </a:rPr>
-              <a:t>Proximity operations have also been tagged by NASA as an enabling technology for future NASA missions</a:t>
+              <a:t>Proximity operations such as these haven been tagged by NASA enabling technologies for future NASA missions.</a:t>
             </a:r>
           </a:p>
           <a:p>
@@ -13741,7 +14686,7 @@
                   </a:schemeClr>
                 </a:solidFill>
               </a:rPr>
-              <a:t>Mission Summary</a:t>
+              <a:t>Rascal Mission Success Criteria</a:t>
             </a:r>
             <a:endParaRPr lang="en-US" b="1" dirty="0">
               <a:solidFill>
@@ -13764,12 +14709,107 @@
             <p:ph idx="1"/>
           </p:nvPr>
         </p:nvSpPr>
-        <p:spPr/>
+        <p:spPr>
+          <a:xfrm>
+            <a:off x="542131" y="1266825"/>
+            <a:ext cx="9058275" cy="4981575"/>
+          </a:xfrm>
+        </p:spPr>
         <p:txBody>
           <a:bodyPr/>
           <a:lstStyle/>
           <a:p>
-            <a:endParaRPr lang="en-US"/>
+            <a:pPr>
+              <a:buFont typeface="Arial" pitchFamily="34" charset="0"/>
+              <a:buChar char="•"/>
+            </a:pPr>
+            <a:r>
+              <a:rPr lang="en-US" dirty="0" smtClean="0">
+                <a:solidFill>
+                  <a:schemeClr val="tx1">
+                    <a:lumMod val="85000"/>
+                    <a:lumOff val="15000"/>
+                  </a:schemeClr>
+                </a:solidFill>
+              </a:rPr>
+              <a:t>In order for the Rascal mission to be considered successful, it must meet the success criteria listed below.</a:t>
+            </a:r>
+          </a:p>
+          <a:p>
+            <a:pPr>
+              <a:buFont typeface="Arial" pitchFamily="34" charset="0"/>
+              <a:buChar char="•"/>
+            </a:pPr>
+            <a:r>
+              <a:rPr lang="en-US" b="1" u="sng" dirty="0" smtClean="0">
+                <a:solidFill>
+                  <a:schemeClr val="tx1">
+                    <a:lumMod val="85000"/>
+                    <a:lumOff val="15000"/>
+                  </a:schemeClr>
+                </a:solidFill>
+              </a:rPr>
+              <a:t>The Rascal mission shall demonstrate:</a:t>
+            </a:r>
+          </a:p>
+          <a:p>
+            <a:pPr lvl="1">
+              <a:buFont typeface="Arial" pitchFamily="34" charset="0"/>
+              <a:buChar char="•"/>
+            </a:pPr>
+            <a:r>
+              <a:rPr lang="en-US" sz="2400" dirty="0" smtClean="0">
+                <a:solidFill>
+                  <a:schemeClr val="tx1">
+                    <a:lumMod val="85000"/>
+                    <a:lumOff val="15000"/>
+                  </a:schemeClr>
+                </a:solidFill>
+              </a:rPr>
+              <a:t>Stationkeeping: performing correction maneuvers to remain within a 10-75 meter sphere of a resident space object for at least 5 orbits.</a:t>
+            </a:r>
+          </a:p>
+          <a:p>
+            <a:pPr lvl="1">
+              <a:buFont typeface="Arial" pitchFamily="34" charset="0"/>
+              <a:buChar char="•"/>
+            </a:pPr>
+            <a:r>
+              <a:rPr lang="en-US" sz="2400" dirty="0" smtClean="0">
+                <a:solidFill>
+                  <a:schemeClr val="tx1">
+                    <a:lumMod val="85000"/>
+                    <a:lumOff val="15000"/>
+                  </a:schemeClr>
+                </a:solidFill>
+              </a:rPr>
+              <a:t>“Escape” Maneuver: performing an orbital maneuver that intentionally increases the final displacement of the spacecraft relative to a resident space object to at least 100 meters within 1 orbit.</a:t>
+            </a:r>
+          </a:p>
+          <a:p>
+            <a:pPr lvl="1">
+              <a:buFont typeface="Arial" pitchFamily="34" charset="0"/>
+              <a:buChar char="•"/>
+            </a:pPr>
+            <a:r>
+              <a:rPr lang="en-US" sz="2400" dirty="0" smtClean="0">
+                <a:solidFill>
+                  <a:schemeClr val="tx1">
+                    <a:lumMod val="85000"/>
+                    <a:lumOff val="15000"/>
+                  </a:schemeClr>
+                </a:solidFill>
+              </a:rPr>
+              <a:t>Rendezvous: performing an orbital maneuver that intentionally decreases the displacement of the spacecraft relative to a resident space object to within 50 meters for at least 5 orbits.</a:t>
+            </a:r>
+            <a:endParaRPr lang="en-US" sz="2400" dirty="0">
+              <a:solidFill>
+                <a:schemeClr val="tx1">
+                  <a:lumMod val="85000"/>
+                  <a:lumOff val="15000"/>
+                </a:schemeClr>
+              </a:solidFill>
+            </a:endParaRPr>
           </a:p>
         </p:txBody>
       </p:sp>
@@ -13807,6 +14847,678 @@
   <p:clrMapOvr>
     <a:masterClrMapping/>
   </p:clrMapOvr>
+  <p:timing>
+    <p:tnLst>
+      <p:par>
+        <p:cTn id="1" dur="indefinite" restart="never" nodeType="tmRoot"/>
+      </p:par>
+    </p:tnLst>
+  </p:timing>
+</p:sld>
+</file>
+
+<file path=ppt/slides/slide7.xml><?xml version="1.0" encoding="utf-8"?>
+<p:sld xmlns:a="http://schemas.openxmlformats.org/drawingml/2006/main" xmlns:r="http://schemas.openxmlformats.org/officeDocument/2006/relationships" xmlns:p="http://schemas.openxmlformats.org/presentationml/2006/main">
+  <p:cSld>
+    <p:spTree>
+      <p:nvGrpSpPr>
+        <p:cNvPr id="1" name=""/>
+        <p:cNvGrpSpPr/>
+        <p:nvPr/>
+      </p:nvGrpSpPr>
+      <p:grpSpPr>
+        <a:xfrm>
+          <a:off x="0" y="0"/>
+          <a:ext cx="0" cy="0"/>
+          <a:chOff x="0" y="0"/>
+          <a:chExt cx="0" cy="0"/>
+        </a:xfrm>
+      </p:grpSpPr>
+      <p:sp>
+        <p:nvSpPr>
+          <p:cNvPr id="2" name="Subtitle 1"/>
+          <p:cNvSpPr>
+            <a:spLocks noGrp="1"/>
+          </p:cNvSpPr>
+          <p:nvPr>
+            <p:ph type="subTitle" idx="1"/>
+          </p:nvPr>
+        </p:nvSpPr>
+        <p:spPr>
+          <a:xfrm>
+            <a:off x="1456531" y="971338"/>
+            <a:ext cx="7053104" cy="6591512"/>
+          </a:xfrm>
+        </p:spPr>
+        <p:txBody>
+          <a:bodyPr/>
+          <a:lstStyle/>
+          <a:p>
+            <a:r>
+              <a:rPr lang="en-US" sz="3200" dirty="0" smtClean="0">
+                <a:solidFill>
+                  <a:schemeClr val="bg1">
+                    <a:lumMod val="65000"/>
+                  </a:schemeClr>
+                </a:solidFill>
+              </a:rPr>
+              <a:t>Group Organization</a:t>
+            </a:r>
+            <a:endParaRPr lang="en-US" sz="3200" dirty="0" smtClean="0">
+              <a:solidFill>
+                <a:schemeClr val="bg1">
+                  <a:lumMod val="65000"/>
+                </a:schemeClr>
+              </a:solidFill>
+            </a:endParaRPr>
+          </a:p>
+          <a:p>
+            <a:r>
+              <a:rPr lang="en-US" sz="3200" dirty="0" smtClean="0">
+                <a:solidFill>
+                  <a:schemeClr val="bg1">
+                    <a:lumMod val="65000"/>
+                  </a:schemeClr>
+                </a:solidFill>
+              </a:rPr>
+              <a:t>Project Overview</a:t>
+            </a:r>
+          </a:p>
+          <a:p>
+            <a:r>
+              <a:rPr lang="en-US" sz="3200" dirty="0" smtClean="0">
+                <a:solidFill>
+                  <a:schemeClr val="tx1">
+                    <a:lumMod val="85000"/>
+                    <a:lumOff val="15000"/>
+                  </a:schemeClr>
+                </a:solidFill>
+              </a:rPr>
+              <a:t>Design Constraints</a:t>
+            </a:r>
+            <a:endParaRPr lang="en-US" sz="3200" dirty="0" smtClean="0">
+              <a:solidFill>
+                <a:schemeClr val="tx1">
+                  <a:lumMod val="85000"/>
+                  <a:lumOff val="15000"/>
+                </a:schemeClr>
+              </a:solidFill>
+            </a:endParaRPr>
+          </a:p>
+          <a:p>
+            <a:r>
+              <a:rPr lang="en-US" sz="3200" dirty="0" smtClean="0">
+                <a:solidFill>
+                  <a:schemeClr val="bg1">
+                    <a:lumMod val="65000"/>
+                  </a:schemeClr>
+                </a:solidFill>
+              </a:rPr>
+              <a:t>Mission Architecture</a:t>
+            </a:r>
+          </a:p>
+          <a:p>
+            <a:r>
+              <a:rPr lang="en-US" sz="3200" dirty="0" smtClean="0">
+                <a:solidFill>
+                  <a:schemeClr val="bg1">
+                    <a:lumMod val="65000"/>
+                  </a:schemeClr>
+                </a:solidFill>
+              </a:rPr>
+              <a:t>CONOPS</a:t>
+            </a:r>
+          </a:p>
+          <a:p>
+            <a:r>
+              <a:rPr lang="en-US" sz="3200" dirty="0" smtClean="0">
+                <a:solidFill>
+                  <a:schemeClr val="bg1">
+                    <a:lumMod val="65000"/>
+                  </a:schemeClr>
+                </a:solidFill>
+              </a:rPr>
+              <a:t>Risk Assessment</a:t>
+            </a:r>
+          </a:p>
+          <a:p>
+            <a:r>
+              <a:rPr lang="en-US" sz="3200" dirty="0" smtClean="0">
+                <a:solidFill>
+                  <a:schemeClr val="bg1">
+                    <a:lumMod val="65000"/>
+                  </a:schemeClr>
+                </a:solidFill>
+              </a:rPr>
+              <a:t>Schedule</a:t>
+            </a:r>
+          </a:p>
+          <a:p>
+            <a:r>
+              <a:rPr lang="en-US" sz="3200" dirty="0" smtClean="0">
+                <a:solidFill>
+                  <a:schemeClr val="bg1">
+                    <a:lumMod val="65000"/>
+                  </a:schemeClr>
+                </a:solidFill>
+              </a:rPr>
+              <a:t>Conclusion</a:t>
+            </a:r>
+            <a:endParaRPr lang="en-US" sz="3200" dirty="0">
+              <a:solidFill>
+                <a:schemeClr val="bg1">
+                  <a:lumMod val="65000"/>
+                </a:schemeClr>
+              </a:solidFill>
+            </a:endParaRPr>
+          </a:p>
+          <a:p>
+            <a:endParaRPr lang="en-US" sz="4000" dirty="0">
+              <a:solidFill>
+                <a:schemeClr val="bg1">
+                  <a:lumMod val="65000"/>
+                </a:schemeClr>
+              </a:solidFill>
+            </a:endParaRPr>
+          </a:p>
+          <a:p>
+            <a:endParaRPr lang="en-US" dirty="0" smtClean="0">
+              <a:solidFill>
+                <a:schemeClr val="bg1">
+                  <a:lumMod val="65000"/>
+                </a:schemeClr>
+              </a:solidFill>
+            </a:endParaRPr>
+          </a:p>
+        </p:txBody>
+      </p:sp>
+    </p:spTree>
+    <p:extLst>
+      <p:ext uri="{BB962C8B-B14F-4D97-AF65-F5344CB8AC3E}">
+        <p14:creationId xmlns:p14="http://schemas.microsoft.com/office/powerpoint/2010/main" xmlns="" val="1899034955"/>
+      </p:ext>
+    </p:extLst>
+  </p:cSld>
+  <p:clrMapOvr>
+    <a:masterClrMapping/>
+  </p:clrMapOvr>
+  <mc:AlternateContent xmlns:mc="http://schemas.openxmlformats.org/markup-compatibility/2006">
+    <mc:Choice xmlns:p14="http://schemas.microsoft.com/office/powerpoint/2010/main" xmlns="" Requires="p14">
+      <p:transition spd="slow" p14:dur="2000" advTm="1111"/>
+    </mc:Choice>
+    <mc:Fallback>
+      <p:transition spd="slow" advTm="1111"/>
+    </mc:Fallback>
+  </mc:AlternateContent>
+  <p:timing>
+    <p:tnLst>
+      <p:par>
+        <p:cTn id="1" dur="indefinite" restart="never" nodeType="tmRoot"/>
+      </p:par>
+    </p:tnLst>
+  </p:timing>
+</p:sld>
+</file>
+
+<file path=ppt/slides/slide8.xml><?xml version="1.0" encoding="utf-8"?>
+<p:sld xmlns:a="http://schemas.openxmlformats.org/drawingml/2006/main" xmlns:r="http://schemas.openxmlformats.org/officeDocument/2006/relationships" xmlns:p="http://schemas.openxmlformats.org/presentationml/2006/main">
+  <p:cSld>
+    <p:spTree>
+      <p:nvGrpSpPr>
+        <p:cNvPr id="1" name=""/>
+        <p:cNvGrpSpPr/>
+        <p:nvPr/>
+      </p:nvGrpSpPr>
+      <p:grpSpPr>
+        <a:xfrm>
+          <a:off x="0" y="0"/>
+          <a:ext cx="0" cy="0"/>
+          <a:chOff x="0" y="0"/>
+          <a:chExt cx="0" cy="0"/>
+        </a:xfrm>
+      </p:grpSpPr>
+      <p:sp>
+        <p:nvSpPr>
+          <p:cNvPr id="2" name="Title 1"/>
+          <p:cNvSpPr>
+            <a:spLocks noGrp="1"/>
+          </p:cNvSpPr>
+          <p:nvPr>
+            <p:ph type="title"/>
+          </p:nvPr>
+        </p:nvSpPr>
+        <p:spPr/>
+        <p:txBody>
+          <a:bodyPr/>
+          <a:lstStyle/>
+          <a:p>
+            <a:r>
+              <a:rPr lang="en-US" dirty="0" smtClean="0">
+                <a:solidFill>
+                  <a:schemeClr val="tx1">
+                    <a:lumMod val="85000"/>
+                    <a:lumOff val="15000"/>
+                  </a:schemeClr>
+                </a:solidFill>
+              </a:rPr>
+              <a:t>Quick Note</a:t>
+            </a:r>
+            <a:endParaRPr lang="en-US" dirty="0">
+              <a:solidFill>
+                <a:schemeClr val="tx1">
+                  <a:lumMod val="85000"/>
+                  <a:lumOff val="15000"/>
+                </a:schemeClr>
+              </a:solidFill>
+            </a:endParaRPr>
+          </a:p>
+        </p:txBody>
+      </p:sp>
+      <p:sp>
+        <p:nvSpPr>
+          <p:cNvPr id="3" name="Content Placeholder 2"/>
+          <p:cNvSpPr>
+            <a:spLocks noGrp="1"/>
+          </p:cNvSpPr>
+          <p:nvPr>
+            <p:ph idx="1"/>
+          </p:nvPr>
+        </p:nvSpPr>
+        <p:spPr/>
+        <p:txBody>
+          <a:bodyPr/>
+          <a:lstStyle/>
+          <a:p>
+            <a:pPr>
+              <a:buFont typeface="Arial" pitchFamily="34" charset="0"/>
+              <a:buChar char="•"/>
+            </a:pPr>
+            <a:endParaRPr lang="en-US" dirty="0"/>
+          </a:p>
+        </p:txBody>
+      </p:sp>
+      <p:sp>
+        <p:nvSpPr>
+          <p:cNvPr id="4" name="Slide Number Placeholder 3"/>
+          <p:cNvSpPr>
+            <a:spLocks noGrp="1"/>
+          </p:cNvSpPr>
+          <p:nvPr>
+            <p:ph type="sldNum" idx="12"/>
+          </p:nvPr>
+        </p:nvSpPr>
+        <p:spPr/>
+        <p:txBody>
+          <a:bodyPr/>
+          <a:lstStyle/>
+          <a:p>
+            <a:pPr>
+              <a:defRPr/>
+            </a:pPr>
+            <a:fld id="{8C6E2802-7AC4-44BB-B0A5-E12803E0614A}" type="slidenum">
+              <a:rPr lang="en-US" altLang="en-US" smtClean="0"/>
+              <a:pPr>
+                <a:defRPr/>
+              </a:pPr>
+              <a:t>8</a:t>
+            </a:fld>
+            <a:endParaRPr lang="en-US" altLang="en-US" dirty="0"/>
+          </a:p>
+        </p:txBody>
+      </p:sp>
+    </p:spTree>
+  </p:cSld>
+  <p:clrMapOvr>
+    <a:masterClrMapping/>
+  </p:clrMapOvr>
+</p:sld>
+</file>
+
+<file path=ppt/slides/slide9.xml><?xml version="1.0" encoding="utf-8"?>
+<p:sld xmlns:a="http://schemas.openxmlformats.org/drawingml/2006/main" xmlns:r="http://schemas.openxmlformats.org/officeDocument/2006/relationships" xmlns:p="http://schemas.openxmlformats.org/presentationml/2006/main">
+  <p:cSld>
+    <p:spTree>
+      <p:nvGrpSpPr>
+        <p:cNvPr id="1" name=""/>
+        <p:cNvGrpSpPr/>
+        <p:nvPr/>
+      </p:nvGrpSpPr>
+      <p:grpSpPr>
+        <a:xfrm>
+          <a:off x="0" y="0"/>
+          <a:ext cx="0" cy="0"/>
+          <a:chOff x="0" y="0"/>
+          <a:chExt cx="0" cy="0"/>
+        </a:xfrm>
+      </p:grpSpPr>
+      <p:sp>
+        <p:nvSpPr>
+          <p:cNvPr id="2" name="Title 1"/>
+          <p:cNvSpPr>
+            <a:spLocks noGrp="1"/>
+          </p:cNvSpPr>
+          <p:nvPr>
+            <p:ph type="title"/>
+          </p:nvPr>
+        </p:nvSpPr>
+        <p:spPr>
+          <a:xfrm>
+            <a:off x="465931" y="0"/>
+            <a:ext cx="9058275" cy="1252538"/>
+          </a:xfrm>
+        </p:spPr>
+        <p:txBody>
+          <a:bodyPr/>
+          <a:lstStyle/>
+          <a:p>
+            <a:r>
+              <a:rPr lang="en-US" b="1" dirty="0" smtClean="0">
+                <a:solidFill>
+                  <a:schemeClr val="tx1">
+                    <a:lumMod val="85000"/>
+                    <a:lumOff val="15000"/>
+                  </a:schemeClr>
+                </a:solidFill>
+              </a:rPr>
+              <a:t>Common Spacecraft Design Constraints</a:t>
+            </a:r>
+            <a:endParaRPr lang="en-US" b="1" dirty="0">
+              <a:solidFill>
+                <a:schemeClr val="tx1">
+                  <a:lumMod val="85000"/>
+                  <a:lumOff val="15000"/>
+                </a:schemeClr>
+              </a:solidFill>
+            </a:endParaRPr>
+          </a:p>
+        </p:txBody>
+      </p:sp>
+      <p:sp>
+        <p:nvSpPr>
+          <p:cNvPr id="3" name="Content Placeholder 2"/>
+          <p:cNvSpPr>
+            <a:spLocks noGrp="1"/>
+          </p:cNvSpPr>
+          <p:nvPr>
+            <p:ph idx="1"/>
+          </p:nvPr>
+        </p:nvSpPr>
+        <p:spPr>
+          <a:xfrm>
+            <a:off x="3971131" y="1038225"/>
+            <a:ext cx="5857875" cy="4953000"/>
+          </a:xfrm>
+        </p:spPr>
+        <p:txBody>
+          <a:bodyPr/>
+          <a:lstStyle/>
+          <a:p>
+            <a:pPr>
+              <a:buFont typeface="Arial" pitchFamily="34" charset="0"/>
+              <a:buChar char="•"/>
+            </a:pPr>
+            <a:r>
+              <a:rPr lang="en-US" sz="2000" dirty="0" smtClean="0">
+                <a:solidFill>
+                  <a:schemeClr val="tx1">
+                    <a:lumMod val="85000"/>
+                    <a:lumOff val="15000"/>
+                  </a:schemeClr>
+                </a:solidFill>
+              </a:rPr>
+              <a:t>Usually, the key driver of any aerospace system design is its cost and its weight.</a:t>
+            </a:r>
+          </a:p>
+          <a:p>
+            <a:pPr>
+              <a:buFont typeface="Arial" pitchFamily="34" charset="0"/>
+              <a:buChar char="•"/>
+            </a:pPr>
+            <a:r>
+              <a:rPr lang="en-US" sz="2000" dirty="0" smtClean="0">
+                <a:solidFill>
+                  <a:schemeClr val="tx1">
+                    <a:lumMod val="85000"/>
+                    <a:lumOff val="15000"/>
+                  </a:schemeClr>
+                </a:solidFill>
+              </a:rPr>
+              <a:t> In the case of small spacecraft design, the former plays a large role in terms of the cost associated with getting said design to orbit, while the latter place a much less significant role.</a:t>
+            </a:r>
+          </a:p>
+          <a:p>
+            <a:pPr>
+              <a:buFont typeface="Arial" pitchFamily="34" charset="0"/>
+              <a:buChar char="•"/>
+            </a:pPr>
+            <a:r>
+              <a:rPr lang="en-US" sz="2000" dirty="0" smtClean="0">
+                <a:solidFill>
+                  <a:schemeClr val="tx1">
+                    <a:lumMod val="85000"/>
+                    <a:lumOff val="15000"/>
+                  </a:schemeClr>
+                </a:solidFill>
+              </a:rPr>
+              <a:t>Thus, in place of weight, volume becomes a much more important constraint on any small satellite design.</a:t>
+            </a:r>
+          </a:p>
+          <a:p>
+            <a:pPr lvl="1">
+              <a:buFont typeface="Arial" pitchFamily="34" charset="0"/>
+              <a:buChar char="•"/>
+            </a:pPr>
+            <a:r>
+              <a:rPr lang="en-US" sz="1800" dirty="0" smtClean="0">
+                <a:solidFill>
+                  <a:schemeClr val="tx1">
+                    <a:lumMod val="85000"/>
+                    <a:lumOff val="15000"/>
+                  </a:schemeClr>
+                </a:solidFill>
+              </a:rPr>
+              <a:t>This fact is directly related to the CubeSat standard described in the previous section, which has allowed for the development of deployers for spacecraft that follow it, such as the P-POD and NLAS Deployers.</a:t>
+            </a:r>
+          </a:p>
+          <a:p>
+            <a:pPr>
+              <a:buFont typeface="Arial" pitchFamily="34" charset="0"/>
+              <a:buChar char="•"/>
+            </a:pPr>
+            <a:r>
+              <a:rPr lang="en-US" sz="2000" dirty="0" smtClean="0">
+                <a:solidFill>
+                  <a:schemeClr val="tx1">
+                    <a:lumMod val="85000"/>
+                    <a:lumOff val="15000"/>
+                  </a:schemeClr>
+                </a:solidFill>
+              </a:rPr>
+              <a:t>Other important design constraints include mission operation time and mission success verification.</a:t>
+            </a:r>
+          </a:p>
+          <a:p>
+            <a:pPr>
+              <a:buFont typeface="Arial" pitchFamily="34" charset="0"/>
+              <a:buChar char="•"/>
+            </a:pPr>
+            <a:r>
+              <a:rPr lang="en-US" sz="2000" dirty="0" smtClean="0">
+                <a:solidFill>
+                  <a:schemeClr val="tx1">
+                    <a:lumMod val="85000"/>
+                    <a:lumOff val="15000"/>
+                  </a:schemeClr>
+                </a:solidFill>
+              </a:rPr>
+              <a:t>Each of these design constraints will be discussed in detail on the following slides.</a:t>
+            </a:r>
+          </a:p>
+        </p:txBody>
+      </p:sp>
+      <p:sp>
+        <p:nvSpPr>
+          <p:cNvPr id="4" name="Slide Number Placeholder 3"/>
+          <p:cNvSpPr>
+            <a:spLocks noGrp="1"/>
+          </p:cNvSpPr>
+          <p:nvPr>
+            <p:ph type="sldNum" idx="12"/>
+          </p:nvPr>
+        </p:nvSpPr>
+        <p:spPr/>
+        <p:txBody>
+          <a:bodyPr/>
+          <a:lstStyle/>
+          <a:p>
+            <a:pPr>
+              <a:defRPr/>
+            </a:pPr>
+            <a:fld id="{8C6E2802-7AC4-44BB-B0A5-E12803E0614A}" type="slidenum">
+              <a:rPr lang="en-US" altLang="en-US" smtClean="0"/>
+              <a:pPr>
+                <a:defRPr/>
+              </a:pPr>
+              <a:t>9</a:t>
+            </a:fld>
+            <a:endParaRPr lang="en-US" altLang="en-US" dirty="0"/>
+          </a:p>
+        </p:txBody>
+      </p:sp>
+      <p:pic>
+        <p:nvPicPr>
+          <p:cNvPr id="39938" name="Picture 2" descr="http://upload.wikimedia.org/wikipedia/en/thumb/1/1a/CSSWE_CubeSat_and_PPOD_prior_to_integration.pdf/page1-695px-CSSWE_CubeSat_and_PPOD_prior_to_integration.pdf.jpg"/>
+          <p:cNvPicPr>
+            <a:picLocks noChangeAspect="1" noChangeArrowheads="1"/>
+          </p:cNvPicPr>
+          <p:nvPr/>
+        </p:nvPicPr>
+        <p:blipFill>
+          <a:blip r:embed="rId2" cstate="print"/>
+          <a:srcRect/>
+          <a:stretch>
+            <a:fillRect/>
+          </a:stretch>
+        </p:blipFill>
+        <p:spPr bwMode="auto">
+          <a:xfrm>
+            <a:off x="237331" y="1038225"/>
+            <a:ext cx="3536494" cy="3048000"/>
+          </a:xfrm>
+          <a:prstGeom prst="rect">
+            <a:avLst/>
+          </a:prstGeom>
+          <a:noFill/>
+          <a:ln>
+            <a:solidFill>
+              <a:schemeClr val="tx1"/>
+            </a:solidFill>
+          </a:ln>
+        </p:spPr>
+      </p:pic>
+      <p:sp>
+        <p:nvSpPr>
+          <p:cNvPr id="39940" name="AutoShape 4" descr="data:image/jpeg;base64,/9j/4AAQSkZJRgABAQAAAQABAAD/2wCEAAkGBxQPEBAQDxQPEA8PDxQPEBAOEA8PFBQOFBQWFxQUFBUYHCggGBolGxQUITEiJiorLi4uFx8zODMsNygtLisBCgoKDg0OGhAQGy0kHyUsLCwsLC8sLCwsLCwsLywsLCwsLCwsLCwsLCwsLCwsLCwsLCwsLCwsLCwsLCwsLCwsLP/AABEIAMgA/AMBIgACEQEDEQH/xAAbAAABBQEBAAAAAAAAAAAAAAACAAEDBAUGB//EAD8QAAIBAgQDBQUGBQMDBQAAAAECAAMRBBIhMQVBUQYTImFxMoGRobEUQlJywfAjM2Jz0QeCskNj4RWSorPC/8QAGgEAAwEBAQEAAAAAAAAAAAAAAAECAwQFBv/EAC0RAAICAgICAQEGBwEAAAAAAAABAhEDIRIxBEFREyIjYYGhwQUUMkJx0fAV/9oADAMBAAIRAxEAPwC1aPaFaPafQnlgWj2h2iyxiBtHtDtHywAC0cCGFhBYwIwI4WSBYQWAEWWPlkuWPlgIiyxZZLlj5YAQ5YssmyxZYDIcsbLJssiNdL2zpe9rZlvf4xANljFZKNdtfTWMVjAhIjESbLGyxAQERrSYrBIgBERBIkpEAiAEZEYyQiCRACONDIgkQAEwYRjRAXo9o4j2jGNaOBHAhBYCBAhBYQWGFjAALCCyQLCCwAjyxwskCxwsBEeWPlkmWPaAyPLFlkhEyOJcdWgzLlLBAC75lVRfYXMANPLM2vxuihZS9yhKtlViAw3W9rXnEcX7Xs9RjRaqb+yiOVRRa24tmudf1mHV77EfzGIUm+UXAueZ6n1iv4HXydBxPtmWVqRyHP4SKGbQX2z3+kxMZixUNr1aQFhlpLTANutrGS4bhiry185YOEU8hGl8ibS6KCVADdK9RT5h/wBDL1PiVdbd3ifc1Tc+8QDghGHD77W94E00Ry+DQo8exo++jDrZG+msvYTtNiSbPTogDUliV+AvqZzVepRpEBR39Y7KqnRuhEMLUP8AGxNQUUG1NGsdfmfdf3TJzjdI0UXVs6an20BcoKRcjc0zp8SJZrdrKSNlqqyN+G4Y+8aTianFWdgKKkKDqz+IkR3fxZitIt+Jqdj8RCOwlo7ql2pwzffK/mFpaTi9Btqqe+4+s86Dj8CX28L5d/WLukP3Kg/KQ004EckelpiEb2XQ+jqZJaeX2QD2qi+oYW+B/dpYoU3FmFVwp6XB915LVDTs9GIgkTh6XFawqhFatYnwlmzXXrluRynb0LlELe0VBPrbWZqSbotxaVjERrSQiNaUSXgIrSS0cLAAAsILDCwwsAACwwsILCAjAYLHAhgQrQAC0Vomqqt8zKLb3YC3rOX4j2vNFmulNKdyFao9y4BPiAXkd7bwsDpalVV9plW+2ZgPrMLi3aQUGIUUmpra9RqqgEnkoGptOC4p2gavUepTUZnIu7A2FgB4VJ0Gn/iUUwL1jmqFmPmdB6CLb6C0uzT452p7+oWprnawUXzZAB0Unf4cpTo4qsU8Ta32yJa3TaXcNw1VloUwJUU09kSkq0Y64hhulE+qZT8dJZTHf9sf7H/SXGoA8oBwIPKaaIcmRjHJzWovqAZNQrJU0Uk238LD57SGrSpUQWqsV/CoBseove/wlUYmtiNMOO5pbd4wAv6D9+szlOK0uy4wb2zWOUA7lx93wgEepO8zGw9fENldhh6RNtCGa3mV5fvWRsaWEJUHv699SGD+L8w0HzMio1a1Rw7llUbJTJUSP69F6hsJ3XD3p4emS2xqOrAfE7/SQ08C1Q56pLHz/QcpezuNnqe+zfWOMS/VD+ZSPpNFhRDzB0cOF2EPuQYAxTc0Q/le3y1hfawPaSovpYyuDI5p+xmwokZwI6fCXqDhxmFwBzYW/YkGPxRQL3YVgfbLOOulgLfWS5UUotkaUkS9zmcDwoXt4uVxrIKdBsTdXVQUOjZjYNfX10BiNAE964Cn2mCjUte95WwfFHeuF07sZrKBpcKfF9fjOPLlbT4/9R1Y8SXZLiuICkyUKQB1CO7A5il7FR05/KelqtgB0AE8jQZ8Wn9VdB/8hPYisrBCthmldEJEHLJisHLNzEvAQwscCGBAYIWEBCEckAXNgOp0EBEdWoEVnYgKqlmJ5KBcmcRV7b1L3RaOU+LLZyVXMQA+3i0B06yft3x1DTGHourlzeqUYEBBstxzJ+Q85wdGqMxtrY2b9Ynv2awj7Z7hhH71Q6WKkXvfr5cpVxiYhkqKtOkrEMoIrMTYjdfCLH3ziuy3HTQsjscoOTc6o2q/A7S7xTtwiC1LxMWtdr2v7p4ebzPKx5XBb/I7Y4MUo2cri6ldWypRZLGzO4FRrje9r6+t4nr1fvGm1+T07D6CFj62JqVDUp00Oc3c0nJOu90zAA+68X2vEBTUZVVBdcrrY5x7N8xvY9dp7ePKlFOa7PPnibf2WRriLb0aZ/tkD6Xk68SQe0lRfdcRYbiVNwRU7nvLbAGxPQMLyQKpc0ypV1bKwStTJVhyKkg3902+pAyeOfwEnEKR+9b8wI+ssU6it7LK35SDKb4RL2OcnKzkZFuET2mPlNDh3C2rK32FKVxbM1Ziuh2JygkiRky44K2xwxSl6GsLHUXH3db267TIxGPqu2TD036Z6iFR7gR++k3cP2SxikmsWe+oFGpZNOXL4WmNjcfUWqaQpMmVrMa6suvkNJnHLDJqEr/wW8bx9orVMClA58WxqVvwtfQ9Av8AnSRVsZVr+FP4VPaw9ojzP798t1KhY3enQqW2Itf4kkw0xYXeky/l1+tpqsTRm8qfRDguFhRrvNFKQHKRLxCn1K/mU/pLFOuh2dD/ALgPlKpolg93GNGWcsdEuQNLk21IA+J0EVk7Kn2YdBC+zIoLG9wtwqjcjluIL8SpKxQtqvtZbtr0uL6zNWm2Zj3lQqSCSxt7rDlJlOvZpHHfoOpiu/BR6bAE6jMRt6W/xFhaaoSoys4sWF/Z0NpHjand0yVFs299zeU+zwJaoTqbLe/U3nJkk5p/B1wiomlilsjnckEm9pi8FX+LforH9Ju8Q0pt6TH4GPEx6Uz9RJxQfBlOWwuCJmxtAdcQvyN57BlnlPZBM2PoeVRm+Cmet2nWlRhNkJWDlkxEG0ZmWgIOJqFEdlU1GVSyoCAWYDRQTteSCEBEUed9peO4p+7yUsVhSmbP4XAYm2WxtY2sfjMGpxZ6tlrM9TQh85zeLW1l0sNgb35nynsgEgxGBp1f5lOnU/Oit9RAtSXweMPlsuQFTrmFlC3zG2W3l84LG+/kPcJ6tiOyOEf/AKWQ9abMnyvb5TLxH+n9M/y6tRf7io/0yxrRXNHD1EyhVfNdkDK1PK9gR4DuB5WmVTw9cXbROVyFdv8Abfb1Fp1/GuzFXBJ3udGRm7u6ZlbxA7i2xAI3mDRxykqquoKXAAIU7km/M6k7znyePCUuUmaRyapAYbF4hBZGxBJFg1T/APItp8TIsTRdjfFVbc8rsSfcg1HwljuqpDXrKgJuRdlLEnqBrvzI8o6cLWmFd8tS52WqhN/MDb3zRY0TZTWtTTSnTaoTzcZR8NT8xLOG764c/wAOmpDMKYyaDcEjX4kzTp4pBTPtDxEKuY1CDb2wpstraSniMH4qjGrnNK2lSorXJa38MDQ+6W1XYk7K+KqZ2LHMRfTM2cheQJ5zW7N8XbDujKbAEI35T7J9xmMyA7gnUEWYrYg8+o8pNhzZvIizekzyQ5xcX0XF07PXl42GQOzAcj6jecH2l7Rd7VV0RygBV3toSpFhfKep+U5ri+PqIQhZshuRlOY766X5abx8LxZqWWyoiZQG73+YTzKqnsjyPxni+D430s3Nv5OnPPnDjRZHGL5y1JGC5SMp1swvqQOU0MPkcaKVbLmyK1jYbnXcC+8ycVxurWJFJFpK9lZlFiV00vA/9NABapoG3eo2W/oNSZ7mOc330cE8UPg1xTVtAagvtnosR8bW+cA8PB27tiN7EqR69Jlviszlkz1qhsC73RbKLLotibAc7S9jcXUCoFZTmQGocoUodipJ02sbjrNFmaWzN+MvRYo8KCkE5hqNFYgH1IkeOx1WnUKhFCi4BLA3YeanSc+K3eZVvZaWn3mBPUTaorlFtyADflfXb4SVkc6kDgoabAqlbh6uVSbAjqT15mW0Te+vlbYTmcXWZ6ljyYAWFtzz+U7FHATKouzCzH15fvrM0uT2XJ8VaM/tFQFOiASM5IJHQa6fT4yl2eX+Z/tH1lrtFSKoM3tEZiNbgeci4APDUP8AUPp/5migkqJ5vi2WeKm1JvSZfB10qbewBqQN5qcUpM6EKCx6DWZtDDVKYYEmi5K2z5lJADGy2G8040jOM7TVmt2MwFSnjKTupCZahDaEE2POekd5OF7KAmuMxVmWmwOVVUX8OhsNT69Z2irIbXovfsmzxZpHlj5YgNECGBGAhgRFCAhWjgR4ANaK0KNADne3aXwTeVSmfnb9Z4bjFtUqD+tvrPeu2SXwVbyKH4VFnhPFBatV/P8AUAzn81fcp/j+xp47+8a/D9ysjkbFh5AkSdOIVF2c++zfWV5Jh8O1V1p01Z6jmyogLMx6ADeeYpyj06O1pMtUuLuDqEb3EH5TX4ZWbENZaTW5uCCo9SbfCdR2X/0nqvarjfAu4oqdf97D6D48p31LsmtNQlNAqgWAUASv5zLFd2L6UWeWVeGMOQPof8yJKL082W4zIUa6q3hbcc7eu89PrdnD0lCt2fPST/6eValFMr+Xj6Z57TVFyeADKfEQFJsSPZGljYddYFWoniY01PMWVQTcnfQzuK3Auo+IvKVTs4p5Efl0m8P4rjf9UWv1/wBES8WXpnId+T/JphCNC7+Ij0vosLD4Us16n8Zj+IMRbpoQZ1Z4EfCrVKjIpJFM23O/pNHC8MC7AD9/OXP+IY/7Vb/QmOCXvRzOH4HmNyoReSKWb6y9V4UoUhVubaaX18p01PCcgJT4/wAQp4CkXa7OR4UW1yf0HnOSWXJl7f5ejTjGJ5jXwBoOVa4J113983mGnunPtxF8VUarUtcvYKuyrpoJ0VXY+k9nw1cEeZ5TqRy7L/FH9wfUTt8GtrFPbv7VtE1IvtONpreqv90fUTtVcZCNqauDk+85039ADNlHsU5aRldo8TZGRTmzsM1Q6lgLaDoLyrwU2psdBeodyByHMxcffMQbWBYaDYSHAKjIEqd94ixHc5DzA8QPLTqJpSiRblAuYk1hldadN6RNrt3NUMelwTbY9IOIxjNUCW1y3YpnKoCCAFzEm5MqUaQKslE/xLqrOPFYndU8+XvnddnOzwoqr1ReoAMqnXIANz1b6TBzctI0jjUdsDslwL7Mud7hmWwUm5AJBJY/iNh6TpgIwSGFjSpUNu9jWiyw7RWgIuCGIIhiIscR4gI8BDQSYmMidoAZ3ac3wmIH9F/gQf0nhXFl/j1PUf8AET3jiGEfEUqtGkpeo9NlUDqRpc7AeZh9lP8AS2lQf7RjSK9Y2tSF+5Sw5j/qH108uc5/LyQWLi3u7/RmmCMvqcl8fueVdkf9N8XxBgxX7Ph7+KvVF7/21v4/XQefKe59lOxOG4alqCXqEWevUs1R/U8h5CwnTpSAFhoBoAOkMLPGbs7yAURH7oSe0UQyu1AHlIKmBU8hL0EiFAY9bhKnlMrGcMA0UXPWdWwlasotIlBDTZxNTh+XeAuFv5Cb+Kw27NoN9dJh4vGX8NPbr/iXgwubpE5MiitkOJqikCF1P73nnPbxyVJOpJ1M7mrrOD7ejwe+eosKhF0cbyOTOR4QP/sH6TqmqBlbKQbb2nNcGXRf7n6idHUoKuZgqhiDcgAEzt8OMuEaOTymuTsxMML1U/ug/SdEWHVR+dgo+JnP4P8AmqeQYk+gE06tOjXQslWtnFv4VSktrEgXzBraanWdN0Z5FbRLiKeIpujFUyMbp4qNVTbnudrjSQ1a7vWCoosbM5UWBuLBUUcyRf3yAUO8VadAmxfIzAXZ+oX1NhPQOznABQAepY1bWA3FMW2H9XU/s4ynKWjWGOMdvsi7NdnVw4DuB3m4XcJff1bznRBYQSGqxJUU3YAWEFkgWPaMRHaK0ktBtEMsCGJHmjF4iibNBZ5A1SRNVgInepLXCcD9oY3bKq2vbc36fCY71Z1HZtAtPMBYvub3vbbTlznN5WX6eO12a4YcpbNrCYRKS5UAUc+pPUnnLAkKvJA08Vzt2zv40HePeBmjgx2goOMYMcGACjExFoBMGwGYytjMQtJS9QgKPmegHMyHivFUw418TkeFBv6noJxePxj12zVDfoo0VR0Am2Hx3k2+jPJlUdLsl4txZq5sPDTGy8z5tKCxipjqtp6cIKKpHJKV7ZAtS4J8yB5gG15xHb0+CdzUAAsNB5Tl+0mFTL3tcZkQXWl+Nv6v6f35FvUaYlt6OI4IuiX51Lj0vvN7F4hVHjv6DeZOCrmpUDNa7VL2XYC+gE1OG8SxCMRpkt4hVQMAv4RfflOzA+GOK/A5M8XKboVPA0gFqU6jFxclGWwFweeo+cqYa1YNRpKcjeDMoN3c6HL++cOg9SrVyIpyhitravUPIDoJ6D2c7PjCqGYA1SLabIPwr59TFKXLo0hDjuQHZrs8uGUMwHe2sANkHQefU/s9AFjgSRVi6G9gBYYWGFhAQAACK0O0YiIYBgSQwYACYJk2WPkiGVGEhYTQ7qCaMAMxlnUdn3tRT1b/AJGYzUJq8J8KW6MZxefH7r8zo8Z/bN1KklV5QR5MrzwGeiXA8IPKoeEHi5MKLQeItK4eIvNIzJcScGYvG+OilenSsanMnZf8maTVN5wuN1qVCd+8b/kZ2+LjjOW/Rhmk4rRFUqliWYlmJuSTckxhGtHnqo4mCY0Q1v8ACQcRxyYZDUqEAD368gBzPlE5UNRsHiGKSghqVCAFF9dp5T2i44+Lq6aUwwyrrcnlmt9Jo8UxFXiNXxArSU+CnyH9TdW+nLzsU+xDsA1OwYWIsSDcbSeE5bLU4x0Y3DRkZQ/hYHNZhY2N7aS0XepiVoorZc9xlB8dS2bf97TYo9jcQ9QPUvmuMx8AuPdPQOG8MWigUDW2vrOtSbil1Rg0lJvsodneAjDjO9mrMNTyUH7q/qZuhYSpJFWMQCpDCwwIVorAALHtDtGMQAGCYZgGAAGDDMGMAxCECPEUSCPABhAwAREs4TQH1le8lw7bzl8xXiZrgf20X1aTK8qK0lVp8/JHpJloPHzSuGhZpnRRPnj55Bmj5o0BI76TiuJqS1YKcrEuFPRjexnYudJyOO/mP+Y/Wen4Pb/wcnkdIr4akEVUBYhAFBc3JA5nzh7mwj0aZY6StxriqYRNfE7aKo3Y9B0Hnync5qCUV2c6i5O2DxXiKYSnmc67ADUluijrODxD1cdVz1NFB8CDUKP1PnJxSqYyr3lXXkoGyr0E6vhPCAgGkvHjb2yZy9IqcG4MFAJE6bD4e0loYa0tLTnV0YgKkMCGEj5IrGABCtCyx7RWANoo9ooAMYJMcwTABiYBMIwDGAxgwo0ACjxWj2gMUe8aC0BDs8GliLH1IEieVqjWkzipRcWOMqdo3laTK0wcNxQ5rVMoFvaPh18+U1KVYEXBBHUG88DPhlB0z0seRSWi6GhBpXDwg05WjZMnzRwZEGjhoJASs2hnNV6JerUA/EbnpN7vdWHS1/fOV7TcfXDgpTs1Ztl5D+p/Ly5zs8ecoP7K2zDLFSWyPjnGEwaZV8VVh4VB1PmTyH7E4/DYOpiahqVSWZvgByAHISXBYJq7mpUJZmNyTOw4bgAoGk9PBhrcuzkyZPSIeGcLCAaTapUAJJSp2k6rOu6MAFSGFhAQrSWxg2itDtGisAY1oRgxgCYJhmCYwAMEwzAMoQJgmGYJgAMGGY0ACjyj9qi+1QAvxWlH7TH+0wAttTvK1fDdI32mL7TADJxlA2M5+vTem16bPTPVGK/SdfWYGZWLogyJwsqLoz8L2lxVLcpWH/cXX4raa+D7bptWpOh6oRUA+h+swq2HttKzp1E4p+LB+jeOaSPQcFx6hW9iqhJ+6xyN/wC1rGXsRjEpLmqMtNSbBnIUXPK5nlFTDAwXwzMApZiq+ypJIHoOU5X4W9M2XkHa9oe0a0QUoZWr1ACzCxCi1gWPM22H7PJYTDmoxZyWZjdmbUk+cjoYW02MFTtOzBgUDDJkcjX4ZhgoE2qVhMehVtLK4idqOc11cQw4mQMTDGJhQWa3eCLvBMr7TF9phxCzV7wRjVEy/tME4iHFBZqGqIJqiZZxEE4iOkFmoawgmsJlmvBNeFBZqGsIJrCZZrxjXjEaZrCCa0zO+jGtADS76N30zTWg99EBH3sXexRRFD97H72KKAh+9i72KKFgI1ZFUa8UUBlOsJSqpHikMpFZlgXjRTNlImpS/RaPFKiSy2lWSCrFFLEEKsLvooo7EP30XfRRRhQu9i72NFAQjVg97FFAYxqxu8iiisKG7yMakUULAHvI3eRRQAY1IPeR4ogP/9k="/>
+          <p:cNvSpPr>
+            <a:spLocks noChangeAspect="1" noChangeArrowheads="1"/>
+          </p:cNvSpPr>
+          <p:nvPr/>
+        </p:nvSpPr>
+        <p:spPr bwMode="auto">
+          <a:xfrm>
+            <a:off x="155575" y="-144463"/>
+            <a:ext cx="304800" cy="304801"/>
+          </a:xfrm>
+          <a:prstGeom prst="rect">
+            <a:avLst/>
+          </a:prstGeom>
+          <a:noFill/>
+        </p:spPr>
+        <p:txBody>
+          <a:bodyPr vert="horz" wrap="square" lIns="91440" tIns="45720" rIns="91440" bIns="45720" numCol="1" anchor="t" anchorCtr="0" compatLnSpc="1">
+            <a:prstTxWarp prst="textNoShape">
+              <a:avLst/>
+            </a:prstTxWarp>
+          </a:bodyPr>
+          <a:lstStyle/>
+          <a:p>
+            <a:endParaRPr lang="en-US"/>
+          </a:p>
+        </p:txBody>
+      </p:sp>
+      <p:sp>
+        <p:nvSpPr>
+          <p:cNvPr id="39942" name="AutoShape 6" descr="data:image/jpeg;base64,/9j/4AAQSkZJRgABAQAAAQABAAD/2wCEAAkGBxQPEBAQDxQPEA8PDxQPEBAOEA8PFBQOFBQWFxQUFBUYHCggGBolGxQUITEiJiorLi4uFx8zODMsNygtLisBCgoKDg0OGhAQGy0kHyUsLCwsLC8sLCwsLCwsLywsLCwsLCwsLCwsLCwsLCwsLCwsLCwsLCwsLCwsLCwsLCwsLP/AABEIAMgA/AMBIgACEQEDEQH/xAAbAAABBQEBAAAAAAAAAAAAAAACAAEDBAUGB//EAD8QAAIBAgQDBQUGBQMDBQAAAAECAAMRBBIhMQVBUQYTImFxMoGRobEUQlJywfAjM2Jz0QeCskNj4RWSorPC/8QAGgEAAwEBAQEAAAAAAAAAAAAAAAECAwQFBv/EAC0RAAICAgICAQEGBwEAAAAAAAABAhEDIRIxBEFREyIjYYGhwQUUMkJx0fAV/9oADAMBAAIRAxEAPwC1aPaFaPafQnlgWj2h2iyxiBtHtDtHywAC0cCGFhBYwIwI4WSBYQWAEWWPlkuWPlgIiyxZZLlj5YAQ5YssmyxZYDIcsbLJssiNdL2zpe9rZlvf4xANljFZKNdtfTWMVjAhIjESbLGyxAQERrSYrBIgBERBIkpEAiAEZEYyQiCRACONDIgkQAEwYRjRAXo9o4j2jGNaOBHAhBYCBAhBYQWGFjAALCCyQLCCwAjyxwskCxwsBEeWPlkmWPaAyPLFlkhEyOJcdWgzLlLBAC75lVRfYXMANPLM2vxuihZS9yhKtlViAw3W9rXnEcX7Xs9RjRaqb+yiOVRRa24tmudf1mHV77EfzGIUm+UXAueZ6n1iv4HXydBxPtmWVqRyHP4SKGbQX2z3+kxMZixUNr1aQFhlpLTANutrGS4bhiry185YOEU8hGl8ibS6KCVADdK9RT5h/wBDL1PiVdbd3ifc1Tc+8QDghGHD77W94E00Ry+DQo8exo++jDrZG+msvYTtNiSbPTogDUliV+AvqZzVepRpEBR39Y7KqnRuhEMLUP8AGxNQUUG1NGsdfmfdf3TJzjdI0UXVs6an20BcoKRcjc0zp8SJZrdrKSNlqqyN+G4Y+8aTianFWdgKKkKDqz+IkR3fxZitIt+Jqdj8RCOwlo7ql2pwzffK/mFpaTi9Btqqe+4+s86Dj8CX28L5d/WLukP3Kg/KQ004EckelpiEb2XQ+jqZJaeX2QD2qi+oYW+B/dpYoU3FmFVwp6XB915LVDTs9GIgkTh6XFawqhFatYnwlmzXXrluRynb0LlELe0VBPrbWZqSbotxaVjERrSQiNaUSXgIrSS0cLAAAsILDCwwsAACwwsILCAjAYLHAhgQrQAC0Vomqqt8zKLb3YC3rOX4j2vNFmulNKdyFao9y4BPiAXkd7bwsDpalVV9plW+2ZgPrMLi3aQUGIUUmpra9RqqgEnkoGptOC4p2gavUepTUZnIu7A2FgB4VJ0Gn/iUUwL1jmqFmPmdB6CLb6C0uzT452p7+oWprnawUXzZAB0Unf4cpTo4qsU8Ta32yJa3TaXcNw1VloUwJUU09kSkq0Y64hhulE+qZT8dJZTHf9sf7H/SXGoA8oBwIPKaaIcmRjHJzWovqAZNQrJU0Uk238LD57SGrSpUQWqsV/CoBseove/wlUYmtiNMOO5pbd4wAv6D9+szlOK0uy4wb2zWOUA7lx93wgEepO8zGw9fENldhh6RNtCGa3mV5fvWRsaWEJUHv699SGD+L8w0HzMio1a1Rw7llUbJTJUSP69F6hsJ3XD3p4emS2xqOrAfE7/SQ08C1Q56pLHz/QcpezuNnqe+zfWOMS/VD+ZSPpNFhRDzB0cOF2EPuQYAxTc0Q/le3y1hfawPaSovpYyuDI5p+xmwokZwI6fCXqDhxmFwBzYW/YkGPxRQL3YVgfbLOOulgLfWS5UUotkaUkS9zmcDwoXt4uVxrIKdBsTdXVQUOjZjYNfX10BiNAE964Cn2mCjUte95WwfFHeuF07sZrKBpcKfF9fjOPLlbT4/9R1Y8SXZLiuICkyUKQB1CO7A5il7FR05/KelqtgB0AE8jQZ8Wn9VdB/8hPYisrBCthmldEJEHLJisHLNzEvAQwscCGBAYIWEBCEckAXNgOp0EBEdWoEVnYgKqlmJ5KBcmcRV7b1L3RaOU+LLZyVXMQA+3i0B06yft3x1DTGHourlzeqUYEBBstxzJ+Q85wdGqMxtrY2b9Ynv2awj7Z7hhH71Q6WKkXvfr5cpVxiYhkqKtOkrEMoIrMTYjdfCLH3ziuy3HTQsjscoOTc6o2q/A7S7xTtwiC1LxMWtdr2v7p4ebzPKx5XBb/I7Y4MUo2cri6ldWypRZLGzO4FRrje9r6+t4nr1fvGm1+T07D6CFj62JqVDUp00Oc3c0nJOu90zAA+68X2vEBTUZVVBdcrrY5x7N8xvY9dp7ePKlFOa7PPnibf2WRriLb0aZ/tkD6Xk68SQe0lRfdcRYbiVNwRU7nvLbAGxPQMLyQKpc0ypV1bKwStTJVhyKkg3902+pAyeOfwEnEKR+9b8wI+ssU6it7LK35SDKb4RL2OcnKzkZFuET2mPlNDh3C2rK32FKVxbM1Ziuh2JygkiRky44K2xwxSl6GsLHUXH3db267TIxGPqu2TD036Z6iFR7gR++k3cP2SxikmsWe+oFGpZNOXL4WmNjcfUWqaQpMmVrMa6suvkNJnHLDJqEr/wW8bx9orVMClA58WxqVvwtfQ9Av8AnSRVsZVr+FP4VPaw9ojzP798t1KhY3enQqW2Itf4kkw0xYXeky/l1+tpqsTRm8qfRDguFhRrvNFKQHKRLxCn1K/mU/pLFOuh2dD/ALgPlKpolg93GNGWcsdEuQNLk21IA+J0EVk7Kn2YdBC+zIoLG9wtwqjcjluIL8SpKxQtqvtZbtr0uL6zNWm2Zj3lQqSCSxt7rDlJlOvZpHHfoOpiu/BR6bAE6jMRt6W/xFhaaoSoys4sWF/Z0NpHjand0yVFs299zeU+zwJaoTqbLe/U3nJkk5p/B1wiomlilsjnckEm9pi8FX+LforH9Ju8Q0pt6TH4GPEx6Uz9RJxQfBlOWwuCJmxtAdcQvyN57BlnlPZBM2PoeVRm+Cmet2nWlRhNkJWDlkxEG0ZmWgIOJqFEdlU1GVSyoCAWYDRQTteSCEBEUed9peO4p+7yUsVhSmbP4XAYm2WxtY2sfjMGpxZ6tlrM9TQh85zeLW1l0sNgb35nynsgEgxGBp1f5lOnU/Oit9RAtSXweMPlsuQFTrmFlC3zG2W3l84LG+/kPcJ6tiOyOEf/AKWQ9abMnyvb5TLxH+n9M/y6tRf7io/0yxrRXNHD1EyhVfNdkDK1PK9gR4DuB5WmVTw9cXbROVyFdv8Abfb1Fp1/GuzFXBJ3udGRm7u6ZlbxA7i2xAI3mDRxykqquoKXAAIU7km/M6k7znyePCUuUmaRyapAYbF4hBZGxBJFg1T/APItp8TIsTRdjfFVbc8rsSfcg1HwljuqpDXrKgJuRdlLEnqBrvzI8o6cLWmFd8tS52WqhN/MDb3zRY0TZTWtTTSnTaoTzcZR8NT8xLOG764c/wAOmpDMKYyaDcEjX4kzTp4pBTPtDxEKuY1CDb2wpstraSniMH4qjGrnNK2lSorXJa38MDQ+6W1XYk7K+KqZ2LHMRfTM2cheQJ5zW7N8XbDujKbAEI35T7J9xmMyA7gnUEWYrYg8+o8pNhzZvIizekzyQ5xcX0XF07PXl42GQOzAcj6jecH2l7Rd7VV0RygBV3toSpFhfKep+U5ri+PqIQhZshuRlOY766X5abx8LxZqWWyoiZQG73+YTzKqnsjyPxni+D430s3Nv5OnPPnDjRZHGL5y1JGC5SMp1swvqQOU0MPkcaKVbLmyK1jYbnXcC+8ycVxurWJFJFpK9lZlFiV00vA/9NABapoG3eo2W/oNSZ7mOc330cE8UPg1xTVtAagvtnosR8bW+cA8PB27tiN7EqR69Jlviszlkz1qhsC73RbKLLotibAc7S9jcXUCoFZTmQGocoUodipJ02sbjrNFmaWzN+MvRYo8KCkE5hqNFYgH1IkeOx1WnUKhFCi4BLA3YeanSc+K3eZVvZaWn3mBPUTaorlFtyADflfXb4SVkc6kDgoabAqlbh6uVSbAjqT15mW0Te+vlbYTmcXWZ6ljyYAWFtzz+U7FHATKouzCzH15fvrM0uT2XJ8VaM/tFQFOiASM5IJHQa6fT4yl2eX+Z/tH1lrtFSKoM3tEZiNbgeci4APDUP8AUPp/5migkqJ5vi2WeKm1JvSZfB10qbewBqQN5qcUpM6EKCx6DWZtDDVKYYEmi5K2z5lJADGy2G8040jOM7TVmt2MwFSnjKTupCZahDaEE2POekd5OF7KAmuMxVmWmwOVVUX8OhsNT69Z2irIbXovfsmzxZpHlj5YgNECGBGAhgRFCAhWjgR4ANaK0KNADne3aXwTeVSmfnb9Z4bjFtUqD+tvrPeu2SXwVbyKH4VFnhPFBatV/P8AUAzn81fcp/j+xp47+8a/D9ysjkbFh5AkSdOIVF2c++zfWV5Jh8O1V1p01Z6jmyogLMx6ADeeYpyj06O1pMtUuLuDqEb3EH5TX4ZWbENZaTW5uCCo9SbfCdR2X/0nqvarjfAu4oqdf97D6D48p31LsmtNQlNAqgWAUASv5zLFd2L6UWeWVeGMOQPof8yJKL082W4zIUa6q3hbcc7eu89PrdnD0lCt2fPST/6eValFMr+Xj6Z57TVFyeADKfEQFJsSPZGljYddYFWoniY01PMWVQTcnfQzuK3Auo+IvKVTs4p5Efl0m8P4rjf9UWv1/wBES8WXpnId+T/JphCNC7+Ij0vosLD4Us16n8Zj+IMRbpoQZ1Z4EfCrVKjIpJFM23O/pNHC8MC7AD9/OXP+IY/7Vb/QmOCXvRzOH4HmNyoReSKWb6y9V4UoUhVubaaX18p01PCcgJT4/wAQp4CkXa7OR4UW1yf0HnOSWXJl7f5ejTjGJ5jXwBoOVa4J113983mGnunPtxF8VUarUtcvYKuyrpoJ0VXY+k9nw1cEeZ5TqRy7L/FH9wfUTt8GtrFPbv7VtE1IvtONpreqv90fUTtVcZCNqauDk+85039ADNlHsU5aRldo8TZGRTmzsM1Q6lgLaDoLyrwU2psdBeodyByHMxcffMQbWBYaDYSHAKjIEqd94ixHc5DzA8QPLTqJpSiRblAuYk1hldadN6RNrt3NUMelwTbY9IOIxjNUCW1y3YpnKoCCAFzEm5MqUaQKslE/xLqrOPFYndU8+XvnddnOzwoqr1ReoAMqnXIANz1b6TBzctI0jjUdsDslwL7Mud7hmWwUm5AJBJY/iNh6TpgIwSGFjSpUNu9jWiyw7RWgIuCGIIhiIscR4gI8BDQSYmMidoAZ3ac3wmIH9F/gQf0nhXFl/j1PUf8AET3jiGEfEUqtGkpeo9NlUDqRpc7AeZh9lP8AS2lQf7RjSK9Y2tSF+5Sw5j/qH108uc5/LyQWLi3u7/RmmCMvqcl8fueVdkf9N8XxBgxX7Ph7+KvVF7/21v4/XQefKe59lOxOG4alqCXqEWevUs1R/U8h5CwnTpSAFhoBoAOkMLPGbs7yAURH7oSe0UQyu1AHlIKmBU8hL0EiFAY9bhKnlMrGcMA0UXPWdWwlasotIlBDTZxNTh+XeAuFv5Cb+Kw27NoN9dJh4vGX8NPbr/iXgwubpE5MiitkOJqikCF1P73nnPbxyVJOpJ1M7mrrOD7ejwe+eosKhF0cbyOTOR4QP/sH6TqmqBlbKQbb2nNcGXRf7n6idHUoKuZgqhiDcgAEzt8OMuEaOTymuTsxMML1U/ug/SdEWHVR+dgo+JnP4P8AmqeQYk+gE06tOjXQslWtnFv4VSktrEgXzBraanWdN0Z5FbRLiKeIpujFUyMbp4qNVTbnudrjSQ1a7vWCoosbM5UWBuLBUUcyRf3yAUO8VadAmxfIzAXZ+oX1NhPQOznABQAepY1bWA3FMW2H9XU/s4ynKWjWGOMdvsi7NdnVw4DuB3m4XcJff1bznRBYQSGqxJUU3YAWEFkgWPaMRHaK0ktBtEMsCGJHmjF4iibNBZ5A1SRNVgInepLXCcD9oY3bKq2vbc36fCY71Z1HZtAtPMBYvub3vbbTlznN5WX6eO12a4YcpbNrCYRKS5UAUc+pPUnnLAkKvJA08Vzt2zv40HePeBmjgx2goOMYMcGACjExFoBMGwGYytjMQtJS9QgKPmegHMyHivFUw418TkeFBv6noJxePxj12zVDfoo0VR0Am2Hx3k2+jPJlUdLsl4txZq5sPDTGy8z5tKCxipjqtp6cIKKpHJKV7ZAtS4J8yB5gG15xHb0+CdzUAAsNB5Tl+0mFTL3tcZkQXWl+Nv6v6f35FvUaYlt6OI4IuiX51Lj0vvN7F4hVHjv6DeZOCrmpUDNa7VL2XYC+gE1OG8SxCMRpkt4hVQMAv4RfflOzA+GOK/A5M8XKboVPA0gFqU6jFxclGWwFweeo+cqYa1YNRpKcjeDMoN3c6HL++cOg9SrVyIpyhitravUPIDoJ6D2c7PjCqGYA1SLabIPwr59TFKXLo0hDjuQHZrs8uGUMwHe2sANkHQefU/s9AFjgSRVi6G9gBYYWGFhAQAACK0O0YiIYBgSQwYACYJk2WPkiGVGEhYTQ7qCaMAMxlnUdn3tRT1b/AJGYzUJq8J8KW6MZxefH7r8zo8Z/bN1KklV5QR5MrzwGeiXA8IPKoeEHi5MKLQeItK4eIvNIzJcScGYvG+OilenSsanMnZf8maTVN5wuN1qVCd+8b/kZ2+LjjOW/Rhmk4rRFUqliWYlmJuSTckxhGtHnqo4mCY0Q1v8ACQcRxyYZDUqEAD368gBzPlE5UNRsHiGKSghqVCAFF9dp5T2i44+Lq6aUwwyrrcnlmt9Jo8UxFXiNXxArSU+CnyH9TdW+nLzsU+xDsA1OwYWIsSDcbSeE5bLU4x0Y3DRkZQ/hYHNZhY2N7aS0XepiVoorZc9xlB8dS2bf97TYo9jcQ9QPUvmuMx8AuPdPQOG8MWigUDW2vrOtSbil1Rg0lJvsodneAjDjO9mrMNTyUH7q/qZuhYSpJFWMQCpDCwwIVorAALHtDtGMQAGCYZgGAAGDDMGMAxCECPEUSCPABhAwAREs4TQH1le8lw7bzl8xXiZrgf20X1aTK8qK0lVp8/JHpJloPHzSuGhZpnRRPnj55Bmj5o0BI76TiuJqS1YKcrEuFPRjexnYudJyOO/mP+Y/Wen4Pb/wcnkdIr4akEVUBYhAFBc3JA5nzh7mwj0aZY6StxriqYRNfE7aKo3Y9B0Hnync5qCUV2c6i5O2DxXiKYSnmc67ADUluijrODxD1cdVz1NFB8CDUKP1PnJxSqYyr3lXXkoGyr0E6vhPCAgGkvHjb2yZy9IqcG4MFAJE6bD4e0loYa0tLTnV0YgKkMCGEj5IrGABCtCyx7RWANoo9ooAMYJMcwTABiYBMIwDGAxgwo0ACjxWj2gMUe8aC0BDs8GliLH1IEieVqjWkzipRcWOMqdo3laTK0wcNxQ5rVMoFvaPh18+U1KVYEXBBHUG88DPhlB0z0seRSWi6GhBpXDwg05WjZMnzRwZEGjhoJASs2hnNV6JerUA/EbnpN7vdWHS1/fOV7TcfXDgpTs1Ztl5D+p/Ly5zs8ecoP7K2zDLFSWyPjnGEwaZV8VVh4VB1PmTyH7E4/DYOpiahqVSWZvgByAHISXBYJq7mpUJZmNyTOw4bgAoGk9PBhrcuzkyZPSIeGcLCAaTapUAJJSp2k6rOu6MAFSGFhAQrSWxg2itDtGisAY1oRgxgCYJhmCYwAMEwzAMoQJgmGYJgAMGGY0ACjyj9qi+1QAvxWlH7TH+0wAttTvK1fDdI32mL7TADJxlA2M5+vTem16bPTPVGK/SdfWYGZWLogyJwsqLoz8L2lxVLcpWH/cXX4raa+D7bptWpOh6oRUA+h+swq2HttKzp1E4p+LB+jeOaSPQcFx6hW9iqhJ+6xyN/wC1rGXsRjEpLmqMtNSbBnIUXPK5nlFTDAwXwzMApZiq+ypJIHoOU5X4W9M2XkHa9oe0a0QUoZWr1ACzCxCi1gWPM22H7PJYTDmoxZyWZjdmbUk+cjoYW02MFTtOzBgUDDJkcjX4ZhgoE2qVhMehVtLK4idqOc11cQw4mQMTDGJhQWa3eCLvBMr7TF9phxCzV7wRjVEy/tME4iHFBZqGqIJqiZZxEE4iOkFmoawgmsJlmvBNeFBZqGsIJrCZZrxjXjEaZrCCa0zO+jGtADS76N30zTWg99EBH3sXexRRFD97H72KKAh+9i72KKFgI1ZFUa8UUBlOsJSqpHikMpFZlgXjRTNlImpS/RaPFKiSy2lWSCrFFLEEKsLvooo7EP30XfRRRhQu9i72NFAQjVg97FFAYxqxu8iiisKG7yMakUULAHvI3eRRQAY1IPeR4ogP/9k="/>
+          <p:cNvSpPr>
+            <a:spLocks noChangeAspect="1" noChangeArrowheads="1"/>
+          </p:cNvSpPr>
+          <p:nvPr/>
+        </p:nvSpPr>
+        <p:spPr bwMode="auto">
+          <a:xfrm>
+            <a:off x="155575" y="-144463"/>
+            <a:ext cx="304800" cy="304801"/>
+          </a:xfrm>
+          <a:prstGeom prst="rect">
+            <a:avLst/>
+          </a:prstGeom>
+          <a:noFill/>
+        </p:spPr>
+        <p:txBody>
+          <a:bodyPr vert="horz" wrap="square" lIns="91440" tIns="45720" rIns="91440" bIns="45720" numCol="1" anchor="t" anchorCtr="0" compatLnSpc="1">
+            <a:prstTxWarp prst="textNoShape">
+              <a:avLst/>
+            </a:prstTxWarp>
+          </a:bodyPr>
+          <a:lstStyle/>
+          <a:p>
+            <a:endParaRPr lang="en-US"/>
+          </a:p>
+        </p:txBody>
+      </p:sp>
+      <p:pic>
+        <p:nvPicPr>
+          <p:cNvPr id="39944" name="Picture 8" descr="The NLAS sequencer can be side-mounted to accommodate additional NLAS systems or a larger"/>
+          <p:cNvPicPr>
+            <a:picLocks noChangeAspect="1" noChangeArrowheads="1"/>
+          </p:cNvPicPr>
+          <p:nvPr/>
+        </p:nvPicPr>
+        <p:blipFill>
+          <a:blip r:embed="rId3" cstate="print"/>
+          <a:srcRect/>
+          <a:stretch>
+            <a:fillRect/>
+          </a:stretch>
+        </p:blipFill>
+        <p:spPr bwMode="auto">
+          <a:xfrm>
+            <a:off x="237330" y="4238625"/>
+            <a:ext cx="3545539" cy="2667000"/>
+          </a:xfrm>
+          <a:prstGeom prst="rect">
+            <a:avLst/>
+          </a:prstGeom>
+          <a:noFill/>
+          <a:ln>
+            <a:solidFill>
+              <a:schemeClr val="tx1"/>
+            </a:solidFill>
+          </a:ln>
+        </p:spPr>
+      </p:pic>
+    </p:spTree>
+  </p:cSld>
+  <p:clrMapOvr>
+    <a:masterClrMapping/>
+  </p:clrMapOvr>
+  <p:timing>
+    <p:tnLst>
+      <p:par>
+        <p:cTn id="1" dur="indefinite" restart="never" nodeType="tmRoot"/>
+      </p:par>
+    </p:tnLst>
+  </p:timing>
 </p:sld>
 </file>
 

--- a/CMQA/Presentations/First Semester Presentation.pptx
+++ b/CMQA/Presentations/First Semester Presentation.pptx
@@ -6,7 +6,7 @@
     <p:sldMasterId id="2147483649" r:id="rId2"/>
   </p:sldMasterIdLst>
   <p:notesMasterIdLst>
-    <p:notesMasterId r:id="rId15"/>
+    <p:notesMasterId r:id="rId18"/>
   </p:notesMasterIdLst>
   <p:sldIdLst>
     <p:sldId id="256" r:id="rId3"/>
@@ -21,6 +21,9 @@
     <p:sldId id="263" r:id="rId12"/>
     <p:sldId id="266" r:id="rId13"/>
     <p:sldId id="267" r:id="rId14"/>
+    <p:sldId id="268" r:id="rId15"/>
+    <p:sldId id="269" r:id="rId16"/>
+    <p:sldId id="270" r:id="rId17"/>
   </p:sldIdLst>
   <p:sldSz cx="10075863" cy="7562850"/>
   <p:notesSz cx="7772400" cy="10058400"/>
@@ -11757,6 +11760,641 @@
                 <a:defRPr/>
               </a:pPr>
               <a:t>12</a:t>
+            </a:fld>
+            <a:endParaRPr lang="en-US" altLang="en-US" dirty="0"/>
+          </a:p>
+        </p:txBody>
+      </p:sp>
+      <p:sp>
+        <p:nvSpPr>
+          <p:cNvPr id="40964" name="AutoShape 4" descr="data:image/jpeg;base64,/9j/4AAQSkZJRgABAQAAAQABAAD/2wCEAAkGBxQSEhUUExQWFRUXFxgZGBUWGBwbHBobHhwYFxsfIRwYHCggHhwmHRcYIjEkJykrLi4uHB8zODMsNygtLisBCgoKDg0OGhAQGywmICQ0LCwsLy8sLCwsLCwsLywsLSwsLCwsLCwsLCwsLCwsLC8sLCwxLDQsLSwsLCwsLDQsLP/AABEIAMoA+QMBIgACEQEDEQH/xAAbAAEAAgMBAQAAAAAAAAAAAAAABQYCAwQHAf/EAEEQAAIBAwMCBQIDBAcIAgMBAAECEQADIQQSMQVBBhMiUWEycUKBsRQjkaEzNFJic7LBJENyg8LR4fCCs2OT8RX/xAAZAQEAAwEBAAAAAAAAAAAAAAAAAQIEAwX/xAAwEQACAQMBBAkEAgMAAAAAAAAAAQIDESExBBJBYSIyUYGRscHh8DNxodETI0NSYv/aAAwDAQACEQMRAD8A9xpSlAKUpQClKUApSlAKwuXAoJJAAyScCozxD1pdLb3GNxB2j3iAfv8AUKpV25qtedwCrZOd5YhVjB7gmMyBgxBY1yqVYw1JSuTnWfGaowt2hkmDcYgKuJk+358cweDK9A60LmltXrrKpfd3iSCRiecCaqQt6XSLtRRfdztJuR+IDCKBOccDgqSSIqN6a15z/slvcqMq+pQYUksxljsEThcnviazR2l5lbHPBbdPVrdwMAQQQeCKzqi6TxHbFyLreTeG4kqCFIHIdW4gEc/cECrF03rJa2GvJ5UmJMbTkgGQTAODn3Amu1PaFLEsP5oQ4tExSvgNfa0FRSlKAUpSgFKUoBSlKAUpSgFKUoBSlKAUpXygPtKUoBSlKAUrn1etS0Jdgo+e/wCXJqlda8YPc9GkGWJUNgkkGTAVpI29x2PIPFJTUdSUrls6r1i3YWWMnJgcwIk/AEiqVrfEmp1bhNIGXcTnjaAYkmIE/PHYSawtdFKlrusuMu7cBaQ7mhjJBIBChtsYzx6prDU+IEtA27RVEgRbThMZ3NtyxJAIzkQfnJKvKbtD2LJWJfxBdVjY84hmtA71G0hmIRsk4UE22MQcA8AE1X9T1t7odFMkQAArFZOIC44zEiD7HiujpPhq9qQr3ybaCGXaVlgVBBABO0zmWk54AFXfp/TrdgEWxEmWY5ZickknJOayVNojF9LpP8FkisdN8HFmR9SwbaBCLOTydxPOYwIq2abTrbUKihVHAAgVtpWCpVlPVljg6l0e1fyygPBAuADcv2J/Q4qpdQ6Ve0iIYGptrcLFWHpWSSCV/DAP1Dj86vlKtTryhjgLIqnTevkXLh3qttVGzT7SWYDLFSD9XaPjjvVm6T1db6g7WRiAdlwbWg8c1EdV8M27u5k/duwIlQNpJ7sIyR8EVW763dO+nGqtm8ELhbm8jkLkEMBmMBhIPBAr09n2pWsvB66cDm4nplKqGg8SeVbZ7twXUV9sKrm4oYwsiJbnmIxMmrRpdWlwSjTHIyCPuDkV6EakZaFWjfSlKuQKUpQClKUApSlAKUpQClKUAr5X2vlQwfaV8qF6z4ltWAZYFuABxPPI9vijaWoJm5cCiSQB7nFVTrnjNLYZbILsPxDgerb3GfYe5981X7uq1fUc2zttg7TPpC9ySc5PBCk4ETk1kLWn0h32wLlwc3SvoBJA9CyMwTET9/fLU2lX3Y6/PAuo9phasX9Wxe7eFu2B9NyCYmWHlzMcwW/IRitx1VnTY06BDEb22+a05OWyBwcxAJxMA8apc1F64LKEvks4OCxgDPCqMnMknMTEWDoPg9LQVrxFy4CTHKCfgiWPyax1ZqP1H3FkV7SaDUa0kqdijaPMLMQ2Cpzy5EDHyZJJmrh0nw3ZsqAUW44Eb2UE8RA9h8VMIgAgAAewxX2sVXaJSxHCJsAIpSlZyRSlKAUpSgFYXrKuCrAMDyCJB/I1nSgKt1bwuwLPpXFtj+HIz3hlysjtx7RUfY6y1u6RfF0XdkbwxUAKcErO1iCckAyDweKvNc+u0SXVKuoIzB7j5B7H5rXT2prEvHiRY5On9cIt2zqPLlzt3Wm3qWzHCjtn4+KnbdwMJBBHuKoN7w9f0rBtJBUcgkltvLAjh/g8jivnSvEIBvEFvOJHogeWWiAJIG3ODuOPevUpbVfmu39r3KOJ6DSozTdXWUS9Fq6wkIWBB+zd6k61xkpK6KClKVYClKUApSlAKUpQCvlfa+VDBSfFfXbgvNYRxbIClTJG4tiJBHvOcYyDUfpujWrThrn726FAXTrJSAAsFmB3gEycQJ4rk8aT+3nE+m3JjjNOn9WOnZoOMkzkRPc8gS386w7SpO9jojd1Hq7m55CIyqAV8q2pKqMR6Fjd3HYCQZ5FdHSPB7vD6phO9mKAeppjlwcCR9IH5136fq9q4Wa0pW+SqttVfUcHliAwj5n2zU5a1sELcXYx9srPA9Xae0gVhnUnBWireZZG/S6RLYOxFWedoifv71upSsLd3dkilKVAFKUoBSlKAUpSgFKE18BpYH2lKUAqK6z0K3qFcRsdgR5iYaeATH1fnUrSrRk4u6BRH6bd0l1Cba37YTy97LPpiSAIZrYJnuV95muzoHX2S3JutqGa6V8ogKwLE7QpLxtUQDEzEwJq31X+reGUdWNn9287oGFJGe30z7jP3rbR2vKvh9v79irRYdJr0clQYccofqHHbuMjIxXXXmzF7F0i/aALoANQcsGAMQ/4iB2kGPsanuieIW22gxbU7hDXLVsjYwE+peykcEmfv29SntCa6Xjw9u8o42LXStWn1Cuu5Tj7QQe4IPBrbWm5UUpSgFKUoBXyvtKhg8s8a/1857Wse+f9OagergeYuYzj59dvFT3jYj9vOMxag+2c/wAqgupkLcA+TBOYO5IwfmKzSXTLomLmm/snb7gcEfkcfcV1aXqjqWDIhLJtNxxub+7BOHE52kj8q577ELg5xmPy4qH0/WVdypkjiCP+3fk/MQM85Ywck3qieRe+m9U2ra2M99nlWAT0qwmWMSbYmR3GMRU9p9arQD6Hz6GjdjmM5HyK84tOZBtORtIMAwR9j3Bzzg9qkLfVmCXlRVW4zb/MeT6jAY7VII9IMFT3+9Z57OpaE3PQKVAaDrP7xLYJvBrPmBlUwIAxu4YnsCd3vM1NafUK67lOPkEEH2IOQfisU6bjqWNtKUqgFKVydTF0pFnaHkZbsO8Yifv/ADqUruwM9XrUtj1MAYJC/iaPZeSftUVrNXqLgi2hSBuIxvjsvMBjk7QeB9Smt9voikE3WNy4wILNwJ4gcQK5ReuWztXaLuwKQ+AxUYZCYDYmVkZ/jXemo8Msg0aG3Z2st9juU53vuEn1Qvsf7sbvivuitl2Js2otRzcld3MbSF3Lx889jWoX7ZV11L3t7YINpwMCMQpRxk5iKaDqF4ubdos6gBQWXOcbsncsdw2D+GK7NPLX5vbuIJLp3UAsBywUqzA3TlCGCMjMcSCwj3HvEnOz1R7rgWrZ2BoNx8CAYMDv3/7VlpOl4/ecAkhQZyTJJaJJJzGB8VJogAAAgAQAOwrPKUL4RJ9pSlcSRSlKA13rCuIZQw9iJqr9Q8LuhD6W4ybc+WDEj+yG9vg4nvVspXSFWUNAUPT9bZPMVkazeJk3WLCWgDcyQfRiMSPgVbrHiBN6oxVtylhct5SBgy2QuZ7n7196p0m1qF23k3DjkgwecjNVjVdM1OjZrli6DZiSCssWkASigbjHdYPGMV6NDauCxyencUa7S/W3DAEEEHgjINZVR+kdesrFpL3l3oDMjlnSST6dzcT8EH78VO9P6wdZb3acgAOUdzypAVjtBHqkMIJx8HivRpVlPg0UasS2o1KpG5gJwJOSfYDufgVwdI6t+0Nc2rtFt9jBj6t21XyB9OGGDnmQIrrs6JVbdlm43MZP5DgfkBXJ0fR27dzUlEC7r25oESTbtEk/Mk12IJSvlfa+VDB5d41J/byO0Wp/jj+dQeuBNwSdv1SOZh0MY94/KpvxtH7eZmYtR/HM/lUF1Zv3qcjOI999v/SazS65dEzqj6fzH61SNCPXd+4/6qu+r+k/cfqKpGgP7y79x/1Vnj9Gfd5o7UPqL5wZKW9U6jBx/wCd3P8AxZ/jUla6irAB+/sDuxn8Pz9gf4iolBJA+a+H8x9sfpXGM8ZNVShGTxhlm0uruoUa252iQyrHBgQRxj3WPipPpfUES2FU+UVuH97dus3pP1Hc+7PEK2PkRVY6SbhDEEEgkfMQCB8xwPaT3Nddx0eQ2GIgnt2gEH/0fE1eUEzC+i7Pgei2eo+raSHAAO9BIEgn1AfSCBIPHPGJ7rN1WAZSCDwQZH8q8+0/Urtr07yEZSvp7HgENyhzjtUz0XqPmBBYDITO/wA5skrj6Yg7u5BU+9Y6mz2yiUy10qO0nWLbts3LuB24YFSw5UEfiHsYP3qRrNKLi7MkVi9sHBAPfNZUqoMfKHsKW7YUQAAPYYrKlTcCqp4l8XHTam1p0W07NsLrcvLbch3CKLat/SPhjEjt71a6qviXwm2pveYlxbYdbaXt1vezIlzzF2NuGxssJg9vaulHc3unoQzf1fxK1izrrgthv2SIG6N820uZxj6478VO6K9vto8RuVWj2kA/61UvEfg/Uai5fFvV+Vp9Tt86z5KsxhQh2uTKyqgVb9PaCKqjhQAPsBAqaihurd19l63CubK13L6qVDMAWMKCYk+w9zWyawuWlaJAMGRI4PuPmuStfJJnXx3ABJMAZJPaoHqnWl0rOWcvuMhDAW3C8SM5gmIJzxFV/Va/Va241q0CFUmSIAVo4ciRGf7xmCIrvDZ5Szw7SLk71jxbatEqpDsCAc4kiRn292OB7ziq+x1OpBe+x09mFLXWIQQNxESATlvge8muXUajS6T03P8Aa9Qvb/do3ME8sc99x+1QfVOo3tS037hYA4QelR+Q/UyfmK20qKXVXe9e5DU6+o/s6C4ulV3ITbc1JZisZgBPpjP1AD7mK9K8D6VU0iOJm9+9ef7TBQYAGBCjFeWII0uojH9GPyk/+a9b8I/1LT/4S/pW7Z8XRznFXvxJeuPQ/Xf/AMUf/VarsmuPQ/Xf/wAQf/VarSVOyvlfaVDB5b41J/bjicWs+3q/14qC6pIcBRzMkdgXQT/E1avFPSbt7XMLaXMom1gPRIzLMcQPiTNVvqugueeLch7i7mOwMQdrIzACJP8A3rNO6lvF0TFrSPdJRBO1QT78wP4waq/UelPaYtbUspXc9vAdCPqx+Je4I9+0VYtL1l7V9Ra2Mr4ae8DcMj/j/lVls6jT6wsAGW4hgN9LCO4KnjMc+9Zo1JU9VdPUnKd1qeXae8rcH7j2rOrZ1/wmIZyIaSwu2l9X2dZAI7yucd5qp6yy9iDch0Jhb1vKE+2YIYe3NP4FUX9Lvyevd2+fI109qX+THPh7Ez4f4f8A4h+grDxZdKWNwidyjIBwcEZ7EYrLw4wKuRkbh+grT4y/q/8A80/Wr7PH++EX2x9DJXfWa5mvRdSK/V3BJ5jsfy7/AH/WTQh4KtBmdskqW5Bxnt+fcVXhWSXCOO38P/H5Vy3+k7mqezKycS5WeuOqMjnaCcEAF4GWjdIae3fNTnTuqMbpt2LbNaFsOHYgIOAUH4ge+RHIwIqh6bqU+lszA9RgzHY98x89+1SWjumRcRjgERORI45gg/P8apOnFxM7upWZ6NpdYtwCDmJ2nkdv/YrorzvR9S9FlT5dlbV4FtlvOwnjkFCSZJE8GrXoepNuuAJcuW0Ii5Alt3q9PZwsxIgyIg81jqUHHQJkzStdi+rruUhge4/n+dbKzkilK06mxvAG5lhlb0mJggwfgxmpQN1YX7yopZjCgSSewrmu6l0a4XVRaVQVbdkn8QIOB8Zqqde8XI6G2EYbwwbcRK8YO0mJ7xJA7GutOjKbXYGy0P1iwAzeYvpmYOcCf9R/GvPhrrvmbLZa4z7jC7iCjZiGOeMnC5IBjNbR0V2t+dqriWLBacghsTACn3zG4yOwzWnWde2qyaFRpxtk3LmXcjhRG6JHH6Ct9KnGF1DN+3RfORU7tP0dVH+1E3bzRcOmtAG40KEAYgwFiBiAMCaius+ILt4eXHkIuPKQxMGIYjmIiBj71E6bqV5HZ9+244Kt5ZMlTtJJZvUT6Rkn4GMVp1CuuXEDmIM/cTXf+K0rt3+cESuZkiR8n3rKtdpuBzj6vf8A81sroWO1MaW+f7RUfwBNeq+FHA0Wmk820A+8V5Sv9Tvf4uP/ANan/U16X0H+q6DH9nt/+K5XShqzlMkBbvDUuxBNrYNsNwcYCzEzJkjiM9qj9D028pUXA7ib8sbv4TculBhgZKunYxt5ECevUWNQCdrMR5vp+mNhVPqyCAG38Sa+3rOoNpgpi4zMwM/Ss+hQSDmAu6fdoPFaCh26Qi1aQOwBhRJb8R7Sxk5+a65qvdVD+Q4uA5ayFmGlg4kiJgH5j7CrDFAceg+q9/if9KVXeu+HnF03rGZO6AYZWyCyzggg5B+eZgdt7qz2L5U6e49u5dI823kW4RSS45C85E8dqsCOGEggg9wZqs4KSsweQ6/e113gtfVgpJ9EQPVIg5IODx8d6jL5K2WUkBtu4qpn6oK5HebbYr2Hq3RLOoB3rDERvXDAdsiqT1joV+wQfSyCT5qj6WyAWQ/B5ms8qTjpoXUu009H8VOrLauAG2qS1wk78Ec8zAZT8ipl9DY1Qa5Ydd30kgAg9yGVhBFUs2QCXXcxY7SZEbQFQieS5KDt8Vlo7l7TlUDm2S8MoPbn/qg1mdJPKwWZ3P059K7g2gttmZgycL8c8AR/7xEeLHD6aVMjeuR96uPSfFdu+SlwAKAAXYiCchpHY7lYVh1LwrbuLvsFdrQSoMo45wRjPvU06u7VjOpqmn9yko3i0igIcVsB9J+4+1dOv6DctM3lTAJPkv8AXHJ2H8cZ4zwYzUfZ1AMjIPdTg/wqs6LV5xzHPdftXDyPQpV4zSjo/mhjrnK23YchGI+4BNWf9jgBkmcHbMdoMYx2/hH2qvU/6G7/AMD/AOU1drX0j7D9K5wk1HBz2vrI4G1Ck7bghhEEZZSeDjOeeIzB+dysTuVj5lq4m1l5Vh33KPzyPtFVzq39cb/hH+VBXXpuoMnv8nn4Eg8x8H/uO84qNs6q/wA8DPCnKUW1wZdundZ8w2CTb04jYRJLEjhVIO2I7MCasOj6luDFx6VMeYFIU5jg5WO5OO8153buI+RCtMzyN3E4waktH1O4jbLjMUJUqskDHKhh7/2TzNZalGLIvqehTUF1rxPasiFO54aB2x+ueMic5EEji6lrbH7KwVjbGB5YME5EgATyJyMDNVpbml0yBr5/abt0K4sr9Ken0h885jPA4GM8qWzp5lf7E3Oy9+064l/SlhlYG4zehVIgzxMDBAAB7nmudOo2NKUt6MftN4zF1+EmFhBAEnt9sk1D9V6vf1WLrBbciLKYUR9P/v6V1eG9Gu5r7fRZBcgclgCV/hH8hWxx3Y9LTsQscnWzc88m+267CiZnBAMCMAZ4HzXGs8k7FmN32yTjMfasuo9UBZrjy1xzMRgLEfmeOePY8iJe9cvHLYiOYAA7fb4rrHCV9TpCm5fY6bvVFtibfY7t/cCMxnBJJMzInmuu5g24/EjEj7FAP1NV7XLCuAQcHI71YbvNn/Cf/MlWTuiakFBqxpuW4yBKkyR7fIrYj+8Z4I7is6wtaRiTsUkRJUSSI7ihTQ69SP8AZQY/3r/ySP8ASvXPCH9S0/8AhJ+leVdV6t5mnt2ggVbakkj8TQc/HNeq+EP6lp/8JP0rps983OcyYri0P13/APFH/wBVqu2oTovUd97VIy7GW9AEglgLVn1Y4BxWk5k3FKUoD5Fcd3QerfbY22PI5RjEAsuJPyCDgZjFdtKA4LWvKwt8BGJ2g/gYxMg9vs0H713GvlxAwIIBB5BqPuWbttt1uGtBf6HvuEAbWJhcdjj7STQHD1nwrbvkspa25MypwT8gjvwYjmqN1HpNywXV7QQR6bmCmfr2ngHH4hPsBzXqWk1a3BIkHupwynuCPvWWosK6lXUMp5UiQfyrnOkpEp2PGfIVAPK3N5ig8YBY7bY92Yh2JIEYHFdfTOt3NP5dpP8AdWgHtRy4TI/iAMH86tfXPCDbg+naEXJs/HcKYxGIHbtFVTT6S1bU7bQQrcXcSpB2rkgKIyxHJ+Z71mlBrEkXuWzR9Ts6xXV127Tt9RGcxIPvxj5HNRXiHwoLijDXAv4ww84L7BmlWAjgifkVVtVa2ILZdXf0lwJ/Eu6OIn0qcVO9K8Q3LWo2XG/2faSBGVAKgEEdsk/aK4pSg96mw0nhlT6z0u7bS6oBu29pXeohgSCAGU5H3iD2Jq3W+B9h+lWC5ptPrrRe3BJBAYSCpjv3qt63S3tKT5k3LfZxkiT3+I/94qJTU8WSfHhf08g2+LuVjq39cb/hH+VK+V86vdH7Tu/C6gK3b6V/1BFJq21xaVN/8+rNmxNbslz9EbJKmQfy/wBDUp0zWSApx24xJ4//AJ/5qKuNOZBwMisUPqt/41v/AC3f+1c49Zx4CtBOnvcST1F1mRySfRsiP73pP8iajw013N/R3v8AlfqKjNNO3Puf1NaE9UZIpXubSamurKNPYt6cCTe9d3OT9Ij3AjH5Vz+HdKLl9d30pLt7enifzj+FcvUNWb153JkFoU/AJH8P+1UfSmo8Fl+n7LMrurM3Gj3gflit7IzL6sACdi+3v3j86xu3trPH1bj6vYZBrVaR3wJOePv+pq3Fo2LqpmGocunlgCOw+cxJ/Op6+hBsyP8AdP8AzZI/1rZoekJb2NeDMSQfKSd5TMtj6BMD+0e2M1t1guM43qQY2qqqQAq8KqjsPialGapNSeDlq0+DmuMly3bWd5hnAyoj+1wP1z8V96X4YVFF7WN5dsAk2yYbERPf/wCIzx9q5upeJ2bZb0i/s9kTKqAGYyIjbwInHPGe1cZS3+jHx4e5TU5PFPlg+XatLbCegwSWJjMicgSMxJnntV78DdWB0iJcG1rbCyFGSxCo3Ak/jz7ROBVR6H4Ov6gByfKWQQXBlveB7fJ79q9J6T0+3ZDrbUKN8+5JKpJJOST7/ArdRhuxOM27hfNu7gwNlCIEEG58+6qP4nPaurSaVLa7UUKPYfqT3PzW6ldiBSlKAUpSgFKUoDn1WjW5BMhh9LKYYfYj9ODXO+puWi3mLut8i4gkj4KCWP3UH7CpClAYWbquAykEHgio7rXQbOqUrdWT/aGGGZ5rovaAfVbPltJJ2jDE5O5eDPvz81t1GoFtdzmBiT8kgfqahq4TtlFE6r4dvWWZlzb2t+8SN6g4yDmQD9Q9u1VQ6dSiG2rkw6By0ACNqjaRJE8s0DHtXr//APp24uGTFvDEqfcjGM5BGKrvW9JpL0bWNu4SrDarQ8njYMNPB71xlR/1LKR5/pnuW3thbkBDtJRgRvVpPBjAeDVw0XilW8wXwqokAuJOcCNoBnPtUXrul3LW8OirbIBVwJBXBMEibZgAHHfvFQl7T3I8tFZ/Mgl8fVLMABORAB3fb7VmnBPEkWuXHWeHbN5C9kI6uD6TBUzwQeVYe4P3qmdT8O3LTqthTJmbLkSIj6XMK09hhs8GJrv0HV7lu9bCO2wBmKKfS0CDjjlD/wCmrToutafVqfORUH4d5EEfB5B+Kqp1KatrHsfz8rI0d1hnmlu+CdplWGCrYIPtWxfqt/41v/Leq89c8LBwzR5sgw0nzVPIIefUPgz+VU+90t7LWpfeDeSAVIZQFuTvBmDLRMn+dTGNKXSg7cn6P9/k6yrylHdku86W/o73/K/zCo2y8g/BIqSb+jvf8r9RWnoWi8y8qQCN25542iC0/cY/OrNpbzfzBziSjt5GigDbd1B+/o4H2EZj5NQYHH5V3de1fnahmH0L6FE4xyft8feuGq0lZXeryXNQ6KT+8chLbOQGP3gkKssw+QI9yK7f2tbcjTpsHHmvBuD32n8IPxn+9U54V6f5gJa35g94GApMgFgRJJ+4g5Far/UNMmoBTSBgwcIhcn1KVAJQAgTJxnjFS53bSVyHJvU1dK0tyzYfU5CkhQTEurGWABwRgffPzW/qPiZne26kbrZBRQIWCpye5MmNsgRPxTTefr9Utm+biITO0CFRQD+A8TkSwnIwJxcdL4G063TcJLr+G0fpH37sPg1eFBy6UtSjaKPY6fq9e5cKXz9bHaig9hOIEcLJq/8AQfB9jTEOR5l0fjbgH+6vA+/NT1iwqKFRVVRgKoAAHwBgVyPq3uEraXEZut9IPsF5Y/wHz2rTCmolXJs6NbrEsqWdoA/Mn4AGSfYDJrm6LrfOVrnlvbBYbRcADEbEIO0Ekc8GDjit2m0IWCxNx+d7ZM/A4UfAiuuK6FRSlKAUpSgFKUoBSlKAUpSgFRvUdUm2953otIAWef8A5HEdoH3qSqM6p0ZNQl1LhbbcH4CVI9O3kGgOPzbDM48y6zMyDhjw7lYO36QxbPGI7Vhr7OmVgLjXAyQUweSQfTC+ozEjNdFvoG0jbfugBlO30kEKWbaSVkrLseZ+az6l0Jb8+ZcciICwpUZBOCsNMCQ0jFAddqHDWyspsX6s7lYMCCCPj+dQHV/CS7ZsDg/0bHB+xP0kdv8ASp5l8oFgCwCou1RkBd0kAc4PAHbFdFjUK4lTMcjgg8wQcgwRzVZQUlZg8kv6NrYdGtrYbccEAGJOVIxDFjPyTya5H0+BbQFyCp3BSDgbmwRMDcM/Br2DX9OtXl23EVsEAkZE+x5B+1U7rPhS5bLOjtcQiCgEOBIPIPrHuIHAwa4SpNZRZSILpPiq6lxkuR5dtLcqFzJmQD7ZH8Ksto6fXIHEqxkc7WkYOO/5e9U79k80YAtlid+5fUGLEgH1fu1WeIP5VosrFxEX1KjM3mqCAZLLInjIEH5EVmcE8rUu1bBiwi3e/wCV+orf0rX27OnvCGN66ds/hVNoH+rfyrQw/d3f+UJ/MfzrV03VC1cRyAdrKRPbnMHBjmryhe9+XkEa9NonLC2qMXP4YM5zMe2ZmrLp+gWdMu/XPBP0WkaSYOZ289uMD3rh1viK557XkJVyhtz+ELOIHBPeT/a+M7ejeHNTrG3uWVcTduhiSMkbQYLD8wBPNRuTm7aefiTfGTDqHie46+Tp18izhUS2IePaV9/Yfxqf8F+F7lm8L98BYTaikgkltpmOxG2PfJqzeH/DdnSqAoD3MzdYDcZ9vYdoFdHVVBfTzGLx5HB8q6B+cxHzWmlRUCkpX0Pmo01zzVZSdq7cSMyx3z7wsRXHe0epDbkd9pdnKMVJEFAqA/2CN7fwFcdu/qCDH7QQZ2g21VgRhpnBwCy8fVHauh79/wAu1/TbmZwPQMDdKG57ekRHu3xXcoSPR7T27e267MxYkG4VLGRMenGDIx7VI1WLPmNb0xvBvMGoT6hkelt2BwJ3Z9qs9AKUpQClKUApSlAKUpQClKUApSlAKUpQClKUArmv6JWYP9LgQHXmPb5Hwa6aUBHrqntj98BA/wB4v0x7sD9PzyK7lYESDIPBFfSK4m6ftYNaOyMFI9DD22ggA/3h880Bq6r0S3fywIcCA4Ofz7H86o3VegXrIbzfXbNxGm3uAO3I3hTIBJM5ir/Z13a6PLaQBJ9LE/2W78HHPxXWygiCAQe1c50oy+5Kk0eNdR0YCGPqJEAD2K9+OAcfFSngzwmmrU3rrHywWQIIkkYaTGB2EZ+RVw6v4Z0927bLhhuMbUIVTCtyIkYkYip3T6dLS7UVUUdgABUQptdZ3G8yB6X4L09lt5BuEGV3nA9scGPczVgv3lRSzGFAkk1xjqG8xZXeMTcmLcTBhhO4iDgd+SK2afQwSzsbjEg+oYWMjavAj8z810SsQavOuXQvlg20OS7r6iPYIeCfdv4e3TpNItudsyxliSSSfkmuilSBSlKAUpSgFKUoBSlKAUpSgFKUoBSlKAUpSgFKUoBSlKAUpSgFKUoDXfsq6lWAKkQQa4/IuWiPLO+3ABRzkROVY5J+GPYQRUhSgKprfFCXGK6ZGv6ixcKtpvSjBjbciS5C7f7wJHPNTGk0ty6k6mAWCk2kJ2qeSCwMvkwZ9JA45nPV2VF6y20btzeqBP0N3qQoD4qgCBgV9pSgFKUoBSlKAUpSgFKUoBSlKAUpSgP/2Q=="/>
+          <p:cNvSpPr>
+            <a:spLocks noChangeAspect="1" noChangeArrowheads="1"/>
+          </p:cNvSpPr>
+          <p:nvPr/>
+        </p:nvSpPr>
+        <p:spPr bwMode="auto">
+          <a:xfrm>
+            <a:off x="155575" y="-144463"/>
+            <a:ext cx="304800" cy="304801"/>
+          </a:xfrm>
+          <a:prstGeom prst="rect">
+            <a:avLst/>
+          </a:prstGeom>
+          <a:noFill/>
+        </p:spPr>
+        <p:txBody>
+          <a:bodyPr vert="horz" wrap="square" lIns="91440" tIns="45720" rIns="91440" bIns="45720" numCol="1" anchor="t" anchorCtr="0" compatLnSpc="1">
+            <a:prstTxWarp prst="textNoShape">
+              <a:avLst/>
+            </a:prstTxWarp>
+          </a:bodyPr>
+          <a:lstStyle/>
+          <a:p>
+            <a:endParaRPr lang="en-US"/>
+          </a:p>
+        </p:txBody>
+      </p:sp>
+    </p:spTree>
+  </p:cSld>
+  <p:clrMapOvr>
+    <a:masterClrMapping/>
+  </p:clrMapOvr>
+  <p:timing>
+    <p:tnLst>
+      <p:par>
+        <p:cTn id="1" dur="indefinite" restart="never" nodeType="tmRoot"/>
+      </p:par>
+    </p:tnLst>
+  </p:timing>
+</p:sld>
+</file>
+
+<file path=ppt/slides/slide13.xml><?xml version="1.0" encoding="utf-8"?>
+<p:sld xmlns:a="http://schemas.openxmlformats.org/drawingml/2006/main" xmlns:r="http://schemas.openxmlformats.org/officeDocument/2006/relationships" xmlns:p="http://schemas.openxmlformats.org/presentationml/2006/main">
+  <p:cSld>
+    <p:spTree>
+      <p:nvGrpSpPr>
+        <p:cNvPr id="1" name=""/>
+        <p:cNvGrpSpPr/>
+        <p:nvPr/>
+      </p:nvGrpSpPr>
+      <p:grpSpPr>
+        <a:xfrm>
+          <a:off x="0" y="0"/>
+          <a:ext cx="0" cy="0"/>
+          <a:chOff x="0" y="0"/>
+          <a:chExt cx="0" cy="0"/>
+        </a:xfrm>
+      </p:grpSpPr>
+      <p:sp>
+        <p:nvSpPr>
+          <p:cNvPr id="2" name="Title 1"/>
+          <p:cNvSpPr>
+            <a:spLocks noGrp="1"/>
+          </p:cNvSpPr>
+          <p:nvPr>
+            <p:ph type="title"/>
+          </p:nvPr>
+        </p:nvSpPr>
+        <p:spPr/>
+        <p:txBody>
+          <a:bodyPr/>
+          <a:lstStyle/>
+          <a:p>
+            <a:r>
+              <a:rPr lang="en-US" b="1" dirty="0" smtClean="0">
+                <a:solidFill>
+                  <a:schemeClr val="tx1">
+                    <a:lumMod val="85000"/>
+                    <a:lumOff val="15000"/>
+                  </a:schemeClr>
+                </a:solidFill>
+              </a:rPr>
+              <a:t>Key Design Parameters: Mission Success Verification</a:t>
+            </a:r>
+            <a:endParaRPr lang="en-US" b="1" dirty="0">
+              <a:solidFill>
+                <a:schemeClr val="tx1">
+                  <a:lumMod val="85000"/>
+                  <a:lumOff val="15000"/>
+                </a:schemeClr>
+              </a:solidFill>
+            </a:endParaRPr>
+          </a:p>
+        </p:txBody>
+      </p:sp>
+      <p:sp>
+        <p:nvSpPr>
+          <p:cNvPr id="3" name="Content Placeholder 2"/>
+          <p:cNvSpPr>
+            <a:spLocks noGrp="1"/>
+          </p:cNvSpPr>
+          <p:nvPr>
+            <p:ph idx="1"/>
+          </p:nvPr>
+        </p:nvSpPr>
+        <p:spPr>
+          <a:xfrm>
+            <a:off x="618331" y="1419225"/>
+            <a:ext cx="9210675" cy="3124200"/>
+          </a:xfrm>
+        </p:spPr>
+        <p:txBody>
+          <a:bodyPr/>
+          <a:lstStyle/>
+          <a:p>
+            <a:pPr>
+              <a:buFont typeface="Arial" pitchFamily="34" charset="0"/>
+              <a:buChar char="•"/>
+            </a:pPr>
+            <a:r>
+              <a:rPr lang="en-US" sz="2000" dirty="0" smtClean="0">
+                <a:solidFill>
+                  <a:schemeClr val="tx1">
+                    <a:lumMod val="85000"/>
+                    <a:lumOff val="15000"/>
+                  </a:schemeClr>
+                </a:solidFill>
+              </a:rPr>
+              <a:t>The final major parameter that drives small spacecraft design is the ability to verify that mission success has been achieved.</a:t>
+            </a:r>
+            <a:endParaRPr lang="en-US" sz="2000" dirty="0" smtClean="0">
+              <a:solidFill>
+                <a:schemeClr val="tx1">
+                  <a:lumMod val="85000"/>
+                  <a:lumOff val="15000"/>
+                </a:schemeClr>
+              </a:solidFill>
+            </a:endParaRPr>
+          </a:p>
+          <a:p>
+            <a:pPr lvl="1">
+              <a:buFont typeface="Arial" pitchFamily="34" charset="0"/>
+              <a:buChar char="•"/>
+            </a:pPr>
+            <a:r>
+              <a:rPr lang="en-US" sz="1800" dirty="0" smtClean="0">
+                <a:solidFill>
+                  <a:schemeClr val="tx1">
+                    <a:lumMod val="85000"/>
+                    <a:lumOff val="15000"/>
+                  </a:schemeClr>
+                </a:solidFill>
+              </a:rPr>
+              <a:t>Without successful mission verification, there would be no reason to conduct the mission in the first place.</a:t>
+            </a:r>
+          </a:p>
+          <a:p>
+            <a:pPr>
+              <a:buFont typeface="Arial" pitchFamily="34" charset="0"/>
+              <a:buChar char="•"/>
+            </a:pPr>
+            <a:r>
+              <a:rPr lang="en-US" sz="2000" dirty="0" smtClean="0">
+                <a:solidFill>
+                  <a:schemeClr val="tx1">
+                    <a:lumMod val="85000"/>
+                    <a:lumOff val="15000"/>
+                  </a:schemeClr>
+                </a:solidFill>
+              </a:rPr>
+              <a:t>Thus, any design associated with the Rascal mission must have the ability to relay the success of meeting its mission criteria to operators on the ground.</a:t>
+            </a:r>
+          </a:p>
+          <a:p>
+            <a:pPr lvl="1">
+              <a:buFont typeface="Arial" pitchFamily="34" charset="0"/>
+              <a:buChar char="•"/>
+            </a:pPr>
+            <a:r>
+              <a:rPr lang="en-US" sz="1800" dirty="0" smtClean="0">
+                <a:solidFill>
+                  <a:schemeClr val="tx1">
+                    <a:lumMod val="85000"/>
+                    <a:lumOff val="15000"/>
+                  </a:schemeClr>
+                </a:solidFill>
+              </a:rPr>
+              <a:t>In the case of Rascal, the data being relayed to the ground would consist of the relative distance between it and its target resident space object over the course of each orbital maneuver.</a:t>
+            </a:r>
+          </a:p>
+          <a:p>
+            <a:pPr lvl="1">
+              <a:buFont typeface="Arial" pitchFamily="34" charset="0"/>
+              <a:buChar char="•"/>
+            </a:pPr>
+            <a:endParaRPr lang="en-US" sz="1800" dirty="0" smtClean="0">
+              <a:solidFill>
+                <a:schemeClr val="tx1">
+                  <a:lumMod val="85000"/>
+                  <a:lumOff val="15000"/>
+                </a:schemeClr>
+              </a:solidFill>
+            </a:endParaRPr>
+          </a:p>
+          <a:p>
+            <a:endParaRPr lang="en-US" dirty="0" smtClean="0">
+              <a:solidFill>
+                <a:schemeClr val="tx1">
+                  <a:lumMod val="85000"/>
+                  <a:lumOff val="15000"/>
+                </a:schemeClr>
+              </a:solidFill>
+            </a:endParaRPr>
+          </a:p>
+        </p:txBody>
+      </p:sp>
+      <p:sp>
+        <p:nvSpPr>
+          <p:cNvPr id="4" name="Slide Number Placeholder 3"/>
+          <p:cNvSpPr>
+            <a:spLocks noGrp="1"/>
+          </p:cNvSpPr>
+          <p:nvPr>
+            <p:ph type="sldNum" idx="12"/>
+          </p:nvPr>
+        </p:nvSpPr>
+        <p:spPr/>
+        <p:txBody>
+          <a:bodyPr/>
+          <a:lstStyle/>
+          <a:p>
+            <a:pPr>
+              <a:defRPr/>
+            </a:pPr>
+            <a:fld id="{8C6E2802-7AC4-44BB-B0A5-E12803E0614A}" type="slidenum">
+              <a:rPr lang="en-US" altLang="en-US" smtClean="0"/>
+              <a:pPr>
+                <a:defRPr/>
+              </a:pPr>
+              <a:t>13</a:t>
+            </a:fld>
+            <a:endParaRPr lang="en-US" altLang="en-US" dirty="0"/>
+          </a:p>
+        </p:txBody>
+      </p:sp>
+      <p:sp>
+        <p:nvSpPr>
+          <p:cNvPr id="40964" name="AutoShape 4" descr="data:image/jpeg;base64,/9j/4AAQSkZJRgABAQAAAQABAAD/2wCEAAkGBxQSEhUUExQWFRUXFxgZGBUWGBwbHBobHhwYFxsfIRwYHCggHhwmHRcYIjEkJykrLi4uHB8zODMsNygtLisBCgoKDg0OGhAQGywmICQ0LCwsLy8sLCwsLCwsLywsLSwsLCwsLCwsLCwsLCwsLC8sLCwxLDQsLSwsLCwsLDQsLP/AABEIAMoA+QMBIgACEQEDEQH/xAAbAAEAAgMBAQAAAAAAAAAAAAAABQYCAwQHAf/EAEEQAAIBAwMCBQIDBAcIAgMBAAECEQADIQQSMQVBBhMiUWEycUKBsRQjkaEzNFJic7LBJENyg8LR4fCCs2OT8RX/xAAZAQEAAwEBAAAAAAAAAAAAAAAAAQIEAwX/xAAwEQACAQMBBAkEAgMAAAAAAAAAAQIDESExBBJBYSIyUYGRscHh8DNxodETI0NSYv/aAAwDAQACEQMRAD8A9xpSlAKUpQClKUApSlAKwuXAoJJAAyScCozxD1pdLb3GNxB2j3iAfv8AUKpV25qtedwCrZOd5YhVjB7gmMyBgxBY1yqVYw1JSuTnWfGaowt2hkmDcYgKuJk+358cweDK9A60LmltXrrKpfd3iSCRiecCaqQt6XSLtRRfdztJuR+IDCKBOccDgqSSIqN6a15z/slvcqMq+pQYUksxljsEThcnviazR2l5lbHPBbdPVrdwMAQQQeCKzqi6TxHbFyLreTeG4kqCFIHIdW4gEc/cECrF03rJa2GvJ5UmJMbTkgGQTAODn3Amu1PaFLEsP5oQ4tExSvgNfa0FRSlKAUpSgFKUoBSlKAUpSgFKUoBSlKAUpXygPtKUoBSlKAUrn1etS0Jdgo+e/wCXJqlda8YPc9GkGWJUNgkkGTAVpI29x2PIPFJTUdSUrls6r1i3YWWMnJgcwIk/AEiqVrfEmp1bhNIGXcTnjaAYkmIE/PHYSawtdFKlrusuMu7cBaQ7mhjJBIBChtsYzx6prDU+IEtA27RVEgRbThMZ3NtyxJAIzkQfnJKvKbtD2LJWJfxBdVjY84hmtA71G0hmIRsk4UE22MQcA8AE1X9T1t7odFMkQAArFZOIC44zEiD7HiujpPhq9qQr3ybaCGXaVlgVBBABO0zmWk54AFXfp/TrdgEWxEmWY5ZickknJOayVNojF9LpP8FkisdN8HFmR9SwbaBCLOTydxPOYwIq2abTrbUKihVHAAgVtpWCpVlPVljg6l0e1fyygPBAuADcv2J/Q4qpdQ6Ve0iIYGptrcLFWHpWSSCV/DAP1Dj86vlKtTryhjgLIqnTevkXLh3qttVGzT7SWYDLFSD9XaPjjvVm6T1db6g7WRiAdlwbWg8c1EdV8M27u5k/duwIlQNpJ7sIyR8EVW763dO+nGqtm8ELhbm8jkLkEMBmMBhIPBAr09n2pWsvB66cDm4nplKqGg8SeVbZ7twXUV9sKrm4oYwsiJbnmIxMmrRpdWlwSjTHIyCPuDkV6EakZaFWjfSlKuQKUpQClKUApSlAKUpQClKUAr5X2vlQwfaV8qF6z4ltWAZYFuABxPPI9vijaWoJm5cCiSQB7nFVTrnjNLYZbILsPxDgerb3GfYe5981X7uq1fUc2zttg7TPpC9ySc5PBCk4ETk1kLWn0h32wLlwc3SvoBJA9CyMwTET9/fLU2lX3Y6/PAuo9phasX9Wxe7eFu2B9NyCYmWHlzMcwW/IRitx1VnTY06BDEb22+a05OWyBwcxAJxMA8apc1F64LKEvks4OCxgDPCqMnMknMTEWDoPg9LQVrxFy4CTHKCfgiWPyax1ZqP1H3FkV7SaDUa0kqdijaPMLMQ2Cpzy5EDHyZJJmrh0nw3ZsqAUW44Eb2UE8RA9h8VMIgAgAAewxX2sVXaJSxHCJsAIpSlZyRSlKAUpSgFYXrKuCrAMDyCJB/I1nSgKt1bwuwLPpXFtj+HIz3hlysjtx7RUfY6y1u6RfF0XdkbwxUAKcErO1iCckAyDweKvNc+u0SXVKuoIzB7j5B7H5rXT2prEvHiRY5On9cIt2zqPLlzt3Wm3qWzHCjtn4+KnbdwMJBBHuKoN7w9f0rBtJBUcgkltvLAjh/g8jivnSvEIBvEFvOJHogeWWiAJIG3ODuOPevUpbVfmu39r3KOJ6DSozTdXWUS9Fq6wkIWBB+zd6k61xkpK6KClKVYClKUApSlAKUpQCvlfa+VDBSfFfXbgvNYRxbIClTJG4tiJBHvOcYyDUfpujWrThrn726FAXTrJSAAsFmB3gEycQJ4rk8aT+3nE+m3JjjNOn9WOnZoOMkzkRPc8gS386w7SpO9jojd1Hq7m55CIyqAV8q2pKqMR6Fjd3HYCQZ5FdHSPB7vD6phO9mKAeppjlwcCR9IH5136fq9q4Wa0pW+SqttVfUcHliAwj5n2zU5a1sELcXYx9srPA9Xae0gVhnUnBWireZZG/S6RLYOxFWedoifv71upSsLd3dkilKVAFKUoBSlKAUpSgFKE18BpYH2lKUAqK6z0K3qFcRsdgR5iYaeATH1fnUrSrRk4u6BRH6bd0l1Cba37YTy97LPpiSAIZrYJnuV95muzoHX2S3JutqGa6V8ogKwLE7QpLxtUQDEzEwJq31X+reGUdWNn9287oGFJGe30z7jP3rbR2vKvh9v79irRYdJr0clQYccofqHHbuMjIxXXXmzF7F0i/aALoANQcsGAMQ/4iB2kGPsanuieIW22gxbU7hDXLVsjYwE+peykcEmfv29SntCa6Xjw9u8o42LXStWn1Cuu5Tj7QQe4IPBrbWm5UUpSgFKUoBXyvtKhg8s8a/1857Wse+f9OagergeYuYzj59dvFT3jYj9vOMxag+2c/wAqgupkLcA+TBOYO5IwfmKzSXTLomLmm/snb7gcEfkcfcV1aXqjqWDIhLJtNxxub+7BOHE52kj8q577ELg5xmPy4qH0/WVdypkjiCP+3fk/MQM85Ywck3qieRe+m9U2ra2M99nlWAT0qwmWMSbYmR3GMRU9p9arQD6Hz6GjdjmM5HyK84tOZBtORtIMAwR9j3Bzzg9qkLfVmCXlRVW4zb/MeT6jAY7VII9IMFT3+9Z57OpaE3PQKVAaDrP7xLYJvBrPmBlUwIAxu4YnsCd3vM1NafUK67lOPkEEH2IOQfisU6bjqWNtKUqgFKVydTF0pFnaHkZbsO8Yifv/ADqUruwM9XrUtj1MAYJC/iaPZeSftUVrNXqLgi2hSBuIxvjsvMBjk7QeB9Smt9voikE3WNy4wILNwJ4gcQK5ReuWztXaLuwKQ+AxUYZCYDYmVkZ/jXemo8Msg0aG3Z2st9juU53vuEn1Qvsf7sbvivuitl2Js2otRzcld3MbSF3Lx889jWoX7ZV11L3t7YINpwMCMQpRxk5iKaDqF4ubdos6gBQWXOcbsncsdw2D+GK7NPLX5vbuIJLp3UAsBywUqzA3TlCGCMjMcSCwj3HvEnOz1R7rgWrZ2BoNx8CAYMDv3/7VlpOl4/ecAkhQZyTJJaJJJzGB8VJogAAAgAQAOwrPKUL4RJ9pSlcSRSlKA13rCuIZQw9iJqr9Q8LuhD6W4ybc+WDEj+yG9vg4nvVspXSFWUNAUPT9bZPMVkazeJk3WLCWgDcyQfRiMSPgVbrHiBN6oxVtylhct5SBgy2QuZ7n7196p0m1qF23k3DjkgwecjNVjVdM1OjZrli6DZiSCssWkASigbjHdYPGMV6NDauCxyencUa7S/W3DAEEEHgjINZVR+kdesrFpL3l3oDMjlnSST6dzcT8EH78VO9P6wdZb3acgAOUdzypAVjtBHqkMIJx8HivRpVlPg0UasS2o1KpG5gJwJOSfYDufgVwdI6t+0Nc2rtFt9jBj6t21XyB9OGGDnmQIrrs6JVbdlm43MZP5DgfkBXJ0fR27dzUlEC7r25oESTbtEk/Mk12IJSvlfa+VDB5d41J/byO0Wp/jj+dQeuBNwSdv1SOZh0MY94/KpvxtH7eZmYtR/HM/lUF1Zv3qcjOI999v/SazS65dEzqj6fzH61SNCPXd+4/6qu+r+k/cfqKpGgP7y79x/1Vnj9Gfd5o7UPqL5wZKW9U6jBx/wCd3P8AxZ/jUla6irAB+/sDuxn8Pz9gf4iolBJA+a+H8x9sfpXGM8ZNVShGTxhlm0uruoUa252iQyrHBgQRxj3WPipPpfUES2FU+UVuH97dus3pP1Hc+7PEK2PkRVY6SbhDEEEgkfMQCB8xwPaT3Nddx0eQ2GIgnt2gEH/0fE1eUEzC+i7Pgei2eo+raSHAAO9BIEgn1AfSCBIPHPGJ7rN1WAZSCDwQZH8q8+0/Urtr07yEZSvp7HgENyhzjtUz0XqPmBBYDITO/wA5skrj6Yg7u5BU+9Y6mz2yiUy10qO0nWLbts3LuB24YFSw5UEfiHsYP3qRrNKLi7MkVi9sHBAPfNZUqoMfKHsKW7YUQAAPYYrKlTcCqp4l8XHTam1p0W07NsLrcvLbch3CKLat/SPhjEjt71a6qviXwm2pveYlxbYdbaXt1vezIlzzF2NuGxssJg9vaulHc3unoQzf1fxK1izrrgthv2SIG6N820uZxj6478VO6K9vto8RuVWj2kA/61UvEfg/Uai5fFvV+Vp9Tt86z5KsxhQh2uTKyqgVb9PaCKqjhQAPsBAqaihurd19l63CubK13L6qVDMAWMKCYk+w9zWyawuWlaJAMGRI4PuPmuStfJJnXx3ABJMAZJPaoHqnWl0rOWcvuMhDAW3C8SM5gmIJzxFV/Va/Va241q0CFUmSIAVo4ciRGf7xmCIrvDZ5Szw7SLk71jxbatEqpDsCAc4kiRn292OB7ziq+x1OpBe+x09mFLXWIQQNxESATlvge8muXUajS6T03P8Aa9Qvb/do3ME8sc99x+1QfVOo3tS037hYA4QelR+Q/UyfmK20qKXVXe9e5DU6+o/s6C4ulV3ITbc1JZisZgBPpjP1AD7mK9K8D6VU0iOJm9+9ef7TBQYAGBCjFeWII0uojH9GPyk/+a9b8I/1LT/4S/pW7Z8XRznFXvxJeuPQ/Xf/AMUf/VarsmuPQ/Xf/wAQf/VarSVOyvlfaVDB5b41J/bjicWs+3q/14qC6pIcBRzMkdgXQT/E1avFPSbt7XMLaXMom1gPRIzLMcQPiTNVvqugueeLch7i7mOwMQdrIzACJP8A3rNO6lvF0TFrSPdJRBO1QT78wP4waq/UelPaYtbUspXc9vAdCPqx+Je4I9+0VYtL1l7V9Ra2Mr4ae8DcMj/j/lVls6jT6wsAGW4hgN9LCO4KnjMc+9Zo1JU9VdPUnKd1qeXae8rcH7j2rOrZ1/wmIZyIaSwu2l9X2dZAI7yucd5qp6yy9iDch0Jhb1vKE+2YIYe3NP4FUX9Lvyevd2+fI109qX+THPh7Ez4f4f8A4h+grDxZdKWNwidyjIBwcEZ7EYrLw4wKuRkbh+grT4y/q/8A80/Wr7PH++EX2x9DJXfWa5mvRdSK/V3BJ5jsfy7/AH/WTQh4KtBmdskqW5Bxnt+fcVXhWSXCOO38P/H5Vy3+k7mqezKycS5WeuOqMjnaCcEAF4GWjdIae3fNTnTuqMbpt2LbNaFsOHYgIOAUH4ge+RHIwIqh6bqU+lszA9RgzHY98x89+1SWjumRcRjgERORI45gg/P8apOnFxM7upWZ6NpdYtwCDmJ2nkdv/YrorzvR9S9FlT5dlbV4FtlvOwnjkFCSZJE8GrXoepNuuAJcuW0Ii5Alt3q9PZwsxIgyIg81jqUHHQJkzStdi+rruUhge4/n+dbKzkilK06mxvAG5lhlb0mJggwfgxmpQN1YX7yopZjCgSSewrmu6l0a4XVRaVQVbdkn8QIOB8Zqqde8XI6G2EYbwwbcRK8YO0mJ7xJA7GutOjKbXYGy0P1iwAzeYvpmYOcCf9R/GvPhrrvmbLZa4z7jC7iCjZiGOeMnC5IBjNbR0V2t+dqriWLBacghsTACn3zG4yOwzWnWde2qyaFRpxtk3LmXcjhRG6JHH6Ct9KnGF1DN+3RfORU7tP0dVH+1E3bzRcOmtAG40KEAYgwFiBiAMCaius+ILt4eXHkIuPKQxMGIYjmIiBj71E6bqV5HZ9+244Kt5ZMlTtJJZvUT6Rkn4GMVp1CuuXEDmIM/cTXf+K0rt3+cESuZkiR8n3rKtdpuBzj6vf8A81sroWO1MaW+f7RUfwBNeq+FHA0Wmk820A+8V5Sv9Tvf4uP/ANan/U16X0H+q6DH9nt/+K5XShqzlMkBbvDUuxBNrYNsNwcYCzEzJkjiM9qj9D028pUXA7ib8sbv4TculBhgZKunYxt5ECevUWNQCdrMR5vp+mNhVPqyCAG38Sa+3rOoNpgpi4zMwM/Ss+hQSDmAu6fdoPFaCh26Qi1aQOwBhRJb8R7Sxk5+a65qvdVD+Q4uA5ayFmGlg4kiJgH5j7CrDFAceg+q9/if9KVXeu+HnF03rGZO6AYZWyCyzggg5B+eZgdt7qz2L5U6e49u5dI823kW4RSS45C85E8dqsCOGEggg9wZqs4KSsweQ6/e113gtfVgpJ9EQPVIg5IODx8d6jL5K2WUkBtu4qpn6oK5HebbYr2Hq3RLOoB3rDERvXDAdsiqT1joV+wQfSyCT5qj6WyAWQ/B5ms8qTjpoXUu009H8VOrLauAG2qS1wk78Ec8zAZT8ipl9DY1Qa5Ydd30kgAg9yGVhBFUs2QCXXcxY7SZEbQFQieS5KDt8Vlo7l7TlUDm2S8MoPbn/qg1mdJPKwWZ3P059K7g2gttmZgycL8c8AR/7xEeLHD6aVMjeuR96uPSfFdu+SlwAKAAXYiCchpHY7lYVh1LwrbuLvsFdrQSoMo45wRjPvU06u7VjOpqmn9yko3i0igIcVsB9J+4+1dOv6DctM3lTAJPkv8AXHJ2H8cZ4zwYzUfZ1AMjIPdTg/wqs6LV5xzHPdftXDyPQpV4zSjo/mhjrnK23YchGI+4BNWf9jgBkmcHbMdoMYx2/hH2qvU/6G7/AMD/AOU1drX0j7D9K5wk1HBz2vrI4G1Ck7bghhEEZZSeDjOeeIzB+dysTuVj5lq4m1l5Vh33KPzyPtFVzq39cb/hH+VBXXpuoMnv8nn4Eg8x8H/uO84qNs6q/wA8DPCnKUW1wZdundZ8w2CTb04jYRJLEjhVIO2I7MCasOj6luDFx6VMeYFIU5jg5WO5OO8153buI+RCtMzyN3E4waktH1O4jbLjMUJUqskDHKhh7/2TzNZalGLIvqehTUF1rxPasiFO54aB2x+ueMic5EEji6lrbH7KwVjbGB5YME5EgATyJyMDNVpbml0yBr5/abt0K4sr9Ken0h885jPA4GM8qWzp5lf7E3Oy9+064l/SlhlYG4zehVIgzxMDBAAB7nmudOo2NKUt6MftN4zF1+EmFhBAEnt9sk1D9V6vf1WLrBbciLKYUR9P/v6V1eG9Gu5r7fRZBcgclgCV/hH8hWxx3Y9LTsQscnWzc88m+267CiZnBAMCMAZ4HzXGs8k7FmN32yTjMfasuo9UBZrjy1xzMRgLEfmeOePY8iJe9cvHLYiOYAA7fb4rrHCV9TpCm5fY6bvVFtibfY7t/cCMxnBJJMzInmuu5g24/EjEj7FAP1NV7XLCuAQcHI71YbvNn/Cf/MlWTuiakFBqxpuW4yBKkyR7fIrYj+8Z4I7is6wtaRiTsUkRJUSSI7ihTQ69SP8AZQY/3r/ySP8ASvXPCH9S0/8AhJ+leVdV6t5mnt2ggVbakkj8TQc/HNeq+EP6lp/8JP0rps983OcyYri0P13/APFH/wBVqu2oTovUd97VIy7GW9AEglgLVn1Y4BxWk5k3FKUoD5Fcd3QerfbY22PI5RjEAsuJPyCDgZjFdtKA4LWvKwt8BGJ2g/gYxMg9vs0H713GvlxAwIIBB5BqPuWbttt1uGtBf6HvuEAbWJhcdjj7STQHD1nwrbvkspa25MypwT8gjvwYjmqN1HpNywXV7QQR6bmCmfr2ngHH4hPsBzXqWk1a3BIkHupwynuCPvWWosK6lXUMp5UiQfyrnOkpEp2PGfIVAPK3N5ig8YBY7bY92Yh2JIEYHFdfTOt3NP5dpP8AdWgHtRy4TI/iAMH86tfXPCDbg+naEXJs/HcKYxGIHbtFVTT6S1bU7bQQrcXcSpB2rkgKIyxHJ+Z71mlBrEkXuWzR9Ts6xXV127Tt9RGcxIPvxj5HNRXiHwoLijDXAv4ww84L7BmlWAjgifkVVtVa2ILZdXf0lwJ/Eu6OIn0qcVO9K8Q3LWo2XG/2faSBGVAKgEEdsk/aK4pSg96mw0nhlT6z0u7bS6oBu29pXeohgSCAGU5H3iD2Jq3W+B9h+lWC5ptPrrRe3BJBAYSCpjv3qt63S3tKT5k3LfZxkiT3+I/94qJTU8WSfHhf08g2+LuVjq39cb/hH+VK+V86vdH7Tu/C6gK3b6V/1BFJq21xaVN/8+rNmxNbslz9EbJKmQfy/wBDUp0zWSApx24xJ4//AJ/5qKuNOZBwMisUPqt/41v/AC3f+1c49Zx4CtBOnvcST1F1mRySfRsiP73pP8iajw013N/R3v8AlfqKjNNO3Puf1NaE9UZIpXubSamurKNPYt6cCTe9d3OT9Ij3AjH5Vz+HdKLl9d30pLt7enifzj+FcvUNWb153JkFoU/AJH8P+1UfSmo8Fl+n7LMrurM3Gj3gflit7IzL6sACdi+3v3j86xu3trPH1bj6vYZBrVaR3wJOePv+pq3Fo2LqpmGocunlgCOw+cxJ/Op6+hBsyP8AdP8AzZI/1rZoekJb2NeDMSQfKSd5TMtj6BMD+0e2M1t1guM43qQY2qqqQAq8KqjsPialGapNSeDlq0+DmuMly3bWd5hnAyoj+1wP1z8V96X4YVFF7WN5dsAk2yYbERPf/wCIzx9q5upeJ2bZb0i/s9kTKqAGYyIjbwInHPGe1cZS3+jHx4e5TU5PFPlg+XatLbCegwSWJjMicgSMxJnntV78DdWB0iJcG1rbCyFGSxCo3Ak/jz7ROBVR6H4Ov6gByfKWQQXBlveB7fJ79q9J6T0+3ZDrbUKN8+5JKpJJOST7/ArdRhuxOM27hfNu7gwNlCIEEG58+6qP4nPaurSaVLa7UUKPYfqT3PzW6ldiBSlKAUpSgFKUoDn1WjW5BMhh9LKYYfYj9ODXO+puWi3mLut8i4gkj4KCWP3UH7CpClAYWbquAykEHgio7rXQbOqUrdWT/aGGGZ5rovaAfVbPltJJ2jDE5O5eDPvz81t1GoFtdzmBiT8kgfqahq4TtlFE6r4dvWWZlzb2t+8SN6g4yDmQD9Q9u1VQ6dSiG2rkw6By0ACNqjaRJE8s0DHtXr//APp24uGTFvDEqfcjGM5BGKrvW9JpL0bWNu4SrDarQ8njYMNPB71xlR/1LKR5/pnuW3thbkBDtJRgRvVpPBjAeDVw0XilW8wXwqokAuJOcCNoBnPtUXrul3LW8OirbIBVwJBXBMEibZgAHHfvFQl7T3I8tFZ/Mgl8fVLMABORAB3fb7VmnBPEkWuXHWeHbN5C9kI6uD6TBUzwQeVYe4P3qmdT8O3LTqthTJmbLkSIj6XMK09hhs8GJrv0HV7lu9bCO2wBmKKfS0CDjjlD/wCmrToutafVqfORUH4d5EEfB5B+Kqp1KatrHsfz8rI0d1hnmlu+CdplWGCrYIPtWxfqt/41v/Leq89c8LBwzR5sgw0nzVPIIefUPgz+VU+90t7LWpfeDeSAVIZQFuTvBmDLRMn+dTGNKXSg7cn6P9/k6yrylHdku86W/o73/K/zCo2y8g/BIqSb+jvf8r9RWnoWi8y8qQCN25542iC0/cY/OrNpbzfzBziSjt5GigDbd1B+/o4H2EZj5NQYHH5V3de1fnahmH0L6FE4xyft8feuGq0lZXeryXNQ6KT+8chLbOQGP3gkKssw+QI9yK7f2tbcjTpsHHmvBuD32n8IPxn+9U54V6f5gJa35g94GApMgFgRJJ+4g5Far/UNMmoBTSBgwcIhcn1KVAJQAgTJxnjFS53bSVyHJvU1dK0tyzYfU5CkhQTEurGWABwRgffPzW/qPiZne26kbrZBRQIWCpye5MmNsgRPxTTefr9Utm+biITO0CFRQD+A8TkSwnIwJxcdL4G063TcJLr+G0fpH37sPg1eFBy6UtSjaKPY6fq9e5cKXz9bHaig9hOIEcLJq/8AQfB9jTEOR5l0fjbgH+6vA+/NT1iwqKFRVVRgKoAAHwBgVyPq3uEraXEZut9IPsF5Y/wHz2rTCmolXJs6NbrEsqWdoA/Mn4AGSfYDJrm6LrfOVrnlvbBYbRcADEbEIO0Ekc8GDjit2m0IWCxNx+d7ZM/A4UfAiuuK6FRSlKAUpSgFKUoBSlKAUpSgFRvUdUm2953otIAWef8A5HEdoH3qSqM6p0ZNQl1LhbbcH4CVI9O3kGgOPzbDM48y6zMyDhjw7lYO36QxbPGI7Vhr7OmVgLjXAyQUweSQfTC+ozEjNdFvoG0jbfugBlO30kEKWbaSVkrLseZ+az6l0Jb8+ZcciICwpUZBOCsNMCQ0jFAddqHDWyspsX6s7lYMCCCPj+dQHV/CS7ZsDg/0bHB+xP0kdv8ASp5l8oFgCwCou1RkBd0kAc4PAHbFdFjUK4lTMcjgg8wQcgwRzVZQUlZg8kv6NrYdGtrYbccEAGJOVIxDFjPyTya5H0+BbQFyCp3BSDgbmwRMDcM/Br2DX9OtXl23EVsEAkZE+x5B+1U7rPhS5bLOjtcQiCgEOBIPIPrHuIHAwa4SpNZRZSILpPiq6lxkuR5dtLcqFzJmQD7ZH8Ksto6fXIHEqxkc7WkYOO/5e9U79k80YAtlid+5fUGLEgH1fu1WeIP5VosrFxEX1KjM3mqCAZLLInjIEH5EVmcE8rUu1bBiwi3e/wCV+orf0rX27OnvCGN66ds/hVNoH+rfyrQw/d3f+UJ/MfzrV03VC1cRyAdrKRPbnMHBjmryhe9+XkEa9NonLC2qMXP4YM5zMe2ZmrLp+gWdMu/XPBP0WkaSYOZ289uMD3rh1viK557XkJVyhtz+ELOIHBPeT/a+M7ejeHNTrG3uWVcTduhiSMkbQYLD8wBPNRuTm7aefiTfGTDqHie46+Tp18izhUS2IePaV9/Yfxqf8F+F7lm8L98BYTaikgkltpmOxG2PfJqzeH/DdnSqAoD3MzdYDcZ9vYdoFdHVVBfTzGLx5HB8q6B+cxHzWmlRUCkpX0Pmo01zzVZSdq7cSMyx3z7wsRXHe0epDbkd9pdnKMVJEFAqA/2CN7fwFcdu/qCDH7QQZ2g21VgRhpnBwCy8fVHauh79/wAu1/TbmZwPQMDdKG57ekRHu3xXcoSPR7T27e267MxYkG4VLGRMenGDIx7VI1WLPmNb0xvBvMGoT6hkelt2BwJ3Z9qs9AKUpQClKUApSlAKUpQClKUApSlAKUpQClKUArmv6JWYP9LgQHXmPb5Hwa6aUBHrqntj98BA/wB4v0x7sD9PzyK7lYESDIPBFfSK4m6ftYNaOyMFI9DD22ggA/3h880Bq6r0S3fywIcCA4Ofz7H86o3VegXrIbzfXbNxGm3uAO3I3hTIBJM5ir/Z13a6PLaQBJ9LE/2W78HHPxXWygiCAQe1c50oy+5Kk0eNdR0YCGPqJEAD2K9+OAcfFSngzwmmrU3rrHywWQIIkkYaTGB2EZ+RVw6v4Z0927bLhhuMbUIVTCtyIkYkYip3T6dLS7UVUUdgABUQptdZ3G8yB6X4L09lt5BuEGV3nA9scGPczVgv3lRSzGFAkk1xjqG8xZXeMTcmLcTBhhO4iDgd+SK2afQwSzsbjEg+oYWMjavAj8z810SsQavOuXQvlg20OS7r6iPYIeCfdv4e3TpNItudsyxliSSSfkmuilSBSlKAUpSgFKUoBSlKAUpSgFKUoBSlKAUpSgFKUoBSlKAUpSgFKUoDXfsq6lWAKkQQa4/IuWiPLO+3ABRzkROVY5J+GPYQRUhSgKprfFCXGK6ZGv6ixcKtpvSjBjbciS5C7f7wJHPNTGk0ty6k6mAWCk2kJ2qeSCwMvkwZ9JA45nPV2VF6y20btzeqBP0N3qQoD4qgCBgV9pSgFKUoBSlKAUpSgFKUoBSlKAUpSgP/2Q=="/>
+          <p:cNvSpPr>
+            <a:spLocks noChangeAspect="1" noChangeArrowheads="1"/>
+          </p:cNvSpPr>
+          <p:nvPr/>
+        </p:nvSpPr>
+        <p:spPr bwMode="auto">
+          <a:xfrm>
+            <a:off x="155575" y="-144463"/>
+            <a:ext cx="304800" cy="304801"/>
+          </a:xfrm>
+          <a:prstGeom prst="rect">
+            <a:avLst/>
+          </a:prstGeom>
+          <a:noFill/>
+        </p:spPr>
+        <p:txBody>
+          <a:bodyPr vert="horz" wrap="square" lIns="91440" tIns="45720" rIns="91440" bIns="45720" numCol="1" anchor="t" anchorCtr="0" compatLnSpc="1">
+            <a:prstTxWarp prst="textNoShape">
+              <a:avLst/>
+            </a:prstTxWarp>
+          </a:bodyPr>
+          <a:lstStyle/>
+          <a:p>
+            <a:endParaRPr lang="en-US"/>
+          </a:p>
+        </p:txBody>
+      </p:sp>
+    </p:spTree>
+  </p:cSld>
+  <p:clrMapOvr>
+    <a:masterClrMapping/>
+  </p:clrMapOvr>
+  <p:timing>
+    <p:tnLst>
+      <p:par>
+        <p:cTn id="1" dur="indefinite" restart="never" nodeType="tmRoot"/>
+      </p:par>
+    </p:tnLst>
+  </p:timing>
+</p:sld>
+</file>
+
+<file path=ppt/slides/slide14.xml><?xml version="1.0" encoding="utf-8"?>
+<p:sld xmlns:a="http://schemas.openxmlformats.org/drawingml/2006/main" xmlns:r="http://schemas.openxmlformats.org/officeDocument/2006/relationships" xmlns:p="http://schemas.openxmlformats.org/presentationml/2006/main">
+  <p:cSld>
+    <p:spTree>
+      <p:nvGrpSpPr>
+        <p:cNvPr id="1" name=""/>
+        <p:cNvGrpSpPr/>
+        <p:nvPr/>
+      </p:nvGrpSpPr>
+      <p:grpSpPr>
+        <a:xfrm>
+          <a:off x="0" y="0"/>
+          <a:ext cx="0" cy="0"/>
+          <a:chOff x="0" y="0"/>
+          <a:chExt cx="0" cy="0"/>
+        </a:xfrm>
+      </p:grpSpPr>
+      <p:sp>
+        <p:nvSpPr>
+          <p:cNvPr id="2" name="Subtitle 1"/>
+          <p:cNvSpPr>
+            <a:spLocks noGrp="1"/>
+          </p:cNvSpPr>
+          <p:nvPr>
+            <p:ph type="subTitle" idx="1"/>
+          </p:nvPr>
+        </p:nvSpPr>
+        <p:spPr>
+          <a:xfrm>
+            <a:off x="1456531" y="971338"/>
+            <a:ext cx="7053104" cy="6591512"/>
+          </a:xfrm>
+        </p:spPr>
+        <p:txBody>
+          <a:bodyPr/>
+          <a:lstStyle/>
+          <a:p>
+            <a:r>
+              <a:rPr lang="en-US" sz="3200" dirty="0" smtClean="0">
+                <a:solidFill>
+                  <a:schemeClr val="bg1">
+                    <a:lumMod val="65000"/>
+                  </a:schemeClr>
+                </a:solidFill>
+              </a:rPr>
+              <a:t>Group Organization</a:t>
+            </a:r>
+            <a:endParaRPr lang="en-US" sz="3200" dirty="0" smtClean="0">
+              <a:solidFill>
+                <a:schemeClr val="bg1">
+                  <a:lumMod val="65000"/>
+                </a:schemeClr>
+              </a:solidFill>
+            </a:endParaRPr>
+          </a:p>
+          <a:p>
+            <a:r>
+              <a:rPr lang="en-US" sz="3200" dirty="0" smtClean="0">
+                <a:solidFill>
+                  <a:schemeClr val="bg1">
+                    <a:lumMod val="65000"/>
+                  </a:schemeClr>
+                </a:solidFill>
+              </a:rPr>
+              <a:t>Project Overview</a:t>
+            </a:r>
+          </a:p>
+          <a:p>
+            <a:r>
+              <a:rPr lang="en-US" sz="3200" dirty="0" smtClean="0">
+                <a:solidFill>
+                  <a:schemeClr val="bg1">
+                    <a:lumMod val="65000"/>
+                  </a:schemeClr>
+                </a:solidFill>
+              </a:rPr>
+              <a:t>Design Constraints</a:t>
+            </a:r>
+            <a:endParaRPr lang="en-US" sz="3200" dirty="0" smtClean="0">
+              <a:solidFill>
+                <a:schemeClr val="bg1">
+                  <a:lumMod val="65000"/>
+                </a:schemeClr>
+              </a:solidFill>
+            </a:endParaRPr>
+          </a:p>
+          <a:p>
+            <a:r>
+              <a:rPr lang="en-US" sz="3200" dirty="0" smtClean="0">
+                <a:solidFill>
+                  <a:schemeClr val="tx1">
+                    <a:lumMod val="85000"/>
+                    <a:lumOff val="15000"/>
+                  </a:schemeClr>
+                </a:solidFill>
+              </a:rPr>
+              <a:t>Mission Architecture</a:t>
+            </a:r>
+          </a:p>
+          <a:p>
+            <a:r>
+              <a:rPr lang="en-US" sz="3200" dirty="0" smtClean="0">
+                <a:solidFill>
+                  <a:schemeClr val="bg1">
+                    <a:lumMod val="65000"/>
+                  </a:schemeClr>
+                </a:solidFill>
+              </a:rPr>
+              <a:t>CONOPS</a:t>
+            </a:r>
+          </a:p>
+          <a:p>
+            <a:r>
+              <a:rPr lang="en-US" sz="3200" dirty="0" smtClean="0">
+                <a:solidFill>
+                  <a:schemeClr val="bg1">
+                    <a:lumMod val="65000"/>
+                  </a:schemeClr>
+                </a:solidFill>
+              </a:rPr>
+              <a:t>Risk Assessment</a:t>
+            </a:r>
+          </a:p>
+          <a:p>
+            <a:r>
+              <a:rPr lang="en-US" sz="3200" dirty="0" smtClean="0">
+                <a:solidFill>
+                  <a:schemeClr val="bg1">
+                    <a:lumMod val="65000"/>
+                  </a:schemeClr>
+                </a:solidFill>
+              </a:rPr>
+              <a:t>Schedule</a:t>
+            </a:r>
+          </a:p>
+          <a:p>
+            <a:r>
+              <a:rPr lang="en-US" sz="3200" dirty="0" smtClean="0">
+                <a:solidFill>
+                  <a:schemeClr val="bg1">
+                    <a:lumMod val="65000"/>
+                  </a:schemeClr>
+                </a:solidFill>
+              </a:rPr>
+              <a:t>Conclusion</a:t>
+            </a:r>
+            <a:endParaRPr lang="en-US" sz="3200" dirty="0">
+              <a:solidFill>
+                <a:schemeClr val="bg1">
+                  <a:lumMod val="65000"/>
+                </a:schemeClr>
+              </a:solidFill>
+            </a:endParaRPr>
+          </a:p>
+          <a:p>
+            <a:endParaRPr lang="en-US" sz="4000" dirty="0">
+              <a:solidFill>
+                <a:schemeClr val="bg1">
+                  <a:lumMod val="65000"/>
+                </a:schemeClr>
+              </a:solidFill>
+            </a:endParaRPr>
+          </a:p>
+          <a:p>
+            <a:endParaRPr lang="en-US" dirty="0" smtClean="0">
+              <a:solidFill>
+                <a:schemeClr val="bg1">
+                  <a:lumMod val="65000"/>
+                </a:schemeClr>
+              </a:solidFill>
+            </a:endParaRPr>
+          </a:p>
+        </p:txBody>
+      </p:sp>
+    </p:spTree>
+    <p:extLst>
+      <p:ext uri="{BB962C8B-B14F-4D97-AF65-F5344CB8AC3E}">
+        <p14:creationId xmlns:p14="http://schemas.microsoft.com/office/powerpoint/2010/main" xmlns="" val="1899034955"/>
+      </p:ext>
+    </p:extLst>
+  </p:cSld>
+  <p:clrMapOvr>
+    <a:masterClrMapping/>
+  </p:clrMapOvr>
+  <mc:AlternateContent xmlns:mc="http://schemas.openxmlformats.org/markup-compatibility/2006">
+    <mc:Choice xmlns:p14="http://schemas.microsoft.com/office/powerpoint/2010/main" xmlns="" Requires="p14">
+      <p:transition spd="slow" p14:dur="2000" advTm="1111"/>
+    </mc:Choice>
+    <mc:Fallback>
+      <p:transition spd="slow" advTm="1111"/>
+    </mc:Fallback>
+  </mc:AlternateContent>
+  <p:timing>
+    <p:tnLst>
+      <p:par>
+        <p:cTn id="1" dur="indefinite" restart="never" nodeType="tmRoot"/>
+      </p:par>
+    </p:tnLst>
+  </p:timing>
+</p:sld>
+</file>
+
+<file path=ppt/slides/slide15.xml><?xml version="1.0" encoding="utf-8"?>
+<p:sld xmlns:a="http://schemas.openxmlformats.org/drawingml/2006/main" xmlns:r="http://schemas.openxmlformats.org/officeDocument/2006/relationships" xmlns:p="http://schemas.openxmlformats.org/presentationml/2006/main">
+  <p:cSld>
+    <p:spTree>
+      <p:nvGrpSpPr>
+        <p:cNvPr id="1" name=""/>
+        <p:cNvGrpSpPr/>
+        <p:nvPr/>
+      </p:nvGrpSpPr>
+      <p:grpSpPr>
+        <a:xfrm>
+          <a:off x="0" y="0"/>
+          <a:ext cx="0" cy="0"/>
+          <a:chOff x="0" y="0"/>
+          <a:chExt cx="0" cy="0"/>
+        </a:xfrm>
+      </p:grpSpPr>
+      <p:sp>
+        <p:nvSpPr>
+          <p:cNvPr id="2" name="Title 1"/>
+          <p:cNvSpPr>
+            <a:spLocks noGrp="1"/>
+          </p:cNvSpPr>
+          <p:nvPr>
+            <p:ph type="title"/>
+          </p:nvPr>
+        </p:nvSpPr>
+        <p:spPr/>
+        <p:txBody>
+          <a:bodyPr/>
+          <a:lstStyle/>
+          <a:p>
+            <a:r>
+              <a:rPr lang="en-US" b="1" dirty="0" smtClean="0">
+                <a:solidFill>
+                  <a:schemeClr val="tx1">
+                    <a:lumMod val="85000"/>
+                    <a:lumOff val="15000"/>
+                  </a:schemeClr>
+                </a:solidFill>
+              </a:rPr>
+              <a:t>Relating Design Constraints to Mission Design</a:t>
+            </a:r>
+            <a:endParaRPr lang="en-US" b="1" dirty="0">
+              <a:solidFill>
+                <a:schemeClr val="tx1">
+                  <a:lumMod val="85000"/>
+                  <a:lumOff val="15000"/>
+                </a:schemeClr>
+              </a:solidFill>
+            </a:endParaRPr>
+          </a:p>
+        </p:txBody>
+      </p:sp>
+      <p:sp>
+        <p:nvSpPr>
+          <p:cNvPr id="3" name="Content Placeholder 2"/>
+          <p:cNvSpPr>
+            <a:spLocks noGrp="1"/>
+          </p:cNvSpPr>
+          <p:nvPr>
+            <p:ph idx="1"/>
+          </p:nvPr>
+        </p:nvSpPr>
+        <p:spPr>
+          <a:xfrm>
+            <a:off x="618331" y="1419225"/>
+            <a:ext cx="9210675" cy="3124200"/>
+          </a:xfrm>
+        </p:spPr>
+        <p:txBody>
+          <a:bodyPr/>
+          <a:lstStyle/>
+          <a:p>
+            <a:pPr>
+              <a:buFont typeface="Arial" pitchFamily="34" charset="0"/>
+              <a:buChar char="•"/>
+            </a:pPr>
+            <a:r>
+              <a:rPr lang="en-US" sz="2000" dirty="0" smtClean="0">
+                <a:solidFill>
+                  <a:schemeClr val="tx1">
+                    <a:lumMod val="85000"/>
+                    <a:lumOff val="15000"/>
+                  </a:schemeClr>
+                </a:solidFill>
+              </a:rPr>
+              <a:t>Each of the design constraints listed in the previous section relate directly to design decisions made to </a:t>
+            </a:r>
+            <a:endParaRPr lang="en-US" sz="1800" dirty="0" smtClean="0">
+              <a:solidFill>
+                <a:schemeClr val="tx1">
+                  <a:lumMod val="85000"/>
+                  <a:lumOff val="15000"/>
+                </a:schemeClr>
+              </a:solidFill>
+            </a:endParaRPr>
+          </a:p>
+          <a:p>
+            <a:endParaRPr lang="en-US" dirty="0" smtClean="0">
+              <a:solidFill>
+                <a:schemeClr val="tx1">
+                  <a:lumMod val="85000"/>
+                  <a:lumOff val="15000"/>
+                </a:schemeClr>
+              </a:solidFill>
+            </a:endParaRPr>
+          </a:p>
+        </p:txBody>
+      </p:sp>
+      <p:sp>
+        <p:nvSpPr>
+          <p:cNvPr id="4" name="Slide Number Placeholder 3"/>
+          <p:cNvSpPr>
+            <a:spLocks noGrp="1"/>
+          </p:cNvSpPr>
+          <p:nvPr>
+            <p:ph type="sldNum" idx="12"/>
+          </p:nvPr>
+        </p:nvSpPr>
+        <p:spPr/>
+        <p:txBody>
+          <a:bodyPr/>
+          <a:lstStyle/>
+          <a:p>
+            <a:pPr>
+              <a:defRPr/>
+            </a:pPr>
+            <a:fld id="{8C6E2802-7AC4-44BB-B0A5-E12803E0614A}" type="slidenum">
+              <a:rPr lang="en-US" altLang="en-US" smtClean="0"/>
+              <a:pPr>
+                <a:defRPr/>
+              </a:pPr>
+              <a:t>15</a:t>
             </a:fld>
             <a:endParaRPr lang="en-US" altLang="en-US" dirty="0"/>
           </a:p>

--- a/CMQA/Presentations/First Semester Presentation.pptx
+++ b/CMQA/Presentations/First Semester Presentation.pptx
@@ -6,7 +6,7 @@
     <p:sldMasterId id="2147483649" r:id="rId2"/>
   </p:sldMasterIdLst>
   <p:notesMasterIdLst>
-    <p:notesMasterId r:id="rId18"/>
+    <p:notesMasterId r:id="rId27"/>
   </p:notesMasterIdLst>
   <p:sldIdLst>
     <p:sldId id="256" r:id="rId3"/>
@@ -24,6 +24,15 @@
     <p:sldId id="268" r:id="rId15"/>
     <p:sldId id="269" r:id="rId16"/>
     <p:sldId id="270" r:id="rId17"/>
+    <p:sldId id="271" r:id="rId18"/>
+    <p:sldId id="272" r:id="rId19"/>
+    <p:sldId id="273" r:id="rId20"/>
+    <p:sldId id="274" r:id="rId21"/>
+    <p:sldId id="275" r:id="rId22"/>
+    <p:sldId id="276" r:id="rId23"/>
+    <p:sldId id="277" r:id="rId24"/>
+    <p:sldId id="278" r:id="rId25"/>
+    <p:sldId id="279" r:id="rId26"/>
   </p:sldIdLst>
   <p:sldSz cx="10075863" cy="7562850"/>
   <p:notesSz cx="7772400" cy="10058400"/>
@@ -2156,6 +2165,365 @@
       <p:sp>
         <p:nvSpPr>
           <p:cNvPr id="62468" name="Rectangle 2"/>
+          <p:cNvSpPr>
+            <a:spLocks noGrp="1" noChangeArrowheads="1"/>
+          </p:cNvSpPr>
+          <p:nvPr>
+            <p:ph type="body" idx="1"/>
+          </p:nvPr>
+        </p:nvSpPr>
+        <p:spPr>
+          <a:xfrm>
+            <a:off x="777875" y="4776788"/>
+            <a:ext cx="6210300" cy="4518025"/>
+          </a:xfrm>
+          <a:noFill/>
+          <a:extLst>
+            <a:ext uri="{91240B29-F687-4F45-9708-019B960494DF}">
+              <a14:hiddenLine xmlns="" xmlns:a14="http://schemas.microsoft.com/office/drawing/2010/main" w="9525">
+                <a:solidFill>
+                  <a:srgbClr val="808080"/>
+                </a:solidFill>
+                <a:miter lim="800000"/>
+                <a:headEnd/>
+                <a:tailEnd/>
+              </a14:hiddenLine>
+            </a:ext>
+            <a:ext uri="{AF507438-7753-43E0-B8FC-AC1667EBCBE1}">
+              <a14:hiddenEffects xmlns="" xmlns:a14="http://schemas.microsoft.com/office/drawing/2010/main">
+                <a:effectLst>
+                  <a:outerShdw dist="35921" dir="2700000" algn="ctr" rotWithShape="0">
+                    <a:srgbClr val="808080"/>
+                  </a:outerShdw>
+                </a:effectLst>
+              </a14:hiddenEffects>
+            </a:ext>
+          </a:extLst>
+        </p:spPr>
+        <p:txBody>
+          <a:bodyPr wrap="none" anchor="ctr"/>
+          <a:lstStyle/>
+          <a:p>
+            <a:endParaRPr lang="en-US" altLang="en-US" smtClean="0"/>
+          </a:p>
+        </p:txBody>
+      </p:sp>
+    </p:spTree>
+  </p:cSld>
+  <p:clrMapOvr>
+    <a:masterClrMapping/>
+  </p:clrMapOvr>
+</p:notes>
+</file>
+
+<file path=ppt/notesSlides/notesSlide4.xml><?xml version="1.0" encoding="utf-8"?>
+<p:notes xmlns:a="http://schemas.openxmlformats.org/drawingml/2006/main" xmlns:r="http://schemas.openxmlformats.org/officeDocument/2006/relationships" xmlns:p="http://schemas.openxmlformats.org/presentationml/2006/main">
+  <p:cSld>
+    <p:bg>
+      <p:bgPr>
+        <a:solidFill>
+          <a:srgbClr val="FFFFFF"/>
+        </a:solidFill>
+        <a:effectLst/>
+      </p:bgPr>
+    </p:bg>
+    <p:spTree>
+      <p:nvGrpSpPr>
+        <p:cNvPr id="1" name=""/>
+        <p:cNvGrpSpPr/>
+        <p:nvPr/>
+      </p:nvGrpSpPr>
+      <p:grpSpPr>
+        <a:xfrm>
+          <a:off x="0" y="0"/>
+          <a:ext cx="0" cy="0"/>
+          <a:chOff x="0" y="0"/>
+          <a:chExt cx="0" cy="0"/>
+        </a:xfrm>
+      </p:grpSpPr>
+      <p:sp>
+        <p:nvSpPr>
+          <p:cNvPr id="61442" name="Rectangle 11"/>
+          <p:cNvSpPr>
+            <a:spLocks noGrp="1" noChangeArrowheads="1"/>
+          </p:cNvSpPr>
+          <p:nvPr>
+            <p:ph type="sldNum" sz="quarter"/>
+          </p:nvPr>
+        </p:nvSpPr>
+        <p:spPr>
+          <a:noFill/>
+          <a:extLst>
+            <a:ext uri="{91240B29-F687-4F45-9708-019B960494DF}">
+              <a14:hiddenLine xmlns="" xmlns:a14="http://schemas.microsoft.com/office/drawing/2010/main" w="9525">
+                <a:solidFill>
+                  <a:srgbClr val="808080"/>
+                </a:solidFill>
+                <a:round/>
+                <a:headEnd/>
+                <a:tailEnd/>
+              </a14:hiddenLine>
+            </a:ext>
+          </a:extLst>
+        </p:spPr>
+        <p:txBody>
+          <a:bodyPr/>
+          <a:lstStyle>
+            <a:lvl1pPr eaLnBrk="0">
+              <a:tabLst>
+                <a:tab pos="723900" algn="l"/>
+                <a:tab pos="1447800" algn="l"/>
+                <a:tab pos="2171700" algn="l"/>
+                <a:tab pos="2895600" algn="l"/>
+              </a:tabLst>
+              <a:defRPr>
+                <a:solidFill>
+                  <a:schemeClr val="bg1"/>
+                </a:solidFill>
+                <a:latin typeface="Arial" charset="0"/>
+                <a:ea typeface="Microsoft YaHei" charset="-122"/>
+              </a:defRPr>
+            </a:lvl1pPr>
+            <a:lvl2pPr eaLnBrk="0">
+              <a:tabLst>
+                <a:tab pos="723900" algn="l"/>
+                <a:tab pos="1447800" algn="l"/>
+                <a:tab pos="2171700" algn="l"/>
+                <a:tab pos="2895600" algn="l"/>
+              </a:tabLst>
+              <a:defRPr>
+                <a:solidFill>
+                  <a:schemeClr val="bg1"/>
+                </a:solidFill>
+                <a:latin typeface="Arial" charset="0"/>
+                <a:ea typeface="Microsoft YaHei" charset="-122"/>
+              </a:defRPr>
+            </a:lvl2pPr>
+            <a:lvl3pPr eaLnBrk="0">
+              <a:tabLst>
+                <a:tab pos="723900" algn="l"/>
+                <a:tab pos="1447800" algn="l"/>
+                <a:tab pos="2171700" algn="l"/>
+                <a:tab pos="2895600" algn="l"/>
+              </a:tabLst>
+              <a:defRPr>
+                <a:solidFill>
+                  <a:schemeClr val="bg1"/>
+                </a:solidFill>
+                <a:latin typeface="Arial" charset="0"/>
+                <a:ea typeface="Microsoft YaHei" charset="-122"/>
+              </a:defRPr>
+            </a:lvl3pPr>
+            <a:lvl4pPr eaLnBrk="0">
+              <a:tabLst>
+                <a:tab pos="723900" algn="l"/>
+                <a:tab pos="1447800" algn="l"/>
+                <a:tab pos="2171700" algn="l"/>
+                <a:tab pos="2895600" algn="l"/>
+              </a:tabLst>
+              <a:defRPr>
+                <a:solidFill>
+                  <a:schemeClr val="bg1"/>
+                </a:solidFill>
+                <a:latin typeface="Arial" charset="0"/>
+                <a:ea typeface="Microsoft YaHei" charset="-122"/>
+              </a:defRPr>
+            </a:lvl4pPr>
+            <a:lvl5pPr eaLnBrk="0">
+              <a:tabLst>
+                <a:tab pos="723900" algn="l"/>
+                <a:tab pos="1447800" algn="l"/>
+                <a:tab pos="2171700" algn="l"/>
+                <a:tab pos="2895600" algn="l"/>
+              </a:tabLst>
+              <a:defRPr>
+                <a:solidFill>
+                  <a:schemeClr val="bg1"/>
+                </a:solidFill>
+                <a:latin typeface="Arial" charset="0"/>
+                <a:ea typeface="Microsoft YaHei" charset="-122"/>
+              </a:defRPr>
+            </a:lvl5pPr>
+            <a:lvl6pPr marL="2514600" indent="-228600" defTabSz="457200" eaLnBrk="0" fontAlgn="base" hangingPunct="0">
+              <a:lnSpc>
+                <a:spcPct val="93000"/>
+              </a:lnSpc>
+              <a:spcBef>
+                <a:spcPct val="0"/>
+              </a:spcBef>
+              <a:spcAft>
+                <a:spcPct val="0"/>
+              </a:spcAft>
+              <a:buClr>
+                <a:srgbClr val="000000"/>
+              </a:buClr>
+              <a:buSzPct val="100000"/>
+              <a:buFont typeface="Times New Roman" pitchFamily="16" charset="0"/>
+              <a:tabLst>
+                <a:tab pos="723900" algn="l"/>
+                <a:tab pos="1447800" algn="l"/>
+                <a:tab pos="2171700" algn="l"/>
+                <a:tab pos="2895600" algn="l"/>
+              </a:tabLst>
+              <a:defRPr>
+                <a:solidFill>
+                  <a:schemeClr val="bg1"/>
+                </a:solidFill>
+                <a:latin typeface="Arial" charset="0"/>
+                <a:ea typeface="Microsoft YaHei" charset="-122"/>
+              </a:defRPr>
+            </a:lvl6pPr>
+            <a:lvl7pPr marL="2971800" indent="-228600" defTabSz="457200" eaLnBrk="0" fontAlgn="base" hangingPunct="0">
+              <a:lnSpc>
+                <a:spcPct val="93000"/>
+              </a:lnSpc>
+              <a:spcBef>
+                <a:spcPct val="0"/>
+              </a:spcBef>
+              <a:spcAft>
+                <a:spcPct val="0"/>
+              </a:spcAft>
+              <a:buClr>
+                <a:srgbClr val="000000"/>
+              </a:buClr>
+              <a:buSzPct val="100000"/>
+              <a:buFont typeface="Times New Roman" pitchFamily="16" charset="0"/>
+              <a:tabLst>
+                <a:tab pos="723900" algn="l"/>
+                <a:tab pos="1447800" algn="l"/>
+                <a:tab pos="2171700" algn="l"/>
+                <a:tab pos="2895600" algn="l"/>
+              </a:tabLst>
+              <a:defRPr>
+                <a:solidFill>
+                  <a:schemeClr val="bg1"/>
+                </a:solidFill>
+                <a:latin typeface="Arial" charset="0"/>
+                <a:ea typeface="Microsoft YaHei" charset="-122"/>
+              </a:defRPr>
+            </a:lvl7pPr>
+            <a:lvl8pPr marL="3429000" indent="-228600" defTabSz="457200" eaLnBrk="0" fontAlgn="base" hangingPunct="0">
+              <a:lnSpc>
+                <a:spcPct val="93000"/>
+              </a:lnSpc>
+              <a:spcBef>
+                <a:spcPct val="0"/>
+              </a:spcBef>
+              <a:spcAft>
+                <a:spcPct val="0"/>
+              </a:spcAft>
+              <a:buClr>
+                <a:srgbClr val="000000"/>
+              </a:buClr>
+              <a:buSzPct val="100000"/>
+              <a:buFont typeface="Times New Roman" pitchFamily="16" charset="0"/>
+              <a:tabLst>
+                <a:tab pos="723900" algn="l"/>
+                <a:tab pos="1447800" algn="l"/>
+                <a:tab pos="2171700" algn="l"/>
+                <a:tab pos="2895600" algn="l"/>
+              </a:tabLst>
+              <a:defRPr>
+                <a:solidFill>
+                  <a:schemeClr val="bg1"/>
+                </a:solidFill>
+                <a:latin typeface="Arial" charset="0"/>
+                <a:ea typeface="Microsoft YaHei" charset="-122"/>
+              </a:defRPr>
+            </a:lvl8pPr>
+            <a:lvl9pPr marL="3886200" indent="-228600" defTabSz="457200" eaLnBrk="0" fontAlgn="base" hangingPunct="0">
+              <a:lnSpc>
+                <a:spcPct val="93000"/>
+              </a:lnSpc>
+              <a:spcBef>
+                <a:spcPct val="0"/>
+              </a:spcBef>
+              <a:spcAft>
+                <a:spcPct val="0"/>
+              </a:spcAft>
+              <a:buClr>
+                <a:srgbClr val="000000"/>
+              </a:buClr>
+              <a:buSzPct val="100000"/>
+              <a:buFont typeface="Times New Roman" pitchFamily="16" charset="0"/>
+              <a:tabLst>
+                <a:tab pos="723900" algn="l"/>
+                <a:tab pos="1447800" algn="l"/>
+                <a:tab pos="2171700" algn="l"/>
+                <a:tab pos="2895600" algn="l"/>
+              </a:tabLst>
+              <a:defRPr>
+                <a:solidFill>
+                  <a:schemeClr val="bg1"/>
+                </a:solidFill>
+                <a:latin typeface="Arial" charset="0"/>
+                <a:ea typeface="Microsoft YaHei" charset="-122"/>
+              </a:defRPr>
+            </a:lvl9pPr>
+          </a:lstStyle>
+          <a:p>
+            <a:pPr eaLnBrk="1"/>
+            <a:fld id="{31E3B3A6-0991-4311-8485-A8B91551DA57}" type="slidenum">
+              <a:rPr lang="en-US" altLang="en-US" smtClean="0">
+                <a:solidFill>
+                  <a:srgbClr val="FFFFFF"/>
+                </a:solidFill>
+                <a:latin typeface="Times New Roman" pitchFamily="16" charset="0"/>
+              </a:rPr>
+              <a:pPr eaLnBrk="1"/>
+              <a:t>24</a:t>
+            </a:fld>
+            <a:endParaRPr lang="en-US" altLang="en-US" smtClean="0">
+              <a:solidFill>
+                <a:srgbClr val="FFFFFF"/>
+              </a:solidFill>
+              <a:latin typeface="Times New Roman" pitchFamily="16" charset="0"/>
+            </a:endParaRPr>
+          </a:p>
+        </p:txBody>
+      </p:sp>
+      <p:sp>
+        <p:nvSpPr>
+          <p:cNvPr id="61443" name="Rectangle 1"/>
+          <p:cNvSpPr>
+            <a:spLocks noGrp="1" noRot="1" noChangeAspect="1" noChangeArrowheads="1" noTextEdit="1"/>
+          </p:cNvSpPr>
+          <p:nvPr>
+            <p:ph type="sldImg"/>
+          </p:nvPr>
+        </p:nvSpPr>
+        <p:spPr>
+          <a:xfrm>
+            <a:off x="1373188" y="763588"/>
+            <a:ext cx="5026025" cy="3771900"/>
+          </a:xfrm>
+          <a:solidFill>
+            <a:srgbClr val="FFFFFF"/>
+          </a:solidFill>
+          <a:ln>
+            <a:solidFill>
+              <a:srgbClr val="000000"/>
+            </a:solidFill>
+            <a:miter lim="800000"/>
+            <a:headEnd/>
+            <a:tailEnd/>
+          </a:ln>
+          <a:extLst>
+            <a:ext uri="{AF507438-7753-43E0-B8FC-AC1667EBCBE1}">
+              <a14:hiddenEffects xmlns="" xmlns:a14="http://schemas.microsoft.com/office/drawing/2010/main">
+                <a:effectLst>
+                  <a:outerShdw dist="35921" dir="2700000" algn="ctr" rotWithShape="0">
+                    <a:srgbClr val="808080"/>
+                  </a:outerShdw>
+                </a:effectLst>
+              </a14:hiddenEffects>
+            </a:ext>
+          </a:extLst>
+        </p:spPr>
+      </p:sp>
+      <p:sp>
+        <p:nvSpPr>
+          <p:cNvPr id="61444" name="Rectangle 2"/>
           <p:cNvSpPr>
             <a:spLocks noGrp="1" noChangeArrowheads="1"/>
           </p:cNvSpPr>
@@ -12195,25 +12563,6 @@
             </a:r>
           </a:p>
           <a:p>
-            <a:r>
-              <a:rPr lang="en-US" sz="3200" dirty="0" smtClean="0">
-                <a:solidFill>
-                  <a:schemeClr val="bg1">
-                    <a:lumMod val="65000"/>
-                  </a:schemeClr>
-                </a:solidFill>
-              </a:rPr>
-              <a:t>Conclusion</a:t>
-            </a:r>
-            <a:endParaRPr lang="en-US" sz="3200" dirty="0">
-              <a:solidFill>
-                <a:schemeClr val="bg1">
-                  <a:lumMod val="65000"/>
-                </a:schemeClr>
-              </a:solidFill>
-            </a:endParaRPr>
-          </a:p>
-          <a:p>
             <a:endParaRPr lang="en-US" sz="4000" dirty="0">
               <a:solidFill>
                 <a:schemeClr val="bg1">
@@ -12445,7 +12794,7 @@
 </p:sld>
 </file>
 
-<file path=ppt/slides/slide2.xml><?xml version="1.0" encoding="utf-8"?>
+<file path=ppt/slides/slide16.xml><?xml version="1.0" encoding="utf-8"?>
 <p:sld xmlns:a="http://schemas.openxmlformats.org/drawingml/2006/main" xmlns:r="http://schemas.openxmlformats.org/officeDocument/2006/relationships" xmlns:p="http://schemas.openxmlformats.org/presentationml/2006/main">
   <p:cSld>
     <p:spTree>
@@ -12464,26 +12813,21 @@
       </p:grpSpPr>
       <p:sp>
         <p:nvSpPr>
-          <p:cNvPr id="2" name="Subtitle 1"/>
+          <p:cNvPr id="2" name="Title 1"/>
           <p:cNvSpPr>
             <a:spLocks noGrp="1"/>
           </p:cNvSpPr>
           <p:nvPr>
-            <p:ph type="subTitle" idx="1"/>
+            <p:ph type="title"/>
           </p:nvPr>
         </p:nvSpPr>
-        <p:spPr>
-          <a:xfrm>
-            <a:off x="1456531" y="971338"/>
-            <a:ext cx="7053104" cy="6591512"/>
-          </a:xfrm>
-        </p:spPr>
+        <p:spPr/>
         <p:txBody>
           <a:bodyPr/>
           <a:lstStyle/>
           <a:p>
             <a:r>
-              <a:rPr lang="en-US" sz="3200" dirty="0" smtClean="0">
+              <a:rPr lang="en-US" dirty="0" smtClean="0">
                 <a:solidFill>
                   <a:schemeClr val="tx1">
                     <a:lumMod val="85000"/>
@@ -12491,9 +12835,9 @@
                   </a:schemeClr>
                 </a:solidFill>
               </a:rPr>
-              <a:t>Group Organization</a:t>
-            </a:r>
-            <a:endParaRPr lang="en-US" sz="3200" dirty="0" smtClean="0">
+              <a:t>Tom Slide</a:t>
+            </a:r>
+            <a:endParaRPr lang="en-US" dirty="0">
               <a:solidFill>
                 <a:schemeClr val="tx1">
                   <a:lumMod val="85000"/>
@@ -12502,6 +12846,210 @@
               </a:solidFill>
             </a:endParaRPr>
           </a:p>
+        </p:txBody>
+      </p:sp>
+      <p:sp>
+        <p:nvSpPr>
+          <p:cNvPr id="3" name="Content Placeholder 2"/>
+          <p:cNvSpPr>
+            <a:spLocks noGrp="1"/>
+          </p:cNvSpPr>
+          <p:nvPr>
+            <p:ph idx="1"/>
+          </p:nvPr>
+        </p:nvSpPr>
+        <p:spPr/>
+        <p:txBody>
+          <a:bodyPr/>
+          <a:lstStyle/>
+          <a:p>
+            <a:endParaRPr lang="en-US"/>
+          </a:p>
+        </p:txBody>
+      </p:sp>
+      <p:sp>
+        <p:nvSpPr>
+          <p:cNvPr id="4" name="Slide Number Placeholder 3"/>
+          <p:cNvSpPr>
+            <a:spLocks noGrp="1"/>
+          </p:cNvSpPr>
+          <p:nvPr>
+            <p:ph type="sldNum" idx="12"/>
+          </p:nvPr>
+        </p:nvSpPr>
+        <p:spPr/>
+        <p:txBody>
+          <a:bodyPr/>
+          <a:lstStyle/>
+          <a:p>
+            <a:pPr>
+              <a:defRPr/>
+            </a:pPr>
+            <a:fld id="{8C6E2802-7AC4-44BB-B0A5-E12803E0614A}" type="slidenum">
+              <a:rPr lang="en-US" altLang="en-US" smtClean="0"/>
+              <a:pPr>
+                <a:defRPr/>
+              </a:pPr>
+              <a:t>16</a:t>
+            </a:fld>
+            <a:endParaRPr lang="en-US" altLang="en-US" dirty="0"/>
+          </a:p>
+        </p:txBody>
+      </p:sp>
+    </p:spTree>
+  </p:cSld>
+  <p:clrMapOvr>
+    <a:masterClrMapping/>
+  </p:clrMapOvr>
+</p:sld>
+</file>
+
+<file path=ppt/slides/slide17.xml><?xml version="1.0" encoding="utf-8"?>
+<p:sld xmlns:a="http://schemas.openxmlformats.org/drawingml/2006/main" xmlns:r="http://schemas.openxmlformats.org/officeDocument/2006/relationships" xmlns:p="http://schemas.openxmlformats.org/presentationml/2006/main">
+  <p:cSld>
+    <p:spTree>
+      <p:nvGrpSpPr>
+        <p:cNvPr id="1" name=""/>
+        <p:cNvGrpSpPr/>
+        <p:nvPr/>
+      </p:nvGrpSpPr>
+      <p:grpSpPr>
+        <a:xfrm>
+          <a:off x="0" y="0"/>
+          <a:ext cx="0" cy="0"/>
+          <a:chOff x="0" y="0"/>
+          <a:chExt cx="0" cy="0"/>
+        </a:xfrm>
+      </p:grpSpPr>
+      <p:sp>
+        <p:nvSpPr>
+          <p:cNvPr id="2" name="Title 1"/>
+          <p:cNvSpPr>
+            <a:spLocks noGrp="1"/>
+          </p:cNvSpPr>
+          <p:nvPr>
+            <p:ph type="title"/>
+          </p:nvPr>
+        </p:nvSpPr>
+        <p:spPr/>
+        <p:txBody>
+          <a:bodyPr/>
+          <a:lstStyle/>
+          <a:p>
+            <a:r>
+              <a:rPr lang="en-US" dirty="0" smtClean="0">
+                <a:solidFill>
+                  <a:schemeClr val="tx1">
+                    <a:lumMod val="85000"/>
+                    <a:lumOff val="15000"/>
+                  </a:schemeClr>
+                </a:solidFill>
+              </a:rPr>
+              <a:t>Here Be Subsystem Slides (Still Have to Make CDH/ADC ones)</a:t>
+            </a:r>
+            <a:endParaRPr lang="en-US" dirty="0">
+              <a:solidFill>
+                <a:schemeClr val="tx1">
+                  <a:lumMod val="85000"/>
+                  <a:lumOff val="15000"/>
+                </a:schemeClr>
+              </a:solidFill>
+            </a:endParaRPr>
+          </a:p>
+        </p:txBody>
+      </p:sp>
+      <p:sp>
+        <p:nvSpPr>
+          <p:cNvPr id="3" name="Content Placeholder 2"/>
+          <p:cNvSpPr>
+            <a:spLocks noGrp="1"/>
+          </p:cNvSpPr>
+          <p:nvPr>
+            <p:ph idx="1"/>
+          </p:nvPr>
+        </p:nvSpPr>
+        <p:spPr/>
+        <p:txBody>
+          <a:bodyPr/>
+          <a:lstStyle/>
+          <a:p>
+            <a:endParaRPr lang="en-US"/>
+          </a:p>
+        </p:txBody>
+      </p:sp>
+      <p:sp>
+        <p:nvSpPr>
+          <p:cNvPr id="4" name="Slide Number Placeholder 3"/>
+          <p:cNvSpPr>
+            <a:spLocks noGrp="1"/>
+          </p:cNvSpPr>
+          <p:nvPr>
+            <p:ph type="sldNum" idx="12"/>
+          </p:nvPr>
+        </p:nvSpPr>
+        <p:spPr/>
+        <p:txBody>
+          <a:bodyPr/>
+          <a:lstStyle/>
+          <a:p>
+            <a:pPr>
+              <a:defRPr/>
+            </a:pPr>
+            <a:fld id="{8C6E2802-7AC4-44BB-B0A5-E12803E0614A}" type="slidenum">
+              <a:rPr lang="en-US" altLang="en-US" smtClean="0"/>
+              <a:pPr>
+                <a:defRPr/>
+              </a:pPr>
+              <a:t>17</a:t>
+            </a:fld>
+            <a:endParaRPr lang="en-US" altLang="en-US" dirty="0"/>
+          </a:p>
+        </p:txBody>
+      </p:sp>
+    </p:spTree>
+  </p:cSld>
+  <p:clrMapOvr>
+    <a:masterClrMapping/>
+  </p:clrMapOvr>
+</p:sld>
+</file>
+
+<file path=ppt/slides/slide18.xml><?xml version="1.0" encoding="utf-8"?>
+<p:sld xmlns:a="http://schemas.openxmlformats.org/drawingml/2006/main" xmlns:r="http://schemas.openxmlformats.org/officeDocument/2006/relationships" xmlns:p="http://schemas.openxmlformats.org/presentationml/2006/main">
+  <p:cSld>
+    <p:spTree>
+      <p:nvGrpSpPr>
+        <p:cNvPr id="1" name=""/>
+        <p:cNvGrpSpPr/>
+        <p:nvPr/>
+      </p:nvGrpSpPr>
+      <p:grpSpPr>
+        <a:xfrm>
+          <a:off x="0" y="0"/>
+          <a:ext cx="0" cy="0"/>
+          <a:chOff x="0" y="0"/>
+          <a:chExt cx="0" cy="0"/>
+        </a:xfrm>
+      </p:grpSpPr>
+      <p:sp>
+        <p:nvSpPr>
+          <p:cNvPr id="2" name="Subtitle 1"/>
+          <p:cNvSpPr>
+            <a:spLocks noGrp="1"/>
+          </p:cNvSpPr>
+          <p:nvPr>
+            <p:ph type="subTitle" idx="1"/>
+          </p:nvPr>
+        </p:nvSpPr>
+        <p:spPr>
+          <a:xfrm>
+            <a:off x="1456531" y="971338"/>
+            <a:ext cx="7053104" cy="6591512"/>
+          </a:xfrm>
+        </p:spPr>
+        <p:txBody>
+          <a:bodyPr/>
+          <a:lstStyle/>
           <a:p>
             <a:r>
               <a:rPr lang="en-US" sz="3200" dirty="0" smtClean="0">
@@ -12511,31 +13059,7 @@
                   </a:schemeClr>
                 </a:solidFill>
               </a:rPr>
-              <a:t>Project Overview</a:t>
-            </a:r>
-          </a:p>
-          <a:p>
-            <a:r>
-              <a:rPr lang="en-US" sz="3200" dirty="0" smtClean="0">
-                <a:solidFill>
-                  <a:schemeClr val="bg1">
-                    <a:lumMod val="65000"/>
-                  </a:schemeClr>
-                </a:solidFill>
-              </a:rPr>
-              <a:t>Mission Success Criteria</a:t>
-            </a:r>
-          </a:p>
-          <a:p>
-            <a:r>
-              <a:rPr lang="en-US" sz="3200" dirty="0" smtClean="0">
-                <a:solidFill>
-                  <a:schemeClr val="bg1">
-                    <a:lumMod val="65000"/>
-                  </a:schemeClr>
-                </a:solidFill>
-              </a:rPr>
-              <a:t>Design Constraints</a:t>
+              <a:t>Group Organization</a:t>
             </a:r>
             <a:endParaRPr lang="en-US" sz="3200" dirty="0" smtClean="0">
               <a:solidFill>
@@ -12554,7 +13078,7 @@
                   </a:schemeClr>
                 </a:solidFill>
               </a:rPr>
-              <a:t>Mission Architecture</a:t>
+              <a:t>Project Overview</a:t>
             </a:r>
           </a:p>
           <a:p>
@@ -12566,51 +13090,64 @@
                   </a:schemeClr>
                 </a:solidFill>
               </a:rPr>
-              <a:t>CONOPS</a:t>
-            </a:r>
-          </a:p>
-          <a:p>
-            <a:r>
-              <a:rPr lang="en-US" sz="3200" dirty="0" smtClean="0">
-                <a:solidFill>
-                  <a:schemeClr val="bg1">
-                    <a:lumMod val="65000"/>
-                  </a:schemeClr>
-                </a:solidFill>
-              </a:rPr>
-              <a:t>Risk Assessment</a:t>
-            </a:r>
-          </a:p>
-          <a:p>
-            <a:r>
-              <a:rPr lang="en-US" sz="3200" dirty="0" smtClean="0">
-                <a:solidFill>
-                  <a:schemeClr val="bg1">
-                    <a:lumMod val="65000"/>
-                  </a:schemeClr>
-                </a:solidFill>
-              </a:rPr>
-              <a:t>Schedule</a:t>
-            </a:r>
-          </a:p>
-          <a:p>
-            <a:r>
-              <a:rPr lang="en-US" sz="3200" dirty="0" smtClean="0">
-                <a:solidFill>
-                  <a:schemeClr val="bg1">
-                    <a:lumMod val="65000"/>
-                  </a:schemeClr>
-                </a:solidFill>
-              </a:rPr>
-              <a:t>Conclusion</a:t>
-            </a:r>
-            <a:endParaRPr lang="en-US" sz="3200" dirty="0">
+              <a:t>Design Constraints</a:t>
+            </a:r>
+            <a:endParaRPr lang="en-US" sz="3200" dirty="0" smtClean="0">
               <a:solidFill>
                 <a:schemeClr val="bg1">
                   <a:lumMod val="65000"/>
                 </a:schemeClr>
               </a:solidFill>
             </a:endParaRPr>
+          </a:p>
+          <a:p>
+            <a:r>
+              <a:rPr lang="en-US" sz="3200" dirty="0" smtClean="0">
+                <a:solidFill>
+                  <a:schemeClr val="bg1">
+                    <a:lumMod val="65000"/>
+                  </a:schemeClr>
+                </a:solidFill>
+              </a:rPr>
+              <a:t>Mission Architecture</a:t>
+            </a:r>
+          </a:p>
+          <a:p>
+            <a:r>
+              <a:rPr lang="en-US" sz="3200" dirty="0" smtClean="0">
+                <a:solidFill>
+                  <a:schemeClr val="tx1">
+                    <a:lumMod val="85000"/>
+                    <a:lumOff val="15000"/>
+                  </a:schemeClr>
+                </a:solidFill>
+              </a:rPr>
+              <a:t>CONOPS</a:t>
+            </a:r>
+          </a:p>
+          <a:p>
+            <a:r>
+              <a:rPr lang="en-US" sz="3200" dirty="0" smtClean="0">
+                <a:solidFill>
+                  <a:schemeClr val="bg1">
+                    <a:lumMod val="65000"/>
+                  </a:schemeClr>
+                </a:solidFill>
+              </a:rPr>
+              <a:t>Risk Assessment</a:t>
+            </a:r>
+          </a:p>
+          <a:p>
+            <a:r>
+              <a:rPr lang="en-US" sz="3200" dirty="0" smtClean="0">
+                <a:solidFill>
+                  <a:schemeClr val="bg1">
+                    <a:lumMod val="65000"/>
+                  </a:schemeClr>
+                </a:solidFill>
+              </a:rPr>
+              <a:t>Schedule</a:t>
+            </a:r>
           </a:p>
           <a:p>
             <a:endParaRPr lang="en-US" sz="4000" dirty="0">
@@ -12654,6 +13191,1844 @@
     <p:tnLst>
       <p:par>
         <p:cTn id="1" dur="indefinite" restart="never" nodeType="tmRoot"/>
+      </p:par>
+    </p:tnLst>
+  </p:timing>
+</p:sld>
+</file>
+
+<file path=ppt/slides/slide19.xml><?xml version="1.0" encoding="utf-8"?>
+<p:sld xmlns:a="http://schemas.openxmlformats.org/drawingml/2006/main" xmlns:r="http://schemas.openxmlformats.org/officeDocument/2006/relationships" xmlns:p="http://schemas.openxmlformats.org/presentationml/2006/main">
+  <p:cSld>
+    <p:spTree>
+      <p:nvGrpSpPr>
+        <p:cNvPr id="1" name=""/>
+        <p:cNvGrpSpPr/>
+        <p:nvPr/>
+      </p:nvGrpSpPr>
+      <p:grpSpPr>
+        <a:xfrm>
+          <a:off x="0" y="0"/>
+          <a:ext cx="0" cy="0"/>
+          <a:chOff x="0" y="0"/>
+          <a:chExt cx="0" cy="0"/>
+        </a:xfrm>
+      </p:grpSpPr>
+      <p:sp>
+        <p:nvSpPr>
+          <p:cNvPr id="2" name="Title 1"/>
+          <p:cNvSpPr>
+            <a:spLocks noGrp="1"/>
+          </p:cNvSpPr>
+          <p:nvPr>
+            <p:ph type="title"/>
+          </p:nvPr>
+        </p:nvSpPr>
+        <p:spPr/>
+        <p:txBody>
+          <a:bodyPr/>
+          <a:lstStyle/>
+          <a:p>
+            <a:r>
+              <a:rPr lang="en-US" dirty="0" smtClean="0">
+                <a:solidFill>
+                  <a:schemeClr val="tx1">
+                    <a:lumMod val="85000"/>
+                    <a:lumOff val="15000"/>
+                  </a:schemeClr>
+                </a:solidFill>
+              </a:rPr>
+              <a:t>Here be CONOPS</a:t>
+            </a:r>
+            <a:endParaRPr lang="en-US" dirty="0">
+              <a:solidFill>
+                <a:schemeClr val="tx1">
+                  <a:lumMod val="85000"/>
+                  <a:lumOff val="15000"/>
+                </a:schemeClr>
+              </a:solidFill>
+            </a:endParaRPr>
+          </a:p>
+        </p:txBody>
+      </p:sp>
+      <p:sp>
+        <p:nvSpPr>
+          <p:cNvPr id="3" name="Content Placeholder 2"/>
+          <p:cNvSpPr>
+            <a:spLocks noGrp="1"/>
+          </p:cNvSpPr>
+          <p:nvPr>
+            <p:ph idx="1"/>
+          </p:nvPr>
+        </p:nvSpPr>
+        <p:spPr/>
+        <p:txBody>
+          <a:bodyPr/>
+          <a:lstStyle/>
+          <a:p>
+            <a:endParaRPr lang="en-US"/>
+          </a:p>
+        </p:txBody>
+      </p:sp>
+      <p:sp>
+        <p:nvSpPr>
+          <p:cNvPr id="4" name="Slide Number Placeholder 3"/>
+          <p:cNvSpPr>
+            <a:spLocks noGrp="1"/>
+          </p:cNvSpPr>
+          <p:nvPr>
+            <p:ph type="sldNum" idx="12"/>
+          </p:nvPr>
+        </p:nvSpPr>
+        <p:spPr/>
+        <p:txBody>
+          <a:bodyPr/>
+          <a:lstStyle/>
+          <a:p>
+            <a:pPr>
+              <a:defRPr/>
+            </a:pPr>
+            <a:fld id="{8C6E2802-7AC4-44BB-B0A5-E12803E0614A}" type="slidenum">
+              <a:rPr lang="en-US" altLang="en-US" smtClean="0"/>
+              <a:pPr>
+                <a:defRPr/>
+              </a:pPr>
+              <a:t>19</a:t>
+            </a:fld>
+            <a:endParaRPr lang="en-US" altLang="en-US" dirty="0"/>
+          </a:p>
+        </p:txBody>
+      </p:sp>
+    </p:spTree>
+  </p:cSld>
+  <p:clrMapOvr>
+    <a:masterClrMapping/>
+  </p:clrMapOvr>
+</p:sld>
+</file>
+
+<file path=ppt/slides/slide2.xml><?xml version="1.0" encoding="utf-8"?>
+<p:sld xmlns:a="http://schemas.openxmlformats.org/drawingml/2006/main" xmlns:r="http://schemas.openxmlformats.org/officeDocument/2006/relationships" xmlns:p="http://schemas.openxmlformats.org/presentationml/2006/main">
+  <p:cSld>
+    <p:spTree>
+      <p:nvGrpSpPr>
+        <p:cNvPr id="1" name=""/>
+        <p:cNvGrpSpPr/>
+        <p:nvPr/>
+      </p:nvGrpSpPr>
+      <p:grpSpPr>
+        <a:xfrm>
+          <a:off x="0" y="0"/>
+          <a:ext cx="0" cy="0"/>
+          <a:chOff x="0" y="0"/>
+          <a:chExt cx="0" cy="0"/>
+        </a:xfrm>
+      </p:grpSpPr>
+      <p:sp>
+        <p:nvSpPr>
+          <p:cNvPr id="2" name="Subtitle 1"/>
+          <p:cNvSpPr>
+            <a:spLocks noGrp="1"/>
+          </p:cNvSpPr>
+          <p:nvPr>
+            <p:ph type="subTitle" idx="1"/>
+          </p:nvPr>
+        </p:nvSpPr>
+        <p:spPr>
+          <a:xfrm>
+            <a:off x="1456531" y="971338"/>
+            <a:ext cx="7053104" cy="6591512"/>
+          </a:xfrm>
+        </p:spPr>
+        <p:txBody>
+          <a:bodyPr/>
+          <a:lstStyle/>
+          <a:p>
+            <a:r>
+              <a:rPr lang="en-US" sz="3200" dirty="0" smtClean="0">
+                <a:solidFill>
+                  <a:schemeClr val="tx1">
+                    <a:lumMod val="85000"/>
+                    <a:lumOff val="15000"/>
+                  </a:schemeClr>
+                </a:solidFill>
+              </a:rPr>
+              <a:t>Group Organization</a:t>
+            </a:r>
+            <a:endParaRPr lang="en-US" sz="3200" dirty="0" smtClean="0">
+              <a:solidFill>
+                <a:schemeClr val="tx1">
+                  <a:lumMod val="85000"/>
+                  <a:lumOff val="15000"/>
+                </a:schemeClr>
+              </a:solidFill>
+            </a:endParaRPr>
+          </a:p>
+          <a:p>
+            <a:r>
+              <a:rPr lang="en-US" sz="3200" dirty="0" smtClean="0">
+                <a:solidFill>
+                  <a:schemeClr val="bg1">
+                    <a:lumMod val="65000"/>
+                  </a:schemeClr>
+                </a:solidFill>
+              </a:rPr>
+              <a:t>Project Overview</a:t>
+            </a:r>
+          </a:p>
+          <a:p>
+            <a:r>
+              <a:rPr lang="en-US" sz="3200" dirty="0" smtClean="0">
+                <a:solidFill>
+                  <a:schemeClr val="bg1">
+                    <a:lumMod val="65000"/>
+                  </a:schemeClr>
+                </a:solidFill>
+              </a:rPr>
+              <a:t>Mission Success Criteria</a:t>
+            </a:r>
+          </a:p>
+          <a:p>
+            <a:r>
+              <a:rPr lang="en-US" sz="3200" dirty="0" smtClean="0">
+                <a:solidFill>
+                  <a:schemeClr val="bg1">
+                    <a:lumMod val="65000"/>
+                  </a:schemeClr>
+                </a:solidFill>
+              </a:rPr>
+              <a:t>Design Constraints</a:t>
+            </a:r>
+            <a:endParaRPr lang="en-US" sz="3200" dirty="0" smtClean="0">
+              <a:solidFill>
+                <a:schemeClr val="bg1">
+                  <a:lumMod val="65000"/>
+                </a:schemeClr>
+              </a:solidFill>
+            </a:endParaRPr>
+          </a:p>
+          <a:p>
+            <a:r>
+              <a:rPr lang="en-US" sz="3200" dirty="0" smtClean="0">
+                <a:solidFill>
+                  <a:schemeClr val="bg1">
+                    <a:lumMod val="65000"/>
+                  </a:schemeClr>
+                </a:solidFill>
+              </a:rPr>
+              <a:t>Mission Architecture</a:t>
+            </a:r>
+          </a:p>
+          <a:p>
+            <a:r>
+              <a:rPr lang="en-US" sz="3200" dirty="0" smtClean="0">
+                <a:solidFill>
+                  <a:schemeClr val="bg1">
+                    <a:lumMod val="65000"/>
+                  </a:schemeClr>
+                </a:solidFill>
+              </a:rPr>
+              <a:t>CONOPS</a:t>
+            </a:r>
+          </a:p>
+          <a:p>
+            <a:r>
+              <a:rPr lang="en-US" sz="3200" dirty="0" smtClean="0">
+                <a:solidFill>
+                  <a:schemeClr val="bg1">
+                    <a:lumMod val="65000"/>
+                  </a:schemeClr>
+                </a:solidFill>
+              </a:rPr>
+              <a:t>Risk Assessment</a:t>
+            </a:r>
+          </a:p>
+          <a:p>
+            <a:r>
+              <a:rPr lang="en-US" sz="3200" dirty="0" smtClean="0">
+                <a:solidFill>
+                  <a:schemeClr val="bg1">
+                    <a:lumMod val="65000"/>
+                  </a:schemeClr>
+                </a:solidFill>
+              </a:rPr>
+              <a:t>Schedule</a:t>
+            </a:r>
+          </a:p>
+          <a:p>
+            <a:endParaRPr lang="en-US" sz="4000" dirty="0">
+              <a:solidFill>
+                <a:schemeClr val="bg1">
+                  <a:lumMod val="65000"/>
+                </a:schemeClr>
+              </a:solidFill>
+            </a:endParaRPr>
+          </a:p>
+          <a:p>
+            <a:endParaRPr lang="en-US" dirty="0" smtClean="0">
+              <a:solidFill>
+                <a:schemeClr val="bg1">
+                  <a:lumMod val="65000"/>
+                </a:schemeClr>
+              </a:solidFill>
+            </a:endParaRPr>
+          </a:p>
+        </p:txBody>
+      </p:sp>
+    </p:spTree>
+    <p:extLst>
+      <p:ext uri="{BB962C8B-B14F-4D97-AF65-F5344CB8AC3E}">
+        <p14:creationId xmlns:p14="http://schemas.microsoft.com/office/powerpoint/2010/main" xmlns="" val="1899034955"/>
+      </p:ext>
+    </p:extLst>
+  </p:cSld>
+  <p:clrMapOvr>
+    <a:masterClrMapping/>
+  </p:clrMapOvr>
+  <mc:AlternateContent xmlns:mc="http://schemas.openxmlformats.org/markup-compatibility/2006">
+    <mc:Choice xmlns:p14="http://schemas.microsoft.com/office/powerpoint/2010/main" xmlns="" Requires="p14">
+      <p:transition spd="slow" p14:dur="2000" advTm="1111"/>
+    </mc:Choice>
+    <mc:Fallback>
+      <p:transition spd="slow" advTm="1111"/>
+    </mc:Fallback>
+  </mc:AlternateContent>
+  <p:timing>
+    <p:tnLst>
+      <p:par>
+        <p:cTn id="1" dur="indefinite" restart="never" nodeType="tmRoot"/>
+      </p:par>
+    </p:tnLst>
+  </p:timing>
+</p:sld>
+</file>
+
+<file path=ppt/slides/slide20.xml><?xml version="1.0" encoding="utf-8"?>
+<p:sld xmlns:a="http://schemas.openxmlformats.org/drawingml/2006/main" xmlns:r="http://schemas.openxmlformats.org/officeDocument/2006/relationships" xmlns:p="http://schemas.openxmlformats.org/presentationml/2006/main">
+  <p:cSld>
+    <p:spTree>
+      <p:nvGrpSpPr>
+        <p:cNvPr id="1" name=""/>
+        <p:cNvGrpSpPr/>
+        <p:nvPr/>
+      </p:nvGrpSpPr>
+      <p:grpSpPr>
+        <a:xfrm>
+          <a:off x="0" y="0"/>
+          <a:ext cx="0" cy="0"/>
+          <a:chOff x="0" y="0"/>
+          <a:chExt cx="0" cy="0"/>
+        </a:xfrm>
+      </p:grpSpPr>
+      <p:sp>
+        <p:nvSpPr>
+          <p:cNvPr id="2" name="Subtitle 1"/>
+          <p:cNvSpPr>
+            <a:spLocks noGrp="1"/>
+          </p:cNvSpPr>
+          <p:nvPr>
+            <p:ph type="subTitle" idx="1"/>
+          </p:nvPr>
+        </p:nvSpPr>
+        <p:spPr>
+          <a:xfrm>
+            <a:off x="1456531" y="971338"/>
+            <a:ext cx="7053104" cy="6591512"/>
+          </a:xfrm>
+        </p:spPr>
+        <p:txBody>
+          <a:bodyPr/>
+          <a:lstStyle/>
+          <a:p>
+            <a:r>
+              <a:rPr lang="en-US" sz="3200" dirty="0" smtClean="0">
+                <a:solidFill>
+                  <a:schemeClr val="bg1">
+                    <a:lumMod val="65000"/>
+                  </a:schemeClr>
+                </a:solidFill>
+              </a:rPr>
+              <a:t>Group Organization</a:t>
+            </a:r>
+            <a:endParaRPr lang="en-US" sz="3200" dirty="0" smtClean="0">
+              <a:solidFill>
+                <a:schemeClr val="bg1">
+                  <a:lumMod val="65000"/>
+                </a:schemeClr>
+              </a:solidFill>
+            </a:endParaRPr>
+          </a:p>
+          <a:p>
+            <a:r>
+              <a:rPr lang="en-US" sz="3200" dirty="0" smtClean="0">
+                <a:solidFill>
+                  <a:schemeClr val="bg1">
+                    <a:lumMod val="65000"/>
+                  </a:schemeClr>
+                </a:solidFill>
+              </a:rPr>
+              <a:t>Project Overview</a:t>
+            </a:r>
+          </a:p>
+          <a:p>
+            <a:r>
+              <a:rPr lang="en-US" sz="3200" dirty="0" smtClean="0">
+                <a:solidFill>
+                  <a:schemeClr val="bg1">
+                    <a:lumMod val="65000"/>
+                  </a:schemeClr>
+                </a:solidFill>
+              </a:rPr>
+              <a:t>Design Constraints</a:t>
+            </a:r>
+            <a:endParaRPr lang="en-US" sz="3200" dirty="0" smtClean="0">
+              <a:solidFill>
+                <a:schemeClr val="bg1">
+                  <a:lumMod val="65000"/>
+                </a:schemeClr>
+              </a:solidFill>
+            </a:endParaRPr>
+          </a:p>
+          <a:p>
+            <a:r>
+              <a:rPr lang="en-US" sz="3200" dirty="0" smtClean="0">
+                <a:solidFill>
+                  <a:schemeClr val="bg1">
+                    <a:lumMod val="65000"/>
+                  </a:schemeClr>
+                </a:solidFill>
+              </a:rPr>
+              <a:t>Mission Architecture</a:t>
+            </a:r>
+          </a:p>
+          <a:p>
+            <a:r>
+              <a:rPr lang="en-US" sz="3200" dirty="0" smtClean="0">
+                <a:solidFill>
+                  <a:schemeClr val="bg1">
+                    <a:lumMod val="65000"/>
+                  </a:schemeClr>
+                </a:solidFill>
+              </a:rPr>
+              <a:t>CONOPS</a:t>
+            </a:r>
+          </a:p>
+          <a:p>
+            <a:r>
+              <a:rPr lang="en-US" sz="3200" dirty="0" smtClean="0">
+                <a:solidFill>
+                  <a:schemeClr val="tx1">
+                    <a:lumMod val="85000"/>
+                    <a:lumOff val="15000"/>
+                  </a:schemeClr>
+                </a:solidFill>
+              </a:rPr>
+              <a:t>Risk Assessment</a:t>
+            </a:r>
+          </a:p>
+          <a:p>
+            <a:r>
+              <a:rPr lang="en-US" sz="3200" dirty="0" smtClean="0">
+                <a:solidFill>
+                  <a:schemeClr val="bg1">
+                    <a:lumMod val="65000"/>
+                  </a:schemeClr>
+                </a:solidFill>
+              </a:rPr>
+              <a:t>Schedule</a:t>
+            </a:r>
+          </a:p>
+          <a:p>
+            <a:endParaRPr lang="en-US" sz="4000" dirty="0">
+              <a:solidFill>
+                <a:schemeClr val="bg1">
+                  <a:lumMod val="65000"/>
+                </a:schemeClr>
+              </a:solidFill>
+            </a:endParaRPr>
+          </a:p>
+          <a:p>
+            <a:endParaRPr lang="en-US" dirty="0" smtClean="0">
+              <a:solidFill>
+                <a:schemeClr val="bg1">
+                  <a:lumMod val="65000"/>
+                </a:schemeClr>
+              </a:solidFill>
+            </a:endParaRPr>
+          </a:p>
+        </p:txBody>
+      </p:sp>
+    </p:spTree>
+    <p:extLst>
+      <p:ext uri="{BB962C8B-B14F-4D97-AF65-F5344CB8AC3E}">
+        <p14:creationId xmlns:p14="http://schemas.microsoft.com/office/powerpoint/2010/main" xmlns="" val="1899034955"/>
+      </p:ext>
+    </p:extLst>
+  </p:cSld>
+  <p:clrMapOvr>
+    <a:masterClrMapping/>
+  </p:clrMapOvr>
+  <mc:AlternateContent xmlns:mc="http://schemas.openxmlformats.org/markup-compatibility/2006">
+    <mc:Choice xmlns:p14="http://schemas.microsoft.com/office/powerpoint/2010/main" xmlns="" Requires="p14">
+      <p:transition spd="slow" p14:dur="2000" advTm="1111"/>
+    </mc:Choice>
+    <mc:Fallback>
+      <p:transition spd="slow" advTm="1111"/>
+    </mc:Fallback>
+  </mc:AlternateContent>
+  <p:timing>
+    <p:tnLst>
+      <p:par>
+        <p:cTn id="1" dur="indefinite" restart="never" nodeType="tmRoot"/>
+      </p:par>
+    </p:tnLst>
+  </p:timing>
+</p:sld>
+</file>
+
+<file path=ppt/slides/slide21.xml><?xml version="1.0" encoding="utf-8"?>
+<p:sld xmlns:a="http://schemas.openxmlformats.org/drawingml/2006/main" xmlns:r="http://schemas.openxmlformats.org/officeDocument/2006/relationships" xmlns:p="http://schemas.openxmlformats.org/presentationml/2006/main">
+  <p:cSld>
+    <p:spTree>
+      <p:nvGrpSpPr>
+        <p:cNvPr id="1" name=""/>
+        <p:cNvGrpSpPr/>
+        <p:nvPr/>
+      </p:nvGrpSpPr>
+      <p:grpSpPr>
+        <a:xfrm>
+          <a:off x="0" y="0"/>
+          <a:ext cx="0" cy="0"/>
+          <a:chOff x="0" y="0"/>
+          <a:chExt cx="0" cy="0"/>
+        </a:xfrm>
+      </p:grpSpPr>
+      <p:sp>
+        <p:nvSpPr>
+          <p:cNvPr id="2" name="Title 1"/>
+          <p:cNvSpPr>
+            <a:spLocks noGrp="1"/>
+          </p:cNvSpPr>
+          <p:nvPr>
+            <p:ph type="title"/>
+          </p:nvPr>
+        </p:nvSpPr>
+        <p:spPr/>
+        <p:txBody>
+          <a:bodyPr/>
+          <a:lstStyle/>
+          <a:p>
+            <a:r>
+              <a:rPr lang="en-US" dirty="0" smtClean="0">
+                <a:solidFill>
+                  <a:schemeClr val="tx1">
+                    <a:lumMod val="85000"/>
+                    <a:lumOff val="15000"/>
+                  </a:schemeClr>
+                </a:solidFill>
+              </a:rPr>
+              <a:t>Here be Risk Assessment</a:t>
+            </a:r>
+            <a:endParaRPr lang="en-US" dirty="0">
+              <a:solidFill>
+                <a:schemeClr val="tx1">
+                  <a:lumMod val="85000"/>
+                  <a:lumOff val="15000"/>
+                </a:schemeClr>
+              </a:solidFill>
+            </a:endParaRPr>
+          </a:p>
+        </p:txBody>
+      </p:sp>
+      <p:sp>
+        <p:nvSpPr>
+          <p:cNvPr id="3" name="Content Placeholder 2"/>
+          <p:cNvSpPr>
+            <a:spLocks noGrp="1"/>
+          </p:cNvSpPr>
+          <p:nvPr>
+            <p:ph idx="1"/>
+          </p:nvPr>
+        </p:nvSpPr>
+        <p:spPr/>
+        <p:txBody>
+          <a:bodyPr/>
+          <a:lstStyle/>
+          <a:p>
+            <a:endParaRPr lang="en-US"/>
+          </a:p>
+        </p:txBody>
+      </p:sp>
+      <p:sp>
+        <p:nvSpPr>
+          <p:cNvPr id="4" name="Slide Number Placeholder 3"/>
+          <p:cNvSpPr>
+            <a:spLocks noGrp="1"/>
+          </p:cNvSpPr>
+          <p:nvPr>
+            <p:ph type="sldNum" idx="12"/>
+          </p:nvPr>
+        </p:nvSpPr>
+        <p:spPr/>
+        <p:txBody>
+          <a:bodyPr/>
+          <a:lstStyle/>
+          <a:p>
+            <a:pPr>
+              <a:defRPr/>
+            </a:pPr>
+            <a:fld id="{8C6E2802-7AC4-44BB-B0A5-E12803E0614A}" type="slidenum">
+              <a:rPr lang="en-US" altLang="en-US" smtClean="0"/>
+              <a:pPr>
+                <a:defRPr/>
+              </a:pPr>
+              <a:t>21</a:t>
+            </a:fld>
+            <a:endParaRPr lang="en-US" altLang="en-US" dirty="0"/>
+          </a:p>
+        </p:txBody>
+      </p:sp>
+    </p:spTree>
+  </p:cSld>
+  <p:clrMapOvr>
+    <a:masterClrMapping/>
+  </p:clrMapOvr>
+</p:sld>
+</file>
+
+<file path=ppt/slides/slide22.xml><?xml version="1.0" encoding="utf-8"?>
+<p:sld xmlns:a="http://schemas.openxmlformats.org/drawingml/2006/main" xmlns:r="http://schemas.openxmlformats.org/officeDocument/2006/relationships" xmlns:p="http://schemas.openxmlformats.org/presentationml/2006/main">
+  <p:cSld>
+    <p:spTree>
+      <p:nvGrpSpPr>
+        <p:cNvPr id="1" name=""/>
+        <p:cNvGrpSpPr/>
+        <p:nvPr/>
+      </p:nvGrpSpPr>
+      <p:grpSpPr>
+        <a:xfrm>
+          <a:off x="0" y="0"/>
+          <a:ext cx="0" cy="0"/>
+          <a:chOff x="0" y="0"/>
+          <a:chExt cx="0" cy="0"/>
+        </a:xfrm>
+      </p:grpSpPr>
+      <p:sp>
+        <p:nvSpPr>
+          <p:cNvPr id="2" name="Subtitle 1"/>
+          <p:cNvSpPr>
+            <a:spLocks noGrp="1"/>
+          </p:cNvSpPr>
+          <p:nvPr>
+            <p:ph type="subTitle" idx="1"/>
+          </p:nvPr>
+        </p:nvSpPr>
+        <p:spPr>
+          <a:xfrm>
+            <a:off x="1456531" y="971338"/>
+            <a:ext cx="7053104" cy="6591512"/>
+          </a:xfrm>
+        </p:spPr>
+        <p:txBody>
+          <a:bodyPr/>
+          <a:lstStyle/>
+          <a:p>
+            <a:r>
+              <a:rPr lang="en-US" sz="3200" dirty="0" smtClean="0">
+                <a:solidFill>
+                  <a:schemeClr val="bg1">
+                    <a:lumMod val="65000"/>
+                  </a:schemeClr>
+                </a:solidFill>
+              </a:rPr>
+              <a:t>Group Organization</a:t>
+            </a:r>
+            <a:endParaRPr lang="en-US" sz="3200" dirty="0" smtClean="0">
+              <a:solidFill>
+                <a:schemeClr val="bg1">
+                  <a:lumMod val="65000"/>
+                </a:schemeClr>
+              </a:solidFill>
+            </a:endParaRPr>
+          </a:p>
+          <a:p>
+            <a:r>
+              <a:rPr lang="en-US" sz="3200" dirty="0" smtClean="0">
+                <a:solidFill>
+                  <a:schemeClr val="bg1">
+                    <a:lumMod val="65000"/>
+                  </a:schemeClr>
+                </a:solidFill>
+              </a:rPr>
+              <a:t>Project Overview</a:t>
+            </a:r>
+          </a:p>
+          <a:p>
+            <a:r>
+              <a:rPr lang="en-US" sz="3200" dirty="0" smtClean="0">
+                <a:solidFill>
+                  <a:schemeClr val="bg1">
+                    <a:lumMod val="65000"/>
+                  </a:schemeClr>
+                </a:solidFill>
+              </a:rPr>
+              <a:t>Design Constraints</a:t>
+            </a:r>
+            <a:endParaRPr lang="en-US" sz="3200" dirty="0" smtClean="0">
+              <a:solidFill>
+                <a:schemeClr val="bg1">
+                  <a:lumMod val="65000"/>
+                </a:schemeClr>
+              </a:solidFill>
+            </a:endParaRPr>
+          </a:p>
+          <a:p>
+            <a:r>
+              <a:rPr lang="en-US" sz="3200" dirty="0" smtClean="0">
+                <a:solidFill>
+                  <a:schemeClr val="bg1">
+                    <a:lumMod val="65000"/>
+                  </a:schemeClr>
+                </a:solidFill>
+              </a:rPr>
+              <a:t>Mission Architecture</a:t>
+            </a:r>
+          </a:p>
+          <a:p>
+            <a:r>
+              <a:rPr lang="en-US" sz="3200" dirty="0" smtClean="0">
+                <a:solidFill>
+                  <a:schemeClr val="bg1">
+                    <a:lumMod val="65000"/>
+                  </a:schemeClr>
+                </a:solidFill>
+              </a:rPr>
+              <a:t>CONOPS</a:t>
+            </a:r>
+          </a:p>
+          <a:p>
+            <a:r>
+              <a:rPr lang="en-US" sz="3200" dirty="0" smtClean="0">
+                <a:solidFill>
+                  <a:schemeClr val="bg1">
+                    <a:lumMod val="65000"/>
+                  </a:schemeClr>
+                </a:solidFill>
+              </a:rPr>
+              <a:t>Risk Assessment</a:t>
+            </a:r>
+          </a:p>
+          <a:p>
+            <a:r>
+              <a:rPr lang="en-US" sz="3200" dirty="0" smtClean="0">
+                <a:solidFill>
+                  <a:schemeClr val="tx1"/>
+                </a:solidFill>
+              </a:rPr>
+              <a:t>Schedule</a:t>
+            </a:r>
+          </a:p>
+          <a:p>
+            <a:endParaRPr lang="en-US" sz="4000" dirty="0">
+              <a:solidFill>
+                <a:schemeClr val="bg1">
+                  <a:lumMod val="65000"/>
+                </a:schemeClr>
+              </a:solidFill>
+            </a:endParaRPr>
+          </a:p>
+          <a:p>
+            <a:endParaRPr lang="en-US" dirty="0" smtClean="0">
+              <a:solidFill>
+                <a:schemeClr val="bg1">
+                  <a:lumMod val="65000"/>
+                </a:schemeClr>
+              </a:solidFill>
+            </a:endParaRPr>
+          </a:p>
+        </p:txBody>
+      </p:sp>
+    </p:spTree>
+    <p:extLst>
+      <p:ext uri="{BB962C8B-B14F-4D97-AF65-F5344CB8AC3E}">
+        <p14:creationId xmlns:p14="http://schemas.microsoft.com/office/powerpoint/2010/main" xmlns="" val="1899034955"/>
+      </p:ext>
+    </p:extLst>
+  </p:cSld>
+  <p:clrMapOvr>
+    <a:masterClrMapping/>
+  </p:clrMapOvr>
+  <mc:AlternateContent xmlns:mc="http://schemas.openxmlformats.org/markup-compatibility/2006">
+    <mc:Choice xmlns:p14="http://schemas.microsoft.com/office/powerpoint/2010/main" xmlns="" Requires="p14">
+      <p:transition spd="slow" p14:dur="2000" advTm="1111"/>
+    </mc:Choice>
+    <mc:Fallback>
+      <p:transition spd="slow" advTm="1111"/>
+    </mc:Fallback>
+  </mc:AlternateContent>
+  <p:timing>
+    <p:tnLst>
+      <p:par>
+        <p:cTn id="1" dur="indefinite" restart="never" nodeType="tmRoot"/>
+      </p:par>
+    </p:tnLst>
+  </p:timing>
+</p:sld>
+</file>
+
+<file path=ppt/slides/slide23.xml><?xml version="1.0" encoding="utf-8"?>
+<p:sld xmlns:a="http://schemas.openxmlformats.org/drawingml/2006/main" xmlns:r="http://schemas.openxmlformats.org/officeDocument/2006/relationships" xmlns:p="http://schemas.openxmlformats.org/presentationml/2006/main">
+  <p:cSld>
+    <p:spTree>
+      <p:nvGrpSpPr>
+        <p:cNvPr id="1" name=""/>
+        <p:cNvGrpSpPr/>
+        <p:nvPr/>
+      </p:nvGrpSpPr>
+      <p:grpSpPr>
+        <a:xfrm>
+          <a:off x="0" y="0"/>
+          <a:ext cx="0" cy="0"/>
+          <a:chOff x="0" y="0"/>
+          <a:chExt cx="0" cy="0"/>
+        </a:xfrm>
+      </p:grpSpPr>
+      <p:sp>
+        <p:nvSpPr>
+          <p:cNvPr id="2" name="Title 1"/>
+          <p:cNvSpPr>
+            <a:spLocks noGrp="1"/>
+          </p:cNvSpPr>
+          <p:nvPr>
+            <p:ph type="title"/>
+          </p:nvPr>
+        </p:nvSpPr>
+        <p:spPr/>
+        <p:txBody>
+          <a:bodyPr/>
+          <a:lstStyle/>
+          <a:p>
+            <a:r>
+              <a:rPr lang="en-US" dirty="0" smtClean="0">
+                <a:solidFill>
+                  <a:schemeClr val="tx1">
+                    <a:lumMod val="85000"/>
+                    <a:lumOff val="15000"/>
+                  </a:schemeClr>
+                </a:solidFill>
+              </a:rPr>
+              <a:t>Here be Schedule</a:t>
+            </a:r>
+            <a:endParaRPr lang="en-US" dirty="0">
+              <a:solidFill>
+                <a:schemeClr val="tx1">
+                  <a:lumMod val="85000"/>
+                  <a:lumOff val="15000"/>
+                </a:schemeClr>
+              </a:solidFill>
+            </a:endParaRPr>
+          </a:p>
+        </p:txBody>
+      </p:sp>
+      <p:sp>
+        <p:nvSpPr>
+          <p:cNvPr id="3" name="Content Placeholder 2"/>
+          <p:cNvSpPr>
+            <a:spLocks noGrp="1"/>
+          </p:cNvSpPr>
+          <p:nvPr>
+            <p:ph idx="1"/>
+          </p:nvPr>
+        </p:nvSpPr>
+        <p:spPr/>
+        <p:txBody>
+          <a:bodyPr/>
+          <a:lstStyle/>
+          <a:p>
+            <a:endParaRPr lang="en-US"/>
+          </a:p>
+        </p:txBody>
+      </p:sp>
+      <p:sp>
+        <p:nvSpPr>
+          <p:cNvPr id="4" name="Slide Number Placeholder 3"/>
+          <p:cNvSpPr>
+            <a:spLocks noGrp="1"/>
+          </p:cNvSpPr>
+          <p:nvPr>
+            <p:ph type="sldNum" idx="12"/>
+          </p:nvPr>
+        </p:nvSpPr>
+        <p:spPr/>
+        <p:txBody>
+          <a:bodyPr/>
+          <a:lstStyle/>
+          <a:p>
+            <a:pPr>
+              <a:defRPr/>
+            </a:pPr>
+            <a:fld id="{8C6E2802-7AC4-44BB-B0A5-E12803E0614A}" type="slidenum">
+              <a:rPr lang="en-US" altLang="en-US" smtClean="0"/>
+              <a:pPr>
+                <a:defRPr/>
+              </a:pPr>
+              <a:t>23</a:t>
+            </a:fld>
+            <a:endParaRPr lang="en-US" altLang="en-US" dirty="0"/>
+          </a:p>
+        </p:txBody>
+      </p:sp>
+    </p:spTree>
+  </p:cSld>
+  <p:clrMapOvr>
+    <a:masterClrMapping/>
+  </p:clrMapOvr>
+</p:sld>
+</file>
+
+<file path=ppt/slides/slide24.xml><?xml version="1.0" encoding="utf-8"?>
+<p:sld xmlns:a="http://schemas.openxmlformats.org/drawingml/2006/main" xmlns:r="http://schemas.openxmlformats.org/officeDocument/2006/relationships" xmlns:p="http://schemas.openxmlformats.org/presentationml/2006/main">
+  <p:cSld>
+    <p:spTree>
+      <p:nvGrpSpPr>
+        <p:cNvPr id="1" name=""/>
+        <p:cNvGrpSpPr/>
+        <p:nvPr/>
+      </p:nvGrpSpPr>
+      <p:grpSpPr>
+        <a:xfrm>
+          <a:off x="0" y="0"/>
+          <a:ext cx="0" cy="0"/>
+          <a:chOff x="0" y="0"/>
+          <a:chExt cx="0" cy="0"/>
+        </a:xfrm>
+      </p:grpSpPr>
+      <p:pic>
+        <p:nvPicPr>
+          <p:cNvPr id="7170" name="Picture 1"/>
+          <p:cNvPicPr>
+            <a:picLocks noChangeAspect="1" noChangeArrowheads="1"/>
+          </p:cNvPicPr>
+          <p:nvPr/>
+        </p:nvPicPr>
+        <p:blipFill>
+          <a:blip r:embed="rId3" cstate="print">
+            <a:extLst>
+              <a:ext uri="{28A0092B-C50C-407E-A947-70E740481C1C}">
+                <a14:useLocalDpi xmlns="" xmlns:a14="http://schemas.microsoft.com/office/drawing/2010/main" val="0"/>
+              </a:ext>
+            </a:extLst>
+          </a:blip>
+          <a:srcRect/>
+          <a:stretch>
+            <a:fillRect/>
+          </a:stretch>
+        </p:blipFill>
+        <p:spPr bwMode="auto">
+          <a:xfrm>
+            <a:off x="7552531" y="352425"/>
+            <a:ext cx="2523332" cy="2333313"/>
+          </a:xfrm>
+          <a:prstGeom prst="rect">
+            <a:avLst/>
+          </a:prstGeom>
+          <a:noFill/>
+          <a:ln>
+            <a:noFill/>
+          </a:ln>
+          <a:effectLst/>
+          <a:extLst>
+            <a:ext uri="{909E8E84-426E-40DD-AFC4-6F175D3DCCD1}">
+              <a14:hiddenFill xmlns="" xmlns:a14="http://schemas.microsoft.com/office/drawing/2010/main">
+                <a:blipFill dpi="0" rotWithShape="0">
+                  <a:blip/>
+                  <a:srcRect/>
+                  <a:stretch>
+                    <a:fillRect/>
+                  </a:stretch>
+                </a:blipFill>
+              </a14:hiddenFill>
+            </a:ext>
+            <a:ext uri="{91240B29-F687-4F45-9708-019B960494DF}">
+              <a14:hiddenLine xmlns="" xmlns:a14="http://schemas.microsoft.com/office/drawing/2010/main" w="9525">
+                <a:solidFill>
+                  <a:srgbClr val="808080"/>
+                </a:solidFill>
+                <a:round/>
+                <a:headEnd/>
+                <a:tailEnd/>
+              </a14:hiddenLine>
+            </a:ext>
+            <a:ext uri="{AF507438-7753-43E0-B8FC-AC1667EBCBE1}">
+              <a14:hiddenEffects xmlns="" xmlns:a14="http://schemas.microsoft.com/office/drawing/2010/main">
+                <a:effectLst>
+                  <a:outerShdw dist="35921" dir="2700000" algn="ctr" rotWithShape="0">
+                    <a:srgbClr val="808080"/>
+                  </a:outerShdw>
+                </a:effectLst>
+              </a14:hiddenEffects>
+            </a:ext>
+          </a:extLst>
+        </p:spPr>
+      </p:pic>
+      <p:sp>
+        <p:nvSpPr>
+          <p:cNvPr id="7171" name="Text Box 2"/>
+          <p:cNvSpPr txBox="1">
+            <a:spLocks noChangeArrowheads="1"/>
+          </p:cNvSpPr>
+          <p:nvPr/>
+        </p:nvSpPr>
+        <p:spPr bwMode="auto">
+          <a:xfrm>
+            <a:off x="1913731" y="1647825"/>
+            <a:ext cx="6281737" cy="4930775"/>
+          </a:xfrm>
+          <a:prstGeom prst="rect">
+            <a:avLst/>
+          </a:prstGeom>
+          <a:noFill/>
+          <a:ln>
+            <a:noFill/>
+          </a:ln>
+          <a:effectLst/>
+          <a:extLst>
+            <a:ext uri="{909E8E84-426E-40DD-AFC4-6F175D3DCCD1}">
+              <a14:hiddenFill xmlns="" xmlns:a14="http://schemas.microsoft.com/office/drawing/2010/main">
+                <a:solidFill>
+                  <a:srgbClr val="FFFFFF"/>
+                </a:solidFill>
+              </a14:hiddenFill>
+            </a:ext>
+            <a:ext uri="{91240B29-F687-4F45-9708-019B960494DF}">
+              <a14:hiddenLine xmlns="" xmlns:a14="http://schemas.microsoft.com/office/drawing/2010/main" w="9525">
+                <a:solidFill>
+                  <a:srgbClr val="808080"/>
+                </a:solidFill>
+                <a:round/>
+                <a:headEnd/>
+                <a:tailEnd/>
+              </a14:hiddenLine>
+            </a:ext>
+            <a:ext uri="{AF507438-7753-43E0-B8FC-AC1667EBCBE1}">
+              <a14:hiddenEffects xmlns="" xmlns:a14="http://schemas.microsoft.com/office/drawing/2010/main">
+                <a:effectLst>
+                  <a:outerShdw dist="35921" dir="2700000" algn="ctr" rotWithShape="0">
+                    <a:srgbClr val="808080"/>
+                  </a:outerShdw>
+                </a:effectLst>
+              </a14:hiddenEffects>
+            </a:ext>
+          </a:extLst>
+        </p:spPr>
+        <p:txBody>
+          <a:bodyPr lIns="0" tIns="28080" rIns="0" bIns="0" anchor="ctr"/>
+          <a:lstStyle>
+            <a:lvl1pPr eaLnBrk="0">
+              <a:tabLst>
+                <a:tab pos="0" algn="l"/>
+                <a:tab pos="457200" algn="l"/>
+                <a:tab pos="914400" algn="l"/>
+                <a:tab pos="1371600" algn="l"/>
+                <a:tab pos="1828800" algn="l"/>
+                <a:tab pos="2286000" algn="l"/>
+                <a:tab pos="2743200" algn="l"/>
+                <a:tab pos="3200400" algn="l"/>
+                <a:tab pos="3657600" algn="l"/>
+                <a:tab pos="4114800" algn="l"/>
+                <a:tab pos="4572000" algn="l"/>
+                <a:tab pos="5029200" algn="l"/>
+                <a:tab pos="5486400" algn="l"/>
+                <a:tab pos="5943600" algn="l"/>
+                <a:tab pos="6400800" algn="l"/>
+                <a:tab pos="6858000" algn="l"/>
+                <a:tab pos="7315200" algn="l"/>
+                <a:tab pos="7772400" algn="l"/>
+                <a:tab pos="8229600" algn="l"/>
+                <a:tab pos="8686800" algn="l"/>
+                <a:tab pos="9144000" algn="l"/>
+              </a:tabLst>
+              <a:defRPr>
+                <a:solidFill>
+                  <a:schemeClr val="bg1"/>
+                </a:solidFill>
+                <a:latin typeface="Arial" charset="0"/>
+                <a:ea typeface="Microsoft YaHei" charset="-122"/>
+              </a:defRPr>
+            </a:lvl1pPr>
+            <a:lvl2pPr eaLnBrk="0">
+              <a:tabLst>
+                <a:tab pos="0" algn="l"/>
+                <a:tab pos="457200" algn="l"/>
+                <a:tab pos="914400" algn="l"/>
+                <a:tab pos="1371600" algn="l"/>
+                <a:tab pos="1828800" algn="l"/>
+                <a:tab pos="2286000" algn="l"/>
+                <a:tab pos="2743200" algn="l"/>
+                <a:tab pos="3200400" algn="l"/>
+                <a:tab pos="3657600" algn="l"/>
+                <a:tab pos="4114800" algn="l"/>
+                <a:tab pos="4572000" algn="l"/>
+                <a:tab pos="5029200" algn="l"/>
+                <a:tab pos="5486400" algn="l"/>
+                <a:tab pos="5943600" algn="l"/>
+                <a:tab pos="6400800" algn="l"/>
+                <a:tab pos="6858000" algn="l"/>
+                <a:tab pos="7315200" algn="l"/>
+                <a:tab pos="7772400" algn="l"/>
+                <a:tab pos="8229600" algn="l"/>
+                <a:tab pos="8686800" algn="l"/>
+                <a:tab pos="9144000" algn="l"/>
+              </a:tabLst>
+              <a:defRPr>
+                <a:solidFill>
+                  <a:schemeClr val="bg1"/>
+                </a:solidFill>
+                <a:latin typeface="Arial" charset="0"/>
+                <a:ea typeface="Microsoft YaHei" charset="-122"/>
+              </a:defRPr>
+            </a:lvl2pPr>
+            <a:lvl3pPr eaLnBrk="0">
+              <a:tabLst>
+                <a:tab pos="0" algn="l"/>
+                <a:tab pos="457200" algn="l"/>
+                <a:tab pos="914400" algn="l"/>
+                <a:tab pos="1371600" algn="l"/>
+                <a:tab pos="1828800" algn="l"/>
+                <a:tab pos="2286000" algn="l"/>
+                <a:tab pos="2743200" algn="l"/>
+                <a:tab pos="3200400" algn="l"/>
+                <a:tab pos="3657600" algn="l"/>
+                <a:tab pos="4114800" algn="l"/>
+                <a:tab pos="4572000" algn="l"/>
+                <a:tab pos="5029200" algn="l"/>
+                <a:tab pos="5486400" algn="l"/>
+                <a:tab pos="5943600" algn="l"/>
+                <a:tab pos="6400800" algn="l"/>
+                <a:tab pos="6858000" algn="l"/>
+                <a:tab pos="7315200" algn="l"/>
+                <a:tab pos="7772400" algn="l"/>
+                <a:tab pos="8229600" algn="l"/>
+                <a:tab pos="8686800" algn="l"/>
+                <a:tab pos="9144000" algn="l"/>
+              </a:tabLst>
+              <a:defRPr>
+                <a:solidFill>
+                  <a:schemeClr val="bg1"/>
+                </a:solidFill>
+                <a:latin typeface="Arial" charset="0"/>
+                <a:ea typeface="Microsoft YaHei" charset="-122"/>
+              </a:defRPr>
+            </a:lvl3pPr>
+            <a:lvl4pPr eaLnBrk="0">
+              <a:tabLst>
+                <a:tab pos="0" algn="l"/>
+                <a:tab pos="457200" algn="l"/>
+                <a:tab pos="914400" algn="l"/>
+                <a:tab pos="1371600" algn="l"/>
+                <a:tab pos="1828800" algn="l"/>
+                <a:tab pos="2286000" algn="l"/>
+                <a:tab pos="2743200" algn="l"/>
+                <a:tab pos="3200400" algn="l"/>
+                <a:tab pos="3657600" algn="l"/>
+                <a:tab pos="4114800" algn="l"/>
+                <a:tab pos="4572000" algn="l"/>
+                <a:tab pos="5029200" algn="l"/>
+                <a:tab pos="5486400" algn="l"/>
+                <a:tab pos="5943600" algn="l"/>
+                <a:tab pos="6400800" algn="l"/>
+                <a:tab pos="6858000" algn="l"/>
+                <a:tab pos="7315200" algn="l"/>
+                <a:tab pos="7772400" algn="l"/>
+                <a:tab pos="8229600" algn="l"/>
+                <a:tab pos="8686800" algn="l"/>
+                <a:tab pos="9144000" algn="l"/>
+              </a:tabLst>
+              <a:defRPr>
+                <a:solidFill>
+                  <a:schemeClr val="bg1"/>
+                </a:solidFill>
+                <a:latin typeface="Arial" charset="0"/>
+                <a:ea typeface="Microsoft YaHei" charset="-122"/>
+              </a:defRPr>
+            </a:lvl4pPr>
+            <a:lvl5pPr eaLnBrk="0">
+              <a:tabLst>
+                <a:tab pos="0" algn="l"/>
+                <a:tab pos="457200" algn="l"/>
+                <a:tab pos="914400" algn="l"/>
+                <a:tab pos="1371600" algn="l"/>
+                <a:tab pos="1828800" algn="l"/>
+                <a:tab pos="2286000" algn="l"/>
+                <a:tab pos="2743200" algn="l"/>
+                <a:tab pos="3200400" algn="l"/>
+                <a:tab pos="3657600" algn="l"/>
+                <a:tab pos="4114800" algn="l"/>
+                <a:tab pos="4572000" algn="l"/>
+                <a:tab pos="5029200" algn="l"/>
+                <a:tab pos="5486400" algn="l"/>
+                <a:tab pos="5943600" algn="l"/>
+                <a:tab pos="6400800" algn="l"/>
+                <a:tab pos="6858000" algn="l"/>
+                <a:tab pos="7315200" algn="l"/>
+                <a:tab pos="7772400" algn="l"/>
+                <a:tab pos="8229600" algn="l"/>
+                <a:tab pos="8686800" algn="l"/>
+                <a:tab pos="9144000" algn="l"/>
+              </a:tabLst>
+              <a:defRPr>
+                <a:solidFill>
+                  <a:schemeClr val="bg1"/>
+                </a:solidFill>
+                <a:latin typeface="Arial" charset="0"/>
+                <a:ea typeface="Microsoft YaHei" charset="-122"/>
+              </a:defRPr>
+            </a:lvl5pPr>
+            <a:lvl6pPr marL="2514600" indent="-228600" defTabSz="457200" eaLnBrk="0" fontAlgn="base" hangingPunct="0">
+              <a:lnSpc>
+                <a:spcPct val="93000"/>
+              </a:lnSpc>
+              <a:spcBef>
+                <a:spcPct val="0"/>
+              </a:spcBef>
+              <a:spcAft>
+                <a:spcPct val="0"/>
+              </a:spcAft>
+              <a:buClr>
+                <a:srgbClr val="000000"/>
+              </a:buClr>
+              <a:buSzPct val="100000"/>
+              <a:buFont typeface="Times New Roman" pitchFamily="16" charset="0"/>
+              <a:tabLst>
+                <a:tab pos="0" algn="l"/>
+                <a:tab pos="457200" algn="l"/>
+                <a:tab pos="914400" algn="l"/>
+                <a:tab pos="1371600" algn="l"/>
+                <a:tab pos="1828800" algn="l"/>
+                <a:tab pos="2286000" algn="l"/>
+                <a:tab pos="2743200" algn="l"/>
+                <a:tab pos="3200400" algn="l"/>
+                <a:tab pos="3657600" algn="l"/>
+                <a:tab pos="4114800" algn="l"/>
+                <a:tab pos="4572000" algn="l"/>
+                <a:tab pos="5029200" algn="l"/>
+                <a:tab pos="5486400" algn="l"/>
+                <a:tab pos="5943600" algn="l"/>
+                <a:tab pos="6400800" algn="l"/>
+                <a:tab pos="6858000" algn="l"/>
+                <a:tab pos="7315200" algn="l"/>
+                <a:tab pos="7772400" algn="l"/>
+                <a:tab pos="8229600" algn="l"/>
+                <a:tab pos="8686800" algn="l"/>
+                <a:tab pos="9144000" algn="l"/>
+              </a:tabLst>
+              <a:defRPr>
+                <a:solidFill>
+                  <a:schemeClr val="bg1"/>
+                </a:solidFill>
+                <a:latin typeface="Arial" charset="0"/>
+                <a:ea typeface="Microsoft YaHei" charset="-122"/>
+              </a:defRPr>
+            </a:lvl6pPr>
+            <a:lvl7pPr marL="2971800" indent="-228600" defTabSz="457200" eaLnBrk="0" fontAlgn="base" hangingPunct="0">
+              <a:lnSpc>
+                <a:spcPct val="93000"/>
+              </a:lnSpc>
+              <a:spcBef>
+                <a:spcPct val="0"/>
+              </a:spcBef>
+              <a:spcAft>
+                <a:spcPct val="0"/>
+              </a:spcAft>
+              <a:buClr>
+                <a:srgbClr val="000000"/>
+              </a:buClr>
+              <a:buSzPct val="100000"/>
+              <a:buFont typeface="Times New Roman" pitchFamily="16" charset="0"/>
+              <a:tabLst>
+                <a:tab pos="0" algn="l"/>
+                <a:tab pos="457200" algn="l"/>
+                <a:tab pos="914400" algn="l"/>
+                <a:tab pos="1371600" algn="l"/>
+                <a:tab pos="1828800" algn="l"/>
+                <a:tab pos="2286000" algn="l"/>
+                <a:tab pos="2743200" algn="l"/>
+                <a:tab pos="3200400" algn="l"/>
+                <a:tab pos="3657600" algn="l"/>
+                <a:tab pos="4114800" algn="l"/>
+                <a:tab pos="4572000" algn="l"/>
+                <a:tab pos="5029200" algn="l"/>
+                <a:tab pos="5486400" algn="l"/>
+                <a:tab pos="5943600" algn="l"/>
+                <a:tab pos="6400800" algn="l"/>
+                <a:tab pos="6858000" algn="l"/>
+                <a:tab pos="7315200" algn="l"/>
+                <a:tab pos="7772400" algn="l"/>
+                <a:tab pos="8229600" algn="l"/>
+                <a:tab pos="8686800" algn="l"/>
+                <a:tab pos="9144000" algn="l"/>
+              </a:tabLst>
+              <a:defRPr>
+                <a:solidFill>
+                  <a:schemeClr val="bg1"/>
+                </a:solidFill>
+                <a:latin typeface="Arial" charset="0"/>
+                <a:ea typeface="Microsoft YaHei" charset="-122"/>
+              </a:defRPr>
+            </a:lvl7pPr>
+            <a:lvl8pPr marL="3429000" indent="-228600" defTabSz="457200" eaLnBrk="0" fontAlgn="base" hangingPunct="0">
+              <a:lnSpc>
+                <a:spcPct val="93000"/>
+              </a:lnSpc>
+              <a:spcBef>
+                <a:spcPct val="0"/>
+              </a:spcBef>
+              <a:spcAft>
+                <a:spcPct val="0"/>
+              </a:spcAft>
+              <a:buClr>
+                <a:srgbClr val="000000"/>
+              </a:buClr>
+              <a:buSzPct val="100000"/>
+              <a:buFont typeface="Times New Roman" pitchFamily="16" charset="0"/>
+              <a:tabLst>
+                <a:tab pos="0" algn="l"/>
+                <a:tab pos="457200" algn="l"/>
+                <a:tab pos="914400" algn="l"/>
+                <a:tab pos="1371600" algn="l"/>
+                <a:tab pos="1828800" algn="l"/>
+                <a:tab pos="2286000" algn="l"/>
+                <a:tab pos="2743200" algn="l"/>
+                <a:tab pos="3200400" algn="l"/>
+                <a:tab pos="3657600" algn="l"/>
+                <a:tab pos="4114800" algn="l"/>
+                <a:tab pos="4572000" algn="l"/>
+                <a:tab pos="5029200" algn="l"/>
+                <a:tab pos="5486400" algn="l"/>
+                <a:tab pos="5943600" algn="l"/>
+                <a:tab pos="6400800" algn="l"/>
+                <a:tab pos="6858000" algn="l"/>
+                <a:tab pos="7315200" algn="l"/>
+                <a:tab pos="7772400" algn="l"/>
+                <a:tab pos="8229600" algn="l"/>
+                <a:tab pos="8686800" algn="l"/>
+                <a:tab pos="9144000" algn="l"/>
+              </a:tabLst>
+              <a:defRPr>
+                <a:solidFill>
+                  <a:schemeClr val="bg1"/>
+                </a:solidFill>
+                <a:latin typeface="Arial" charset="0"/>
+                <a:ea typeface="Microsoft YaHei" charset="-122"/>
+              </a:defRPr>
+            </a:lvl8pPr>
+            <a:lvl9pPr marL="3886200" indent="-228600" defTabSz="457200" eaLnBrk="0" fontAlgn="base" hangingPunct="0">
+              <a:lnSpc>
+                <a:spcPct val="93000"/>
+              </a:lnSpc>
+              <a:spcBef>
+                <a:spcPct val="0"/>
+              </a:spcBef>
+              <a:spcAft>
+                <a:spcPct val="0"/>
+              </a:spcAft>
+              <a:buClr>
+                <a:srgbClr val="000000"/>
+              </a:buClr>
+              <a:buSzPct val="100000"/>
+              <a:buFont typeface="Times New Roman" pitchFamily="16" charset="0"/>
+              <a:tabLst>
+                <a:tab pos="0" algn="l"/>
+                <a:tab pos="457200" algn="l"/>
+                <a:tab pos="914400" algn="l"/>
+                <a:tab pos="1371600" algn="l"/>
+                <a:tab pos="1828800" algn="l"/>
+                <a:tab pos="2286000" algn="l"/>
+                <a:tab pos="2743200" algn="l"/>
+                <a:tab pos="3200400" algn="l"/>
+                <a:tab pos="3657600" algn="l"/>
+                <a:tab pos="4114800" algn="l"/>
+                <a:tab pos="4572000" algn="l"/>
+                <a:tab pos="5029200" algn="l"/>
+                <a:tab pos="5486400" algn="l"/>
+                <a:tab pos="5943600" algn="l"/>
+                <a:tab pos="6400800" algn="l"/>
+                <a:tab pos="6858000" algn="l"/>
+                <a:tab pos="7315200" algn="l"/>
+                <a:tab pos="7772400" algn="l"/>
+                <a:tab pos="8229600" algn="l"/>
+                <a:tab pos="8686800" algn="l"/>
+                <a:tab pos="9144000" algn="l"/>
+              </a:tabLst>
+              <a:defRPr>
+                <a:solidFill>
+                  <a:schemeClr val="bg1"/>
+                </a:solidFill>
+                <a:latin typeface="Arial" charset="0"/>
+                <a:ea typeface="Microsoft YaHei" charset="-122"/>
+              </a:defRPr>
+            </a:lvl9pPr>
+          </a:lstStyle>
+          <a:p>
+            <a:pPr algn="ctr" eaLnBrk="1">
+              <a:buClrTx/>
+              <a:buFontTx/>
+              <a:buNone/>
+            </a:pPr>
+            <a:r>
+              <a:rPr lang="en-US" altLang="en-US" sz="2400" b="1" dirty="0" smtClean="0">
+                <a:solidFill>
+                  <a:srgbClr val="000000"/>
+                </a:solidFill>
+              </a:rPr>
+              <a:t>Questions?</a:t>
+            </a:r>
+            <a:endParaRPr lang="en-US" altLang="en-US" sz="2400" dirty="0" smtClean="0">
+              <a:solidFill>
+                <a:srgbClr val="000000"/>
+              </a:solidFill>
+            </a:endParaRPr>
+          </a:p>
+          <a:p>
+            <a:pPr algn="ctr" eaLnBrk="1">
+              <a:buClrTx/>
+              <a:buFontTx/>
+              <a:buNone/>
+            </a:pPr>
+            <a:endParaRPr lang="en-US" altLang="en-US" sz="2400" dirty="0" smtClean="0">
+              <a:solidFill>
+                <a:srgbClr val="000000"/>
+              </a:solidFill>
+            </a:endParaRPr>
+          </a:p>
+          <a:p>
+            <a:pPr algn="ctr" eaLnBrk="1">
+              <a:buClrTx/>
+              <a:buFontTx/>
+              <a:buNone/>
+            </a:pPr>
+            <a:r>
+              <a:rPr lang="en-US" altLang="en-US" dirty="0" smtClean="0">
+                <a:solidFill>
+                  <a:srgbClr val="000000"/>
+                </a:solidFill>
+              </a:rPr>
+              <a:t>Jennifer Babb</a:t>
+            </a:r>
+          </a:p>
+          <a:p>
+            <a:pPr algn="ctr" eaLnBrk="1">
+              <a:buClrTx/>
+              <a:buFontTx/>
+              <a:buNone/>
+            </a:pPr>
+            <a:r>
+              <a:rPr lang="en-US" altLang="en-US" dirty="0" smtClean="0">
+                <a:solidFill>
+                  <a:srgbClr val="000000"/>
+                </a:solidFill>
+              </a:rPr>
+              <a:t>Bryant </a:t>
+            </a:r>
+            <a:r>
+              <a:rPr lang="en-US" altLang="en-US" dirty="0" err="1" smtClean="0">
+                <a:solidFill>
+                  <a:srgbClr val="000000"/>
+                </a:solidFill>
+              </a:rPr>
+              <a:t>Gaume</a:t>
+            </a:r>
+            <a:endParaRPr lang="en-US" altLang="en-US" dirty="0" smtClean="0">
+              <a:solidFill>
+                <a:srgbClr val="000000"/>
+              </a:solidFill>
+            </a:endParaRPr>
+          </a:p>
+          <a:p>
+            <a:pPr algn="ctr" eaLnBrk="1">
+              <a:buClrTx/>
+              <a:buFontTx/>
+              <a:buNone/>
+            </a:pPr>
+            <a:r>
+              <a:rPr lang="en-US" altLang="en-US" dirty="0" smtClean="0">
+                <a:solidFill>
+                  <a:srgbClr val="000000"/>
+                </a:solidFill>
+              </a:rPr>
+              <a:t>Tom Moline</a:t>
+            </a:r>
+          </a:p>
+          <a:p>
+            <a:pPr algn="ctr" eaLnBrk="1">
+              <a:buClrTx/>
+              <a:buFontTx/>
+              <a:buNone/>
+            </a:pPr>
+            <a:r>
+              <a:rPr lang="en-US" altLang="en-US" dirty="0" smtClean="0">
+                <a:solidFill>
+                  <a:srgbClr val="000000"/>
+                </a:solidFill>
+              </a:rPr>
+              <a:t>Tyler Olson</a:t>
+            </a:r>
+          </a:p>
+          <a:p>
+            <a:pPr algn="ctr" eaLnBrk="1">
+              <a:buClrTx/>
+              <a:buFontTx/>
+              <a:buNone/>
+            </a:pPr>
+            <a:r>
+              <a:rPr lang="en-US" altLang="en-US" dirty="0" smtClean="0">
+                <a:solidFill>
+                  <a:srgbClr val="000000"/>
+                </a:solidFill>
+              </a:rPr>
+              <a:t>Nate Richard</a:t>
+            </a:r>
+            <a:endParaRPr lang="en-US" altLang="en-US" dirty="0">
+              <a:solidFill>
+                <a:srgbClr val="000000"/>
+              </a:solidFill>
+            </a:endParaRPr>
+          </a:p>
+          <a:p>
+            <a:pPr algn="ctr" eaLnBrk="1">
+              <a:buClrTx/>
+              <a:buFontTx/>
+              <a:buNone/>
+            </a:pPr>
+            <a:endParaRPr lang="en-US" altLang="en-US" sz="2800" dirty="0">
+              <a:solidFill>
+                <a:srgbClr val="000000"/>
+              </a:solidFill>
+            </a:endParaRPr>
+          </a:p>
+          <a:p>
+            <a:pPr algn="ctr" eaLnBrk="1">
+              <a:buClrTx/>
+              <a:buFontTx/>
+              <a:buNone/>
+            </a:pPr>
+            <a:r>
+              <a:rPr lang="en-US" altLang="en-US" dirty="0" smtClean="0">
+                <a:solidFill>
+                  <a:srgbClr val="000000"/>
+                </a:solidFill>
+              </a:rPr>
+              <a:t>First Semester </a:t>
+            </a:r>
+            <a:r>
+              <a:rPr lang="en-US" altLang="en-US" dirty="0">
+                <a:solidFill>
+                  <a:srgbClr val="000000"/>
+                </a:solidFill>
+              </a:rPr>
+              <a:t>Presentation</a:t>
+            </a:r>
+          </a:p>
+          <a:p>
+            <a:pPr algn="ctr" eaLnBrk="1">
+              <a:buClrTx/>
+              <a:buFontTx/>
+              <a:buNone/>
+            </a:pPr>
+            <a:r>
+              <a:rPr lang="en-US" altLang="en-US" dirty="0" smtClean="0">
+                <a:solidFill>
+                  <a:srgbClr val="000000"/>
+                </a:solidFill>
+              </a:rPr>
+              <a:t>December 3, </a:t>
+            </a:r>
+            <a:r>
+              <a:rPr lang="en-US" altLang="en-US" dirty="0">
+                <a:solidFill>
+                  <a:srgbClr val="000000"/>
+                </a:solidFill>
+              </a:rPr>
+              <a:t>2013</a:t>
+            </a:r>
+          </a:p>
+          <a:p>
+            <a:pPr algn="ctr" eaLnBrk="1">
+              <a:buClrTx/>
+              <a:buFontTx/>
+              <a:buNone/>
+            </a:pPr>
+            <a:endParaRPr lang="en-US" altLang="en-US" dirty="0">
+              <a:solidFill>
+                <a:srgbClr val="FFFFFF"/>
+              </a:solidFill>
+            </a:endParaRPr>
+          </a:p>
+        </p:txBody>
+      </p:sp>
+      <p:pic>
+        <p:nvPicPr>
+          <p:cNvPr id="7172" name="Picture 3"/>
+          <p:cNvPicPr>
+            <a:picLocks noChangeAspect="1" noChangeArrowheads="1"/>
+          </p:cNvPicPr>
+          <p:nvPr/>
+        </p:nvPicPr>
+        <p:blipFill>
+          <a:blip r:embed="rId4" cstate="print">
+            <a:extLst>
+              <a:ext uri="{28A0092B-C50C-407E-A947-70E740481C1C}">
+                <a14:useLocalDpi xmlns="" xmlns:a14="http://schemas.microsoft.com/office/drawing/2010/main" val="0"/>
+              </a:ext>
+            </a:extLst>
+          </a:blip>
+          <a:srcRect/>
+          <a:stretch>
+            <a:fillRect/>
+          </a:stretch>
+        </p:blipFill>
+        <p:spPr bwMode="auto">
+          <a:xfrm>
+            <a:off x="618331" y="4619625"/>
+            <a:ext cx="2593464" cy="2085976"/>
+          </a:xfrm>
+          <a:prstGeom prst="rect">
+            <a:avLst/>
+          </a:prstGeom>
+          <a:noFill/>
+          <a:ln>
+            <a:noFill/>
+          </a:ln>
+          <a:effectLst/>
+          <a:extLst>
+            <a:ext uri="{909E8E84-426E-40DD-AFC4-6F175D3DCCD1}">
+              <a14:hiddenFill xmlns="" xmlns:a14="http://schemas.microsoft.com/office/drawing/2010/main">
+                <a:blipFill dpi="0" rotWithShape="0">
+                  <a:blip/>
+                  <a:srcRect/>
+                  <a:stretch>
+                    <a:fillRect/>
+                  </a:stretch>
+                </a:blipFill>
+              </a14:hiddenFill>
+            </a:ext>
+            <a:ext uri="{91240B29-F687-4F45-9708-019B960494DF}">
+              <a14:hiddenLine xmlns="" xmlns:a14="http://schemas.microsoft.com/office/drawing/2010/main" w="9525">
+                <a:solidFill>
+                  <a:srgbClr val="808080"/>
+                </a:solidFill>
+                <a:round/>
+                <a:headEnd/>
+                <a:tailEnd/>
+              </a14:hiddenLine>
+            </a:ext>
+            <a:ext uri="{AF507438-7753-43E0-B8FC-AC1667EBCBE1}">
+              <a14:hiddenEffects xmlns="" xmlns:a14="http://schemas.microsoft.com/office/drawing/2010/main">
+                <a:effectLst>
+                  <a:outerShdw dist="35921" dir="2700000" algn="ctr" rotWithShape="0">
+                    <a:srgbClr val="808080"/>
+                  </a:outerShdw>
+                </a:effectLst>
+              </a14:hiddenEffects>
+            </a:ext>
+          </a:extLst>
+        </p:spPr>
+      </p:pic>
+      <p:pic>
+        <p:nvPicPr>
+          <p:cNvPr id="7173" name="Picture 4"/>
+          <p:cNvPicPr>
+            <a:picLocks noChangeAspect="1" noChangeArrowheads="1"/>
+          </p:cNvPicPr>
+          <p:nvPr/>
+        </p:nvPicPr>
+        <p:blipFill>
+          <a:blip r:embed="rId5" cstate="print">
+            <a:extLst>
+              <a:ext uri="{28A0092B-C50C-407E-A947-70E740481C1C}">
+                <a14:useLocalDpi xmlns="" xmlns:a14="http://schemas.microsoft.com/office/drawing/2010/main" val="0"/>
+              </a:ext>
+            </a:extLst>
+          </a:blip>
+          <a:srcRect/>
+          <a:stretch>
+            <a:fillRect/>
+          </a:stretch>
+        </p:blipFill>
+        <p:spPr bwMode="auto">
+          <a:xfrm>
+            <a:off x="436563" y="549275"/>
+            <a:ext cx="2081310" cy="2165350"/>
+          </a:xfrm>
+          <a:prstGeom prst="rect">
+            <a:avLst/>
+          </a:prstGeom>
+          <a:noFill/>
+          <a:ln>
+            <a:noFill/>
+          </a:ln>
+          <a:effectLst/>
+          <a:extLst>
+            <a:ext uri="{909E8E84-426E-40DD-AFC4-6F175D3DCCD1}">
+              <a14:hiddenFill xmlns="" xmlns:a14="http://schemas.microsoft.com/office/drawing/2010/main">
+                <a:blipFill dpi="0" rotWithShape="0">
+                  <a:blip/>
+                  <a:srcRect/>
+                  <a:stretch>
+                    <a:fillRect/>
+                  </a:stretch>
+                </a:blipFill>
+              </a14:hiddenFill>
+            </a:ext>
+            <a:ext uri="{91240B29-F687-4F45-9708-019B960494DF}">
+              <a14:hiddenLine xmlns="" xmlns:a14="http://schemas.microsoft.com/office/drawing/2010/main" w="9525">
+                <a:solidFill>
+                  <a:srgbClr val="808080"/>
+                </a:solidFill>
+                <a:round/>
+                <a:headEnd/>
+                <a:tailEnd/>
+              </a14:hiddenLine>
+            </a:ext>
+            <a:ext uri="{AF507438-7753-43E0-B8FC-AC1667EBCBE1}">
+              <a14:hiddenEffects xmlns="" xmlns:a14="http://schemas.microsoft.com/office/drawing/2010/main">
+                <a:effectLst>
+                  <a:outerShdw dist="35921" dir="2700000" algn="ctr" rotWithShape="0">
+                    <a:srgbClr val="808080"/>
+                  </a:outerShdw>
+                </a:effectLst>
+              </a14:hiddenEffects>
+            </a:ext>
+          </a:extLst>
+        </p:spPr>
+      </p:pic>
+      <p:pic>
+        <p:nvPicPr>
+          <p:cNvPr id="7174" name="Picture 5"/>
+          <p:cNvPicPr>
+            <a:picLocks noChangeAspect="1" noChangeArrowheads="1"/>
+          </p:cNvPicPr>
+          <p:nvPr/>
+        </p:nvPicPr>
+        <p:blipFill>
+          <a:blip r:embed="rId6" cstate="print">
+            <a:extLst>
+              <a:ext uri="{28A0092B-C50C-407E-A947-70E740481C1C}">
+                <a14:useLocalDpi xmlns="" xmlns:a14="http://schemas.microsoft.com/office/drawing/2010/main" val="0"/>
+              </a:ext>
+            </a:extLst>
+          </a:blip>
+          <a:srcRect/>
+          <a:stretch>
+            <a:fillRect/>
+          </a:stretch>
+        </p:blipFill>
+        <p:spPr bwMode="auto">
+          <a:xfrm>
+            <a:off x="7323931" y="4615648"/>
+            <a:ext cx="2373312" cy="2404277"/>
+          </a:xfrm>
+          <a:prstGeom prst="rect">
+            <a:avLst/>
+          </a:prstGeom>
+          <a:noFill/>
+          <a:ln>
+            <a:noFill/>
+          </a:ln>
+          <a:effectLst/>
+          <a:extLst>
+            <a:ext uri="{909E8E84-426E-40DD-AFC4-6F175D3DCCD1}">
+              <a14:hiddenFill xmlns="" xmlns:a14="http://schemas.microsoft.com/office/drawing/2010/main">
+                <a:blipFill dpi="0" rotWithShape="0">
+                  <a:blip/>
+                  <a:srcRect/>
+                  <a:stretch>
+                    <a:fillRect/>
+                  </a:stretch>
+                </a:blipFill>
+              </a14:hiddenFill>
+            </a:ext>
+            <a:ext uri="{91240B29-F687-4F45-9708-019B960494DF}">
+              <a14:hiddenLine xmlns="" xmlns:a14="http://schemas.microsoft.com/office/drawing/2010/main" w="9525">
+                <a:solidFill>
+                  <a:srgbClr val="808080"/>
+                </a:solidFill>
+                <a:round/>
+                <a:headEnd/>
+                <a:tailEnd/>
+              </a14:hiddenLine>
+            </a:ext>
+            <a:ext uri="{AF507438-7753-43E0-B8FC-AC1667EBCBE1}">
+              <a14:hiddenEffects xmlns="" xmlns:a14="http://schemas.microsoft.com/office/drawing/2010/main">
+                <a:effectLst>
+                  <a:outerShdw dist="35921" dir="2700000" algn="ctr" rotWithShape="0">
+                    <a:srgbClr val="808080"/>
+                  </a:outerShdw>
+                </a:effectLst>
+              </a14:hiddenEffects>
+            </a:ext>
+          </a:extLst>
+        </p:spPr>
+      </p:pic>
+      <p:sp>
+        <p:nvSpPr>
+          <p:cNvPr id="8" name="Slide Number Placeholder 7"/>
+          <p:cNvSpPr>
+            <a:spLocks noGrp="1"/>
+          </p:cNvSpPr>
+          <p:nvPr>
+            <p:ph type="sldNum" idx="12"/>
+          </p:nvPr>
+        </p:nvSpPr>
+        <p:spPr/>
+        <p:txBody>
+          <a:bodyPr/>
+          <a:lstStyle/>
+          <a:p>
+            <a:pPr>
+              <a:defRPr/>
+            </a:pPr>
+            <a:fld id="{E55F156C-F0B7-45BC-A5A9-F8C99B9FDB7D}" type="slidenum">
+              <a:rPr lang="en-US" altLang="en-US" smtClean="0"/>
+              <a:pPr>
+                <a:defRPr/>
+              </a:pPr>
+              <a:t>24</a:t>
+            </a:fld>
+            <a:endParaRPr lang="en-US" altLang="en-US" dirty="0"/>
+          </a:p>
+        </p:txBody>
+      </p:sp>
+    </p:spTree>
+  </p:cSld>
+  <p:clrMapOvr>
+    <a:masterClrMapping/>
+  </p:clrMapOvr>
+  <p:transition spd="med"/>
+  <p:timing>
+    <p:tnLst>
+      <p:par>
+        <p:cTn id="1" dur="indefinite" restart="never" nodeType="tmRoot">
+          <p:childTnLst>
+            <p:seq concurrent="1" nextAc="seek">
+              <p:cTn id="2" dur="indefinite" nodeType="mainSeq"/>
+              <p:prevCondLst>
+                <p:cond evt="onPrev" delay="0">
+                  <p:tgtEl>
+                    <p:sldTgt/>
+                  </p:tgtEl>
+                </p:cond>
+              </p:prevCondLst>
+              <p:nextCondLst>
+                <p:cond evt="onNext" delay="0">
+                  <p:tgtEl>
+                    <p:sldTgt/>
+                  </p:tgtEl>
+                </p:cond>
+              </p:nextCondLst>
+            </p:seq>
+          </p:childTnLst>
+        </p:cTn>
       </p:par>
     </p:tnLst>
   </p:timing>
@@ -13836,25 +16211,6 @@
             </a:r>
           </a:p>
           <a:p>
-            <a:r>
-              <a:rPr lang="en-US" sz="3200" dirty="0" smtClean="0">
-                <a:solidFill>
-                  <a:schemeClr val="bg1">
-                    <a:lumMod val="65000"/>
-                  </a:schemeClr>
-                </a:solidFill>
-              </a:rPr>
-              <a:t>Conclusion</a:t>
-            </a:r>
-            <a:endParaRPr lang="en-US" sz="3200" dirty="0">
-              <a:solidFill>
-                <a:schemeClr val="bg1">
-                  <a:lumMod val="65000"/>
-                </a:schemeClr>
-              </a:solidFill>
-            </a:endParaRPr>
-          </a:p>
-          <a:p>
             <a:endParaRPr lang="en-US" sz="4000" dirty="0">
               <a:solidFill>
                 <a:schemeClr val="bg1">
@@ -15630,25 +17986,6 @@
               </a:rPr>
               <a:t>Schedule</a:t>
             </a:r>
-          </a:p>
-          <a:p>
-            <a:r>
-              <a:rPr lang="en-US" sz="3200" dirty="0" smtClean="0">
-                <a:solidFill>
-                  <a:schemeClr val="bg1">
-                    <a:lumMod val="65000"/>
-                  </a:schemeClr>
-                </a:solidFill>
-              </a:rPr>
-              <a:t>Conclusion</a:t>
-            </a:r>
-            <a:endParaRPr lang="en-US" sz="3200" dirty="0">
-              <a:solidFill>
-                <a:schemeClr val="bg1">
-                  <a:lumMod val="65000"/>
-                </a:schemeClr>
-              </a:solidFill>
-            </a:endParaRPr>
           </a:p>
           <a:p>
             <a:endParaRPr lang="en-US" sz="4000" dirty="0">

--- a/CMQA/Presentations/First Semester Presentation.pptx
+++ b/CMQA/Presentations/First Semester Presentation.pptx
@@ -6,7 +6,7 @@
     <p:sldMasterId id="2147483649" r:id="rId2"/>
   </p:sldMasterIdLst>
   <p:notesMasterIdLst>
-    <p:notesMasterId r:id="rId27"/>
+    <p:notesMasterId r:id="rId30"/>
   </p:notesMasterIdLst>
   <p:sldIdLst>
     <p:sldId id="256" r:id="rId3"/>
@@ -25,14 +25,17 @@
     <p:sldId id="269" r:id="rId16"/>
     <p:sldId id="270" r:id="rId17"/>
     <p:sldId id="271" r:id="rId18"/>
-    <p:sldId id="272" r:id="rId19"/>
-    <p:sldId id="273" r:id="rId20"/>
-    <p:sldId id="274" r:id="rId21"/>
-    <p:sldId id="275" r:id="rId22"/>
-    <p:sldId id="276" r:id="rId23"/>
-    <p:sldId id="277" r:id="rId24"/>
-    <p:sldId id="278" r:id="rId25"/>
-    <p:sldId id="279" r:id="rId26"/>
+    <p:sldId id="280" r:id="rId19"/>
+    <p:sldId id="281" r:id="rId20"/>
+    <p:sldId id="282" r:id="rId21"/>
+    <p:sldId id="272" r:id="rId22"/>
+    <p:sldId id="273" r:id="rId23"/>
+    <p:sldId id="274" r:id="rId24"/>
+    <p:sldId id="275" r:id="rId25"/>
+    <p:sldId id="276" r:id="rId26"/>
+    <p:sldId id="277" r:id="rId27"/>
+    <p:sldId id="278" r:id="rId28"/>
+    <p:sldId id="279" r:id="rId29"/>
   </p:sldIdLst>
   <p:sldSz cx="10075863" cy="7562850"/>
   <p:notesSz cx="7772400" cy="10058400"/>
@@ -202,6 +205,983 @@
     </a:lvl9pPr>
   </p:defaultTextStyle>
 </p:presentation>
+</file>
+
+<file path=ppt/charts/chart1.xml><?xml version="1.0" encoding="utf-8"?>
+<c:chartSpace xmlns:c="http://schemas.openxmlformats.org/drawingml/2006/chart" xmlns:a="http://schemas.openxmlformats.org/drawingml/2006/main" xmlns:r="http://schemas.openxmlformats.org/officeDocument/2006/relationships">
+  <c:date1904 val="1"/>
+  <c:lang val="en-US"/>
+  <c:chart>
+    <c:plotArea>
+      <c:layout/>
+      <c:scatterChart>
+        <c:scatterStyle val="lineMarker"/>
+        <c:ser>
+          <c:idx val="0"/>
+          <c:order val="0"/>
+          <c:tx>
+            <c:v>Succeeded</c:v>
+          </c:tx>
+          <c:spPr>
+            <a:ln w="28575">
+              <a:noFill/>
+            </a:ln>
+          </c:spPr>
+          <c:xVal>
+            <c:numRef>
+              <c:f>('Launched Mission Data'!$D$2,'Launched Mission Data'!$D$10,'Launched Mission Data'!$D$11,'Launched Mission Data'!$D$12)</c:f>
+              <c:numCache>
+                <c:formatCode>General</c:formatCode>
+                <c:ptCount val="4"/>
+                <c:pt idx="0">
+                  <c:v>1</c:v>
+                </c:pt>
+                <c:pt idx="1">
+                  <c:v>2</c:v>
+                </c:pt>
+                <c:pt idx="2">
+                  <c:v>1</c:v>
+                </c:pt>
+                <c:pt idx="3">
+                  <c:v>3</c:v>
+                </c:pt>
+              </c:numCache>
+            </c:numRef>
+          </c:xVal>
+          <c:yVal>
+            <c:numRef>
+              <c:f>('Launched Mission Data'!$H$2,'Launched Mission Data'!$H$10,'Launched Mission Data'!$H$11,'Launched Mission Data'!$H$12)</c:f>
+              <c:numCache>
+                <c:formatCode>General</c:formatCode>
+                <c:ptCount val="4"/>
+                <c:pt idx="0">
+                  <c:v>80</c:v>
+                </c:pt>
+                <c:pt idx="1">
+                  <c:v>300</c:v>
+                </c:pt>
+                <c:pt idx="2">
+                  <c:v>100</c:v>
+                </c:pt>
+                <c:pt idx="3">
+                  <c:v>30</c:v>
+                </c:pt>
+              </c:numCache>
+            </c:numRef>
+          </c:yVal>
+        </c:ser>
+        <c:ser>
+          <c:idx val="1"/>
+          <c:order val="1"/>
+          <c:tx>
+            <c:v>Failed</c:v>
+          </c:tx>
+          <c:spPr>
+            <a:ln w="28575">
+              <a:noFill/>
+            </a:ln>
+          </c:spPr>
+          <c:xVal>
+            <c:numRef>
+              <c:f>('Launched Mission Data'!$D$4,'Launched Mission Data'!$D$6)</c:f>
+              <c:numCache>
+                <c:formatCode>General</c:formatCode>
+                <c:ptCount val="2"/>
+                <c:pt idx="0">
+                  <c:v>1</c:v>
+                </c:pt>
+                <c:pt idx="1">
+                  <c:v>1</c:v>
+                </c:pt>
+              </c:numCache>
+            </c:numRef>
+          </c:xVal>
+          <c:yVal>
+            <c:numRef>
+              <c:f>('Launched Mission Data'!$H$4,'Launched Mission Data'!$H$6)</c:f>
+              <c:numCache>
+                <c:formatCode>General</c:formatCode>
+                <c:ptCount val="2"/>
+                <c:pt idx="0">
+                  <c:v>95</c:v>
+                </c:pt>
+                <c:pt idx="1">
+                  <c:v>0.05</c:v>
+                </c:pt>
+              </c:numCache>
+            </c:numRef>
+          </c:yVal>
+        </c:ser>
+        <c:ser>
+          <c:idx val="2"/>
+          <c:order val="2"/>
+          <c:tx>
+            <c:v>Rascal</c:v>
+          </c:tx>
+          <c:spPr>
+            <a:ln w="28575">
+              <a:noFill/>
+            </a:ln>
+          </c:spPr>
+          <c:xVal>
+            <c:numRef>
+              <c:f>'Launched Mission Data'!$D$14</c:f>
+              <c:numCache>
+                <c:formatCode>General</c:formatCode>
+                <c:ptCount val="1"/>
+                <c:pt idx="0">
+                  <c:v>2</c:v>
+                </c:pt>
+              </c:numCache>
+            </c:numRef>
+          </c:xVal>
+          <c:yVal>
+            <c:numRef>
+              <c:f>'Launched Mission Data'!$H$14</c:f>
+              <c:numCache>
+                <c:formatCode>General</c:formatCode>
+                <c:ptCount val="1"/>
+                <c:pt idx="0">
+                  <c:v>0.1</c:v>
+                </c:pt>
+              </c:numCache>
+            </c:numRef>
+          </c:yVal>
+        </c:ser>
+        <c:axId val="197344640"/>
+        <c:axId val="199044480"/>
+      </c:scatterChart>
+      <c:valAx>
+        <c:axId val="197344640"/>
+        <c:scaling>
+          <c:orientation val="minMax"/>
+          <c:max val="4"/>
+        </c:scaling>
+        <c:axPos val="b"/>
+        <c:title>
+          <c:tx>
+            <c:rich>
+              <a:bodyPr/>
+              <a:lstStyle/>
+              <a:p>
+                <a:pPr>
+                  <a:defRPr/>
+                </a:pPr>
+                <a:r>
+                  <a:rPr lang="en-US">
+                    <a:latin typeface="Times New Roman" pitchFamily="18" charset="0"/>
+                    <a:cs typeface="Times New Roman" pitchFamily="18" charset="0"/>
+                  </a:rPr>
+                  <a:t>Number of Spacecraft</a:t>
+                </a:r>
+              </a:p>
+            </c:rich>
+          </c:tx>
+          <c:layout/>
+        </c:title>
+        <c:numFmt formatCode="General" sourceLinked="1"/>
+        <c:tickLblPos val="nextTo"/>
+        <c:crossAx val="199044480"/>
+        <c:crosses val="autoZero"/>
+        <c:crossBetween val="midCat"/>
+        <c:majorUnit val="1"/>
+      </c:valAx>
+      <c:valAx>
+        <c:axId val="199044480"/>
+        <c:scaling>
+          <c:orientation val="minMax"/>
+        </c:scaling>
+        <c:axPos val="l"/>
+        <c:title>
+          <c:tx>
+            <c:rich>
+              <a:bodyPr rot="-5400000" vert="horz"/>
+              <a:lstStyle/>
+              <a:p>
+                <a:pPr>
+                  <a:defRPr/>
+                </a:pPr>
+                <a:r>
+                  <a:rPr lang="en-US" b="1">
+                    <a:latin typeface="Times New Roman" pitchFamily="18" charset="0"/>
+                    <a:cs typeface="Times New Roman" pitchFamily="18" charset="0"/>
+                  </a:rPr>
+                  <a:t>Cost </a:t>
+                </a:r>
+                <a:r>
+                  <a:rPr lang="en-US" b="1" baseline="0">
+                    <a:latin typeface="Times New Roman" pitchFamily="18" charset="0"/>
+                    <a:cs typeface="Times New Roman" pitchFamily="18" charset="0"/>
+                  </a:rPr>
+                  <a:t>(lMillions of Dollars)</a:t>
+                </a:r>
+                <a:endParaRPr lang="en-US" b="1">
+                  <a:latin typeface="Times New Roman" pitchFamily="18" charset="0"/>
+                  <a:cs typeface="Times New Roman" pitchFamily="18" charset="0"/>
+                </a:endParaRPr>
+              </a:p>
+            </c:rich>
+          </c:tx>
+          <c:layout/>
+        </c:title>
+        <c:numFmt formatCode="General" sourceLinked="1"/>
+        <c:tickLblPos val="nextTo"/>
+        <c:crossAx val="197344640"/>
+        <c:crosses val="autoZero"/>
+        <c:crossBetween val="midCat"/>
+      </c:valAx>
+    </c:plotArea>
+    <c:legend>
+      <c:legendPos val="r"/>
+      <c:layout>
+        <c:manualLayout>
+          <c:xMode val="edge"/>
+          <c:yMode val="edge"/>
+          <c:x val="0.88907223738528562"/>
+          <c:y val="0.42704973268953667"/>
+          <c:w val="8.6023354500107965E-2"/>
+          <c:h val="0.1027732486640838"/>
+        </c:manualLayout>
+      </c:layout>
+      <c:overlay val="1"/>
+      <c:spPr>
+        <a:ln>
+          <a:solidFill>
+            <a:sysClr val="windowText" lastClr="000000"/>
+          </a:solidFill>
+        </a:ln>
+      </c:spPr>
+      <c:txPr>
+        <a:bodyPr/>
+        <a:lstStyle/>
+        <a:p>
+          <a:pPr>
+            <a:defRPr>
+              <a:latin typeface="Times New Roman" pitchFamily="18" charset="0"/>
+              <a:cs typeface="Times New Roman" pitchFamily="18" charset="0"/>
+            </a:defRPr>
+          </a:pPr>
+          <a:endParaRPr lang="en-US"/>
+        </a:p>
+      </c:txPr>
+    </c:legend>
+    <c:plotVisOnly val="1"/>
+  </c:chart>
+  <c:externalData r:id="rId1"/>
+  <c:userShapes r:id="rId2"/>
+</c:chartSpace>
+</file>
+
+<file path=ppt/drawings/drawing1.xml><?xml version="1.0" encoding="utf-8"?>
+<c:userShapes xmlns:c="http://schemas.openxmlformats.org/drawingml/2006/chart">
+  <cdr:relSizeAnchor xmlns:cdr="http://schemas.openxmlformats.org/drawingml/2006/chartDrawing">
+    <cdr:from>
+      <cdr:x>0.30435</cdr:x>
+      <cdr:y>0.5974</cdr:y>
+    </cdr:from>
+    <cdr:to>
+      <cdr:x>0.43226</cdr:x>
+      <cdr:y>0.654</cdr:y>
+    </cdr:to>
+    <cdr:sp macro="" textlink="">
+      <cdr:nvSpPr>
+        <cdr:cNvPr id="4" name="TextBox 1"/>
+        <cdr:cNvSpPr txBox="1"/>
+      </cdr:nvSpPr>
+      <cdr:spPr>
+        <a:xfrm xmlns:a="http://schemas.openxmlformats.org/drawingml/2006/main">
+          <a:off x="2667000" y="3505200"/>
+          <a:ext cx="1120875" cy="332095"/>
+        </a:xfrm>
+        <a:prstGeom xmlns:a="http://schemas.openxmlformats.org/drawingml/2006/main" prst="rect">
+          <a:avLst/>
+        </a:prstGeom>
+      </cdr:spPr>
+      <cdr:txBody>
+        <a:bodyPr xmlns:a="http://schemas.openxmlformats.org/drawingml/2006/main" wrap="square" rtlCol="0"/>
+        <a:lstStyle xmlns:a="http://schemas.openxmlformats.org/drawingml/2006/main">
+          <a:lvl1pPr marL="0" indent="0">
+            <a:defRPr sz="1100">
+              <a:latin typeface="+mn-lt"/>
+              <a:ea typeface="+mn-ea"/>
+              <a:cs typeface="+mn-cs"/>
+            </a:defRPr>
+          </a:lvl1pPr>
+          <a:lvl2pPr marL="457200" indent="0">
+            <a:defRPr sz="1100">
+              <a:latin typeface="+mn-lt"/>
+              <a:ea typeface="+mn-ea"/>
+              <a:cs typeface="+mn-cs"/>
+            </a:defRPr>
+          </a:lvl2pPr>
+          <a:lvl3pPr marL="914400" indent="0">
+            <a:defRPr sz="1100">
+              <a:latin typeface="+mn-lt"/>
+              <a:ea typeface="+mn-ea"/>
+              <a:cs typeface="+mn-cs"/>
+            </a:defRPr>
+          </a:lvl3pPr>
+          <a:lvl4pPr marL="1371600" indent="0">
+            <a:defRPr sz="1100">
+              <a:latin typeface="+mn-lt"/>
+              <a:ea typeface="+mn-ea"/>
+              <a:cs typeface="+mn-cs"/>
+            </a:defRPr>
+          </a:lvl4pPr>
+          <a:lvl5pPr marL="1828800" indent="0">
+            <a:defRPr sz="1100">
+              <a:latin typeface="+mn-lt"/>
+              <a:ea typeface="+mn-ea"/>
+              <a:cs typeface="+mn-cs"/>
+            </a:defRPr>
+          </a:lvl5pPr>
+          <a:lvl6pPr marL="2286000" indent="0">
+            <a:defRPr sz="1100">
+              <a:latin typeface="+mn-lt"/>
+              <a:ea typeface="+mn-ea"/>
+              <a:cs typeface="+mn-cs"/>
+            </a:defRPr>
+          </a:lvl6pPr>
+          <a:lvl7pPr marL="2743200" indent="0">
+            <a:defRPr sz="1100">
+              <a:latin typeface="+mn-lt"/>
+              <a:ea typeface="+mn-ea"/>
+              <a:cs typeface="+mn-cs"/>
+            </a:defRPr>
+          </a:lvl7pPr>
+          <a:lvl8pPr marL="3200400" indent="0">
+            <a:defRPr sz="1100">
+              <a:latin typeface="+mn-lt"/>
+              <a:ea typeface="+mn-ea"/>
+              <a:cs typeface="+mn-cs"/>
+            </a:defRPr>
+          </a:lvl8pPr>
+          <a:lvl9pPr marL="3657600" indent="0">
+            <a:defRPr sz="1100">
+              <a:latin typeface="+mn-lt"/>
+              <a:ea typeface="+mn-ea"/>
+              <a:cs typeface="+mn-cs"/>
+            </a:defRPr>
+          </a:lvl9pPr>
+        </a:lstStyle>
+        <a:p xmlns:a="http://schemas.openxmlformats.org/drawingml/2006/main">
+          <a:r>
+            <a:rPr lang="en-US" sz="1100" dirty="0">
+              <a:latin typeface="Times New Roman" pitchFamily="18" charset="0"/>
+              <a:cs typeface="Times New Roman" pitchFamily="18" charset="0"/>
+            </a:rPr>
+            <a:t>XSS-10</a:t>
+          </a:r>
+        </a:p>
+      </cdr:txBody>
+    </cdr:sp>
+  </cdr:relSizeAnchor>
+  <cdr:relSizeAnchor xmlns:cdr="http://schemas.openxmlformats.org/drawingml/2006/chartDrawing">
+    <cdr:from>
+      <cdr:x>0.31304</cdr:x>
+      <cdr:y>0.68831</cdr:y>
+    </cdr:from>
+    <cdr:to>
+      <cdr:x>0.43763</cdr:x>
+      <cdr:y>0.7537</cdr:y>
+    </cdr:to>
+    <cdr:sp macro="" textlink="">
+      <cdr:nvSpPr>
+        <cdr:cNvPr id="5" name="TextBox 1"/>
+        <cdr:cNvSpPr txBox="1"/>
+      </cdr:nvSpPr>
+      <cdr:spPr>
+        <a:xfrm xmlns:a="http://schemas.openxmlformats.org/drawingml/2006/main">
+          <a:off x="2743200" y="4038600"/>
+          <a:ext cx="1091782" cy="383669"/>
+        </a:xfrm>
+        <a:prstGeom xmlns:a="http://schemas.openxmlformats.org/drawingml/2006/main" prst="rect">
+          <a:avLst/>
+        </a:prstGeom>
+      </cdr:spPr>
+      <cdr:txBody>
+        <a:bodyPr xmlns:a="http://schemas.openxmlformats.org/drawingml/2006/main" wrap="square" rtlCol="0"/>
+        <a:lstStyle xmlns:a="http://schemas.openxmlformats.org/drawingml/2006/main">
+          <a:lvl1pPr marL="0" indent="0">
+            <a:defRPr sz="1100">
+              <a:latin typeface="+mn-lt"/>
+              <a:ea typeface="+mn-ea"/>
+              <a:cs typeface="+mn-cs"/>
+            </a:defRPr>
+          </a:lvl1pPr>
+          <a:lvl2pPr marL="457200" indent="0">
+            <a:defRPr sz="1100">
+              <a:latin typeface="+mn-lt"/>
+              <a:ea typeface="+mn-ea"/>
+              <a:cs typeface="+mn-cs"/>
+            </a:defRPr>
+          </a:lvl2pPr>
+          <a:lvl3pPr marL="914400" indent="0">
+            <a:defRPr sz="1100">
+              <a:latin typeface="+mn-lt"/>
+              <a:ea typeface="+mn-ea"/>
+              <a:cs typeface="+mn-cs"/>
+            </a:defRPr>
+          </a:lvl3pPr>
+          <a:lvl4pPr marL="1371600" indent="0">
+            <a:defRPr sz="1100">
+              <a:latin typeface="+mn-lt"/>
+              <a:ea typeface="+mn-ea"/>
+              <a:cs typeface="+mn-cs"/>
+            </a:defRPr>
+          </a:lvl4pPr>
+          <a:lvl5pPr marL="1828800" indent="0">
+            <a:defRPr sz="1100">
+              <a:latin typeface="+mn-lt"/>
+              <a:ea typeface="+mn-ea"/>
+              <a:cs typeface="+mn-cs"/>
+            </a:defRPr>
+          </a:lvl5pPr>
+          <a:lvl6pPr marL="2286000" indent="0">
+            <a:defRPr sz="1100">
+              <a:latin typeface="+mn-lt"/>
+              <a:ea typeface="+mn-ea"/>
+              <a:cs typeface="+mn-cs"/>
+            </a:defRPr>
+          </a:lvl6pPr>
+          <a:lvl7pPr marL="2743200" indent="0">
+            <a:defRPr sz="1100">
+              <a:latin typeface="+mn-lt"/>
+              <a:ea typeface="+mn-ea"/>
+              <a:cs typeface="+mn-cs"/>
+            </a:defRPr>
+          </a:lvl7pPr>
+          <a:lvl8pPr marL="3200400" indent="0">
+            <a:defRPr sz="1100">
+              <a:latin typeface="+mn-lt"/>
+              <a:ea typeface="+mn-ea"/>
+              <a:cs typeface="+mn-cs"/>
+            </a:defRPr>
+          </a:lvl8pPr>
+          <a:lvl9pPr marL="3657600" indent="0">
+            <a:defRPr sz="1100">
+              <a:latin typeface="+mn-lt"/>
+              <a:ea typeface="+mn-ea"/>
+              <a:cs typeface="+mn-cs"/>
+            </a:defRPr>
+          </a:lvl9pPr>
+        </a:lstStyle>
+        <a:p xmlns:a="http://schemas.openxmlformats.org/drawingml/2006/main">
+          <a:r>
+            <a:rPr lang="en-US" sz="1100" dirty="0">
+              <a:latin typeface="Times New Roman" pitchFamily="18" charset="0"/>
+              <a:cs typeface="Times New Roman" pitchFamily="18" charset="0"/>
+            </a:rPr>
+            <a:t>XSS-11</a:t>
+          </a:r>
+        </a:p>
+      </cdr:txBody>
+    </cdr:sp>
+  </cdr:relSizeAnchor>
+  <cdr:relSizeAnchor xmlns:cdr="http://schemas.openxmlformats.org/drawingml/2006/chartDrawing">
+    <cdr:from>
+      <cdr:x>0.31304</cdr:x>
+      <cdr:y>0.64935</cdr:y>
+    </cdr:from>
+    <cdr:to>
+      <cdr:x>0.44926</cdr:x>
+      <cdr:y>0.68922</cdr:y>
+    </cdr:to>
+    <cdr:sp macro="" textlink="">
+      <cdr:nvSpPr>
+        <cdr:cNvPr id="6" name="TextBox 1"/>
+        <cdr:cNvSpPr txBox="1"/>
+      </cdr:nvSpPr>
+      <cdr:spPr>
+        <a:xfrm xmlns:a="http://schemas.openxmlformats.org/drawingml/2006/main">
+          <a:off x="2743200" y="3810000"/>
+          <a:ext cx="1193695" cy="233933"/>
+        </a:xfrm>
+        <a:prstGeom xmlns:a="http://schemas.openxmlformats.org/drawingml/2006/main" prst="rect">
+          <a:avLst/>
+        </a:prstGeom>
+      </cdr:spPr>
+      <cdr:txBody>
+        <a:bodyPr xmlns:a="http://schemas.openxmlformats.org/drawingml/2006/main" wrap="square" rtlCol="0"/>
+        <a:lstStyle xmlns:a="http://schemas.openxmlformats.org/drawingml/2006/main">
+          <a:lvl1pPr marL="0" indent="0">
+            <a:defRPr sz="1100">
+              <a:latin typeface="+mn-lt"/>
+              <a:ea typeface="+mn-ea"/>
+              <a:cs typeface="+mn-cs"/>
+            </a:defRPr>
+          </a:lvl1pPr>
+          <a:lvl2pPr marL="457200" indent="0">
+            <a:defRPr sz="1100">
+              <a:latin typeface="+mn-lt"/>
+              <a:ea typeface="+mn-ea"/>
+              <a:cs typeface="+mn-cs"/>
+            </a:defRPr>
+          </a:lvl2pPr>
+          <a:lvl3pPr marL="914400" indent="0">
+            <a:defRPr sz="1100">
+              <a:latin typeface="+mn-lt"/>
+              <a:ea typeface="+mn-ea"/>
+              <a:cs typeface="+mn-cs"/>
+            </a:defRPr>
+          </a:lvl3pPr>
+          <a:lvl4pPr marL="1371600" indent="0">
+            <a:defRPr sz="1100">
+              <a:latin typeface="+mn-lt"/>
+              <a:ea typeface="+mn-ea"/>
+              <a:cs typeface="+mn-cs"/>
+            </a:defRPr>
+          </a:lvl4pPr>
+          <a:lvl5pPr marL="1828800" indent="0">
+            <a:defRPr sz="1100">
+              <a:latin typeface="+mn-lt"/>
+              <a:ea typeface="+mn-ea"/>
+              <a:cs typeface="+mn-cs"/>
+            </a:defRPr>
+          </a:lvl5pPr>
+          <a:lvl6pPr marL="2286000" indent="0">
+            <a:defRPr sz="1100">
+              <a:latin typeface="+mn-lt"/>
+              <a:ea typeface="+mn-ea"/>
+              <a:cs typeface="+mn-cs"/>
+            </a:defRPr>
+          </a:lvl6pPr>
+          <a:lvl7pPr marL="2743200" indent="0">
+            <a:defRPr sz="1100">
+              <a:latin typeface="+mn-lt"/>
+              <a:ea typeface="+mn-ea"/>
+              <a:cs typeface="+mn-cs"/>
+            </a:defRPr>
+          </a:lvl7pPr>
+          <a:lvl8pPr marL="3200400" indent="0">
+            <a:defRPr sz="1100">
+              <a:latin typeface="+mn-lt"/>
+              <a:ea typeface="+mn-ea"/>
+              <a:cs typeface="+mn-cs"/>
+            </a:defRPr>
+          </a:lvl8pPr>
+          <a:lvl9pPr marL="3657600" indent="0">
+            <a:defRPr sz="1100">
+              <a:latin typeface="+mn-lt"/>
+              <a:ea typeface="+mn-ea"/>
+              <a:cs typeface="+mn-cs"/>
+            </a:defRPr>
+          </a:lvl9pPr>
+        </a:lstStyle>
+        <a:p xmlns:a="http://schemas.openxmlformats.org/drawingml/2006/main">
+          <a:r>
+            <a:rPr lang="en-US" sz="1100" dirty="0">
+              <a:latin typeface="Times New Roman" pitchFamily="18" charset="0"/>
+              <a:cs typeface="Times New Roman" pitchFamily="18" charset="0"/>
+            </a:rPr>
+            <a:t>DART</a:t>
+          </a:r>
+        </a:p>
+      </cdr:txBody>
+    </cdr:sp>
+  </cdr:relSizeAnchor>
+  <cdr:relSizeAnchor xmlns:cdr="http://schemas.openxmlformats.org/drawingml/2006/chartDrawing">
+    <cdr:from>
+      <cdr:x>0.53662</cdr:x>
+      <cdr:y>0.87379</cdr:y>
+    </cdr:from>
+    <cdr:to>
+      <cdr:x>0.61972</cdr:x>
+      <cdr:y>0.91651</cdr:y>
+    </cdr:to>
+    <cdr:sp macro="" textlink="">
+      <cdr:nvSpPr>
+        <cdr:cNvPr id="7" name="TextBox 1"/>
+        <cdr:cNvSpPr txBox="1"/>
+      </cdr:nvSpPr>
+      <cdr:spPr>
+        <a:xfrm xmlns:a="http://schemas.openxmlformats.org/drawingml/2006/main">
+          <a:off x="4652625" y="5495193"/>
+          <a:ext cx="720493" cy="268664"/>
+        </a:xfrm>
+        <a:prstGeom xmlns:a="http://schemas.openxmlformats.org/drawingml/2006/main" prst="rect">
+          <a:avLst/>
+        </a:prstGeom>
+      </cdr:spPr>
+      <cdr:txBody>
+        <a:bodyPr xmlns:a="http://schemas.openxmlformats.org/drawingml/2006/main" wrap="square" rtlCol="0"/>
+        <a:lstStyle xmlns:a="http://schemas.openxmlformats.org/drawingml/2006/main">
+          <a:lvl1pPr marL="0" indent="0">
+            <a:defRPr sz="1100">
+              <a:latin typeface="Calibri"/>
+            </a:defRPr>
+          </a:lvl1pPr>
+          <a:lvl2pPr marL="457200" indent="0">
+            <a:defRPr sz="1100">
+              <a:latin typeface="Calibri"/>
+            </a:defRPr>
+          </a:lvl2pPr>
+          <a:lvl3pPr marL="914400" indent="0">
+            <a:defRPr sz="1100">
+              <a:latin typeface="Calibri"/>
+            </a:defRPr>
+          </a:lvl3pPr>
+          <a:lvl4pPr marL="1371600" indent="0">
+            <a:defRPr sz="1100">
+              <a:latin typeface="Calibri"/>
+            </a:defRPr>
+          </a:lvl4pPr>
+          <a:lvl5pPr marL="1828800" indent="0">
+            <a:defRPr sz="1100">
+              <a:latin typeface="Calibri"/>
+            </a:defRPr>
+          </a:lvl5pPr>
+          <a:lvl6pPr marL="2286000" indent="0">
+            <a:defRPr sz="1100">
+              <a:latin typeface="Calibri"/>
+            </a:defRPr>
+          </a:lvl6pPr>
+          <a:lvl7pPr marL="2743200" indent="0">
+            <a:defRPr sz="1100">
+              <a:latin typeface="Calibri"/>
+            </a:defRPr>
+          </a:lvl7pPr>
+          <a:lvl8pPr marL="3200400" indent="0">
+            <a:defRPr sz="1100">
+              <a:latin typeface="Calibri"/>
+            </a:defRPr>
+          </a:lvl8pPr>
+          <a:lvl9pPr marL="3657600" indent="0">
+            <a:defRPr sz="1100">
+              <a:latin typeface="Calibri"/>
+            </a:defRPr>
+          </a:lvl9pPr>
+        </a:lstStyle>
+        <a:p xmlns:a="http://schemas.openxmlformats.org/drawingml/2006/main">
+          <a:r>
+            <a:rPr lang="en-US" sz="1100">
+              <a:latin typeface="Times New Roman" pitchFamily="18" charset="0"/>
+              <a:cs typeface="Times New Roman" pitchFamily="18" charset="0"/>
+            </a:rPr>
+            <a:t>Rascal</a:t>
+          </a:r>
+        </a:p>
+      </cdr:txBody>
+    </cdr:sp>
+  </cdr:relSizeAnchor>
+  <cdr:relSizeAnchor xmlns:cdr="http://schemas.openxmlformats.org/drawingml/2006/chartDrawing">
+    <cdr:from>
+      <cdr:x>0.5324</cdr:x>
+      <cdr:y>0.12816</cdr:y>
+    </cdr:from>
+    <cdr:to>
+      <cdr:x>0.68592</cdr:x>
+      <cdr:y>0.1767</cdr:y>
+    </cdr:to>
+    <cdr:sp macro="" textlink="">
+      <cdr:nvSpPr>
+        <cdr:cNvPr id="10" name="TextBox 1"/>
+        <cdr:cNvSpPr txBox="1"/>
+      </cdr:nvSpPr>
+      <cdr:spPr>
+        <a:xfrm xmlns:a="http://schemas.openxmlformats.org/drawingml/2006/main">
+          <a:off x="4615991" y="805961"/>
+          <a:ext cx="1331028" cy="305266"/>
+        </a:xfrm>
+        <a:prstGeom xmlns:a="http://schemas.openxmlformats.org/drawingml/2006/main" prst="rect">
+          <a:avLst/>
+        </a:prstGeom>
+      </cdr:spPr>
+      <cdr:txBody>
+        <a:bodyPr xmlns:a="http://schemas.openxmlformats.org/drawingml/2006/main" wrap="square" rtlCol="0"/>
+        <a:lstStyle xmlns:a="http://schemas.openxmlformats.org/drawingml/2006/main">
+          <a:lvl1pPr marL="0" indent="0">
+            <a:defRPr sz="1100">
+              <a:latin typeface="+mn-lt"/>
+              <a:ea typeface="+mn-ea"/>
+              <a:cs typeface="+mn-cs"/>
+            </a:defRPr>
+          </a:lvl1pPr>
+          <a:lvl2pPr marL="457200" indent="0">
+            <a:defRPr sz="1100">
+              <a:latin typeface="+mn-lt"/>
+              <a:ea typeface="+mn-ea"/>
+              <a:cs typeface="+mn-cs"/>
+            </a:defRPr>
+          </a:lvl2pPr>
+          <a:lvl3pPr marL="914400" indent="0">
+            <a:defRPr sz="1100">
+              <a:latin typeface="+mn-lt"/>
+              <a:ea typeface="+mn-ea"/>
+              <a:cs typeface="+mn-cs"/>
+            </a:defRPr>
+          </a:lvl3pPr>
+          <a:lvl4pPr marL="1371600" indent="0">
+            <a:defRPr sz="1100">
+              <a:latin typeface="+mn-lt"/>
+              <a:ea typeface="+mn-ea"/>
+              <a:cs typeface="+mn-cs"/>
+            </a:defRPr>
+          </a:lvl4pPr>
+          <a:lvl5pPr marL="1828800" indent="0">
+            <a:defRPr sz="1100">
+              <a:latin typeface="+mn-lt"/>
+              <a:ea typeface="+mn-ea"/>
+              <a:cs typeface="+mn-cs"/>
+            </a:defRPr>
+          </a:lvl5pPr>
+          <a:lvl6pPr marL="2286000" indent="0">
+            <a:defRPr sz="1100">
+              <a:latin typeface="+mn-lt"/>
+              <a:ea typeface="+mn-ea"/>
+              <a:cs typeface="+mn-cs"/>
+            </a:defRPr>
+          </a:lvl6pPr>
+          <a:lvl7pPr marL="2743200" indent="0">
+            <a:defRPr sz="1100">
+              <a:latin typeface="+mn-lt"/>
+              <a:ea typeface="+mn-ea"/>
+              <a:cs typeface="+mn-cs"/>
+            </a:defRPr>
+          </a:lvl7pPr>
+          <a:lvl8pPr marL="3200400" indent="0">
+            <a:defRPr sz="1100">
+              <a:latin typeface="+mn-lt"/>
+              <a:ea typeface="+mn-ea"/>
+              <a:cs typeface="+mn-cs"/>
+            </a:defRPr>
+          </a:lvl8pPr>
+          <a:lvl9pPr marL="3657600" indent="0">
+            <a:defRPr sz="1100">
+              <a:latin typeface="+mn-lt"/>
+              <a:ea typeface="+mn-ea"/>
+              <a:cs typeface="+mn-cs"/>
+            </a:defRPr>
+          </a:lvl9pPr>
+        </a:lstStyle>
+        <a:p xmlns:a="http://schemas.openxmlformats.org/drawingml/2006/main">
+          <a:r>
+            <a:rPr lang="en-US" sz="1100">
+              <a:latin typeface="Times New Roman" pitchFamily="18" charset="0"/>
+              <a:cs typeface="Times New Roman" pitchFamily="18" charset="0"/>
+            </a:rPr>
+            <a:t>Orbital</a:t>
+          </a:r>
+          <a:r>
+            <a:rPr lang="en-US" sz="1100" baseline="0">
+              <a:latin typeface="Times New Roman" pitchFamily="18" charset="0"/>
+              <a:cs typeface="Times New Roman" pitchFamily="18" charset="0"/>
+            </a:rPr>
+            <a:t> Express</a:t>
+          </a:r>
+          <a:endParaRPr lang="en-US" sz="1100">
+            <a:latin typeface="Times New Roman" pitchFamily="18" charset="0"/>
+            <a:cs typeface="Times New Roman" pitchFamily="18" charset="0"/>
+          </a:endParaRPr>
+        </a:p>
+      </cdr:txBody>
+    </cdr:sp>
+  </cdr:relSizeAnchor>
+  <cdr:relSizeAnchor xmlns:cdr="http://schemas.openxmlformats.org/drawingml/2006/chartDrawing">
+    <cdr:from>
+      <cdr:x>0.7662</cdr:x>
+      <cdr:y>0.80971</cdr:y>
+    </cdr:from>
+    <cdr:to>
+      <cdr:x>0.8493</cdr:x>
+      <cdr:y>0.85243</cdr:y>
+    </cdr:to>
+    <cdr:sp macro="" textlink="">
+      <cdr:nvSpPr>
+        <cdr:cNvPr id="11" name="TextBox 1"/>
+        <cdr:cNvSpPr txBox="1"/>
+      </cdr:nvSpPr>
+      <cdr:spPr>
+        <a:xfrm xmlns:a="http://schemas.openxmlformats.org/drawingml/2006/main">
+          <a:off x="6643074" y="5092206"/>
+          <a:ext cx="720493" cy="268663"/>
+        </a:xfrm>
+        <a:prstGeom xmlns:a="http://schemas.openxmlformats.org/drawingml/2006/main" prst="rect">
+          <a:avLst/>
+        </a:prstGeom>
+      </cdr:spPr>
+      <cdr:txBody>
+        <a:bodyPr xmlns:a="http://schemas.openxmlformats.org/drawingml/2006/main" wrap="square" rtlCol="0"/>
+        <a:lstStyle xmlns:a="http://schemas.openxmlformats.org/drawingml/2006/main">
+          <a:lvl1pPr marL="0" indent="0">
+            <a:defRPr sz="1100">
+              <a:latin typeface="+mn-lt"/>
+              <a:ea typeface="+mn-ea"/>
+              <a:cs typeface="+mn-cs"/>
+            </a:defRPr>
+          </a:lvl1pPr>
+          <a:lvl2pPr marL="457200" indent="0">
+            <a:defRPr sz="1100">
+              <a:latin typeface="+mn-lt"/>
+              <a:ea typeface="+mn-ea"/>
+              <a:cs typeface="+mn-cs"/>
+            </a:defRPr>
+          </a:lvl2pPr>
+          <a:lvl3pPr marL="914400" indent="0">
+            <a:defRPr sz="1100">
+              <a:latin typeface="+mn-lt"/>
+              <a:ea typeface="+mn-ea"/>
+              <a:cs typeface="+mn-cs"/>
+            </a:defRPr>
+          </a:lvl3pPr>
+          <a:lvl4pPr marL="1371600" indent="0">
+            <a:defRPr sz="1100">
+              <a:latin typeface="+mn-lt"/>
+              <a:ea typeface="+mn-ea"/>
+              <a:cs typeface="+mn-cs"/>
+            </a:defRPr>
+          </a:lvl4pPr>
+          <a:lvl5pPr marL="1828800" indent="0">
+            <a:defRPr sz="1100">
+              <a:latin typeface="+mn-lt"/>
+              <a:ea typeface="+mn-ea"/>
+              <a:cs typeface="+mn-cs"/>
+            </a:defRPr>
+          </a:lvl5pPr>
+          <a:lvl6pPr marL="2286000" indent="0">
+            <a:defRPr sz="1100">
+              <a:latin typeface="+mn-lt"/>
+              <a:ea typeface="+mn-ea"/>
+              <a:cs typeface="+mn-cs"/>
+            </a:defRPr>
+          </a:lvl6pPr>
+          <a:lvl7pPr marL="2743200" indent="0">
+            <a:defRPr sz="1100">
+              <a:latin typeface="+mn-lt"/>
+              <a:ea typeface="+mn-ea"/>
+              <a:cs typeface="+mn-cs"/>
+            </a:defRPr>
+          </a:lvl7pPr>
+          <a:lvl8pPr marL="3200400" indent="0">
+            <a:defRPr sz="1100">
+              <a:latin typeface="+mn-lt"/>
+              <a:ea typeface="+mn-ea"/>
+              <a:cs typeface="+mn-cs"/>
+            </a:defRPr>
+          </a:lvl8pPr>
+          <a:lvl9pPr marL="3657600" indent="0">
+            <a:defRPr sz="1100">
+              <a:latin typeface="+mn-lt"/>
+              <a:ea typeface="+mn-ea"/>
+              <a:cs typeface="+mn-cs"/>
+            </a:defRPr>
+          </a:lvl9pPr>
+        </a:lstStyle>
+        <a:p xmlns:a="http://schemas.openxmlformats.org/drawingml/2006/main">
+          <a:r>
+            <a:rPr lang="en-US" sz="1100">
+              <a:latin typeface="Times New Roman" pitchFamily="18" charset="0"/>
+              <a:cs typeface="Times New Roman" pitchFamily="18" charset="0"/>
+            </a:rPr>
+            <a:t>MiTEx</a:t>
+          </a:r>
+        </a:p>
+      </cdr:txBody>
+    </cdr:sp>
+  </cdr:relSizeAnchor>
+  <cdr:relSizeAnchor xmlns:cdr="http://schemas.openxmlformats.org/drawingml/2006/chartDrawing">
+    <cdr:from>
+      <cdr:x>0.30564</cdr:x>
+      <cdr:y>0.8699</cdr:y>
+    </cdr:from>
+    <cdr:to>
+      <cdr:x>0.38873</cdr:x>
+      <cdr:y>0.91262</cdr:y>
+    </cdr:to>
+    <cdr:sp macro="" textlink="">
+      <cdr:nvSpPr>
+        <cdr:cNvPr id="13" name="TextBox 1"/>
+        <cdr:cNvSpPr txBox="1"/>
+      </cdr:nvSpPr>
+      <cdr:spPr>
+        <a:xfrm xmlns:a="http://schemas.openxmlformats.org/drawingml/2006/main">
+          <a:off x="2649931" y="5470776"/>
+          <a:ext cx="720406" cy="268663"/>
+        </a:xfrm>
+        <a:prstGeom xmlns:a="http://schemas.openxmlformats.org/drawingml/2006/main" prst="rect">
+          <a:avLst/>
+        </a:prstGeom>
+      </cdr:spPr>
+      <cdr:txBody>
+        <a:bodyPr xmlns:a="http://schemas.openxmlformats.org/drawingml/2006/main" wrap="square" rtlCol="0"/>
+        <a:lstStyle xmlns:a="http://schemas.openxmlformats.org/drawingml/2006/main">
+          <a:lvl1pPr marL="0" indent="0">
+            <a:defRPr sz="1100">
+              <a:latin typeface="+mn-lt"/>
+              <a:ea typeface="+mn-ea"/>
+              <a:cs typeface="+mn-cs"/>
+            </a:defRPr>
+          </a:lvl1pPr>
+          <a:lvl2pPr marL="457200" indent="0">
+            <a:defRPr sz="1100">
+              <a:latin typeface="+mn-lt"/>
+              <a:ea typeface="+mn-ea"/>
+              <a:cs typeface="+mn-cs"/>
+            </a:defRPr>
+          </a:lvl2pPr>
+          <a:lvl3pPr marL="914400" indent="0">
+            <a:defRPr sz="1100">
+              <a:latin typeface="+mn-lt"/>
+              <a:ea typeface="+mn-ea"/>
+              <a:cs typeface="+mn-cs"/>
+            </a:defRPr>
+          </a:lvl3pPr>
+          <a:lvl4pPr marL="1371600" indent="0">
+            <a:defRPr sz="1100">
+              <a:latin typeface="+mn-lt"/>
+              <a:ea typeface="+mn-ea"/>
+              <a:cs typeface="+mn-cs"/>
+            </a:defRPr>
+          </a:lvl4pPr>
+          <a:lvl5pPr marL="1828800" indent="0">
+            <a:defRPr sz="1100">
+              <a:latin typeface="+mn-lt"/>
+              <a:ea typeface="+mn-ea"/>
+              <a:cs typeface="+mn-cs"/>
+            </a:defRPr>
+          </a:lvl5pPr>
+          <a:lvl6pPr marL="2286000" indent="0">
+            <a:defRPr sz="1100">
+              <a:latin typeface="+mn-lt"/>
+              <a:ea typeface="+mn-ea"/>
+              <a:cs typeface="+mn-cs"/>
+            </a:defRPr>
+          </a:lvl6pPr>
+          <a:lvl7pPr marL="2743200" indent="0">
+            <a:defRPr sz="1100">
+              <a:latin typeface="+mn-lt"/>
+              <a:ea typeface="+mn-ea"/>
+              <a:cs typeface="+mn-cs"/>
+            </a:defRPr>
+          </a:lvl7pPr>
+          <a:lvl8pPr marL="3200400" indent="0">
+            <a:defRPr sz="1100">
+              <a:latin typeface="+mn-lt"/>
+              <a:ea typeface="+mn-ea"/>
+              <a:cs typeface="+mn-cs"/>
+            </a:defRPr>
+          </a:lvl8pPr>
+          <a:lvl9pPr marL="3657600" indent="0">
+            <a:defRPr sz="1100">
+              <a:latin typeface="+mn-lt"/>
+              <a:ea typeface="+mn-ea"/>
+              <a:cs typeface="+mn-cs"/>
+            </a:defRPr>
+          </a:lvl9pPr>
+        </a:lstStyle>
+        <a:p xmlns:a="http://schemas.openxmlformats.org/drawingml/2006/main">
+          <a:r>
+            <a:rPr lang="en-US" sz="1100">
+              <a:latin typeface="Times New Roman" pitchFamily="18" charset="0"/>
+              <a:cs typeface="Times New Roman" pitchFamily="18" charset="0"/>
+            </a:rPr>
+            <a:t>SNAP-1</a:t>
+          </a:r>
+        </a:p>
+      </cdr:txBody>
+    </cdr:sp>
+  </cdr:relSizeAnchor>
+</c:userShapes>
 </file>
 
 <file path=ppt/notesMasters/notesMaster1.xml><?xml version="1.0" encoding="utf-8"?>
@@ -2471,7 +3451,7 @@
                 <a:latin typeface="Times New Roman" pitchFamily="16" charset="0"/>
               </a:rPr>
               <a:pPr eaLnBrk="1"/>
-              <a:t>24</a:t>
+              <a:t>27</a:t>
             </a:fld>
             <a:endParaRPr lang="en-US" altLang="en-US" smtClean="0">
               <a:solidFill>
@@ -12677,7 +13657,7 @@
         <p:spPr>
           <a:xfrm>
             <a:off x="618331" y="1419225"/>
-            <a:ext cx="9210675" cy="3124200"/>
+            <a:ext cx="9210675" cy="3657600"/>
           </a:xfrm>
         </p:spPr>
         <p:txBody>
@@ -12697,8 +13677,113 @@
                   </a:schemeClr>
                 </a:solidFill>
               </a:rPr>
-              <a:t>Each of the design constraints listed in the previous section relate directly to design decisions made to </a:t>
-            </a:r>
+              <a:t>Each of the design constraints listed in the previous section relate directly to design decisions made in fulfilling the Rascal mission.</a:t>
+            </a:r>
+          </a:p>
+          <a:p>
+            <a:pPr lvl="1">
+              <a:buFont typeface="Arial" pitchFamily="34" charset="0"/>
+              <a:buChar char="•"/>
+            </a:pPr>
+            <a:r>
+              <a:rPr lang="en-US" sz="1800" dirty="0" smtClean="0">
+                <a:solidFill>
+                  <a:schemeClr val="tx1">
+                    <a:lumMod val="85000"/>
+                    <a:lumOff val="15000"/>
+                  </a:schemeClr>
+                </a:solidFill>
+              </a:rPr>
+              <a:t>Cost will relate directly to the type of mission that can be flown.</a:t>
+            </a:r>
+          </a:p>
+          <a:p>
+            <a:pPr lvl="1">
+              <a:buFont typeface="Arial" pitchFamily="34" charset="0"/>
+              <a:buChar char="•"/>
+            </a:pPr>
+            <a:r>
+              <a:rPr lang="en-US" sz="1800" dirty="0" smtClean="0">
+                <a:solidFill>
+                  <a:schemeClr val="tx1">
+                    <a:lumMod val="85000"/>
+                    <a:lumOff val="15000"/>
+                  </a:schemeClr>
+                </a:solidFill>
+              </a:rPr>
+              <a:t>Volume (not mass) will relate to the size of the mission that can be flown.</a:t>
+            </a:r>
+          </a:p>
+          <a:p>
+            <a:pPr lvl="1">
+              <a:buFont typeface="Arial" pitchFamily="34" charset="0"/>
+              <a:buChar char="•"/>
+            </a:pPr>
+            <a:r>
+              <a:rPr lang="en-US" sz="1800" dirty="0" smtClean="0">
+                <a:solidFill>
+                  <a:schemeClr val="tx1">
+                    <a:lumMod val="85000"/>
+                    <a:lumOff val="15000"/>
+                  </a:schemeClr>
+                </a:solidFill>
+              </a:rPr>
+              <a:t>Mission lifetime will relate to the subsystems required to keep mission alive for the duration of its orbit life.</a:t>
+            </a:r>
+          </a:p>
+          <a:p>
+            <a:pPr lvl="1">
+              <a:buFont typeface="Arial" pitchFamily="34" charset="0"/>
+              <a:buChar char="•"/>
+            </a:pPr>
+            <a:r>
+              <a:rPr lang="en-US" sz="1800" dirty="0" smtClean="0">
+                <a:solidFill>
+                  <a:schemeClr val="tx1">
+                    <a:lumMod val="85000"/>
+                    <a:lumOff val="15000"/>
+                  </a:schemeClr>
+                </a:solidFill>
+              </a:rPr>
+              <a:t>Mission success criteria will relate to the subsystems required to make the mission successful.</a:t>
+            </a:r>
+          </a:p>
+          <a:p>
+            <a:pPr lvl="1">
+              <a:buFont typeface="Arial" pitchFamily="34" charset="0"/>
+              <a:buChar char="•"/>
+            </a:pPr>
+            <a:r>
+              <a:rPr lang="en-US" sz="1800" dirty="0" smtClean="0">
+                <a:solidFill>
+                  <a:schemeClr val="tx1">
+                    <a:lumMod val="85000"/>
+                    <a:lumOff val="15000"/>
+                  </a:schemeClr>
+                </a:solidFill>
+              </a:rPr>
+              <a:t>Mission success verification will relate to the subsystems required to relay the successful completion of the mission to the ground.</a:t>
+            </a:r>
+          </a:p>
+          <a:p>
+            <a:pPr lvl="1">
+              <a:buFont typeface="Arial" pitchFamily="34" charset="0"/>
+              <a:buChar char="•"/>
+            </a:pPr>
+            <a:endParaRPr lang="en-US" sz="1800" dirty="0" smtClean="0">
+              <a:solidFill>
+                <a:schemeClr val="tx1">
+                  <a:lumMod val="85000"/>
+                  <a:lumOff val="15000"/>
+                </a:schemeClr>
+              </a:solidFill>
+            </a:endParaRPr>
+          </a:p>
+          <a:p>
+            <a:pPr>
+              <a:buFont typeface="Arial" pitchFamily="34" charset="0"/>
+              <a:buChar char="•"/>
+            </a:pPr>
             <a:endParaRPr lang="en-US" sz="1800" dirty="0" smtClean="0">
               <a:solidFill>
                 <a:schemeClr val="tx1">
@@ -12835,7 +13920,7 @@
                   </a:schemeClr>
                 </a:solidFill>
               </a:rPr>
-              <a:t>Tom Slide</a:t>
+              <a:t>Mission Architecture: Cost/Experience Based</a:t>
             </a:r>
             <a:endParaRPr lang="en-US" dirty="0">
               <a:solidFill>
@@ -12863,7 +13948,33 @@
           <a:bodyPr/>
           <a:lstStyle/>
           <a:p>
-            <a:endParaRPr lang="en-US"/>
+            <a:pPr>
+              <a:buFont typeface="Arial" pitchFamily="34" charset="0"/>
+              <a:buChar char="•"/>
+            </a:pPr>
+            <a:r>
+              <a:rPr lang="en-US" sz="2000" dirty="0" smtClean="0">
+                <a:solidFill>
+                  <a:schemeClr val="tx1"/>
+                </a:solidFill>
+              </a:rPr>
+              <a:t>Based on the relatively high costs associated with launch any non-CubeSat sized spacecraft, as well as the time and resources required to design, build, and test such a system, it is absolutely necessary to limit mission design to a CubeSat architecture.</a:t>
+            </a:r>
+          </a:p>
+          <a:p>
+            <a:r>
+              <a:rPr lang="en-US" sz="2000" dirty="0" smtClean="0">
+                <a:solidFill>
+                  <a:schemeClr val="tx1"/>
+                </a:solidFill>
+              </a:rPr>
+              <a:t> </a:t>
+            </a:r>
+            <a:endParaRPr lang="en-US" sz="2000" dirty="0">
+              <a:solidFill>
+                <a:schemeClr val="tx1"/>
+              </a:solidFill>
+            </a:endParaRPr>
           </a:p>
         </p:txBody>
       </p:sp>
@@ -12896,6 +14007,89 @@
           </a:p>
         </p:txBody>
       </p:sp>
+      <p:pic>
+        <p:nvPicPr>
+          <p:cNvPr id="52226" name="Picture 2" descr="http://astrolab.slu.edu/AstroLab/SLU-01__COPPER_files/IMG_9300.jpg"/>
+          <p:cNvPicPr>
+            <a:picLocks noChangeAspect="1" noChangeArrowheads="1"/>
+          </p:cNvPicPr>
+          <p:nvPr/>
+        </p:nvPicPr>
+        <p:blipFill>
+          <a:blip r:embed="rId2" cstate="print"/>
+          <a:srcRect/>
+          <a:stretch>
+            <a:fillRect/>
+          </a:stretch>
+        </p:blipFill>
+        <p:spPr bwMode="auto">
+          <a:xfrm>
+            <a:off x="999331" y="3095625"/>
+            <a:ext cx="5257800" cy="3505200"/>
+          </a:xfrm>
+          <a:prstGeom prst="rect">
+            <a:avLst/>
+          </a:prstGeom>
+          <a:noFill/>
+          <a:ln>
+            <a:solidFill>
+              <a:schemeClr val="tx1"/>
+            </a:solidFill>
+          </a:ln>
+        </p:spPr>
+      </p:pic>
+      <p:pic>
+        <p:nvPicPr>
+          <p:cNvPr id="52228" name="Picture 4" descr="http://astrolab.slu.edu/AstroLab/SLU-01__COPPER_files/COPPER%20patch.png"/>
+          <p:cNvPicPr>
+            <a:picLocks noChangeAspect="1" noChangeArrowheads="1"/>
+          </p:cNvPicPr>
+          <p:nvPr/>
+        </p:nvPicPr>
+        <p:blipFill>
+          <a:blip r:embed="rId3" cstate="print"/>
+          <a:srcRect/>
+          <a:stretch>
+            <a:fillRect/>
+          </a:stretch>
+        </p:blipFill>
+        <p:spPr bwMode="auto">
+          <a:xfrm>
+            <a:off x="7095331" y="2943225"/>
+            <a:ext cx="1828800" cy="1828800"/>
+          </a:xfrm>
+          <a:prstGeom prst="rect">
+            <a:avLst/>
+          </a:prstGeom>
+          <a:noFill/>
+        </p:spPr>
+      </p:pic>
+      <p:pic>
+        <p:nvPicPr>
+          <p:cNvPr id="52230" name="Picture 6" descr="http://astrolab.slu.edu/AstroLab/SLU-02__Argus_files/Argus%20Logo%20copy.png"/>
+          <p:cNvPicPr>
+            <a:picLocks noChangeAspect="1" noChangeArrowheads="1"/>
+          </p:cNvPicPr>
+          <p:nvPr/>
+        </p:nvPicPr>
+        <p:blipFill>
+          <a:blip r:embed="rId4" cstate="print"/>
+          <a:srcRect/>
+          <a:stretch>
+            <a:fillRect/>
+          </a:stretch>
+        </p:blipFill>
+        <p:spPr bwMode="auto">
+          <a:xfrm>
+            <a:off x="7095331" y="4619625"/>
+            <a:ext cx="1905000" cy="1905001"/>
+          </a:xfrm>
+          <a:prstGeom prst="rect">
+            <a:avLst/>
+          </a:prstGeom>
+          <a:noFill/>
+        </p:spPr>
+      </p:pic>
     </p:spTree>
   </p:cSld>
   <p:clrMapOvr>
@@ -12945,7 +14139,7 @@
                   </a:schemeClr>
                 </a:solidFill>
               </a:rPr>
-              <a:t>Here Be Subsystem Slides (Still Have to Make CDH/ADC ones)</a:t>
+              <a:t>Mission Architecture: Cost/Experience Based (2)</a:t>
             </a:r>
             <a:endParaRPr lang="en-US" dirty="0">
               <a:solidFill>
@@ -12973,7 +14167,19 @@
           <a:bodyPr/>
           <a:lstStyle/>
           <a:p>
-            <a:endParaRPr lang="en-US"/>
+            <a:r>
+              <a:rPr lang="en-US" sz="2000" dirty="0" smtClean="0">
+                <a:solidFill>
+                  <a:schemeClr val="tx1"/>
+                </a:solidFill>
+              </a:rPr>
+              <a:t> </a:t>
+            </a:r>
+            <a:endParaRPr lang="en-US" sz="2000" dirty="0">
+              <a:solidFill>
+                <a:schemeClr val="tx1"/>
+              </a:solidFill>
+            </a:endParaRPr>
           </a:p>
         </p:txBody>
       </p:sp>
@@ -13006,6 +14212,24 @@
           </a:p>
         </p:txBody>
       </p:sp>
+      <p:graphicFrame>
+        <p:nvGraphicFramePr>
+          <p:cNvPr id="5" name="Chart 4"/>
+          <p:cNvGraphicFramePr>
+            <a:graphicFrameLocks noGrp="1"/>
+          </p:cNvGraphicFramePr>
+          <p:nvPr/>
+        </p:nvGraphicFramePr>
+        <p:xfrm>
+          <a:off x="694531" y="1114425"/>
+          <a:ext cx="8763000" cy="5867400"/>
+        </p:xfrm>
+        <a:graphic>
+          <a:graphicData uri="http://schemas.openxmlformats.org/drawingml/2006/chart">
+            <c:chart xmlns:c="http://schemas.openxmlformats.org/drawingml/2006/chart" xmlns:r="http://schemas.openxmlformats.org/officeDocument/2006/relationships" r:id="rId2"/>
+          </a:graphicData>
+        </a:graphic>
+      </p:graphicFrame>
     </p:spTree>
   </p:cSld>
   <p:clrMapOvr>
@@ -13033,88 +14257,21 @@
       </p:grpSpPr>
       <p:sp>
         <p:nvSpPr>
-          <p:cNvPr id="2" name="Subtitle 1"/>
+          <p:cNvPr id="2" name="Title 1"/>
           <p:cNvSpPr>
             <a:spLocks noGrp="1"/>
           </p:cNvSpPr>
           <p:nvPr>
-            <p:ph type="subTitle" idx="1"/>
+            <p:ph type="title"/>
           </p:nvPr>
         </p:nvSpPr>
-        <p:spPr>
-          <a:xfrm>
-            <a:off x="1456531" y="971338"/>
-            <a:ext cx="7053104" cy="6591512"/>
-          </a:xfrm>
-        </p:spPr>
+        <p:spPr/>
         <p:txBody>
           <a:bodyPr/>
           <a:lstStyle/>
           <a:p>
             <a:r>
-              <a:rPr lang="en-US" sz="3200" dirty="0" smtClean="0">
-                <a:solidFill>
-                  <a:schemeClr val="bg1">
-                    <a:lumMod val="65000"/>
-                  </a:schemeClr>
-                </a:solidFill>
-              </a:rPr>
-              <a:t>Group Organization</a:t>
-            </a:r>
-            <a:endParaRPr lang="en-US" sz="3200" dirty="0" smtClean="0">
-              <a:solidFill>
-                <a:schemeClr val="bg1">
-                  <a:lumMod val="65000"/>
-                </a:schemeClr>
-              </a:solidFill>
-            </a:endParaRPr>
-          </a:p>
-          <a:p>
-            <a:r>
-              <a:rPr lang="en-US" sz="3200" dirty="0" smtClean="0">
-                <a:solidFill>
-                  <a:schemeClr val="bg1">
-                    <a:lumMod val="65000"/>
-                  </a:schemeClr>
-                </a:solidFill>
-              </a:rPr>
-              <a:t>Project Overview</a:t>
-            </a:r>
-          </a:p>
-          <a:p>
-            <a:r>
-              <a:rPr lang="en-US" sz="3200" dirty="0" smtClean="0">
-                <a:solidFill>
-                  <a:schemeClr val="bg1">
-                    <a:lumMod val="65000"/>
-                  </a:schemeClr>
-                </a:solidFill>
-              </a:rPr>
-              <a:t>Design Constraints</a:t>
-            </a:r>
-            <a:endParaRPr lang="en-US" sz="3200" dirty="0" smtClean="0">
-              <a:solidFill>
-                <a:schemeClr val="bg1">
-                  <a:lumMod val="65000"/>
-                </a:schemeClr>
-              </a:solidFill>
-            </a:endParaRPr>
-          </a:p>
-          <a:p>
-            <a:r>
-              <a:rPr lang="en-US" sz="3200" dirty="0" smtClean="0">
-                <a:solidFill>
-                  <a:schemeClr val="bg1">
-                    <a:lumMod val="65000"/>
-                  </a:schemeClr>
-                </a:solidFill>
-              </a:rPr>
-              <a:t>Mission Architecture</a:t>
-            </a:r>
-          </a:p>
-          <a:p>
-            <a:r>
-              <a:rPr lang="en-US" sz="3200" dirty="0" smtClean="0">
+              <a:rPr lang="en-US" dirty="0" smtClean="0">
                 <a:solidFill>
                   <a:schemeClr val="tx1">
                     <a:lumMod val="85000"/>
@@ -13122,78 +14279,171 @@
                   </a:schemeClr>
                 </a:solidFill>
               </a:rPr>
-              <a:t>CONOPS</a:t>
-            </a:r>
-          </a:p>
-          <a:p>
-            <a:r>
-              <a:rPr lang="en-US" sz="3200" dirty="0" smtClean="0">
-                <a:solidFill>
-                  <a:schemeClr val="bg1">
-                    <a:lumMod val="65000"/>
-                  </a:schemeClr>
-                </a:solidFill>
-              </a:rPr>
-              <a:t>Risk Assessment</a:t>
-            </a:r>
-          </a:p>
-          <a:p>
-            <a:r>
-              <a:rPr lang="en-US" sz="3200" dirty="0" smtClean="0">
-                <a:solidFill>
-                  <a:schemeClr val="bg1">
-                    <a:lumMod val="65000"/>
-                  </a:schemeClr>
-                </a:solidFill>
-              </a:rPr>
-              <a:t>Schedule</a:t>
-            </a:r>
-          </a:p>
-          <a:p>
-            <a:endParaRPr lang="en-US" sz="4000" dirty="0">
+              <a:t>Mission Architecture: Volume Based</a:t>
+            </a:r>
+            <a:endParaRPr lang="en-US" dirty="0">
               <a:solidFill>
-                <a:schemeClr val="bg1">
-                  <a:lumMod val="65000"/>
+                <a:schemeClr val="tx1">
+                  <a:lumMod val="85000"/>
+                  <a:lumOff val="15000"/>
                 </a:schemeClr>
               </a:solidFill>
             </a:endParaRPr>
           </a:p>
-          <a:p>
-            <a:endParaRPr lang="en-US" dirty="0" smtClean="0">
+        </p:txBody>
+      </p:sp>
+      <p:sp>
+        <p:nvSpPr>
+          <p:cNvPr id="4" name="Slide Number Placeholder 3"/>
+          <p:cNvSpPr>
+            <a:spLocks noGrp="1"/>
+          </p:cNvSpPr>
+          <p:nvPr>
+            <p:ph type="sldNum" idx="12"/>
+          </p:nvPr>
+        </p:nvSpPr>
+        <p:spPr/>
+        <p:txBody>
+          <a:bodyPr/>
+          <a:lstStyle/>
+          <a:p>
+            <a:pPr>
+              <a:defRPr/>
+            </a:pPr>
+            <a:fld id="{8C6E2802-7AC4-44BB-B0A5-E12803E0614A}" type="slidenum">
+              <a:rPr lang="en-US" altLang="en-US" smtClean="0"/>
+              <a:pPr>
+                <a:defRPr/>
+              </a:pPr>
+              <a:t>18</a:t>
+            </a:fld>
+            <a:endParaRPr lang="en-US" altLang="en-US" dirty="0"/>
+          </a:p>
+        </p:txBody>
+      </p:sp>
+      <p:sp>
+        <p:nvSpPr>
+          <p:cNvPr id="6" name="Rectangle 5"/>
+          <p:cNvSpPr/>
+          <p:nvPr/>
+        </p:nvSpPr>
+        <p:spPr>
+          <a:xfrm>
+            <a:off x="923131" y="1359352"/>
+            <a:ext cx="8382000" cy="2496837"/>
+          </a:xfrm>
+          <a:prstGeom prst="rect">
+            <a:avLst/>
+          </a:prstGeom>
+        </p:spPr>
+        <p:txBody>
+          <a:bodyPr wrap="square">
+            <a:spAutoFit/>
+          </a:bodyPr>
+          <a:lstStyle/>
+          <a:p>
+            <a:pPr>
+              <a:buFont typeface="Arial" pitchFamily="34" charset="0"/>
+              <a:buChar char="•"/>
+            </a:pPr>
+            <a:r>
+              <a:rPr lang="en-US" sz="2000" dirty="0" smtClean="0">
+                <a:solidFill>
+                  <a:schemeClr val="tx1">
+                    <a:lumMod val="85000"/>
+                    <a:lumOff val="15000"/>
+                  </a:schemeClr>
+                </a:solidFill>
+              </a:rPr>
+              <a:t>Since the mission architecture will fit the CubeSat standard, its launch will rely on it being able to integrate into one of the currently available CubeSat deployers.</a:t>
+            </a:r>
+            <a:endParaRPr lang="en-US" sz="2000" dirty="0" smtClean="0">
               <a:solidFill>
-                <a:schemeClr val="bg1">
-                  <a:lumMod val="65000"/>
+                <a:schemeClr val="tx1">
+                  <a:lumMod val="85000"/>
+                  <a:lumOff val="15000"/>
                 </a:schemeClr>
               </a:solidFill>
             </a:endParaRPr>
           </a:p>
+          <a:p>
+            <a:pPr lvl="1">
+              <a:buFont typeface="Arial" pitchFamily="34" charset="0"/>
+              <a:buChar char="•"/>
+            </a:pPr>
+            <a:r>
+              <a:rPr lang="en-US" dirty="0" smtClean="0">
+                <a:solidFill>
+                  <a:schemeClr val="tx1">
+                    <a:lumMod val="85000"/>
+                    <a:lumOff val="15000"/>
+                  </a:schemeClr>
+                </a:solidFill>
+              </a:rPr>
+              <a:t>This means that a 6U volume is the largest volume that the spacecraft can attain will still being able to meet this constraint.</a:t>
+            </a:r>
+          </a:p>
+          <a:p>
+            <a:pPr lvl="1">
+              <a:buFont typeface="Arial" pitchFamily="34" charset="0"/>
+              <a:buChar char="•"/>
+            </a:pPr>
+            <a:r>
+              <a:rPr lang="en-US" dirty="0" smtClean="0">
+                <a:solidFill>
+                  <a:schemeClr val="tx1">
+                    <a:lumMod val="85000"/>
+                    <a:lumOff val="15000"/>
+                  </a:schemeClr>
+                </a:solidFill>
+              </a:rPr>
+              <a:t>It also means that a deployer must be selected for which the design of the mission will hinge upon, as each different deployer has different dimensional, structural, and electrical constraints associated with its use.</a:t>
+            </a:r>
+          </a:p>
+          <a:p>
+            <a:pPr lvl="1"/>
+            <a:endParaRPr lang="en-US" dirty="0" smtClean="0">
+              <a:solidFill>
+                <a:schemeClr val="tx1">
+                  <a:lumMod val="85000"/>
+                  <a:lumOff val="15000"/>
+                </a:schemeClr>
+              </a:solidFill>
+            </a:endParaRPr>
+          </a:p>
         </p:txBody>
       </p:sp>
+      <p:pic>
+        <p:nvPicPr>
+          <p:cNvPr id="57346" name="Picture 2" descr="http://www.nasa.gov/sites/default/files/images/746364main_smallsat_graph.jpg"/>
+          <p:cNvPicPr>
+            <a:picLocks noChangeAspect="1" noChangeArrowheads="1"/>
+          </p:cNvPicPr>
+          <p:nvPr/>
+        </p:nvPicPr>
+        <p:blipFill>
+          <a:blip r:embed="rId2" cstate="print"/>
+          <a:srcRect/>
+          <a:stretch>
+            <a:fillRect/>
+          </a:stretch>
+        </p:blipFill>
+        <p:spPr bwMode="auto">
+          <a:xfrm>
+            <a:off x="2904331" y="3629025"/>
+            <a:ext cx="4572000" cy="3476408"/>
+          </a:xfrm>
+          <a:prstGeom prst="rect">
+            <a:avLst/>
+          </a:prstGeom>
+          <a:noFill/>
+        </p:spPr>
+      </p:pic>
     </p:spTree>
-    <p:extLst>
-      <p:ext uri="{BB962C8B-B14F-4D97-AF65-F5344CB8AC3E}">
-        <p14:creationId xmlns:p14="http://schemas.microsoft.com/office/powerpoint/2010/main" xmlns="" val="1899034955"/>
-      </p:ext>
-    </p:extLst>
   </p:cSld>
   <p:clrMapOvr>
     <a:masterClrMapping/>
   </p:clrMapOvr>
-  <mc:AlternateContent xmlns:mc="http://schemas.openxmlformats.org/markup-compatibility/2006">
-    <mc:Choice xmlns:p14="http://schemas.microsoft.com/office/powerpoint/2010/main" xmlns="" Requires="p14">
-      <p:transition spd="slow" p14:dur="2000" advTm="1111"/>
-    </mc:Choice>
-    <mc:Fallback>
-      <p:transition spd="slow" advTm="1111"/>
-    </mc:Fallback>
-  </mc:AlternateContent>
-  <p:timing>
-    <p:tnLst>
-      <p:par>
-        <p:cTn id="1" dur="indefinite" restart="never" nodeType="tmRoot"/>
-      </p:par>
-    </p:tnLst>
-  </p:timing>
 </p:sld>
 </file>
 
@@ -13230,7 +14480,7 @@
           <a:lstStyle/>
           <a:p>
             <a:r>
-              <a:rPr lang="en-US" dirty="0" smtClean="0">
+              <a:rPr lang="en-US" b="1" dirty="0" smtClean="0">
                 <a:solidFill>
                   <a:schemeClr val="tx1">
                     <a:lumMod val="85000"/>
@@ -13238,9 +14488,9 @@
                   </a:schemeClr>
                 </a:solidFill>
               </a:rPr>
-              <a:t>Here be CONOPS</a:t>
-            </a:r>
-            <a:endParaRPr lang="en-US" dirty="0">
+              <a:t>Mission Architecture: Success Verification Based</a:t>
+            </a:r>
+            <a:endParaRPr lang="en-US" b="1" dirty="0">
               <a:solidFill>
                 <a:schemeClr val="tx1">
                   <a:lumMod val="85000"/>
@@ -13261,12 +14511,281 @@
             <p:ph idx="1"/>
           </p:nvPr>
         </p:nvSpPr>
-        <p:spPr/>
+        <p:spPr>
+          <a:xfrm>
+            <a:off x="618331" y="1419225"/>
+            <a:ext cx="9210675" cy="3657600"/>
+          </a:xfrm>
+        </p:spPr>
         <p:txBody>
           <a:bodyPr/>
           <a:lstStyle/>
           <a:p>
-            <a:endParaRPr lang="en-US"/>
+            <a:pPr>
+              <a:buFont typeface="Arial" pitchFamily="34" charset="0"/>
+              <a:buChar char="•"/>
+            </a:pPr>
+            <a:r>
+              <a:rPr lang="en-US" sz="2000" dirty="0" smtClean="0">
+                <a:solidFill>
+                  <a:schemeClr val="tx1">
+                    <a:lumMod val="85000"/>
+                    <a:lumOff val="15000"/>
+                  </a:schemeClr>
+                </a:solidFill>
+              </a:rPr>
+              <a:t>Based on the mission success criteria and the fact that mission success must be verified on the ground, it is clear that several subsystems will need to be integrated into the spacecraft that facilitate meeting these goals.</a:t>
+            </a:r>
+          </a:p>
+          <a:p>
+            <a:pPr>
+              <a:buFont typeface="Arial" pitchFamily="34" charset="0"/>
+              <a:buChar char="•"/>
+            </a:pPr>
+            <a:r>
+              <a:rPr lang="en-US" sz="2000" dirty="0" smtClean="0">
+                <a:solidFill>
+                  <a:schemeClr val="tx1">
+                    <a:lumMod val="85000"/>
+                    <a:lumOff val="15000"/>
+                  </a:schemeClr>
+                </a:solidFill>
+              </a:rPr>
+              <a:t>These subsystems, which will be described in slightly more detail on the following slides, consist of:</a:t>
+            </a:r>
+          </a:p>
+          <a:p>
+            <a:pPr lvl="1">
+              <a:buFont typeface="Arial" pitchFamily="34" charset="0"/>
+              <a:buChar char="•"/>
+            </a:pPr>
+            <a:r>
+              <a:rPr lang="en-US" sz="1800" b="1" u="sng" dirty="0" smtClean="0">
+                <a:solidFill>
+                  <a:schemeClr val="tx1">
+                    <a:lumMod val="85000"/>
+                    <a:lumOff val="15000"/>
+                  </a:schemeClr>
+                </a:solidFill>
+              </a:rPr>
+              <a:t>Structures</a:t>
+            </a:r>
+            <a:r>
+              <a:rPr lang="en-US" sz="1800" dirty="0" smtClean="0">
+                <a:solidFill>
+                  <a:schemeClr val="tx1">
+                    <a:lumMod val="85000"/>
+                    <a:lumOff val="15000"/>
+                  </a:schemeClr>
+                </a:solidFill>
+              </a:rPr>
+              <a:t>: determines the layout of each subsystem of the spacecraft and ensuring that it is capable of surviving launch and the on-orbit environment</a:t>
+            </a:r>
+          </a:p>
+          <a:p>
+            <a:pPr lvl="1">
+              <a:buFont typeface="Arial" pitchFamily="34" charset="0"/>
+              <a:buChar char="•"/>
+            </a:pPr>
+            <a:r>
+              <a:rPr lang="en-US" sz="1800" b="1" u="sng" dirty="0" smtClean="0">
+                <a:solidFill>
+                  <a:schemeClr val="tx1">
+                    <a:lumMod val="85000"/>
+                    <a:lumOff val="15000"/>
+                  </a:schemeClr>
+                </a:solidFill>
+              </a:rPr>
+              <a:t>Propulsion</a:t>
+            </a:r>
+            <a:r>
+              <a:rPr lang="en-US" sz="1800" dirty="0" smtClean="0">
+                <a:solidFill>
+                  <a:schemeClr val="tx1">
+                    <a:lumMod val="85000"/>
+                    <a:lumOff val="15000"/>
+                  </a:schemeClr>
+                </a:solidFill>
+              </a:rPr>
+              <a:t>: allows for the performance of orbital maneuvers to achieve each mission success criterion</a:t>
+            </a:r>
+          </a:p>
+          <a:p>
+            <a:pPr lvl="1">
+              <a:buFont typeface="Arial" pitchFamily="34" charset="0"/>
+              <a:buChar char="•"/>
+            </a:pPr>
+            <a:r>
+              <a:rPr lang="en-US" sz="1800" b="1" u="sng" dirty="0" smtClean="0">
+                <a:solidFill>
+                  <a:schemeClr val="tx1">
+                    <a:lumMod val="85000"/>
+                    <a:lumOff val="15000"/>
+                  </a:schemeClr>
+                </a:solidFill>
+              </a:rPr>
+              <a:t>Attitude Determination and Control</a:t>
+            </a:r>
+            <a:r>
+              <a:rPr lang="en-US" sz="1800" dirty="0" smtClean="0">
+                <a:solidFill>
+                  <a:schemeClr val="tx1">
+                    <a:lumMod val="85000"/>
+                    <a:lumOff val="15000"/>
+                  </a:schemeClr>
+                </a:solidFill>
+              </a:rPr>
+              <a:t>: determines the location and orientation of the spacecraft and to collect data related to controlling the propulsion system.</a:t>
+            </a:r>
+          </a:p>
+          <a:p>
+            <a:pPr lvl="1">
+              <a:buFont typeface="Arial" pitchFamily="34" charset="0"/>
+              <a:buChar char="•"/>
+            </a:pPr>
+            <a:r>
+              <a:rPr lang="en-US" sz="1800" b="1" u="sng" dirty="0" smtClean="0">
+                <a:solidFill>
+                  <a:schemeClr val="tx1">
+                    <a:lumMod val="85000"/>
+                    <a:lumOff val="15000"/>
+                  </a:schemeClr>
+                </a:solidFill>
+              </a:rPr>
+              <a:t>Communications</a:t>
+            </a:r>
+            <a:r>
+              <a:rPr lang="en-US" sz="1800" dirty="0" smtClean="0">
+                <a:solidFill>
+                  <a:schemeClr val="tx1">
+                    <a:lumMod val="85000"/>
+                    <a:lumOff val="15000"/>
+                  </a:schemeClr>
+                </a:solidFill>
+              </a:rPr>
+              <a:t>: allows for the communication of mission success to the ground and facilitating the observation of the spacecraft during its mission lifetime.</a:t>
+            </a:r>
+          </a:p>
+          <a:p>
+            <a:pPr lvl="1">
+              <a:buFont typeface="Arial" pitchFamily="34" charset="0"/>
+              <a:buChar char="•"/>
+            </a:pPr>
+            <a:r>
+              <a:rPr lang="en-US" sz="1800" b="1" u="sng" dirty="0" smtClean="0">
+                <a:solidFill>
+                  <a:schemeClr val="tx1">
+                    <a:lumMod val="85000"/>
+                    <a:lumOff val="15000"/>
+                  </a:schemeClr>
+                </a:solidFill>
+              </a:rPr>
+              <a:t>Command and Data Handling</a:t>
+            </a:r>
+            <a:r>
+              <a:rPr lang="en-US" sz="1800" dirty="0" smtClean="0">
+                <a:solidFill>
+                  <a:schemeClr val="tx1">
+                    <a:lumMod val="85000"/>
+                    <a:lumOff val="15000"/>
+                  </a:schemeClr>
+                </a:solidFill>
+              </a:rPr>
+              <a:t>: allows for recording of mission data and the handling of data exchanges between each subsystem of the spacecraft.</a:t>
+            </a:r>
+            <a:endParaRPr lang="en-US" sz="1800" b="1" u="sng" dirty="0" smtClean="0">
+              <a:solidFill>
+                <a:schemeClr val="tx1">
+                  <a:lumMod val="85000"/>
+                  <a:lumOff val="15000"/>
+                </a:schemeClr>
+              </a:solidFill>
+            </a:endParaRPr>
+          </a:p>
+          <a:p>
+            <a:pPr lvl="1">
+              <a:buFont typeface="Arial" pitchFamily="34" charset="0"/>
+              <a:buChar char="•"/>
+            </a:pPr>
+            <a:r>
+              <a:rPr lang="en-US" sz="1800" b="1" u="sng" dirty="0" smtClean="0">
+                <a:solidFill>
+                  <a:schemeClr val="tx1">
+                    <a:lumMod val="85000"/>
+                    <a:lumOff val="15000"/>
+                  </a:schemeClr>
+                </a:solidFill>
+              </a:rPr>
+              <a:t>Power</a:t>
+            </a:r>
+            <a:r>
+              <a:rPr lang="en-US" sz="1800" b="1" dirty="0" smtClean="0">
+                <a:solidFill>
+                  <a:schemeClr val="tx1">
+                    <a:lumMod val="85000"/>
+                    <a:lumOff val="15000"/>
+                  </a:schemeClr>
+                </a:solidFill>
+              </a:rPr>
+              <a:t>: </a:t>
+            </a:r>
+            <a:r>
+              <a:rPr lang="en-US" sz="1800" dirty="0" smtClean="0">
+                <a:solidFill>
+                  <a:schemeClr val="tx1">
+                    <a:lumMod val="85000"/>
+                    <a:lumOff val="15000"/>
+                  </a:schemeClr>
+                </a:solidFill>
+              </a:rPr>
+              <a:t>allows for the operation of each of the other subsystems over the course of the mission lifetime.</a:t>
+            </a:r>
+            <a:endParaRPr lang="en-US" sz="1800" b="1" u="sng" dirty="0" smtClean="0">
+              <a:solidFill>
+                <a:schemeClr val="tx1">
+                  <a:lumMod val="85000"/>
+                  <a:lumOff val="15000"/>
+                </a:schemeClr>
+              </a:solidFill>
+            </a:endParaRPr>
+          </a:p>
+          <a:p>
+            <a:pPr lvl="1">
+              <a:buFont typeface="Arial" pitchFamily="34" charset="0"/>
+              <a:buChar char="•"/>
+            </a:pPr>
+            <a:endParaRPr lang="en-US" sz="1800" dirty="0" smtClean="0">
+              <a:solidFill>
+                <a:schemeClr val="tx1">
+                  <a:lumMod val="85000"/>
+                  <a:lumOff val="15000"/>
+                </a:schemeClr>
+              </a:solidFill>
+            </a:endParaRPr>
+          </a:p>
+          <a:p>
+            <a:pPr>
+              <a:buFont typeface="Arial" pitchFamily="34" charset="0"/>
+              <a:buChar char="•"/>
+            </a:pPr>
+            <a:endParaRPr lang="en-US" sz="1800" dirty="0" smtClean="0">
+              <a:solidFill>
+                <a:schemeClr val="tx1">
+                  <a:lumMod val="85000"/>
+                  <a:lumOff val="15000"/>
+                </a:schemeClr>
+              </a:solidFill>
+            </a:endParaRPr>
+          </a:p>
+          <a:p>
+            <a:endParaRPr lang="en-US" dirty="0" smtClean="0">
+              <a:solidFill>
+                <a:schemeClr val="tx1">
+                  <a:lumMod val="85000"/>
+                  <a:lumOff val="15000"/>
+                </a:schemeClr>
+              </a:solidFill>
+            </a:endParaRPr>
           </a:p>
         </p:txBody>
       </p:sp>
@@ -13299,11 +14818,48 @@
           </a:p>
         </p:txBody>
       </p:sp>
+      <p:sp>
+        <p:nvSpPr>
+          <p:cNvPr id="40964" name="AutoShape 4" descr="data:image/jpeg;base64,/9j/4AAQSkZJRgABAQAAAQABAAD/2wCEAAkGBxQSEhUUExQWFRUXFxgZGBUWGBwbHBobHhwYFxsfIRwYHCggHhwmHRcYIjEkJykrLi4uHB8zODMsNygtLisBCgoKDg0OGhAQGywmICQ0LCwsLy8sLCwsLCwsLywsLSwsLCwsLCwsLCwsLCwsLC8sLCwxLDQsLSwsLCwsLDQsLP/AABEIAMoA+QMBIgACEQEDEQH/xAAbAAEAAgMBAQAAAAAAAAAAAAAABQYCAwQHAf/EAEEQAAIBAwMCBQIDBAcIAgMBAAECEQADIQQSMQVBBhMiUWEycUKBsRQjkaEzNFJic7LBJENyg8LR4fCCs2OT8RX/xAAZAQEAAwEBAAAAAAAAAAAAAAAAAQIEAwX/xAAwEQACAQMBBAkEAgMAAAAAAAAAAQIDESExBBJBYSIyUYGRscHh8DNxodETI0NSYv/aAAwDAQACEQMRAD8A9xpSlAKUpQClKUApSlAKwuXAoJJAAyScCozxD1pdLb3GNxB2j3iAfv8AUKpV25qtedwCrZOd5YhVjB7gmMyBgxBY1yqVYw1JSuTnWfGaowt2hkmDcYgKuJk+358cweDK9A60LmltXrrKpfd3iSCRiecCaqQt6XSLtRRfdztJuR+IDCKBOccDgqSSIqN6a15z/slvcqMq+pQYUksxljsEThcnviazR2l5lbHPBbdPVrdwMAQQQeCKzqi6TxHbFyLreTeG4kqCFIHIdW4gEc/cECrF03rJa2GvJ5UmJMbTkgGQTAODn3Amu1PaFLEsP5oQ4tExSvgNfa0FRSlKAUpSgFKUoBSlKAUpSgFKUoBSlKAUpXygPtKUoBSlKAUrn1etS0Jdgo+e/wCXJqlda8YPc9GkGWJUNgkkGTAVpI29x2PIPFJTUdSUrls6r1i3YWWMnJgcwIk/AEiqVrfEmp1bhNIGXcTnjaAYkmIE/PHYSawtdFKlrusuMu7cBaQ7mhjJBIBChtsYzx6prDU+IEtA27RVEgRbThMZ3NtyxJAIzkQfnJKvKbtD2LJWJfxBdVjY84hmtA71G0hmIRsk4UE22MQcA8AE1X9T1t7odFMkQAArFZOIC44zEiD7HiujpPhq9qQr3ybaCGXaVlgVBBABO0zmWk54AFXfp/TrdgEWxEmWY5ZickknJOayVNojF9LpP8FkisdN8HFmR9SwbaBCLOTydxPOYwIq2abTrbUKihVHAAgVtpWCpVlPVljg6l0e1fyygPBAuADcv2J/Q4qpdQ6Ve0iIYGptrcLFWHpWSSCV/DAP1Dj86vlKtTryhjgLIqnTevkXLh3qttVGzT7SWYDLFSD9XaPjjvVm6T1db6g7WRiAdlwbWg8c1EdV8M27u5k/duwIlQNpJ7sIyR8EVW763dO+nGqtm8ELhbm8jkLkEMBmMBhIPBAr09n2pWsvB66cDm4nplKqGg8SeVbZ7twXUV9sKrm4oYwsiJbnmIxMmrRpdWlwSjTHIyCPuDkV6EakZaFWjfSlKuQKUpQClKUApSlAKUpQClKUAr5X2vlQwfaV8qF6z4ltWAZYFuABxPPI9vijaWoJm5cCiSQB7nFVTrnjNLYZbILsPxDgerb3GfYe5981X7uq1fUc2zttg7TPpC9ySc5PBCk4ETk1kLWn0h32wLlwc3SvoBJA9CyMwTET9/fLU2lX3Y6/PAuo9phasX9Wxe7eFu2B9NyCYmWHlzMcwW/IRitx1VnTY06BDEb22+a05OWyBwcxAJxMA8apc1F64LKEvks4OCxgDPCqMnMknMTEWDoPg9LQVrxFy4CTHKCfgiWPyax1ZqP1H3FkV7SaDUa0kqdijaPMLMQ2Cpzy5EDHyZJJmrh0nw3ZsqAUW44Eb2UE8RA9h8VMIgAgAAewxX2sVXaJSxHCJsAIpSlZyRSlKAUpSgFYXrKuCrAMDyCJB/I1nSgKt1bwuwLPpXFtj+HIz3hlysjtx7RUfY6y1u6RfF0XdkbwxUAKcErO1iCckAyDweKvNc+u0SXVKuoIzB7j5B7H5rXT2prEvHiRY5On9cIt2zqPLlzt3Wm3qWzHCjtn4+KnbdwMJBBHuKoN7w9f0rBtJBUcgkltvLAjh/g8jivnSvEIBvEFvOJHogeWWiAJIG3ODuOPevUpbVfmu39r3KOJ6DSozTdXWUS9Fq6wkIWBB+zd6k61xkpK6KClKVYClKUApSlAKUpQCvlfa+VDBSfFfXbgvNYRxbIClTJG4tiJBHvOcYyDUfpujWrThrn726FAXTrJSAAsFmB3gEycQJ4rk8aT+3nE+m3JjjNOn9WOnZoOMkzkRPc8gS386w7SpO9jojd1Hq7m55CIyqAV8q2pKqMR6Fjd3HYCQZ5FdHSPB7vD6phO9mKAeppjlwcCR9IH5136fq9q4Wa0pW+SqttVfUcHliAwj5n2zU5a1sELcXYx9srPA9Xae0gVhnUnBWireZZG/S6RLYOxFWedoifv71upSsLd3dkilKVAFKUoBSlKAUpSgFKE18BpYH2lKUAqK6z0K3qFcRsdgR5iYaeATH1fnUrSrRk4u6BRH6bd0l1Cba37YTy97LPpiSAIZrYJnuV95muzoHX2S3JutqGa6V8ogKwLE7QpLxtUQDEzEwJq31X+reGUdWNn9287oGFJGe30z7jP3rbR2vKvh9v79irRYdJr0clQYccofqHHbuMjIxXXXmzF7F0i/aALoANQcsGAMQ/4iB2kGPsanuieIW22gxbU7hDXLVsjYwE+peykcEmfv29SntCa6Xjw9u8o42LXStWn1Cuu5Tj7QQe4IPBrbWm5UUpSgFKUoBXyvtKhg8s8a/1857Wse+f9OagergeYuYzj59dvFT3jYj9vOMxag+2c/wAqgupkLcA+TBOYO5IwfmKzSXTLomLmm/snb7gcEfkcfcV1aXqjqWDIhLJtNxxub+7BOHE52kj8q577ELg5xmPy4qH0/WVdypkjiCP+3fk/MQM85Ywck3qieRe+m9U2ra2M99nlWAT0qwmWMSbYmR3GMRU9p9arQD6Hz6GjdjmM5HyK84tOZBtORtIMAwR9j3Bzzg9qkLfVmCXlRVW4zb/MeT6jAY7VII9IMFT3+9Z57OpaE3PQKVAaDrP7xLYJvBrPmBlUwIAxu4YnsCd3vM1NafUK67lOPkEEH2IOQfisU6bjqWNtKUqgFKVydTF0pFnaHkZbsO8Yifv/ADqUruwM9XrUtj1MAYJC/iaPZeSftUVrNXqLgi2hSBuIxvjsvMBjk7QeB9Smt9voikE3WNy4wILNwJ4gcQK5ReuWztXaLuwKQ+AxUYZCYDYmVkZ/jXemo8Msg0aG3Z2st9juU53vuEn1Qvsf7sbvivuitl2Js2otRzcld3MbSF3Lx889jWoX7ZV11L3t7YINpwMCMQpRxk5iKaDqF4ubdos6gBQWXOcbsncsdw2D+GK7NPLX5vbuIJLp3UAsBywUqzA3TlCGCMjMcSCwj3HvEnOz1R7rgWrZ2BoNx8CAYMDv3/7VlpOl4/ecAkhQZyTJJaJJJzGB8VJogAAAgAQAOwrPKUL4RJ9pSlcSRSlKA13rCuIZQw9iJqr9Q8LuhD6W4ybc+WDEj+yG9vg4nvVspXSFWUNAUPT9bZPMVkazeJk3WLCWgDcyQfRiMSPgVbrHiBN6oxVtylhct5SBgy2QuZ7n7196p0m1qF23k3DjkgwecjNVjVdM1OjZrli6DZiSCssWkASigbjHdYPGMV6NDauCxyencUa7S/W3DAEEEHgjINZVR+kdesrFpL3l3oDMjlnSST6dzcT8EH78VO9P6wdZb3acgAOUdzypAVjtBHqkMIJx8HivRpVlPg0UasS2o1KpG5gJwJOSfYDufgVwdI6t+0Nc2rtFt9jBj6t21XyB9OGGDnmQIrrs6JVbdlm43MZP5DgfkBXJ0fR27dzUlEC7r25oESTbtEk/Mk12IJSvlfa+VDB5d41J/byO0Wp/jj+dQeuBNwSdv1SOZh0MY94/KpvxtH7eZmYtR/HM/lUF1Zv3qcjOI999v/SazS65dEzqj6fzH61SNCPXd+4/6qu+r+k/cfqKpGgP7y79x/1Vnj9Gfd5o7UPqL5wZKW9U6jBx/wCd3P8AxZ/jUla6irAB+/sDuxn8Pz9gf4iolBJA+a+H8x9sfpXGM8ZNVShGTxhlm0uruoUa252iQyrHBgQRxj3WPipPpfUES2FU+UVuH97dus3pP1Hc+7PEK2PkRVY6SbhDEEEgkfMQCB8xwPaT3Nddx0eQ2GIgnt2gEH/0fE1eUEzC+i7Pgei2eo+raSHAAO9BIEgn1AfSCBIPHPGJ7rN1WAZSCDwQZH8q8+0/Urtr07yEZSvp7HgENyhzjtUz0XqPmBBYDITO/wA5skrj6Yg7u5BU+9Y6mz2yiUy10qO0nWLbts3LuB24YFSw5UEfiHsYP3qRrNKLi7MkVi9sHBAPfNZUqoMfKHsKW7YUQAAPYYrKlTcCqp4l8XHTam1p0W07NsLrcvLbch3CKLat/SPhjEjt71a6qviXwm2pveYlxbYdbaXt1vezIlzzF2NuGxssJg9vaulHc3unoQzf1fxK1izrrgthv2SIG6N820uZxj6478VO6K9vto8RuVWj2kA/61UvEfg/Uai5fFvV+Vp9Tt86z5KsxhQh2uTKyqgVb9PaCKqjhQAPsBAqaihurd19l63CubK13L6qVDMAWMKCYk+w9zWyawuWlaJAMGRI4PuPmuStfJJnXx3ABJMAZJPaoHqnWl0rOWcvuMhDAW3C8SM5gmIJzxFV/Va/Va241q0CFUmSIAVo4ciRGf7xmCIrvDZ5Szw7SLk71jxbatEqpDsCAc4kiRn292OB7ziq+x1OpBe+x09mFLXWIQQNxESATlvge8muXUajS6T03P8Aa9Qvb/do3ME8sc99x+1QfVOo3tS037hYA4QelR+Q/UyfmK20qKXVXe9e5DU6+o/s6C4ulV3ITbc1JZisZgBPpjP1AD7mK9K8D6VU0iOJm9+9ef7TBQYAGBCjFeWII0uojH9GPyk/+a9b8I/1LT/4S/pW7Z8XRznFXvxJeuPQ/Xf/AMUf/VarsmuPQ/Xf/wAQf/VarSVOyvlfaVDB5b41J/bjicWs+3q/14qC6pIcBRzMkdgXQT/E1avFPSbt7XMLaXMom1gPRIzLMcQPiTNVvqugueeLch7i7mOwMQdrIzACJP8A3rNO6lvF0TFrSPdJRBO1QT78wP4waq/UelPaYtbUspXc9vAdCPqx+Je4I9+0VYtL1l7V9Ra2Mr4ae8DcMj/j/lVls6jT6wsAGW4hgN9LCO4KnjMc+9Zo1JU9VdPUnKd1qeXae8rcH7j2rOrZ1/wmIZyIaSwu2l9X2dZAI7yucd5qp6yy9iDch0Jhb1vKE+2YIYe3NP4FUX9Lvyevd2+fI109qX+THPh7Ez4f4f8A4h+grDxZdKWNwidyjIBwcEZ7EYrLw4wKuRkbh+grT4y/q/8A80/Wr7PH++EX2x9DJXfWa5mvRdSK/V3BJ5jsfy7/AH/WTQh4KtBmdskqW5Bxnt+fcVXhWSXCOO38P/H5Vy3+k7mqezKycS5WeuOqMjnaCcEAF4GWjdIae3fNTnTuqMbpt2LbNaFsOHYgIOAUH4ge+RHIwIqh6bqU+lszA9RgzHY98x89+1SWjumRcRjgERORI45gg/P8apOnFxM7upWZ6NpdYtwCDmJ2nkdv/YrorzvR9S9FlT5dlbV4FtlvOwnjkFCSZJE8GrXoepNuuAJcuW0Ii5Alt3q9PZwsxIgyIg81jqUHHQJkzStdi+rruUhge4/n+dbKzkilK06mxvAG5lhlb0mJggwfgxmpQN1YX7yopZjCgSSewrmu6l0a4XVRaVQVbdkn8QIOB8Zqqde8XI6G2EYbwwbcRK8YO0mJ7xJA7GutOjKbXYGy0P1iwAzeYvpmYOcCf9R/GvPhrrvmbLZa4z7jC7iCjZiGOeMnC5IBjNbR0V2t+dqriWLBacghsTACn3zG4yOwzWnWde2qyaFRpxtk3LmXcjhRG6JHH6Ct9KnGF1DN+3RfORU7tP0dVH+1E3bzRcOmtAG40KEAYgwFiBiAMCaius+ILt4eXHkIuPKQxMGIYjmIiBj71E6bqV5HZ9+244Kt5ZMlTtJJZvUT6Rkn4GMVp1CuuXEDmIM/cTXf+K0rt3+cESuZkiR8n3rKtdpuBzj6vf8A81sroWO1MaW+f7RUfwBNeq+FHA0Wmk820A+8V5Sv9Tvf4uP/ANan/U16X0H+q6DH9nt/+K5XShqzlMkBbvDUuxBNrYNsNwcYCzEzJkjiM9qj9D028pUXA7ib8sbv4TculBhgZKunYxt5ECevUWNQCdrMR5vp+mNhVPqyCAG38Sa+3rOoNpgpi4zMwM/Ss+hQSDmAu6fdoPFaCh26Qi1aQOwBhRJb8R7Sxk5+a65qvdVD+Q4uA5ayFmGlg4kiJgH5j7CrDFAceg+q9/if9KVXeu+HnF03rGZO6AYZWyCyzggg5B+eZgdt7qz2L5U6e49u5dI823kW4RSS45C85E8dqsCOGEggg9wZqs4KSsweQ6/e113gtfVgpJ9EQPVIg5IODx8d6jL5K2WUkBtu4qpn6oK5HebbYr2Hq3RLOoB3rDERvXDAdsiqT1joV+wQfSyCT5qj6WyAWQ/B5ms8qTjpoXUu009H8VOrLauAG2qS1wk78Ec8zAZT8ipl9DY1Qa5Ydd30kgAg9yGVhBFUs2QCXXcxY7SZEbQFQieS5KDt8Vlo7l7TlUDm2S8MoPbn/qg1mdJPKwWZ3P059K7g2gttmZgycL8c8AR/7xEeLHD6aVMjeuR96uPSfFdu+SlwAKAAXYiCchpHY7lYVh1LwrbuLvsFdrQSoMo45wRjPvU06u7VjOpqmn9yko3i0igIcVsB9J+4+1dOv6DctM3lTAJPkv8AXHJ2H8cZ4zwYzUfZ1AMjIPdTg/wqs6LV5xzHPdftXDyPQpV4zSjo/mhjrnK23YchGI+4BNWf9jgBkmcHbMdoMYx2/hH2qvU/6G7/AMD/AOU1drX0j7D9K5wk1HBz2vrI4G1Ck7bghhEEZZSeDjOeeIzB+dysTuVj5lq4m1l5Vh33KPzyPtFVzq39cb/hH+VBXXpuoMnv8nn4Eg8x8H/uO84qNs6q/wA8DPCnKUW1wZdundZ8w2CTb04jYRJLEjhVIO2I7MCasOj6luDFx6VMeYFIU5jg5WO5OO8153buI+RCtMzyN3E4waktH1O4jbLjMUJUqskDHKhh7/2TzNZalGLIvqehTUF1rxPasiFO54aB2x+ueMic5EEji6lrbH7KwVjbGB5YME5EgATyJyMDNVpbml0yBr5/abt0K4sr9Ken0h885jPA4GM8qWzp5lf7E3Oy9+064l/SlhlYG4zehVIgzxMDBAAB7nmudOo2NKUt6MftN4zF1+EmFhBAEnt9sk1D9V6vf1WLrBbciLKYUR9P/v6V1eG9Gu5r7fRZBcgclgCV/hH8hWxx3Y9LTsQscnWzc88m+267CiZnBAMCMAZ4HzXGs8k7FmN32yTjMfasuo9UBZrjy1xzMRgLEfmeOePY8iJe9cvHLYiOYAA7fb4rrHCV9TpCm5fY6bvVFtibfY7t/cCMxnBJJMzInmuu5g24/EjEj7FAP1NV7XLCuAQcHI71YbvNn/Cf/MlWTuiakFBqxpuW4yBKkyR7fIrYj+8Z4I7is6wtaRiTsUkRJUSSI7ihTQ69SP8AZQY/3r/ySP8ASvXPCH9S0/8AhJ+leVdV6t5mnt2ggVbakkj8TQc/HNeq+EP6lp/8JP0rps983OcyYri0P13/APFH/wBVqu2oTovUd97VIy7GW9AEglgLVn1Y4BxWk5k3FKUoD5Fcd3QerfbY22PI5RjEAsuJPyCDgZjFdtKA4LWvKwt8BGJ2g/gYxMg9vs0H713GvlxAwIIBB5BqPuWbttt1uGtBf6HvuEAbWJhcdjj7STQHD1nwrbvkspa25MypwT8gjvwYjmqN1HpNywXV7QQR6bmCmfr2ngHH4hPsBzXqWk1a3BIkHupwynuCPvWWosK6lXUMp5UiQfyrnOkpEp2PGfIVAPK3N5ig8YBY7bY92Yh2JIEYHFdfTOt3NP5dpP8AdWgHtRy4TI/iAMH86tfXPCDbg+naEXJs/HcKYxGIHbtFVTT6S1bU7bQQrcXcSpB2rkgKIyxHJ+Z71mlBrEkXuWzR9Ts6xXV127Tt9RGcxIPvxj5HNRXiHwoLijDXAv4ww84L7BmlWAjgifkVVtVa2ILZdXf0lwJ/Eu6OIn0qcVO9K8Q3LWo2XG/2faSBGVAKgEEdsk/aK4pSg96mw0nhlT6z0u7bS6oBu29pXeohgSCAGU5H3iD2Jq3W+B9h+lWC5ptPrrRe3BJBAYSCpjv3qt63S3tKT5k3LfZxkiT3+I/94qJTU8WSfHhf08g2+LuVjq39cb/hH+VK+V86vdH7Tu/C6gK3b6V/1BFJq21xaVN/8+rNmxNbslz9EbJKmQfy/wBDUp0zWSApx24xJ4//AJ/5qKuNOZBwMisUPqt/41v/AC3f+1c49Zx4CtBOnvcST1F1mRySfRsiP73pP8iajw013N/R3v8AlfqKjNNO3Puf1NaE9UZIpXubSamurKNPYt6cCTe9d3OT9Ij3AjH5Vz+HdKLl9d30pLt7enifzj+FcvUNWb153JkFoU/AJH8P+1UfSmo8Fl+n7LMrurM3Gj3gflit7IzL6sACdi+3v3j86xu3trPH1bj6vYZBrVaR3wJOePv+pq3Fo2LqpmGocunlgCOw+cxJ/Op6+hBsyP8AdP8AzZI/1rZoekJb2NeDMSQfKSd5TMtj6BMD+0e2M1t1guM43qQY2qqqQAq8KqjsPialGapNSeDlq0+DmuMly3bWd5hnAyoj+1wP1z8V96X4YVFF7WN5dsAk2yYbERPf/wCIzx9q5upeJ2bZb0i/s9kTKqAGYyIjbwInHPGe1cZS3+jHx4e5TU5PFPlg+XatLbCegwSWJjMicgSMxJnntV78DdWB0iJcG1rbCyFGSxCo3Ak/jz7ROBVR6H4Ov6gByfKWQQXBlveB7fJ79q9J6T0+3ZDrbUKN8+5JKpJJOST7/ArdRhuxOM27hfNu7gwNlCIEEG58+6qP4nPaurSaVLa7UUKPYfqT3PzW6ldiBSlKAUpSgFKUoDn1WjW5BMhh9LKYYfYj9ODXO+puWi3mLut8i4gkj4KCWP3UH7CpClAYWbquAykEHgio7rXQbOqUrdWT/aGGGZ5rovaAfVbPltJJ2jDE5O5eDPvz81t1GoFtdzmBiT8kgfqahq4TtlFE6r4dvWWZlzb2t+8SN6g4yDmQD9Q9u1VQ6dSiG2rkw6By0ACNqjaRJE8s0DHtXr//APp24uGTFvDEqfcjGM5BGKrvW9JpL0bWNu4SrDarQ8njYMNPB71xlR/1LKR5/pnuW3thbkBDtJRgRvVpPBjAeDVw0XilW8wXwqokAuJOcCNoBnPtUXrul3LW8OirbIBVwJBXBMEibZgAHHfvFQl7T3I8tFZ/Mgl8fVLMABORAB3fb7VmnBPEkWuXHWeHbN5C9kI6uD6TBUzwQeVYe4P3qmdT8O3LTqthTJmbLkSIj6XMK09hhs8GJrv0HV7lu9bCO2wBmKKfS0CDjjlD/wCmrToutafVqfORUH4d5EEfB5B+Kqp1KatrHsfz8rI0d1hnmlu+CdplWGCrYIPtWxfqt/41v/Leq89c8LBwzR5sgw0nzVPIIefUPgz+VU+90t7LWpfeDeSAVIZQFuTvBmDLRMn+dTGNKXSg7cn6P9/k6yrylHdku86W/o73/K/zCo2y8g/BIqSb+jvf8r9RWnoWi8y8qQCN25542iC0/cY/OrNpbzfzBziSjt5GigDbd1B+/o4H2EZj5NQYHH5V3de1fnahmH0L6FE4xyft8feuGq0lZXeryXNQ6KT+8chLbOQGP3gkKssw+QI9yK7f2tbcjTpsHHmvBuD32n8IPxn+9U54V6f5gJa35g94GApMgFgRJJ+4g5Far/UNMmoBTSBgwcIhcn1KVAJQAgTJxnjFS53bSVyHJvU1dK0tyzYfU5CkhQTEurGWABwRgffPzW/qPiZne26kbrZBRQIWCpye5MmNsgRPxTTefr9Utm+biITO0CFRQD+A8TkSwnIwJxcdL4G063TcJLr+G0fpH37sPg1eFBy6UtSjaKPY6fq9e5cKXz9bHaig9hOIEcLJq/8AQfB9jTEOR5l0fjbgH+6vA+/NT1iwqKFRVVRgKoAAHwBgVyPq3uEraXEZut9IPsF5Y/wHz2rTCmolXJs6NbrEsqWdoA/Mn4AGSfYDJrm6LrfOVrnlvbBYbRcADEbEIO0Ekc8GDjit2m0IWCxNx+d7ZM/A4UfAiuuK6FRSlKAUpSgFKUoBSlKAUpSgFRvUdUm2953otIAWef8A5HEdoH3qSqM6p0ZNQl1LhbbcH4CVI9O3kGgOPzbDM48y6zMyDhjw7lYO36QxbPGI7Vhr7OmVgLjXAyQUweSQfTC+ozEjNdFvoG0jbfugBlO30kEKWbaSVkrLseZ+az6l0Jb8+ZcciICwpUZBOCsNMCQ0jFAddqHDWyspsX6s7lYMCCCPj+dQHV/CS7ZsDg/0bHB+xP0kdv8ASp5l8oFgCwCou1RkBd0kAc4PAHbFdFjUK4lTMcjgg8wQcgwRzVZQUlZg8kv6NrYdGtrYbccEAGJOVIxDFjPyTya5H0+BbQFyCp3BSDgbmwRMDcM/Br2DX9OtXl23EVsEAkZE+x5B+1U7rPhS5bLOjtcQiCgEOBIPIPrHuIHAwa4SpNZRZSILpPiq6lxkuR5dtLcqFzJmQD7ZH8Ksto6fXIHEqxkc7WkYOO/5e9U79k80YAtlid+5fUGLEgH1fu1WeIP5VosrFxEX1KjM3mqCAZLLInjIEH5EVmcE8rUu1bBiwi3e/wCV+orf0rX27OnvCGN66ds/hVNoH+rfyrQw/d3f+UJ/MfzrV03VC1cRyAdrKRPbnMHBjmryhe9+XkEa9NonLC2qMXP4YM5zMe2ZmrLp+gWdMu/XPBP0WkaSYOZ289uMD3rh1viK557XkJVyhtz+ELOIHBPeT/a+M7ejeHNTrG3uWVcTduhiSMkbQYLD8wBPNRuTm7aefiTfGTDqHie46+Tp18izhUS2IePaV9/Yfxqf8F+F7lm8L98BYTaikgkltpmOxG2PfJqzeH/DdnSqAoD3MzdYDcZ9vYdoFdHVVBfTzGLx5HB8q6B+cxHzWmlRUCkpX0Pmo01zzVZSdq7cSMyx3z7wsRXHe0epDbkd9pdnKMVJEFAqA/2CN7fwFcdu/qCDH7QQZ2g21VgRhpnBwCy8fVHauh79/wAu1/TbmZwPQMDdKG57ekRHu3xXcoSPR7T27e267MxYkG4VLGRMenGDIx7VI1WLPmNb0xvBvMGoT6hkelt2BwJ3Z9qs9AKUpQClKUApSlAKUpQClKUApSlAKUpQClKUArmv6JWYP9LgQHXmPb5Hwa6aUBHrqntj98BA/wB4v0x7sD9PzyK7lYESDIPBFfSK4m6ftYNaOyMFI9DD22ggA/3h880Bq6r0S3fywIcCA4Ofz7H86o3VegXrIbzfXbNxGm3uAO3I3hTIBJM5ir/Z13a6PLaQBJ9LE/2W78HHPxXWygiCAQe1c50oy+5Kk0eNdR0YCGPqJEAD2K9+OAcfFSngzwmmrU3rrHywWQIIkkYaTGB2EZ+RVw6v4Z0927bLhhuMbUIVTCtyIkYkYip3T6dLS7UVUUdgABUQptdZ3G8yB6X4L09lt5BuEGV3nA9scGPczVgv3lRSzGFAkk1xjqG8xZXeMTcmLcTBhhO4iDgd+SK2afQwSzsbjEg+oYWMjavAj8z810SsQavOuXQvlg20OS7r6iPYIeCfdv4e3TpNItudsyxliSSSfkmuilSBSlKAUpSgFKUoBSlKAUpSgFKUoBSlKAUpSgFKUoBSlKAUpSgFKUoDXfsq6lWAKkQQa4/IuWiPLO+3ABRzkROVY5J+GPYQRUhSgKprfFCXGK6ZGv6ixcKtpvSjBjbciS5C7f7wJHPNTGk0ty6k6mAWCk2kJ2qeSCwMvkwZ9JA45nPV2VF6y20btzeqBP0N3qQoD4qgCBgV9pSgFKUoBSlKAUpSgFKUoBSlKAUpSgP/2Q=="/>
+          <p:cNvSpPr>
+            <a:spLocks noChangeAspect="1" noChangeArrowheads="1"/>
+          </p:cNvSpPr>
+          <p:nvPr/>
+        </p:nvSpPr>
+        <p:spPr bwMode="auto">
+          <a:xfrm>
+            <a:off x="155575" y="-144463"/>
+            <a:ext cx="304800" cy="304801"/>
+          </a:xfrm>
+          <a:prstGeom prst="rect">
+            <a:avLst/>
+          </a:prstGeom>
+          <a:noFill/>
+        </p:spPr>
+        <p:txBody>
+          <a:bodyPr vert="horz" wrap="square" lIns="91440" tIns="45720" rIns="91440" bIns="45720" numCol="1" anchor="t" anchorCtr="0" compatLnSpc="1">
+            <a:prstTxWarp prst="textNoShape">
+              <a:avLst/>
+            </a:prstTxWarp>
+          </a:bodyPr>
+          <a:lstStyle/>
+          <a:p>
+            <a:endParaRPr lang="en-US"/>
+          </a:p>
+        </p:txBody>
+      </p:sp>
     </p:spTree>
   </p:cSld>
   <p:clrMapOvr>
     <a:masterClrMapping/>
   </p:clrMapOvr>
+  <p:timing>
+    <p:tnLst>
+      <p:par>
+        <p:cTn id="1" dur="indefinite" restart="never" nodeType="tmRoot"/>
+      </p:par>
+    </p:tnLst>
+  </p:timing>
 </p:sld>
 </file>
 
@@ -13522,6 +15078,116 @@
       </p:grpSpPr>
       <p:sp>
         <p:nvSpPr>
+          <p:cNvPr id="2" name="Title 1"/>
+          <p:cNvSpPr>
+            <a:spLocks noGrp="1"/>
+          </p:cNvSpPr>
+          <p:nvPr>
+            <p:ph type="title"/>
+          </p:nvPr>
+        </p:nvSpPr>
+        <p:spPr/>
+        <p:txBody>
+          <a:bodyPr/>
+          <a:lstStyle/>
+          <a:p>
+            <a:r>
+              <a:rPr lang="en-US" dirty="0" smtClean="0">
+                <a:solidFill>
+                  <a:schemeClr val="tx1">
+                    <a:lumMod val="85000"/>
+                    <a:lumOff val="15000"/>
+                  </a:schemeClr>
+                </a:solidFill>
+              </a:rPr>
+              <a:t>Here Be Subsystem Slides (Still Have to Make CDH/ADC ones)</a:t>
+            </a:r>
+            <a:endParaRPr lang="en-US" dirty="0">
+              <a:solidFill>
+                <a:schemeClr val="tx1">
+                  <a:lumMod val="85000"/>
+                  <a:lumOff val="15000"/>
+                </a:schemeClr>
+              </a:solidFill>
+            </a:endParaRPr>
+          </a:p>
+        </p:txBody>
+      </p:sp>
+      <p:sp>
+        <p:nvSpPr>
+          <p:cNvPr id="3" name="Content Placeholder 2"/>
+          <p:cNvSpPr>
+            <a:spLocks noGrp="1"/>
+          </p:cNvSpPr>
+          <p:nvPr>
+            <p:ph idx="1"/>
+          </p:nvPr>
+        </p:nvSpPr>
+        <p:spPr/>
+        <p:txBody>
+          <a:bodyPr/>
+          <a:lstStyle/>
+          <a:p>
+            <a:endParaRPr lang="en-US"/>
+          </a:p>
+        </p:txBody>
+      </p:sp>
+      <p:sp>
+        <p:nvSpPr>
+          <p:cNvPr id="4" name="Slide Number Placeholder 3"/>
+          <p:cNvSpPr>
+            <a:spLocks noGrp="1"/>
+          </p:cNvSpPr>
+          <p:nvPr>
+            <p:ph type="sldNum" idx="12"/>
+          </p:nvPr>
+        </p:nvSpPr>
+        <p:spPr/>
+        <p:txBody>
+          <a:bodyPr/>
+          <a:lstStyle/>
+          <a:p>
+            <a:pPr>
+              <a:defRPr/>
+            </a:pPr>
+            <a:fld id="{8C6E2802-7AC4-44BB-B0A5-E12803E0614A}" type="slidenum">
+              <a:rPr lang="en-US" altLang="en-US" smtClean="0"/>
+              <a:pPr>
+                <a:defRPr/>
+              </a:pPr>
+              <a:t>20</a:t>
+            </a:fld>
+            <a:endParaRPr lang="en-US" altLang="en-US" dirty="0"/>
+          </a:p>
+        </p:txBody>
+      </p:sp>
+    </p:spTree>
+  </p:cSld>
+  <p:clrMapOvr>
+    <a:masterClrMapping/>
+  </p:clrMapOvr>
+</p:sld>
+</file>
+
+<file path=ppt/slides/slide21.xml><?xml version="1.0" encoding="utf-8"?>
+<p:sld xmlns:a="http://schemas.openxmlformats.org/drawingml/2006/main" xmlns:r="http://schemas.openxmlformats.org/officeDocument/2006/relationships" xmlns:p="http://schemas.openxmlformats.org/presentationml/2006/main">
+  <p:cSld>
+    <p:spTree>
+      <p:nvGrpSpPr>
+        <p:cNvPr id="1" name=""/>
+        <p:cNvGrpSpPr/>
+        <p:nvPr/>
+      </p:nvGrpSpPr>
+      <p:grpSpPr>
+        <a:xfrm>
+          <a:off x="0" y="0"/>
+          <a:ext cx="0" cy="0"/>
+          <a:chOff x="0" y="0"/>
+          <a:chExt cx="0" cy="0"/>
+        </a:xfrm>
+      </p:grpSpPr>
+      <p:sp>
+        <p:nvSpPr>
           <p:cNvPr id="2" name="Subtitle 1"/>
           <p:cNvSpPr>
             <a:spLocks noGrp="1"/>
@@ -13605,21 +15271,21 @@
             <a:r>
               <a:rPr lang="en-US" sz="3200" dirty="0" smtClean="0">
                 <a:solidFill>
-                  <a:schemeClr val="bg1">
-                    <a:lumMod val="65000"/>
-                  </a:schemeClr>
-                </a:solidFill>
-              </a:rPr>
-              <a:t>CONOPS</a:t>
-            </a:r>
-          </a:p>
-          <a:p>
-            <a:r>
-              <a:rPr lang="en-US" sz="3200" dirty="0" smtClean="0">
-                <a:solidFill>
                   <a:schemeClr val="tx1">
                     <a:lumMod val="85000"/>
                     <a:lumOff val="15000"/>
+                  </a:schemeClr>
+                </a:solidFill>
+              </a:rPr>
+              <a:t>CONOPS</a:t>
+            </a:r>
+          </a:p>
+          <a:p>
+            <a:r>
+              <a:rPr lang="en-US" sz="3200" dirty="0" smtClean="0">
+                <a:solidFill>
+                  <a:schemeClr val="bg1">
+                    <a:lumMod val="65000"/>
                   </a:schemeClr>
                 </a:solidFill>
               </a:rPr>
@@ -13686,116 +15352,6 @@
 </p:sld>
 </file>
 
-<file path=ppt/slides/slide21.xml><?xml version="1.0" encoding="utf-8"?>
-<p:sld xmlns:a="http://schemas.openxmlformats.org/drawingml/2006/main" xmlns:r="http://schemas.openxmlformats.org/officeDocument/2006/relationships" xmlns:p="http://schemas.openxmlformats.org/presentationml/2006/main">
-  <p:cSld>
-    <p:spTree>
-      <p:nvGrpSpPr>
-        <p:cNvPr id="1" name=""/>
-        <p:cNvGrpSpPr/>
-        <p:nvPr/>
-      </p:nvGrpSpPr>
-      <p:grpSpPr>
-        <a:xfrm>
-          <a:off x="0" y="0"/>
-          <a:ext cx="0" cy="0"/>
-          <a:chOff x="0" y="0"/>
-          <a:chExt cx="0" cy="0"/>
-        </a:xfrm>
-      </p:grpSpPr>
-      <p:sp>
-        <p:nvSpPr>
-          <p:cNvPr id="2" name="Title 1"/>
-          <p:cNvSpPr>
-            <a:spLocks noGrp="1"/>
-          </p:cNvSpPr>
-          <p:nvPr>
-            <p:ph type="title"/>
-          </p:nvPr>
-        </p:nvSpPr>
-        <p:spPr/>
-        <p:txBody>
-          <a:bodyPr/>
-          <a:lstStyle/>
-          <a:p>
-            <a:r>
-              <a:rPr lang="en-US" dirty="0" smtClean="0">
-                <a:solidFill>
-                  <a:schemeClr val="tx1">
-                    <a:lumMod val="85000"/>
-                    <a:lumOff val="15000"/>
-                  </a:schemeClr>
-                </a:solidFill>
-              </a:rPr>
-              <a:t>Here be Risk Assessment</a:t>
-            </a:r>
-            <a:endParaRPr lang="en-US" dirty="0">
-              <a:solidFill>
-                <a:schemeClr val="tx1">
-                  <a:lumMod val="85000"/>
-                  <a:lumOff val="15000"/>
-                </a:schemeClr>
-              </a:solidFill>
-            </a:endParaRPr>
-          </a:p>
-        </p:txBody>
-      </p:sp>
-      <p:sp>
-        <p:nvSpPr>
-          <p:cNvPr id="3" name="Content Placeholder 2"/>
-          <p:cNvSpPr>
-            <a:spLocks noGrp="1"/>
-          </p:cNvSpPr>
-          <p:nvPr>
-            <p:ph idx="1"/>
-          </p:nvPr>
-        </p:nvSpPr>
-        <p:spPr/>
-        <p:txBody>
-          <a:bodyPr/>
-          <a:lstStyle/>
-          <a:p>
-            <a:endParaRPr lang="en-US"/>
-          </a:p>
-        </p:txBody>
-      </p:sp>
-      <p:sp>
-        <p:nvSpPr>
-          <p:cNvPr id="4" name="Slide Number Placeholder 3"/>
-          <p:cNvSpPr>
-            <a:spLocks noGrp="1"/>
-          </p:cNvSpPr>
-          <p:nvPr>
-            <p:ph type="sldNum" idx="12"/>
-          </p:nvPr>
-        </p:nvSpPr>
-        <p:spPr/>
-        <p:txBody>
-          <a:bodyPr/>
-          <a:lstStyle/>
-          <a:p>
-            <a:pPr>
-              <a:defRPr/>
-            </a:pPr>
-            <a:fld id="{8C6E2802-7AC4-44BB-B0A5-E12803E0614A}" type="slidenum">
-              <a:rPr lang="en-US" altLang="en-US" smtClean="0"/>
-              <a:pPr>
-                <a:defRPr/>
-              </a:pPr>
-              <a:t>21</a:t>
-            </a:fld>
-            <a:endParaRPr lang="en-US" altLang="en-US" dirty="0"/>
-          </a:p>
-        </p:txBody>
-      </p:sp>
-    </p:spTree>
-  </p:cSld>
-  <p:clrMapOvr>
-    <a:masterClrMapping/>
-  </p:clrMapOvr>
-</p:sld>
-</file>
-
 <file path=ppt/slides/slide22.xml><?xml version="1.0" encoding="utf-8"?>
 <p:sld xmlns:a="http://schemas.openxmlformats.org/drawingml/2006/main" xmlns:r="http://schemas.openxmlformats.org/officeDocument/2006/relationships" xmlns:p="http://schemas.openxmlformats.org/presentationml/2006/main">
   <p:cSld>
@@ -13815,6 +15371,116 @@
       </p:grpSpPr>
       <p:sp>
         <p:nvSpPr>
+          <p:cNvPr id="2" name="Title 1"/>
+          <p:cNvSpPr>
+            <a:spLocks noGrp="1"/>
+          </p:cNvSpPr>
+          <p:nvPr>
+            <p:ph type="title"/>
+          </p:nvPr>
+        </p:nvSpPr>
+        <p:spPr/>
+        <p:txBody>
+          <a:bodyPr/>
+          <a:lstStyle/>
+          <a:p>
+            <a:r>
+              <a:rPr lang="en-US" dirty="0" smtClean="0">
+                <a:solidFill>
+                  <a:schemeClr val="tx1">
+                    <a:lumMod val="85000"/>
+                    <a:lumOff val="15000"/>
+                  </a:schemeClr>
+                </a:solidFill>
+              </a:rPr>
+              <a:t>Here be CONOPS</a:t>
+            </a:r>
+            <a:endParaRPr lang="en-US" dirty="0">
+              <a:solidFill>
+                <a:schemeClr val="tx1">
+                  <a:lumMod val="85000"/>
+                  <a:lumOff val="15000"/>
+                </a:schemeClr>
+              </a:solidFill>
+            </a:endParaRPr>
+          </a:p>
+        </p:txBody>
+      </p:sp>
+      <p:sp>
+        <p:nvSpPr>
+          <p:cNvPr id="3" name="Content Placeholder 2"/>
+          <p:cNvSpPr>
+            <a:spLocks noGrp="1"/>
+          </p:cNvSpPr>
+          <p:nvPr>
+            <p:ph idx="1"/>
+          </p:nvPr>
+        </p:nvSpPr>
+        <p:spPr/>
+        <p:txBody>
+          <a:bodyPr/>
+          <a:lstStyle/>
+          <a:p>
+            <a:endParaRPr lang="en-US"/>
+          </a:p>
+        </p:txBody>
+      </p:sp>
+      <p:sp>
+        <p:nvSpPr>
+          <p:cNvPr id="4" name="Slide Number Placeholder 3"/>
+          <p:cNvSpPr>
+            <a:spLocks noGrp="1"/>
+          </p:cNvSpPr>
+          <p:nvPr>
+            <p:ph type="sldNum" idx="12"/>
+          </p:nvPr>
+        </p:nvSpPr>
+        <p:spPr/>
+        <p:txBody>
+          <a:bodyPr/>
+          <a:lstStyle/>
+          <a:p>
+            <a:pPr>
+              <a:defRPr/>
+            </a:pPr>
+            <a:fld id="{8C6E2802-7AC4-44BB-B0A5-E12803E0614A}" type="slidenum">
+              <a:rPr lang="en-US" altLang="en-US" smtClean="0"/>
+              <a:pPr>
+                <a:defRPr/>
+              </a:pPr>
+              <a:t>22</a:t>
+            </a:fld>
+            <a:endParaRPr lang="en-US" altLang="en-US" dirty="0"/>
+          </a:p>
+        </p:txBody>
+      </p:sp>
+    </p:spTree>
+  </p:cSld>
+  <p:clrMapOvr>
+    <a:masterClrMapping/>
+  </p:clrMapOvr>
+</p:sld>
+</file>
+
+<file path=ppt/slides/slide23.xml><?xml version="1.0" encoding="utf-8"?>
+<p:sld xmlns:a="http://schemas.openxmlformats.org/drawingml/2006/main" xmlns:r="http://schemas.openxmlformats.org/officeDocument/2006/relationships" xmlns:p="http://schemas.openxmlformats.org/presentationml/2006/main">
+  <p:cSld>
+    <p:spTree>
+      <p:nvGrpSpPr>
+        <p:cNvPr id="1" name=""/>
+        <p:cNvGrpSpPr/>
+        <p:nvPr/>
+      </p:nvGrpSpPr>
+      <p:grpSpPr>
+        <a:xfrm>
+          <a:off x="0" y="0"/>
+          <a:ext cx="0" cy="0"/>
+          <a:chOff x="0" y="0"/>
+          <a:chExt cx="0" cy="0"/>
+        </a:xfrm>
+      </p:grpSpPr>
+      <p:sp>
+        <p:nvSpPr>
           <p:cNvPr id="2" name="Subtitle 1"/>
           <p:cNvSpPr>
             <a:spLocks noGrp="1"/>
@@ -13910,19 +15576,22 @@
             <a:r>
               <a:rPr lang="en-US" sz="3200" dirty="0" smtClean="0">
                 <a:solidFill>
+                  <a:schemeClr val="tx1">
+                    <a:lumMod val="85000"/>
+                    <a:lumOff val="15000"/>
+                  </a:schemeClr>
+                </a:solidFill>
+              </a:rPr>
+              <a:t>Risk Assessment</a:t>
+            </a:r>
+          </a:p>
+          <a:p>
+            <a:r>
+              <a:rPr lang="en-US" sz="3200" dirty="0" smtClean="0">
+                <a:solidFill>
                   <a:schemeClr val="bg1">
                     <a:lumMod val="65000"/>
                   </a:schemeClr>
-                </a:solidFill>
-              </a:rPr>
-              <a:t>Risk Assessment</a:t>
-            </a:r>
-          </a:p>
-          <a:p>
-            <a:r>
-              <a:rPr lang="en-US" sz="3200" dirty="0" smtClean="0">
-                <a:solidFill>
-                  <a:schemeClr val="tx1"/>
                 </a:solidFill>
               </a:rPr>
               <a:t>Schedule</a:t>
@@ -13976,7 +15645,7 @@
 </p:sld>
 </file>
 
-<file path=ppt/slides/slide23.xml><?xml version="1.0" encoding="utf-8"?>
+<file path=ppt/slides/slide24.xml><?xml version="1.0" encoding="utf-8"?>
 <p:sld xmlns:a="http://schemas.openxmlformats.org/drawingml/2006/main" xmlns:r="http://schemas.openxmlformats.org/officeDocument/2006/relationships" xmlns:p="http://schemas.openxmlformats.org/presentationml/2006/main">
   <p:cSld>
     <p:spTree>
@@ -14017,7 +15686,7 @@
                   </a:schemeClr>
                 </a:solidFill>
               </a:rPr>
-              <a:t>Here be Schedule</a:t>
+              <a:t>Here be Risk Assessment</a:t>
             </a:r>
             <a:endParaRPr lang="en-US" dirty="0">
               <a:solidFill>
@@ -14072,7 +15741,7 @@
               <a:pPr>
                 <a:defRPr/>
               </a:pPr>
-              <a:t>23</a:t>
+              <a:t>24</a:t>
             </a:fld>
             <a:endParaRPr lang="en-US" altLang="en-US" dirty="0"/>
           </a:p>
@@ -14086,7 +15755,297 @@
 </p:sld>
 </file>
 
-<file path=ppt/slides/slide24.xml><?xml version="1.0" encoding="utf-8"?>
+<file path=ppt/slides/slide25.xml><?xml version="1.0" encoding="utf-8"?>
+<p:sld xmlns:a="http://schemas.openxmlformats.org/drawingml/2006/main" xmlns:r="http://schemas.openxmlformats.org/officeDocument/2006/relationships" xmlns:p="http://schemas.openxmlformats.org/presentationml/2006/main">
+  <p:cSld>
+    <p:spTree>
+      <p:nvGrpSpPr>
+        <p:cNvPr id="1" name=""/>
+        <p:cNvGrpSpPr/>
+        <p:nvPr/>
+      </p:nvGrpSpPr>
+      <p:grpSpPr>
+        <a:xfrm>
+          <a:off x="0" y="0"/>
+          <a:ext cx="0" cy="0"/>
+          <a:chOff x="0" y="0"/>
+          <a:chExt cx="0" cy="0"/>
+        </a:xfrm>
+      </p:grpSpPr>
+      <p:sp>
+        <p:nvSpPr>
+          <p:cNvPr id="2" name="Subtitle 1"/>
+          <p:cNvSpPr>
+            <a:spLocks noGrp="1"/>
+          </p:cNvSpPr>
+          <p:nvPr>
+            <p:ph type="subTitle" idx="1"/>
+          </p:nvPr>
+        </p:nvSpPr>
+        <p:spPr>
+          <a:xfrm>
+            <a:off x="1456531" y="971338"/>
+            <a:ext cx="7053104" cy="6591512"/>
+          </a:xfrm>
+        </p:spPr>
+        <p:txBody>
+          <a:bodyPr/>
+          <a:lstStyle/>
+          <a:p>
+            <a:r>
+              <a:rPr lang="en-US" sz="3200" dirty="0" smtClean="0">
+                <a:solidFill>
+                  <a:schemeClr val="bg1">
+                    <a:lumMod val="65000"/>
+                  </a:schemeClr>
+                </a:solidFill>
+              </a:rPr>
+              <a:t>Group Organization</a:t>
+            </a:r>
+            <a:endParaRPr lang="en-US" sz="3200" dirty="0" smtClean="0">
+              <a:solidFill>
+                <a:schemeClr val="bg1">
+                  <a:lumMod val="65000"/>
+                </a:schemeClr>
+              </a:solidFill>
+            </a:endParaRPr>
+          </a:p>
+          <a:p>
+            <a:r>
+              <a:rPr lang="en-US" sz="3200" dirty="0" smtClean="0">
+                <a:solidFill>
+                  <a:schemeClr val="bg1">
+                    <a:lumMod val="65000"/>
+                  </a:schemeClr>
+                </a:solidFill>
+              </a:rPr>
+              <a:t>Project Overview</a:t>
+            </a:r>
+          </a:p>
+          <a:p>
+            <a:r>
+              <a:rPr lang="en-US" sz="3200" dirty="0" smtClean="0">
+                <a:solidFill>
+                  <a:schemeClr val="bg1">
+                    <a:lumMod val="65000"/>
+                  </a:schemeClr>
+                </a:solidFill>
+              </a:rPr>
+              <a:t>Design Constraints</a:t>
+            </a:r>
+            <a:endParaRPr lang="en-US" sz="3200" dirty="0" smtClean="0">
+              <a:solidFill>
+                <a:schemeClr val="bg1">
+                  <a:lumMod val="65000"/>
+                </a:schemeClr>
+              </a:solidFill>
+            </a:endParaRPr>
+          </a:p>
+          <a:p>
+            <a:r>
+              <a:rPr lang="en-US" sz="3200" dirty="0" smtClean="0">
+                <a:solidFill>
+                  <a:schemeClr val="bg1">
+                    <a:lumMod val="65000"/>
+                  </a:schemeClr>
+                </a:solidFill>
+              </a:rPr>
+              <a:t>Mission Architecture</a:t>
+            </a:r>
+          </a:p>
+          <a:p>
+            <a:r>
+              <a:rPr lang="en-US" sz="3200" dirty="0" smtClean="0">
+                <a:solidFill>
+                  <a:schemeClr val="bg1">
+                    <a:lumMod val="65000"/>
+                  </a:schemeClr>
+                </a:solidFill>
+              </a:rPr>
+              <a:t>CONOPS</a:t>
+            </a:r>
+          </a:p>
+          <a:p>
+            <a:r>
+              <a:rPr lang="en-US" sz="3200" dirty="0" smtClean="0">
+                <a:solidFill>
+                  <a:schemeClr val="bg1">
+                    <a:lumMod val="65000"/>
+                  </a:schemeClr>
+                </a:solidFill>
+              </a:rPr>
+              <a:t>Risk Assessment</a:t>
+            </a:r>
+          </a:p>
+          <a:p>
+            <a:r>
+              <a:rPr lang="en-US" sz="3200" dirty="0" smtClean="0">
+                <a:solidFill>
+                  <a:schemeClr val="tx1"/>
+                </a:solidFill>
+              </a:rPr>
+              <a:t>Schedule</a:t>
+            </a:r>
+          </a:p>
+          <a:p>
+            <a:endParaRPr lang="en-US" sz="4000" dirty="0">
+              <a:solidFill>
+                <a:schemeClr val="bg1">
+                  <a:lumMod val="65000"/>
+                </a:schemeClr>
+              </a:solidFill>
+            </a:endParaRPr>
+          </a:p>
+          <a:p>
+            <a:endParaRPr lang="en-US" dirty="0" smtClean="0">
+              <a:solidFill>
+                <a:schemeClr val="bg1">
+                  <a:lumMod val="65000"/>
+                </a:schemeClr>
+              </a:solidFill>
+            </a:endParaRPr>
+          </a:p>
+        </p:txBody>
+      </p:sp>
+    </p:spTree>
+    <p:extLst>
+      <p:ext uri="{BB962C8B-B14F-4D97-AF65-F5344CB8AC3E}">
+        <p14:creationId xmlns:p14="http://schemas.microsoft.com/office/powerpoint/2010/main" xmlns="" val="1899034955"/>
+      </p:ext>
+    </p:extLst>
+  </p:cSld>
+  <p:clrMapOvr>
+    <a:masterClrMapping/>
+  </p:clrMapOvr>
+  <mc:AlternateContent xmlns:mc="http://schemas.openxmlformats.org/markup-compatibility/2006">
+    <mc:Choice xmlns:p14="http://schemas.microsoft.com/office/powerpoint/2010/main" xmlns="" Requires="p14">
+      <p:transition spd="slow" p14:dur="2000" advTm="1111"/>
+    </mc:Choice>
+    <mc:Fallback>
+      <p:transition spd="slow" advTm="1111"/>
+    </mc:Fallback>
+  </mc:AlternateContent>
+  <p:timing>
+    <p:tnLst>
+      <p:par>
+        <p:cTn id="1" dur="indefinite" restart="never" nodeType="tmRoot"/>
+      </p:par>
+    </p:tnLst>
+  </p:timing>
+</p:sld>
+</file>
+
+<file path=ppt/slides/slide26.xml><?xml version="1.0" encoding="utf-8"?>
+<p:sld xmlns:a="http://schemas.openxmlformats.org/drawingml/2006/main" xmlns:r="http://schemas.openxmlformats.org/officeDocument/2006/relationships" xmlns:p="http://schemas.openxmlformats.org/presentationml/2006/main">
+  <p:cSld>
+    <p:spTree>
+      <p:nvGrpSpPr>
+        <p:cNvPr id="1" name=""/>
+        <p:cNvGrpSpPr/>
+        <p:nvPr/>
+      </p:nvGrpSpPr>
+      <p:grpSpPr>
+        <a:xfrm>
+          <a:off x="0" y="0"/>
+          <a:ext cx="0" cy="0"/>
+          <a:chOff x="0" y="0"/>
+          <a:chExt cx="0" cy="0"/>
+        </a:xfrm>
+      </p:grpSpPr>
+      <p:sp>
+        <p:nvSpPr>
+          <p:cNvPr id="2" name="Title 1"/>
+          <p:cNvSpPr>
+            <a:spLocks noGrp="1"/>
+          </p:cNvSpPr>
+          <p:nvPr>
+            <p:ph type="title"/>
+          </p:nvPr>
+        </p:nvSpPr>
+        <p:spPr/>
+        <p:txBody>
+          <a:bodyPr/>
+          <a:lstStyle/>
+          <a:p>
+            <a:r>
+              <a:rPr lang="en-US" dirty="0" smtClean="0">
+                <a:solidFill>
+                  <a:schemeClr val="tx1">
+                    <a:lumMod val="85000"/>
+                    <a:lumOff val="15000"/>
+                  </a:schemeClr>
+                </a:solidFill>
+              </a:rPr>
+              <a:t>Here be Schedule</a:t>
+            </a:r>
+            <a:endParaRPr lang="en-US" dirty="0">
+              <a:solidFill>
+                <a:schemeClr val="tx1">
+                  <a:lumMod val="85000"/>
+                  <a:lumOff val="15000"/>
+                </a:schemeClr>
+              </a:solidFill>
+            </a:endParaRPr>
+          </a:p>
+        </p:txBody>
+      </p:sp>
+      <p:sp>
+        <p:nvSpPr>
+          <p:cNvPr id="3" name="Content Placeholder 2"/>
+          <p:cNvSpPr>
+            <a:spLocks noGrp="1"/>
+          </p:cNvSpPr>
+          <p:nvPr>
+            <p:ph idx="1"/>
+          </p:nvPr>
+        </p:nvSpPr>
+        <p:spPr/>
+        <p:txBody>
+          <a:bodyPr/>
+          <a:lstStyle/>
+          <a:p>
+            <a:endParaRPr lang="en-US"/>
+          </a:p>
+        </p:txBody>
+      </p:sp>
+      <p:sp>
+        <p:nvSpPr>
+          <p:cNvPr id="4" name="Slide Number Placeholder 3"/>
+          <p:cNvSpPr>
+            <a:spLocks noGrp="1"/>
+          </p:cNvSpPr>
+          <p:nvPr>
+            <p:ph type="sldNum" idx="12"/>
+          </p:nvPr>
+        </p:nvSpPr>
+        <p:spPr/>
+        <p:txBody>
+          <a:bodyPr/>
+          <a:lstStyle/>
+          <a:p>
+            <a:pPr>
+              <a:defRPr/>
+            </a:pPr>
+            <a:fld id="{8C6E2802-7AC4-44BB-B0A5-E12803E0614A}" type="slidenum">
+              <a:rPr lang="en-US" altLang="en-US" smtClean="0"/>
+              <a:pPr>
+                <a:defRPr/>
+              </a:pPr>
+              <a:t>26</a:t>
+            </a:fld>
+            <a:endParaRPr lang="en-US" altLang="en-US" dirty="0"/>
+          </a:p>
+        </p:txBody>
+      </p:sp>
+    </p:spTree>
+  </p:cSld>
+  <p:clrMapOvr>
+    <a:masterClrMapping/>
+  </p:clrMapOvr>
+</p:sld>
+</file>
+
+<file path=ppt/slides/slide27.xml><?xml version="1.0" encoding="utf-8"?>
 <p:sld xmlns:a="http://schemas.openxmlformats.org/drawingml/2006/main" xmlns:r="http://schemas.openxmlformats.org/officeDocument/2006/relationships" xmlns:p="http://schemas.openxmlformats.org/presentationml/2006/main">
   <p:cSld>
     <p:spTree>
@@ -14993,7 +16952,7 @@
               <a:pPr>
                 <a:defRPr/>
               </a:pPr>
-              <a:t>24</a:t>
+              <a:t>27</a:t>
             </a:fld>
             <a:endParaRPr lang="en-US" altLang="en-US" dirty="0"/>
           </a:p>
